--- a/docs/ttm 기획서 pt.pptx
+++ b/docs/ttm 기획서 pt.pptx
@@ -4,6 +4,10 @@
   <p:sldMasterIdLst>
     <p:sldMasterId id="2147483648" r:id="rId1"/>
   </p:sldMasterIdLst>
+  <p:sldIdLst>
+    <p:sldId id="256" r:id="rId2"/>
+    <p:sldId id="257" r:id="rId3"/>
+  </p:sldIdLst>
   <p:sldSz cx="9144000" cy="6858000" type="screen4x3"/>
   <p:notesSz cx="6858000" cy="9144000"/>
   <p:defaultTextStyle>
@@ -285,7 +289,7 @@
           <a:p>
             <a:fld id="{FB30EDBD-1C2D-4C1E-B459-B60219FAB484}" type="datetimeFigureOut">
               <a:rPr lang="ko-KR" altLang="en-US" smtClean="0"/>
-              <a:t>2006-10-04</a:t>
+              <a:t>2015-04-21</a:t>
             </a:fld>
             <a:endParaRPr lang="ko-KR" altLang="en-US"/>
           </a:p>
@@ -450,7 +454,7 @@
           <a:p>
             <a:fld id="{FB30EDBD-1C2D-4C1E-B459-B60219FAB484}" type="datetimeFigureOut">
               <a:rPr lang="ko-KR" altLang="en-US" smtClean="0"/>
-              <a:t>2006-10-04</a:t>
+              <a:t>2015-04-21</a:t>
             </a:fld>
             <a:endParaRPr lang="ko-KR" altLang="en-US"/>
           </a:p>
@@ -625,7 +629,7 @@
           <a:p>
             <a:fld id="{FB30EDBD-1C2D-4C1E-B459-B60219FAB484}" type="datetimeFigureOut">
               <a:rPr lang="ko-KR" altLang="en-US" smtClean="0"/>
-              <a:t>2006-10-04</a:t>
+              <a:t>2015-04-21</a:t>
             </a:fld>
             <a:endParaRPr lang="ko-KR" altLang="en-US"/>
           </a:p>
@@ -790,7 +794,7 @@
           <a:p>
             <a:fld id="{FB30EDBD-1C2D-4C1E-B459-B60219FAB484}" type="datetimeFigureOut">
               <a:rPr lang="ko-KR" altLang="en-US" smtClean="0"/>
-              <a:t>2006-10-04</a:t>
+              <a:t>2015-04-21</a:t>
             </a:fld>
             <a:endParaRPr lang="ko-KR" altLang="en-US"/>
           </a:p>
@@ -1031,7 +1035,7 @@
           <a:p>
             <a:fld id="{FB30EDBD-1C2D-4C1E-B459-B60219FAB484}" type="datetimeFigureOut">
               <a:rPr lang="ko-KR" altLang="en-US" smtClean="0"/>
-              <a:t>2006-10-04</a:t>
+              <a:t>2015-04-21</a:t>
             </a:fld>
             <a:endParaRPr lang="ko-KR" altLang="en-US"/>
           </a:p>
@@ -1314,7 +1318,7 @@
           <a:p>
             <a:fld id="{FB30EDBD-1C2D-4C1E-B459-B60219FAB484}" type="datetimeFigureOut">
               <a:rPr lang="ko-KR" altLang="en-US" smtClean="0"/>
-              <a:t>2006-10-04</a:t>
+              <a:t>2015-04-21</a:t>
             </a:fld>
             <a:endParaRPr lang="ko-KR" altLang="en-US"/>
           </a:p>
@@ -1731,7 +1735,7 @@
           <a:p>
             <a:fld id="{FB30EDBD-1C2D-4C1E-B459-B60219FAB484}" type="datetimeFigureOut">
               <a:rPr lang="ko-KR" altLang="en-US" smtClean="0"/>
-              <a:t>2006-10-04</a:t>
+              <a:t>2015-04-21</a:t>
             </a:fld>
             <a:endParaRPr lang="ko-KR" altLang="en-US"/>
           </a:p>
@@ -1844,7 +1848,7 @@
           <a:p>
             <a:fld id="{FB30EDBD-1C2D-4C1E-B459-B60219FAB484}" type="datetimeFigureOut">
               <a:rPr lang="ko-KR" altLang="en-US" smtClean="0"/>
-              <a:t>2006-10-04</a:t>
+              <a:t>2015-04-21</a:t>
             </a:fld>
             <a:endParaRPr lang="ko-KR" altLang="en-US"/>
           </a:p>
@@ -1934,7 +1938,7 @@
           <a:p>
             <a:fld id="{FB30EDBD-1C2D-4C1E-B459-B60219FAB484}" type="datetimeFigureOut">
               <a:rPr lang="ko-KR" altLang="en-US" smtClean="0"/>
-              <a:t>2006-10-04</a:t>
+              <a:t>2015-04-21</a:t>
             </a:fld>
             <a:endParaRPr lang="ko-KR" altLang="en-US"/>
           </a:p>
@@ -2206,7 +2210,7 @@
           <a:p>
             <a:fld id="{FB30EDBD-1C2D-4C1E-B459-B60219FAB484}" type="datetimeFigureOut">
               <a:rPr lang="ko-KR" altLang="en-US" smtClean="0"/>
-              <a:t>2006-10-04</a:t>
+              <a:t>2015-04-21</a:t>
             </a:fld>
             <a:endParaRPr lang="ko-KR" altLang="en-US"/>
           </a:p>
@@ -2454,7 +2458,7 @@
           <a:p>
             <a:fld id="{FB30EDBD-1C2D-4C1E-B459-B60219FAB484}" type="datetimeFigureOut">
               <a:rPr lang="ko-KR" altLang="en-US" smtClean="0"/>
-              <a:t>2006-10-04</a:t>
+              <a:t>2015-04-21</a:t>
             </a:fld>
             <a:endParaRPr lang="ko-KR" altLang="en-US"/>
           </a:p>
@@ -2662,7 +2666,7 @@
           <a:p>
             <a:fld id="{FB30EDBD-1C2D-4C1E-B459-B60219FAB484}" type="datetimeFigureOut">
               <a:rPr lang="ko-KR" altLang="en-US" smtClean="0"/>
-              <a:t>2006-10-04</a:t>
+              <a:t>2015-04-21</a:t>
             </a:fld>
             <a:endParaRPr lang="ko-KR" altLang="en-US"/>
           </a:p>
@@ -3013,6 +3017,247 @@
     </p:otherStyle>
   </p:txStyles>
 </p:sldMaster>
+</file>
+
+<file path=ppt/slides/slide1.xml><?xml version="1.0" encoding="utf-8"?>
+<p:sld xmlns:a="http://schemas.openxmlformats.org/drawingml/2006/main" xmlns:r="http://schemas.openxmlformats.org/officeDocument/2006/relationships" xmlns:p="http://schemas.openxmlformats.org/presentationml/2006/main">
+  <p:cSld>
+    <p:spTree>
+      <p:nvGrpSpPr>
+        <p:cNvPr id="1" name=""/>
+        <p:cNvGrpSpPr/>
+        <p:nvPr/>
+      </p:nvGrpSpPr>
+      <p:grpSpPr>
+        <a:xfrm>
+          <a:off x="0" y="0"/>
+          <a:ext cx="0" cy="0"/>
+          <a:chOff x="0" y="0"/>
+          <a:chExt cx="0" cy="0"/>
+        </a:xfrm>
+      </p:grpSpPr>
+      <p:sp>
+        <p:nvSpPr>
+          <p:cNvPr id="2" name="제목 1"/>
+          <p:cNvSpPr>
+            <a:spLocks noGrp="1"/>
+          </p:cNvSpPr>
+          <p:nvPr>
+            <p:ph type="ctrTitle"/>
+          </p:nvPr>
+        </p:nvSpPr>
+        <p:spPr/>
+        <p:txBody>
+          <a:bodyPr/>
+          <a:lstStyle/>
+          <a:p>
+            <a:r>
+              <a:rPr lang="en-US" altLang="ko-KR" dirty="0" err="1" smtClean="0"/>
+              <a:t>Tatoo</a:t>
+            </a:r>
+            <a:r>
+              <a:rPr lang="en-US" altLang="ko-KR" dirty="0" smtClean="0"/>
+              <a:t> Marketer </a:t>
+            </a:r>
+            <a:r>
+              <a:rPr lang="ko-KR" altLang="en-US" dirty="0" smtClean="0"/>
+              <a:t>간단 기획서</a:t>
+            </a:r>
+            <a:endParaRPr lang="ko-KR" altLang="en-US" dirty="0"/>
+          </a:p>
+        </p:txBody>
+      </p:sp>
+      <p:sp>
+        <p:nvSpPr>
+          <p:cNvPr id="3" name="부제목 2"/>
+          <p:cNvSpPr>
+            <a:spLocks noGrp="1"/>
+          </p:cNvSpPr>
+          <p:nvPr>
+            <p:ph type="subTitle" idx="1"/>
+          </p:nvPr>
+        </p:nvSpPr>
+        <p:spPr/>
+        <p:txBody>
+          <a:bodyPr/>
+          <a:lstStyle/>
+          <a:p>
+            <a:endParaRPr lang="en-US" altLang="ko-KR" dirty="0" smtClean="0"/>
+          </a:p>
+          <a:p>
+            <a:pPr algn="r"/>
+            <a:r>
+              <a:rPr lang="ko-KR" altLang="en-US" dirty="0" smtClean="0"/>
+              <a:t>김대</a:t>
+            </a:r>
+            <a:r>
+              <a:rPr lang="ko-KR" altLang="en-US" dirty="0"/>
+              <a:t>호</a:t>
+            </a:r>
+          </a:p>
+        </p:txBody>
+      </p:sp>
+    </p:spTree>
+    <p:extLst>
+      <p:ext uri="{BB962C8B-B14F-4D97-AF65-F5344CB8AC3E}">
+        <p14:creationId xmlns:p14="http://schemas.microsoft.com/office/powerpoint/2010/main" val="3017961362"/>
+      </p:ext>
+    </p:extLst>
+  </p:cSld>
+  <p:clrMapOvr>
+    <a:masterClrMapping/>
+  </p:clrMapOvr>
+  <p:timing>
+    <p:tnLst>
+      <p:par>
+        <p:cTn id="1" dur="indefinite" restart="never" nodeType="tmRoot"/>
+      </p:par>
+    </p:tnLst>
+  </p:timing>
+</p:sld>
+</file>
+
+<file path=ppt/slides/slide2.xml><?xml version="1.0" encoding="utf-8"?>
+<p:sld xmlns:a="http://schemas.openxmlformats.org/drawingml/2006/main" xmlns:r="http://schemas.openxmlformats.org/officeDocument/2006/relationships" xmlns:p="http://schemas.openxmlformats.org/presentationml/2006/main">
+  <p:cSld>
+    <p:spTree>
+      <p:nvGrpSpPr>
+        <p:cNvPr id="1" name=""/>
+        <p:cNvGrpSpPr/>
+        <p:nvPr/>
+      </p:nvGrpSpPr>
+      <p:grpSpPr>
+        <a:xfrm>
+          <a:off x="0" y="0"/>
+          <a:ext cx="0" cy="0"/>
+          <a:chOff x="0" y="0"/>
+          <a:chExt cx="0" cy="0"/>
+        </a:xfrm>
+      </p:grpSpPr>
+      <p:sp>
+        <p:nvSpPr>
+          <p:cNvPr id="2" name="제목 1"/>
+          <p:cNvSpPr>
+            <a:spLocks noGrp="1"/>
+          </p:cNvSpPr>
+          <p:nvPr>
+            <p:ph type="title"/>
+          </p:nvPr>
+        </p:nvSpPr>
+        <p:spPr/>
+        <p:txBody>
+          <a:bodyPr/>
+          <a:lstStyle/>
+          <a:p>
+            <a:r>
+              <a:rPr lang="ko-KR" altLang="en-US" dirty="0" smtClean="0"/>
+              <a:t>목적</a:t>
+            </a:r>
+            <a:endParaRPr lang="ko-KR" altLang="en-US" dirty="0"/>
+          </a:p>
+        </p:txBody>
+      </p:sp>
+      <p:sp>
+        <p:nvSpPr>
+          <p:cNvPr id="3" name="내용 개체 틀 2"/>
+          <p:cNvSpPr>
+            <a:spLocks noGrp="1"/>
+          </p:cNvSpPr>
+          <p:nvPr>
+            <p:ph idx="1"/>
+          </p:nvPr>
+        </p:nvSpPr>
+        <p:spPr/>
+        <p:txBody>
+          <a:bodyPr/>
+          <a:lstStyle/>
+          <a:p>
+            <a:r>
+              <a:rPr lang="ko-KR" altLang="en-US" dirty="0" smtClean="0"/>
+              <a:t>사람들이 원하는 스타일 혹은 자신에게 맞는 </a:t>
+            </a:r>
+            <a:r>
+              <a:rPr lang="ko-KR" altLang="en-US" dirty="0" err="1" smtClean="0"/>
+              <a:t>타투</a:t>
+            </a:r>
+            <a:r>
+              <a:rPr lang="ko-KR" altLang="en-US" dirty="0" smtClean="0"/>
+              <a:t> </a:t>
+            </a:r>
+            <a:r>
+              <a:rPr lang="ko-KR" altLang="en-US" dirty="0" err="1" smtClean="0"/>
+              <a:t>샵을</a:t>
+            </a:r>
+            <a:r>
+              <a:rPr lang="ko-KR" altLang="en-US" dirty="0" smtClean="0"/>
+              <a:t> 찾는데 도움을 주기 위함</a:t>
+            </a:r>
+            <a:endParaRPr lang="en-US" altLang="ko-KR" dirty="0" smtClean="0"/>
+          </a:p>
+          <a:p>
+            <a:endParaRPr lang="en-US" altLang="ko-KR" dirty="0" smtClean="0"/>
+          </a:p>
+          <a:p>
+            <a:r>
+              <a:rPr lang="ko-KR" altLang="en-US" dirty="0" err="1" smtClean="0"/>
+              <a:t>타투</a:t>
+            </a:r>
+            <a:r>
+              <a:rPr lang="ko-KR" altLang="en-US" dirty="0" smtClean="0"/>
+              <a:t> </a:t>
+            </a:r>
+            <a:r>
+              <a:rPr lang="ko-KR" altLang="en-US" dirty="0" err="1" smtClean="0"/>
+              <a:t>샵에</a:t>
+            </a:r>
+            <a:r>
+              <a:rPr lang="ko-KR" altLang="en-US" dirty="0" smtClean="0"/>
+              <a:t> 홍보 효과를 제공</a:t>
+            </a:r>
+            <a:endParaRPr lang="en-US" altLang="ko-KR" dirty="0" smtClean="0"/>
+          </a:p>
+          <a:p>
+            <a:endParaRPr lang="en-US" altLang="ko-KR" dirty="0" smtClean="0"/>
+          </a:p>
+          <a:p>
+            <a:r>
+              <a:rPr lang="ko-KR" altLang="en-US" dirty="0" err="1" smtClean="0"/>
+              <a:t>타투</a:t>
+            </a:r>
+            <a:r>
+              <a:rPr lang="ko-KR" altLang="en-US" dirty="0" smtClean="0"/>
+              <a:t> 활성화를 통해 </a:t>
+            </a:r>
+            <a:r>
+              <a:rPr lang="ko-KR" altLang="en-US" dirty="0" err="1" smtClean="0"/>
+              <a:t>타투에</a:t>
+            </a:r>
+            <a:r>
+              <a:rPr lang="ko-KR" altLang="en-US" dirty="0" smtClean="0"/>
+              <a:t> 대한 부정적인 인식 개선</a:t>
+            </a:r>
+            <a:endParaRPr lang="ko-KR" altLang="en-US" dirty="0"/>
+          </a:p>
+        </p:txBody>
+      </p:sp>
+    </p:spTree>
+    <p:extLst>
+      <p:ext uri="{BB962C8B-B14F-4D97-AF65-F5344CB8AC3E}">
+        <p14:creationId xmlns:p14="http://schemas.microsoft.com/office/powerpoint/2010/main" val="3918018383"/>
+      </p:ext>
+    </p:extLst>
+  </p:cSld>
+  <p:clrMapOvr>
+    <a:masterClrMapping/>
+  </p:clrMapOvr>
+  <p:timing>
+    <p:tnLst>
+      <p:par>
+        <p:cTn id="1" dur="indefinite" restart="never" nodeType="tmRoot"/>
+      </p:par>
+    </p:tnLst>
+  </p:timing>
+</p:sld>
 </file>
 
 <file path=ppt/theme/theme1.xml><?xml version="1.0" encoding="utf-8"?>

--- a/docs/ttm 기획서 pt.pptx
+++ b/docs/ttm 기획서 pt.pptx
@@ -7,6 +7,9 @@
   <p:sldIdLst>
     <p:sldId id="256" r:id="rId2"/>
     <p:sldId id="257" r:id="rId3"/>
+    <p:sldId id="258" r:id="rId4"/>
+    <p:sldId id="259" r:id="rId5"/>
+    <p:sldId id="260" r:id="rId6"/>
   </p:sldIdLst>
   <p:sldSz cx="9144000" cy="6858000" type="screen4x3"/>
   <p:notesSz cx="6858000" cy="9144000"/>
@@ -3172,6 +3175,11 @@
           <a:bodyPr/>
           <a:lstStyle/>
           <a:p>
+            <a:pPr>
+              <a:lnSpc>
+                <a:spcPct val="150000"/>
+              </a:lnSpc>
+            </a:pPr>
             <a:r>
               <a:rPr lang="ko-KR" altLang="en-US" dirty="0" smtClean="0"/>
               <a:t>사람들이 원하는 스타일 혹은 자신에게 맞는 </a:t>
@@ -3190,14 +3198,20 @@
             </a:r>
             <a:r>
               <a:rPr lang="ko-KR" altLang="en-US" dirty="0" smtClean="0"/>
-              <a:t> 찾는데 도움을 주기 위함</a:t>
+              <a:t> 찾는데 도움을 주기 </a:t>
+            </a:r>
+            <a:r>
+              <a:rPr lang="ko-KR" altLang="en-US" dirty="0" smtClean="0"/>
+              <a:t>위함</a:t>
             </a:r>
             <a:endParaRPr lang="en-US" altLang="ko-KR" dirty="0" smtClean="0"/>
           </a:p>
           <a:p>
-            <a:endParaRPr lang="en-US" altLang="ko-KR" dirty="0" smtClean="0"/>
-          </a:p>
-          <a:p>
+            <a:pPr>
+              <a:lnSpc>
+                <a:spcPct val="150000"/>
+              </a:lnSpc>
+            </a:pPr>
             <a:r>
               <a:rPr lang="ko-KR" altLang="en-US" dirty="0" err="1" smtClean="0"/>
               <a:t>타투</a:t>
@@ -3212,14 +3226,20 @@
             </a:r>
             <a:r>
               <a:rPr lang="ko-KR" altLang="en-US" dirty="0" smtClean="0"/>
-              <a:t> 홍보 효과를 제공</a:t>
+              <a:t> 홍보 효과를 </a:t>
+            </a:r>
+            <a:r>
+              <a:rPr lang="ko-KR" altLang="en-US" dirty="0" smtClean="0"/>
+              <a:t>제공</a:t>
             </a:r>
             <a:endParaRPr lang="en-US" altLang="ko-KR" dirty="0" smtClean="0"/>
           </a:p>
           <a:p>
-            <a:endParaRPr lang="en-US" altLang="ko-KR" dirty="0" smtClean="0"/>
-          </a:p>
-          <a:p>
+            <a:pPr>
+              <a:lnSpc>
+                <a:spcPct val="150000"/>
+              </a:lnSpc>
+            </a:pPr>
             <a:r>
               <a:rPr lang="ko-KR" altLang="en-US" dirty="0" err="1" smtClean="0"/>
               <a:t>타투</a:t>
@@ -3244,6 +3264,471 @@
     <p:extLst>
       <p:ext uri="{BB962C8B-B14F-4D97-AF65-F5344CB8AC3E}">
         <p14:creationId xmlns:p14="http://schemas.microsoft.com/office/powerpoint/2010/main" val="3918018383"/>
+      </p:ext>
+    </p:extLst>
+  </p:cSld>
+  <p:clrMapOvr>
+    <a:masterClrMapping/>
+  </p:clrMapOvr>
+  <p:timing>
+    <p:tnLst>
+      <p:par>
+        <p:cTn id="1" dur="indefinite" restart="never" nodeType="tmRoot"/>
+      </p:par>
+    </p:tnLst>
+  </p:timing>
+</p:sld>
+</file>
+
+<file path=ppt/slides/slide3.xml><?xml version="1.0" encoding="utf-8"?>
+<p:sld xmlns:a="http://schemas.openxmlformats.org/drawingml/2006/main" xmlns:r="http://schemas.openxmlformats.org/officeDocument/2006/relationships" xmlns:p="http://schemas.openxmlformats.org/presentationml/2006/main">
+  <p:cSld>
+    <p:spTree>
+      <p:nvGrpSpPr>
+        <p:cNvPr id="1" name=""/>
+        <p:cNvGrpSpPr/>
+        <p:nvPr/>
+      </p:nvGrpSpPr>
+      <p:grpSpPr>
+        <a:xfrm>
+          <a:off x="0" y="0"/>
+          <a:ext cx="0" cy="0"/>
+          <a:chOff x="0" y="0"/>
+          <a:chExt cx="0" cy="0"/>
+        </a:xfrm>
+      </p:grpSpPr>
+      <p:sp>
+        <p:nvSpPr>
+          <p:cNvPr id="2" name="제목 1"/>
+          <p:cNvSpPr>
+            <a:spLocks noGrp="1"/>
+          </p:cNvSpPr>
+          <p:nvPr>
+            <p:ph type="title"/>
+          </p:nvPr>
+        </p:nvSpPr>
+        <p:spPr/>
+        <p:txBody>
+          <a:bodyPr/>
+          <a:lstStyle/>
+          <a:p>
+            <a:r>
+              <a:rPr lang="ko-KR" altLang="en-US" dirty="0" smtClean="0"/>
+              <a:t>개요</a:t>
+            </a:r>
+            <a:r>
+              <a:rPr lang="en-US" altLang="ko-KR" dirty="0" smtClean="0"/>
+              <a:t>(1)</a:t>
+            </a:r>
+            <a:endParaRPr lang="ko-KR" altLang="en-US" dirty="0"/>
+          </a:p>
+        </p:txBody>
+      </p:sp>
+      <p:pic>
+        <p:nvPicPr>
+          <p:cNvPr id="4" name="내용 개체 틀 3"/>
+          <p:cNvPicPr>
+            <a:picLocks noGrp="1" noChangeAspect="1"/>
+          </p:cNvPicPr>
+          <p:nvPr>
+            <p:ph idx="1"/>
+          </p:nvPr>
+        </p:nvPicPr>
+        <p:blipFill>
+          <a:blip r:embed="rId2">
+            <a:extLst>
+              <a:ext uri="{28A0092B-C50C-407E-A947-70E740481C1C}">
+                <a14:useLocalDpi xmlns:a14="http://schemas.microsoft.com/office/drawing/2010/main" val="0"/>
+              </a:ext>
+            </a:extLst>
+          </a:blip>
+          <a:stretch>
+            <a:fillRect/>
+          </a:stretch>
+        </p:blipFill>
+        <p:spPr>
+          <a:xfrm>
+            <a:off x="838200" y="1867694"/>
+            <a:ext cx="7467600" cy="3990975"/>
+          </a:xfrm>
+        </p:spPr>
+      </p:pic>
+      <p:sp>
+        <p:nvSpPr>
+          <p:cNvPr id="5" name="TextBox 4"/>
+          <p:cNvSpPr txBox="1"/>
+          <p:nvPr/>
+        </p:nvSpPr>
+        <p:spPr>
+          <a:xfrm>
+            <a:off x="6012160" y="6021288"/>
+            <a:ext cx="2860078" cy="369332"/>
+          </a:xfrm>
+          <a:prstGeom prst="rect">
+            <a:avLst/>
+          </a:prstGeom>
+          <a:noFill/>
+        </p:spPr>
+        <p:txBody>
+          <a:bodyPr wrap="none" rtlCol="0">
+            <a:spAutoFit/>
+          </a:bodyPr>
+          <a:lstStyle/>
+          <a:p>
+            <a:r>
+              <a:rPr lang="en-US" altLang="ko-KR" dirty="0" smtClean="0"/>
+              <a:t>- </a:t>
+            </a:r>
+            <a:r>
+              <a:rPr lang="ko-KR" altLang="en-US" dirty="0" smtClean="0"/>
+              <a:t>배달의 민족 </a:t>
+            </a:r>
+            <a:r>
+              <a:rPr lang="ko-KR" altLang="en-US" dirty="0" err="1" smtClean="0"/>
+              <a:t>모바일</a:t>
+            </a:r>
+            <a:r>
+              <a:rPr lang="ko-KR" altLang="en-US" dirty="0" smtClean="0"/>
+              <a:t> </a:t>
+            </a:r>
+            <a:r>
+              <a:rPr lang="ko-KR" altLang="en-US" dirty="0" err="1" smtClean="0"/>
+              <a:t>앱</a:t>
+            </a:r>
+            <a:r>
+              <a:rPr lang="ko-KR" altLang="en-US" dirty="0" smtClean="0"/>
+              <a:t> </a:t>
+            </a:r>
+            <a:r>
+              <a:rPr lang="en-US" altLang="ko-KR" dirty="0" smtClean="0"/>
+              <a:t>-</a:t>
+            </a:r>
+            <a:endParaRPr lang="ko-KR" altLang="en-US" dirty="0"/>
+          </a:p>
+        </p:txBody>
+      </p:sp>
+    </p:spTree>
+    <p:extLst>
+      <p:ext uri="{BB962C8B-B14F-4D97-AF65-F5344CB8AC3E}">
+        <p14:creationId xmlns:p14="http://schemas.microsoft.com/office/powerpoint/2010/main" val="3558252743"/>
+      </p:ext>
+    </p:extLst>
+  </p:cSld>
+  <p:clrMapOvr>
+    <a:masterClrMapping/>
+  </p:clrMapOvr>
+  <p:timing>
+    <p:tnLst>
+      <p:par>
+        <p:cTn id="1" dur="indefinite" restart="never" nodeType="tmRoot"/>
+      </p:par>
+    </p:tnLst>
+  </p:timing>
+</p:sld>
+</file>
+
+<file path=ppt/slides/slide4.xml><?xml version="1.0" encoding="utf-8"?>
+<p:sld xmlns:a="http://schemas.openxmlformats.org/drawingml/2006/main" xmlns:r="http://schemas.openxmlformats.org/officeDocument/2006/relationships" xmlns:p="http://schemas.openxmlformats.org/presentationml/2006/main">
+  <p:cSld>
+    <p:spTree>
+      <p:nvGrpSpPr>
+        <p:cNvPr id="1" name=""/>
+        <p:cNvGrpSpPr/>
+        <p:nvPr/>
+      </p:nvGrpSpPr>
+      <p:grpSpPr>
+        <a:xfrm>
+          <a:off x="0" y="0"/>
+          <a:ext cx="0" cy="0"/>
+          <a:chOff x="0" y="0"/>
+          <a:chExt cx="0" cy="0"/>
+        </a:xfrm>
+      </p:grpSpPr>
+      <p:sp>
+        <p:nvSpPr>
+          <p:cNvPr id="2" name="제목 1"/>
+          <p:cNvSpPr>
+            <a:spLocks noGrp="1"/>
+          </p:cNvSpPr>
+          <p:nvPr>
+            <p:ph type="title"/>
+          </p:nvPr>
+        </p:nvSpPr>
+        <p:spPr/>
+        <p:txBody>
+          <a:bodyPr/>
+          <a:lstStyle/>
+          <a:p>
+            <a:r>
+              <a:rPr lang="ko-KR" altLang="en-US" dirty="0" smtClean="0"/>
+              <a:t>개요</a:t>
+            </a:r>
+            <a:r>
+              <a:rPr lang="en-US" altLang="ko-KR" dirty="0" smtClean="0"/>
+              <a:t>(2)</a:t>
+            </a:r>
+            <a:endParaRPr lang="ko-KR" altLang="en-US" dirty="0"/>
+          </a:p>
+        </p:txBody>
+      </p:sp>
+      <p:sp>
+        <p:nvSpPr>
+          <p:cNvPr id="3" name="내용 개체 틀 2"/>
+          <p:cNvSpPr>
+            <a:spLocks noGrp="1"/>
+          </p:cNvSpPr>
+          <p:nvPr>
+            <p:ph idx="1"/>
+          </p:nvPr>
+        </p:nvSpPr>
+        <p:spPr/>
+        <p:txBody>
+          <a:bodyPr>
+            <a:normAutofit fontScale="85000" lnSpcReduction="20000"/>
+          </a:bodyPr>
+          <a:lstStyle/>
+          <a:p>
+            <a:pPr>
+              <a:lnSpc>
+                <a:spcPct val="160000"/>
+              </a:lnSpc>
+            </a:pPr>
+            <a:r>
+              <a:rPr lang="ko-KR" altLang="en-US" dirty="0" smtClean="0"/>
+              <a:t>배달의 민족처럼 종류 별 </a:t>
+            </a:r>
+            <a:r>
+              <a:rPr lang="ko-KR" altLang="en-US" dirty="0" err="1" smtClean="0"/>
+              <a:t>타투</a:t>
+            </a:r>
+            <a:r>
+              <a:rPr lang="ko-KR" altLang="en-US" dirty="0" smtClean="0"/>
+              <a:t> </a:t>
+            </a:r>
+            <a:r>
+              <a:rPr lang="ko-KR" altLang="en-US" dirty="0" err="1" smtClean="0"/>
+              <a:t>샵을</a:t>
+            </a:r>
+            <a:r>
+              <a:rPr lang="ko-KR" altLang="en-US" dirty="0" smtClean="0"/>
+              <a:t> 볼 수 있다</a:t>
+            </a:r>
+            <a:endParaRPr lang="en-US" altLang="ko-KR" dirty="0" smtClean="0"/>
+          </a:p>
+          <a:p>
+            <a:pPr>
+              <a:lnSpc>
+                <a:spcPct val="160000"/>
+              </a:lnSpc>
+            </a:pPr>
+            <a:r>
+              <a:rPr lang="ko-KR" altLang="en-US" dirty="0" smtClean="0"/>
+              <a:t>각 </a:t>
+            </a:r>
+            <a:r>
+              <a:rPr lang="ko-KR" altLang="en-US" dirty="0" err="1" smtClean="0"/>
+              <a:t>타투</a:t>
+            </a:r>
+            <a:r>
+              <a:rPr lang="ko-KR" altLang="en-US" dirty="0" smtClean="0"/>
+              <a:t> </a:t>
+            </a:r>
+            <a:r>
+              <a:rPr lang="ko-KR" altLang="en-US" dirty="0" err="1" smtClean="0"/>
+              <a:t>샵의</a:t>
+            </a:r>
+            <a:r>
+              <a:rPr lang="ko-KR" altLang="en-US" dirty="0" smtClean="0"/>
+              <a:t> 기존 작업들과 아티스트 정보</a:t>
+            </a:r>
+            <a:r>
+              <a:rPr lang="en-US" altLang="ko-KR" dirty="0" smtClean="0"/>
+              <a:t>, </a:t>
+            </a:r>
+            <a:r>
+              <a:rPr lang="ko-KR" altLang="en-US" dirty="0" smtClean="0"/>
+              <a:t>리뷰를 볼 수 있다</a:t>
+            </a:r>
+            <a:endParaRPr lang="en-US" altLang="ko-KR" dirty="0" smtClean="0"/>
+          </a:p>
+          <a:p>
+            <a:pPr>
+              <a:lnSpc>
+                <a:spcPct val="160000"/>
+              </a:lnSpc>
+            </a:pPr>
+            <a:r>
+              <a:rPr lang="ko-KR" altLang="en-US" dirty="0" smtClean="0"/>
+              <a:t>마음에 드는 </a:t>
+            </a:r>
+            <a:r>
+              <a:rPr lang="ko-KR" altLang="en-US" dirty="0" err="1" smtClean="0"/>
+              <a:t>샵에</a:t>
+            </a:r>
+            <a:r>
+              <a:rPr lang="ko-KR" altLang="en-US" dirty="0" smtClean="0"/>
+              <a:t> 연락처를 통해 연락하고 예약할 수 있다</a:t>
+            </a:r>
+            <a:endParaRPr lang="en-US" altLang="ko-KR" dirty="0" smtClean="0"/>
+          </a:p>
+          <a:p>
+            <a:pPr>
+              <a:lnSpc>
+                <a:spcPct val="160000"/>
+              </a:lnSpc>
+            </a:pPr>
+            <a:r>
+              <a:rPr lang="ko-KR" altLang="en-US" dirty="0" smtClean="0"/>
+              <a:t>해당 </a:t>
+            </a:r>
+            <a:r>
+              <a:rPr lang="ko-KR" altLang="en-US" dirty="0" err="1" smtClean="0"/>
+              <a:t>샵에서</a:t>
+            </a:r>
+            <a:r>
+              <a:rPr lang="ko-KR" altLang="en-US" dirty="0" smtClean="0"/>
+              <a:t> 시술 받은 사람만 리뷰를 작성할 수 있다</a:t>
+            </a:r>
+            <a:endParaRPr lang="en-US" altLang="ko-KR" dirty="0" smtClean="0"/>
+          </a:p>
+        </p:txBody>
+      </p:sp>
+    </p:spTree>
+    <p:extLst>
+      <p:ext uri="{BB962C8B-B14F-4D97-AF65-F5344CB8AC3E}">
+        <p14:creationId xmlns:p14="http://schemas.microsoft.com/office/powerpoint/2010/main" val="1640198890"/>
+      </p:ext>
+    </p:extLst>
+  </p:cSld>
+  <p:clrMapOvr>
+    <a:masterClrMapping/>
+  </p:clrMapOvr>
+  <p:timing>
+    <p:tnLst>
+      <p:par>
+        <p:cTn id="1" dur="indefinite" restart="never" nodeType="tmRoot"/>
+      </p:par>
+    </p:tnLst>
+  </p:timing>
+</p:sld>
+</file>
+
+<file path=ppt/slides/slide5.xml><?xml version="1.0" encoding="utf-8"?>
+<p:sld xmlns:a="http://schemas.openxmlformats.org/drawingml/2006/main" xmlns:r="http://schemas.openxmlformats.org/officeDocument/2006/relationships" xmlns:p="http://schemas.openxmlformats.org/presentationml/2006/main">
+  <p:cSld>
+    <p:spTree>
+      <p:nvGrpSpPr>
+        <p:cNvPr id="1" name=""/>
+        <p:cNvGrpSpPr/>
+        <p:nvPr/>
+      </p:nvGrpSpPr>
+      <p:grpSpPr>
+        <a:xfrm>
+          <a:off x="0" y="0"/>
+          <a:ext cx="0" cy="0"/>
+          <a:chOff x="0" y="0"/>
+          <a:chExt cx="0" cy="0"/>
+        </a:xfrm>
+      </p:grpSpPr>
+      <p:sp>
+        <p:nvSpPr>
+          <p:cNvPr id="2" name="제목 1"/>
+          <p:cNvSpPr>
+            <a:spLocks noGrp="1"/>
+          </p:cNvSpPr>
+          <p:nvPr>
+            <p:ph type="title"/>
+          </p:nvPr>
+        </p:nvSpPr>
+        <p:spPr/>
+        <p:txBody>
+          <a:bodyPr/>
+          <a:lstStyle/>
+          <a:p>
+            <a:r>
+              <a:rPr lang="ko-KR" altLang="en-US" dirty="0" smtClean="0"/>
+              <a:t>개요</a:t>
+            </a:r>
+            <a:r>
+              <a:rPr lang="en-US" altLang="ko-KR" dirty="0" smtClean="0"/>
+              <a:t>(3)</a:t>
+            </a:r>
+            <a:endParaRPr lang="ko-KR" altLang="en-US" dirty="0"/>
+          </a:p>
+        </p:txBody>
+      </p:sp>
+      <p:sp>
+        <p:nvSpPr>
+          <p:cNvPr id="3" name="내용 개체 틀 2"/>
+          <p:cNvSpPr>
+            <a:spLocks noGrp="1"/>
+          </p:cNvSpPr>
+          <p:nvPr>
+            <p:ph idx="1"/>
+          </p:nvPr>
+        </p:nvSpPr>
+        <p:spPr/>
+        <p:txBody>
+          <a:bodyPr/>
+          <a:lstStyle/>
+          <a:p>
+            <a:pPr>
+              <a:lnSpc>
+                <a:spcPct val="150000"/>
+              </a:lnSpc>
+            </a:pPr>
+            <a:r>
+              <a:rPr lang="ko-KR" altLang="en-US" dirty="0" smtClean="0"/>
+              <a:t>커뮤니티 게시판</a:t>
+            </a:r>
+            <a:endParaRPr lang="en-US" altLang="ko-KR" dirty="0" smtClean="0"/>
+          </a:p>
+          <a:p>
+            <a:pPr lvl="1">
+              <a:lnSpc>
+                <a:spcPct val="150000"/>
+              </a:lnSpc>
+            </a:pPr>
+            <a:r>
+              <a:rPr lang="ko-KR" altLang="en-US" dirty="0" smtClean="0"/>
+              <a:t>정보 교류</a:t>
+            </a:r>
+            <a:endParaRPr lang="en-US" altLang="ko-KR" dirty="0" smtClean="0"/>
+          </a:p>
+          <a:p>
+            <a:pPr lvl="1">
+              <a:lnSpc>
+                <a:spcPct val="150000"/>
+              </a:lnSpc>
+            </a:pPr>
+            <a:r>
+              <a:rPr lang="ko-KR" altLang="en-US" dirty="0" smtClean="0"/>
+              <a:t>상담을 통해 알맞은 </a:t>
+            </a:r>
+            <a:r>
+              <a:rPr lang="ko-KR" altLang="en-US" dirty="0" err="1" smtClean="0"/>
+              <a:t>샵</a:t>
+            </a:r>
+            <a:r>
+              <a:rPr lang="ko-KR" altLang="en-US" dirty="0" smtClean="0"/>
+              <a:t> 문의</a:t>
+            </a:r>
+            <a:r>
+              <a:rPr lang="en-US" altLang="ko-KR" dirty="0" smtClean="0"/>
+              <a:t>&amp;</a:t>
+            </a:r>
+            <a:r>
+              <a:rPr lang="ko-KR" altLang="en-US" dirty="0" smtClean="0"/>
+              <a:t>추천</a:t>
+            </a:r>
+            <a:endParaRPr lang="en-US" altLang="ko-KR" dirty="0" smtClean="0"/>
+          </a:p>
+        </p:txBody>
+      </p:sp>
+    </p:spTree>
+    <p:extLst>
+      <p:ext uri="{BB962C8B-B14F-4D97-AF65-F5344CB8AC3E}">
+        <p14:creationId xmlns:p14="http://schemas.microsoft.com/office/powerpoint/2010/main" val="2490357689"/>
       </p:ext>
     </p:extLst>
   </p:cSld>

--- a/docs/ttm 기획서 pt.pptx
+++ b/docs/ttm 기획서 pt.pptx
@@ -10,6 +10,7 @@
     <p:sldId id="258" r:id="rId4"/>
     <p:sldId id="259" r:id="rId5"/>
     <p:sldId id="260" r:id="rId6"/>
+    <p:sldId id="261" r:id="rId7"/>
   </p:sldIdLst>
   <p:sldSz cx="9144000" cy="6858000" type="screen4x3"/>
   <p:notesSz cx="6858000" cy="9144000"/>
@@ -3729,6 +3730,223 @@
     <p:extLst>
       <p:ext uri="{BB962C8B-B14F-4D97-AF65-F5344CB8AC3E}">
         <p14:creationId xmlns:p14="http://schemas.microsoft.com/office/powerpoint/2010/main" val="2490357689"/>
+      </p:ext>
+    </p:extLst>
+  </p:cSld>
+  <p:clrMapOvr>
+    <a:masterClrMapping/>
+  </p:clrMapOvr>
+  <p:timing>
+    <p:tnLst>
+      <p:par>
+        <p:cTn id="1" dur="indefinite" restart="never" nodeType="tmRoot"/>
+      </p:par>
+    </p:tnLst>
+  </p:timing>
+</p:sld>
+</file>
+
+<file path=ppt/slides/slide6.xml><?xml version="1.0" encoding="utf-8"?>
+<p:sld xmlns:a="http://schemas.openxmlformats.org/drawingml/2006/main" xmlns:r="http://schemas.openxmlformats.org/officeDocument/2006/relationships" xmlns:p="http://schemas.openxmlformats.org/presentationml/2006/main">
+  <p:cSld>
+    <p:spTree>
+      <p:nvGrpSpPr>
+        <p:cNvPr id="1" name=""/>
+        <p:cNvGrpSpPr/>
+        <p:nvPr/>
+      </p:nvGrpSpPr>
+      <p:grpSpPr>
+        <a:xfrm>
+          <a:off x="0" y="0"/>
+          <a:ext cx="0" cy="0"/>
+          <a:chOff x="0" y="0"/>
+          <a:chExt cx="0" cy="0"/>
+        </a:xfrm>
+      </p:grpSpPr>
+      <p:sp>
+        <p:nvSpPr>
+          <p:cNvPr id="2" name="제목 1"/>
+          <p:cNvSpPr>
+            <a:spLocks noGrp="1"/>
+          </p:cNvSpPr>
+          <p:nvPr>
+            <p:ph type="title"/>
+          </p:nvPr>
+        </p:nvSpPr>
+        <p:spPr/>
+        <p:txBody>
+          <a:bodyPr/>
+          <a:lstStyle/>
+          <a:p>
+            <a:r>
+              <a:rPr lang="ko-KR" altLang="en-US" dirty="0" smtClean="0"/>
+              <a:t>개발 계획</a:t>
+            </a:r>
+            <a:endParaRPr lang="ko-KR" altLang="en-US" dirty="0"/>
+          </a:p>
+        </p:txBody>
+      </p:sp>
+      <p:sp>
+        <p:nvSpPr>
+          <p:cNvPr id="3" name="내용 개체 틀 2"/>
+          <p:cNvSpPr>
+            <a:spLocks noGrp="1"/>
+          </p:cNvSpPr>
+          <p:nvPr>
+            <p:ph idx="1"/>
+          </p:nvPr>
+        </p:nvSpPr>
+        <p:spPr/>
+        <p:txBody>
+          <a:bodyPr>
+            <a:normAutofit fontScale="70000" lnSpcReduction="20000"/>
+          </a:bodyPr>
+          <a:lstStyle/>
+          <a:p>
+            <a:pPr>
+              <a:lnSpc>
+                <a:spcPct val="150000"/>
+              </a:lnSpc>
+            </a:pPr>
+            <a:r>
+              <a:rPr lang="en-US" altLang="ko-KR" dirty="0" smtClean="0"/>
+              <a:t>Bootstrap</a:t>
+            </a:r>
+            <a:r>
+              <a:rPr lang="ko-KR" altLang="en-US" dirty="0" smtClean="0"/>
+              <a:t>을 활용한 </a:t>
+            </a:r>
+            <a:r>
+              <a:rPr lang="ko-KR" altLang="en-US" dirty="0" err="1" smtClean="0"/>
+              <a:t>반응형</a:t>
+            </a:r>
+            <a:r>
+              <a:rPr lang="ko-KR" altLang="en-US" dirty="0" smtClean="0"/>
+              <a:t> 웹 사이트</a:t>
+            </a:r>
+            <a:endParaRPr lang="en-US" altLang="ko-KR" dirty="0" smtClean="0"/>
+          </a:p>
+          <a:p>
+            <a:pPr>
+              <a:lnSpc>
+                <a:spcPct val="150000"/>
+              </a:lnSpc>
+            </a:pPr>
+            <a:r>
+              <a:rPr lang="en-US" altLang="ko-KR" dirty="0" smtClean="0"/>
+              <a:t>Frontend : HTML + CSS + Bootstrap</a:t>
+            </a:r>
+          </a:p>
+          <a:p>
+            <a:pPr>
+              <a:lnSpc>
+                <a:spcPct val="150000"/>
+              </a:lnSpc>
+            </a:pPr>
+            <a:r>
+              <a:rPr lang="en-US" altLang="ko-KR" dirty="0" smtClean="0"/>
+              <a:t>Backend : Apache + PHP + MySQL</a:t>
+            </a:r>
+          </a:p>
+          <a:p>
+            <a:pPr lvl="1">
+              <a:lnSpc>
+                <a:spcPct val="150000"/>
+              </a:lnSpc>
+            </a:pPr>
+            <a:r>
+              <a:rPr lang="en-US" altLang="ko-KR" dirty="0" smtClean="0"/>
+              <a:t>APM Setup7 for win32 </a:t>
+            </a:r>
+            <a:r>
+              <a:rPr lang="ko-KR" altLang="en-US" dirty="0" smtClean="0"/>
+              <a:t>사용</a:t>
+            </a:r>
+            <a:endParaRPr lang="en-US" altLang="ko-KR" dirty="0"/>
+          </a:p>
+          <a:p>
+            <a:pPr lvl="1">
+              <a:lnSpc>
+                <a:spcPct val="150000"/>
+              </a:lnSpc>
+            </a:pPr>
+            <a:r>
+              <a:rPr lang="en-US" altLang="ko-KR" dirty="0" smtClean="0"/>
+              <a:t>Apache 2.2.14</a:t>
+            </a:r>
+          </a:p>
+          <a:p>
+            <a:pPr lvl="1">
+              <a:lnSpc>
+                <a:spcPct val="150000"/>
+              </a:lnSpc>
+            </a:pPr>
+            <a:r>
+              <a:rPr lang="en-US" altLang="ko-KR" dirty="0" smtClean="0"/>
+              <a:t>PHP 5.2.12</a:t>
+            </a:r>
+          </a:p>
+          <a:p>
+            <a:pPr lvl="1">
+              <a:lnSpc>
+                <a:spcPct val="150000"/>
+              </a:lnSpc>
+            </a:pPr>
+            <a:r>
+              <a:rPr lang="en-US" altLang="ko-KR" dirty="0" smtClean="0"/>
+              <a:t>MySQL 5.1.39</a:t>
+            </a:r>
+          </a:p>
+          <a:p>
+            <a:pPr>
+              <a:lnSpc>
+                <a:spcPct val="150000"/>
+              </a:lnSpc>
+            </a:pPr>
+            <a:r>
+              <a:rPr lang="ko-KR" altLang="en-US" dirty="0" smtClean="0"/>
+              <a:t>사이트 완성 후 </a:t>
+            </a:r>
+            <a:r>
+              <a:rPr lang="ko-KR" altLang="en-US" dirty="0" err="1" smtClean="0"/>
+              <a:t>아이폰</a:t>
+            </a:r>
+            <a:r>
+              <a:rPr lang="en-US" altLang="ko-KR" dirty="0" smtClean="0"/>
+              <a:t>, </a:t>
+            </a:r>
+            <a:r>
+              <a:rPr lang="ko-KR" altLang="en-US" dirty="0" err="1" smtClean="0"/>
+              <a:t>안드로이드</a:t>
+            </a:r>
+            <a:r>
+              <a:rPr lang="ko-KR" altLang="en-US" dirty="0" smtClean="0"/>
+              <a:t> </a:t>
+            </a:r>
+            <a:r>
+              <a:rPr lang="ko-KR" altLang="en-US" dirty="0" err="1" smtClean="0"/>
+              <a:t>하이브리드</a:t>
+            </a:r>
+            <a:r>
+              <a:rPr lang="ko-KR" altLang="en-US" dirty="0" smtClean="0"/>
+              <a:t> 어플리케이션 개발 예정</a:t>
+            </a:r>
+            <a:endParaRPr lang="en-US" altLang="ko-KR" dirty="0" smtClean="0"/>
+          </a:p>
+          <a:p>
+            <a:pPr>
+              <a:lnSpc>
+                <a:spcPct val="150000"/>
+              </a:lnSpc>
+            </a:pPr>
+            <a:endParaRPr lang="en-US" altLang="ko-KR" dirty="0" smtClean="0"/>
+          </a:p>
+        </p:txBody>
+      </p:sp>
+    </p:spTree>
+    <p:extLst>
+      <p:ext uri="{BB962C8B-B14F-4D97-AF65-F5344CB8AC3E}">
+        <p14:creationId xmlns:p14="http://schemas.microsoft.com/office/powerpoint/2010/main" val="259412533"/>
       </p:ext>
     </p:extLst>
   </p:cSld>

--- a/docs/ttm 기획서 pt.pptx
+++ b/docs/ttm 기획서 pt.pptx
@@ -11,6 +11,9 @@
     <p:sldId id="259" r:id="rId5"/>
     <p:sldId id="260" r:id="rId6"/>
     <p:sldId id="261" r:id="rId7"/>
+    <p:sldId id="264" r:id="rId8"/>
+    <p:sldId id="262" r:id="rId9"/>
+    <p:sldId id="263" r:id="rId10"/>
   </p:sldIdLst>
   <p:sldSz cx="9144000" cy="6858000" type="screen4x3"/>
   <p:notesSz cx="6858000" cy="9144000"/>
@@ -3909,7 +3912,15 @@
             </a:r>
             <a:r>
               <a:rPr lang="ko-KR" altLang="en-US" dirty="0" err="1" smtClean="0"/>
-              <a:t>아이폰</a:t>
+              <a:t>모바일</a:t>
+            </a:r>
+            <a:r>
+              <a:rPr lang="en-US" altLang="ko-KR" dirty="0" smtClean="0"/>
+              <a:t>(</a:t>
+            </a:r>
+            <a:r>
+              <a:rPr lang="ko-KR" altLang="en-US" dirty="0" err="1" smtClean="0"/>
+              <a:t>안드로이드</a:t>
             </a:r>
             <a:r>
               <a:rPr lang="en-US" altLang="ko-KR" dirty="0" smtClean="0"/>
@@ -3917,7 +3928,11 @@
             </a:r>
             <a:r>
               <a:rPr lang="ko-KR" altLang="en-US" dirty="0" err="1" smtClean="0"/>
-              <a:t>안드로이드</a:t>
+              <a:t>아이폰</a:t>
+            </a:r>
+            <a:r>
+              <a:rPr lang="en-US" altLang="ko-KR" dirty="0" smtClean="0"/>
+              <a:t>)</a:t>
             </a:r>
             <a:r>
               <a:rPr lang="ko-KR" altLang="en-US" dirty="0" smtClean="0"/>
@@ -3931,14 +3946,6 @@
               <a:rPr lang="ko-KR" altLang="en-US" dirty="0" smtClean="0"/>
               <a:t> 어플리케이션 개발 예정</a:t>
             </a:r>
-            <a:endParaRPr lang="en-US" altLang="ko-KR" dirty="0" smtClean="0"/>
-          </a:p>
-          <a:p>
-            <a:pPr>
-              <a:lnSpc>
-                <a:spcPct val="150000"/>
-              </a:lnSpc>
-            </a:pPr>
             <a:endParaRPr lang="en-US" altLang="ko-KR" dirty="0" smtClean="0"/>
           </a:p>
         </p:txBody>
@@ -3947,6 +3954,2254 @@
     <p:extLst>
       <p:ext uri="{BB962C8B-B14F-4D97-AF65-F5344CB8AC3E}">
         <p14:creationId xmlns:p14="http://schemas.microsoft.com/office/powerpoint/2010/main" val="259412533"/>
+      </p:ext>
+    </p:extLst>
+  </p:cSld>
+  <p:clrMapOvr>
+    <a:masterClrMapping/>
+  </p:clrMapOvr>
+  <p:timing>
+    <p:tnLst>
+      <p:par>
+        <p:cTn id="1" dur="indefinite" restart="never" nodeType="tmRoot"/>
+      </p:par>
+    </p:tnLst>
+  </p:timing>
+</p:sld>
+</file>
+
+<file path=ppt/slides/slide7.xml><?xml version="1.0" encoding="utf-8"?>
+<p:sld xmlns:a="http://schemas.openxmlformats.org/drawingml/2006/main" xmlns:r="http://schemas.openxmlformats.org/officeDocument/2006/relationships" xmlns:p="http://schemas.openxmlformats.org/presentationml/2006/main">
+  <p:cSld>
+    <p:spTree>
+      <p:nvGrpSpPr>
+        <p:cNvPr id="1" name=""/>
+        <p:cNvGrpSpPr/>
+        <p:nvPr/>
+      </p:nvGrpSpPr>
+      <p:grpSpPr>
+        <a:xfrm>
+          <a:off x="0" y="0"/>
+          <a:ext cx="0" cy="0"/>
+          <a:chOff x="0" y="0"/>
+          <a:chExt cx="0" cy="0"/>
+        </a:xfrm>
+      </p:grpSpPr>
+      <p:sp>
+        <p:nvSpPr>
+          <p:cNvPr id="2" name="제목 1"/>
+          <p:cNvSpPr>
+            <a:spLocks noGrp="1"/>
+          </p:cNvSpPr>
+          <p:nvPr>
+            <p:ph type="title"/>
+          </p:nvPr>
+        </p:nvSpPr>
+        <p:spPr/>
+        <p:txBody>
+          <a:bodyPr/>
+          <a:lstStyle/>
+          <a:p>
+            <a:r>
+              <a:rPr lang="ko-KR" altLang="en-US" dirty="0" smtClean="0"/>
+              <a:t>레이아</a:t>
+            </a:r>
+            <a:r>
+              <a:rPr lang="ko-KR" altLang="en-US" dirty="0"/>
+              <a:t>웃</a:t>
+            </a:r>
+          </a:p>
+        </p:txBody>
+      </p:sp>
+      <p:graphicFrame>
+        <p:nvGraphicFramePr>
+          <p:cNvPr id="7" name="내용 개체 틀 6"/>
+          <p:cNvGraphicFramePr>
+            <a:graphicFrameLocks noGrp="1"/>
+          </p:cNvGraphicFramePr>
+          <p:nvPr>
+            <p:ph idx="1"/>
+            <p:extLst>
+              <p:ext uri="{D42A27DB-BD31-4B8C-83A1-F6EECF244321}">
+                <p14:modId xmlns:p14="http://schemas.microsoft.com/office/powerpoint/2010/main" val="2459160172"/>
+              </p:ext>
+            </p:extLst>
+          </p:nvPr>
+        </p:nvGraphicFramePr>
+        <p:xfrm>
+          <a:off x="457200" y="2248272"/>
+          <a:ext cx="8229600" cy="4061048"/>
+        </p:xfrm>
+        <a:graphic>
+          <a:graphicData uri="http://schemas.openxmlformats.org/drawingml/2006/table">
+            <a:tbl>
+              <a:tblPr firstRow="1" bandRow="1">
+                <a:tableStyleId>{5940675A-B579-460E-94D1-54222C63F5DA}</a:tableStyleId>
+              </a:tblPr>
+              <a:tblGrid>
+                <a:gridCol w="5122912"/>
+                <a:gridCol w="3106688"/>
+              </a:tblGrid>
+              <a:tr h="460648">
+                <a:tc>
+                  <a:txBody>
+                    <a:bodyPr/>
+                    <a:lstStyle/>
+                    <a:p>
+                      <a:pPr latinLnBrk="1"/>
+                      <a:r>
+                        <a:rPr lang="en-US" altLang="ko-KR" dirty="0" smtClean="0"/>
+                        <a:t>PC</a:t>
+                      </a:r>
+                      <a:endParaRPr lang="ko-KR" altLang="en-US" dirty="0"/>
+                    </a:p>
+                  </a:txBody>
+                  <a:tcPr/>
+                </a:tc>
+                <a:tc>
+                  <a:txBody>
+                    <a:bodyPr/>
+                    <a:lstStyle/>
+                    <a:p>
+                      <a:pPr latinLnBrk="1"/>
+                      <a:r>
+                        <a:rPr lang="ko-KR" altLang="en-US" dirty="0" err="1" smtClean="0"/>
+                        <a:t>모바일</a:t>
+                      </a:r>
+                      <a:endParaRPr lang="ko-KR" altLang="en-US" dirty="0"/>
+                    </a:p>
+                  </a:txBody>
+                  <a:tcPr/>
+                </a:tc>
+              </a:tr>
+              <a:tr h="3600400">
+                <a:tc>
+                  <a:txBody>
+                    <a:bodyPr/>
+                    <a:lstStyle/>
+                    <a:p>
+                      <a:pPr latinLnBrk="1"/>
+                      <a:endParaRPr lang="ko-KR" altLang="en-US" dirty="0"/>
+                    </a:p>
+                  </a:txBody>
+                  <a:tcPr/>
+                </a:tc>
+                <a:tc>
+                  <a:txBody>
+                    <a:bodyPr/>
+                    <a:lstStyle/>
+                    <a:p>
+                      <a:pPr latinLnBrk="1"/>
+                      <a:endParaRPr lang="ko-KR" altLang="en-US" dirty="0"/>
+                    </a:p>
+                  </a:txBody>
+                  <a:tcPr/>
+                </a:tc>
+              </a:tr>
+            </a:tbl>
+          </a:graphicData>
+        </a:graphic>
+      </p:graphicFrame>
+      <p:sp>
+        <p:nvSpPr>
+          <p:cNvPr id="12" name="내용 개체 틀 2"/>
+          <p:cNvSpPr txBox="1">
+            <a:spLocks/>
+          </p:cNvSpPr>
+          <p:nvPr/>
+        </p:nvSpPr>
+        <p:spPr>
+          <a:xfrm>
+            <a:off x="457200" y="1600200"/>
+            <a:ext cx="8229600" cy="4525963"/>
+          </a:xfrm>
+          <a:prstGeom prst="rect">
+            <a:avLst/>
+          </a:prstGeom>
+        </p:spPr>
+        <p:txBody>
+          <a:bodyPr vert="horz" lIns="91440" tIns="45720" rIns="91440" bIns="45720" rtlCol="0">
+            <a:normAutofit/>
+          </a:bodyPr>
+          <a:lstStyle>
+            <a:lvl1pPr marL="342900" indent="-342900" algn="l" defTabSz="914400" rtl="0" eaLnBrk="1" latinLnBrk="1" hangingPunct="1">
+              <a:spcBef>
+                <a:spcPct val="20000"/>
+              </a:spcBef>
+              <a:buFont typeface="Arial" pitchFamily="34" charset="0"/>
+              <a:buChar char="•"/>
+              <a:defRPr sz="3200" kern="1200">
+                <a:solidFill>
+                  <a:schemeClr val="tx1"/>
+                </a:solidFill>
+                <a:latin typeface="+mn-lt"/>
+                <a:ea typeface="+mn-ea"/>
+                <a:cs typeface="+mn-cs"/>
+              </a:defRPr>
+            </a:lvl1pPr>
+            <a:lvl2pPr marL="742950" indent="-285750" algn="l" defTabSz="914400" rtl="0" eaLnBrk="1" latinLnBrk="1" hangingPunct="1">
+              <a:spcBef>
+                <a:spcPct val="20000"/>
+              </a:spcBef>
+              <a:buFont typeface="Arial" pitchFamily="34" charset="0"/>
+              <a:buChar char="–"/>
+              <a:defRPr sz="2800" kern="1200">
+                <a:solidFill>
+                  <a:schemeClr val="tx1"/>
+                </a:solidFill>
+                <a:latin typeface="+mn-lt"/>
+                <a:ea typeface="+mn-ea"/>
+                <a:cs typeface="+mn-cs"/>
+              </a:defRPr>
+            </a:lvl2pPr>
+            <a:lvl3pPr marL="1143000" indent="-228600" algn="l" defTabSz="914400" rtl="0" eaLnBrk="1" latinLnBrk="1" hangingPunct="1">
+              <a:spcBef>
+                <a:spcPct val="20000"/>
+              </a:spcBef>
+              <a:buFont typeface="Arial" pitchFamily="34" charset="0"/>
+              <a:buChar char="•"/>
+              <a:defRPr sz="2400" kern="1200">
+                <a:solidFill>
+                  <a:schemeClr val="tx1"/>
+                </a:solidFill>
+                <a:latin typeface="+mn-lt"/>
+                <a:ea typeface="+mn-ea"/>
+                <a:cs typeface="+mn-cs"/>
+              </a:defRPr>
+            </a:lvl3pPr>
+            <a:lvl4pPr marL="1600200" indent="-228600" algn="l" defTabSz="914400" rtl="0" eaLnBrk="1" latinLnBrk="1" hangingPunct="1">
+              <a:spcBef>
+                <a:spcPct val="20000"/>
+              </a:spcBef>
+              <a:buFont typeface="Arial" pitchFamily="34" charset="0"/>
+              <a:buChar char="–"/>
+              <a:defRPr sz="2000" kern="1200">
+                <a:solidFill>
+                  <a:schemeClr val="tx1"/>
+                </a:solidFill>
+                <a:latin typeface="+mn-lt"/>
+                <a:ea typeface="+mn-ea"/>
+                <a:cs typeface="+mn-cs"/>
+              </a:defRPr>
+            </a:lvl4pPr>
+            <a:lvl5pPr marL="2057400" indent="-228600" algn="l" defTabSz="914400" rtl="0" eaLnBrk="1" latinLnBrk="1" hangingPunct="1">
+              <a:spcBef>
+                <a:spcPct val="20000"/>
+              </a:spcBef>
+              <a:buFont typeface="Arial" pitchFamily="34" charset="0"/>
+              <a:buChar char="»"/>
+              <a:defRPr sz="2000" kern="1200">
+                <a:solidFill>
+                  <a:schemeClr val="tx1"/>
+                </a:solidFill>
+                <a:latin typeface="+mn-lt"/>
+                <a:ea typeface="+mn-ea"/>
+                <a:cs typeface="+mn-cs"/>
+              </a:defRPr>
+            </a:lvl5pPr>
+            <a:lvl6pPr marL="2514600" indent="-228600" algn="l" defTabSz="914400" rtl="0" eaLnBrk="1" latinLnBrk="1" hangingPunct="1">
+              <a:spcBef>
+                <a:spcPct val="20000"/>
+              </a:spcBef>
+              <a:buFont typeface="Arial" pitchFamily="34" charset="0"/>
+              <a:buChar char="•"/>
+              <a:defRPr sz="2000" kern="1200">
+                <a:solidFill>
+                  <a:schemeClr val="tx1"/>
+                </a:solidFill>
+                <a:latin typeface="+mn-lt"/>
+                <a:ea typeface="+mn-ea"/>
+                <a:cs typeface="+mn-cs"/>
+              </a:defRPr>
+            </a:lvl6pPr>
+            <a:lvl7pPr marL="2971800" indent="-228600" algn="l" defTabSz="914400" rtl="0" eaLnBrk="1" latinLnBrk="1" hangingPunct="1">
+              <a:spcBef>
+                <a:spcPct val="20000"/>
+              </a:spcBef>
+              <a:buFont typeface="Arial" pitchFamily="34" charset="0"/>
+              <a:buChar char="•"/>
+              <a:defRPr sz="2000" kern="1200">
+                <a:solidFill>
+                  <a:schemeClr val="tx1"/>
+                </a:solidFill>
+                <a:latin typeface="+mn-lt"/>
+                <a:ea typeface="+mn-ea"/>
+                <a:cs typeface="+mn-cs"/>
+              </a:defRPr>
+            </a:lvl7pPr>
+            <a:lvl8pPr marL="3429000" indent="-228600" algn="l" defTabSz="914400" rtl="0" eaLnBrk="1" latinLnBrk="1" hangingPunct="1">
+              <a:spcBef>
+                <a:spcPct val="20000"/>
+              </a:spcBef>
+              <a:buFont typeface="Arial" pitchFamily="34" charset="0"/>
+              <a:buChar char="•"/>
+              <a:defRPr sz="2000" kern="1200">
+                <a:solidFill>
+                  <a:schemeClr val="tx1"/>
+                </a:solidFill>
+                <a:latin typeface="+mn-lt"/>
+                <a:ea typeface="+mn-ea"/>
+                <a:cs typeface="+mn-cs"/>
+              </a:defRPr>
+            </a:lvl8pPr>
+            <a:lvl9pPr marL="3886200" indent="-228600" algn="l" defTabSz="914400" rtl="0" eaLnBrk="1" latinLnBrk="1" hangingPunct="1">
+              <a:spcBef>
+                <a:spcPct val="20000"/>
+              </a:spcBef>
+              <a:buFont typeface="Arial" pitchFamily="34" charset="0"/>
+              <a:buChar char="•"/>
+              <a:defRPr sz="2000" kern="1200">
+                <a:solidFill>
+                  <a:schemeClr val="tx1"/>
+                </a:solidFill>
+                <a:latin typeface="+mn-lt"/>
+                <a:ea typeface="+mn-ea"/>
+                <a:cs typeface="+mn-cs"/>
+              </a:defRPr>
+            </a:lvl9pPr>
+          </a:lstStyle>
+          <a:p>
+            <a:r>
+              <a:rPr lang="ko-KR" altLang="en-US" dirty="0" err="1" smtClean="0"/>
+              <a:t>메인화면</a:t>
+            </a:r>
+            <a:r>
+              <a:rPr lang="ko-KR" altLang="en-US" dirty="0" smtClean="0"/>
+              <a:t> 비</a:t>
+            </a:r>
+            <a:r>
+              <a:rPr lang="ko-KR" altLang="en-US" dirty="0"/>
+              <a:t>교</a:t>
+            </a:r>
+          </a:p>
+        </p:txBody>
+      </p:sp>
+      <p:pic>
+        <p:nvPicPr>
+          <p:cNvPr id="13" name="그림 12"/>
+          <p:cNvPicPr>
+            <a:picLocks noChangeAspect="1"/>
+          </p:cNvPicPr>
+          <p:nvPr/>
+        </p:nvPicPr>
+        <p:blipFill>
+          <a:blip r:embed="rId2" cstate="print">
+            <a:extLst>
+              <a:ext uri="{28A0092B-C50C-407E-A947-70E740481C1C}">
+                <a14:useLocalDpi xmlns:a14="http://schemas.microsoft.com/office/drawing/2010/main" val="0"/>
+              </a:ext>
+            </a:extLst>
+          </a:blip>
+          <a:stretch>
+            <a:fillRect/>
+          </a:stretch>
+        </p:blipFill>
+        <p:spPr>
+          <a:xfrm>
+            <a:off x="827584" y="3140968"/>
+            <a:ext cx="4152983" cy="2618185"/>
+          </a:xfrm>
+          <a:prstGeom prst="rect">
+            <a:avLst/>
+          </a:prstGeom>
+        </p:spPr>
+      </p:pic>
+      <p:pic>
+        <p:nvPicPr>
+          <p:cNvPr id="14" name="그림 13"/>
+          <p:cNvPicPr>
+            <a:picLocks noChangeAspect="1"/>
+          </p:cNvPicPr>
+          <p:nvPr/>
+        </p:nvPicPr>
+        <p:blipFill>
+          <a:blip r:embed="rId3">
+            <a:extLst>
+              <a:ext uri="{28A0092B-C50C-407E-A947-70E740481C1C}">
+                <a14:useLocalDpi xmlns:a14="http://schemas.microsoft.com/office/drawing/2010/main" val="0"/>
+              </a:ext>
+            </a:extLst>
+          </a:blip>
+          <a:stretch>
+            <a:fillRect/>
+          </a:stretch>
+        </p:blipFill>
+        <p:spPr>
+          <a:xfrm>
+            <a:off x="5940152" y="2940117"/>
+            <a:ext cx="2387777" cy="3217729"/>
+          </a:xfrm>
+          <a:prstGeom prst="rect">
+            <a:avLst/>
+          </a:prstGeom>
+        </p:spPr>
+      </p:pic>
+    </p:spTree>
+    <p:extLst>
+      <p:ext uri="{BB962C8B-B14F-4D97-AF65-F5344CB8AC3E}">
+        <p14:creationId xmlns:p14="http://schemas.microsoft.com/office/powerpoint/2010/main" val="2406876945"/>
+      </p:ext>
+    </p:extLst>
+  </p:cSld>
+  <p:clrMapOvr>
+    <a:masterClrMapping/>
+  </p:clrMapOvr>
+  <p:timing>
+    <p:tnLst>
+      <p:par>
+        <p:cTn id="1" dur="indefinite" restart="never" nodeType="tmRoot"/>
+      </p:par>
+    </p:tnLst>
+  </p:timing>
+</p:sld>
+</file>
+
+<file path=ppt/slides/slide8.xml><?xml version="1.0" encoding="utf-8"?>
+<p:sld xmlns:a="http://schemas.openxmlformats.org/drawingml/2006/main" xmlns:r="http://schemas.openxmlformats.org/officeDocument/2006/relationships" xmlns:p="http://schemas.openxmlformats.org/presentationml/2006/main">
+  <p:cSld>
+    <p:spTree>
+      <p:nvGrpSpPr>
+        <p:cNvPr id="1" name=""/>
+        <p:cNvGrpSpPr/>
+        <p:nvPr/>
+      </p:nvGrpSpPr>
+      <p:grpSpPr>
+        <a:xfrm>
+          <a:off x="0" y="0"/>
+          <a:ext cx="0" cy="0"/>
+          <a:chOff x="0" y="0"/>
+          <a:chExt cx="0" cy="0"/>
+        </a:xfrm>
+      </p:grpSpPr>
+      <p:sp>
+        <p:nvSpPr>
+          <p:cNvPr id="2" name="제목 1"/>
+          <p:cNvSpPr>
+            <a:spLocks noGrp="1"/>
+          </p:cNvSpPr>
+          <p:nvPr>
+            <p:ph type="title"/>
+          </p:nvPr>
+        </p:nvSpPr>
+        <p:spPr/>
+        <p:txBody>
+          <a:bodyPr/>
+          <a:lstStyle/>
+          <a:p>
+            <a:r>
+              <a:rPr lang="ko-KR" altLang="en-US" dirty="0" smtClean="0"/>
+              <a:t>레이아웃</a:t>
+            </a:r>
+            <a:endParaRPr lang="ko-KR" altLang="en-US" dirty="0"/>
+          </a:p>
+        </p:txBody>
+      </p:sp>
+      <p:sp>
+        <p:nvSpPr>
+          <p:cNvPr id="3" name="내용 개체 틀 2"/>
+          <p:cNvSpPr>
+            <a:spLocks noGrp="1"/>
+          </p:cNvSpPr>
+          <p:nvPr>
+            <p:ph idx="1"/>
+          </p:nvPr>
+        </p:nvSpPr>
+        <p:spPr/>
+        <p:txBody>
+          <a:bodyPr/>
+          <a:lstStyle/>
+          <a:p>
+            <a:r>
+              <a:rPr lang="en-US" altLang="ko-KR" dirty="0" smtClean="0"/>
+              <a:t>PC</a:t>
+            </a:r>
+            <a:endParaRPr lang="ko-KR" altLang="en-US" dirty="0"/>
+          </a:p>
+        </p:txBody>
+      </p:sp>
+      <p:sp>
+        <p:nvSpPr>
+          <p:cNvPr id="5" name="직사각형 4"/>
+          <p:cNvSpPr/>
+          <p:nvPr/>
+        </p:nvSpPr>
+        <p:spPr>
+          <a:xfrm>
+            <a:off x="1043608" y="2348880"/>
+            <a:ext cx="6984776" cy="4392488"/>
+          </a:xfrm>
+          <a:prstGeom prst="rect">
+            <a:avLst/>
+          </a:prstGeom>
+          <a:noFill/>
+        </p:spPr>
+        <p:style>
+          <a:lnRef idx="2">
+            <a:schemeClr val="accent1">
+              <a:shade val="50000"/>
+            </a:schemeClr>
+          </a:lnRef>
+          <a:fillRef idx="1">
+            <a:schemeClr val="accent1"/>
+          </a:fillRef>
+          <a:effectRef idx="0">
+            <a:schemeClr val="accent1"/>
+          </a:effectRef>
+          <a:fontRef idx="minor">
+            <a:schemeClr val="lt1"/>
+          </a:fontRef>
+        </p:style>
+        <p:txBody>
+          <a:bodyPr rtlCol="0" anchor="ctr"/>
+          <a:lstStyle/>
+          <a:p>
+            <a:pPr algn="ctr"/>
+            <a:endParaRPr lang="ko-KR" altLang="en-US"/>
+          </a:p>
+        </p:txBody>
+      </p:sp>
+      <p:sp>
+        <p:nvSpPr>
+          <p:cNvPr id="6" name="직사각형 5"/>
+          <p:cNvSpPr/>
+          <p:nvPr/>
+        </p:nvSpPr>
+        <p:spPr>
+          <a:xfrm>
+            <a:off x="1364459" y="2564904"/>
+            <a:ext cx="6336704" cy="432048"/>
+          </a:xfrm>
+          <a:prstGeom prst="rect">
+            <a:avLst/>
+          </a:prstGeom>
+          <a:noFill/>
+        </p:spPr>
+        <p:style>
+          <a:lnRef idx="2">
+            <a:schemeClr val="accent1">
+              <a:shade val="50000"/>
+            </a:schemeClr>
+          </a:lnRef>
+          <a:fillRef idx="1">
+            <a:schemeClr val="accent1"/>
+          </a:fillRef>
+          <a:effectRef idx="0">
+            <a:schemeClr val="accent1"/>
+          </a:effectRef>
+          <a:fontRef idx="minor">
+            <a:schemeClr val="lt1"/>
+          </a:fontRef>
+        </p:style>
+        <p:txBody>
+          <a:bodyPr rtlCol="0" anchor="ctr"/>
+          <a:lstStyle/>
+          <a:p>
+            <a:r>
+              <a:rPr lang="en-US" altLang="ko-KR" dirty="0" smtClean="0">
+                <a:solidFill>
+                  <a:schemeClr val="tx2"/>
+                </a:solidFill>
+              </a:rPr>
+              <a:t>	</a:t>
+            </a:r>
+            <a:r>
+              <a:rPr lang="ko-KR" altLang="en-US" dirty="0" smtClean="0">
+                <a:solidFill>
+                  <a:schemeClr val="tx2"/>
+                </a:solidFill>
+              </a:rPr>
+              <a:t>로고</a:t>
+            </a:r>
+            <a:endParaRPr lang="ko-KR" altLang="en-US" dirty="0">
+              <a:solidFill>
+                <a:schemeClr val="tx2"/>
+              </a:solidFill>
+            </a:endParaRPr>
+          </a:p>
+        </p:txBody>
+      </p:sp>
+      <p:sp>
+        <p:nvSpPr>
+          <p:cNvPr id="7" name="직사각형 6"/>
+          <p:cNvSpPr/>
+          <p:nvPr/>
+        </p:nvSpPr>
+        <p:spPr>
+          <a:xfrm>
+            <a:off x="5833475" y="2564904"/>
+            <a:ext cx="890269" cy="216024"/>
+          </a:xfrm>
+          <a:prstGeom prst="rect">
+            <a:avLst/>
+          </a:prstGeom>
+          <a:noFill/>
+        </p:spPr>
+        <p:style>
+          <a:lnRef idx="2">
+            <a:schemeClr val="accent1">
+              <a:shade val="50000"/>
+            </a:schemeClr>
+          </a:lnRef>
+          <a:fillRef idx="1">
+            <a:schemeClr val="accent1"/>
+          </a:fillRef>
+          <a:effectRef idx="0">
+            <a:schemeClr val="accent1"/>
+          </a:effectRef>
+          <a:fontRef idx="minor">
+            <a:schemeClr val="lt1"/>
+          </a:fontRef>
+        </p:style>
+        <p:txBody>
+          <a:bodyPr rtlCol="0" anchor="ctr"/>
+          <a:lstStyle/>
+          <a:p>
+            <a:pPr algn="ctr"/>
+            <a:r>
+              <a:rPr lang="ko-KR" altLang="en-US" sz="1400" dirty="0" smtClean="0">
+                <a:solidFill>
+                  <a:schemeClr val="tx2"/>
+                </a:solidFill>
+              </a:rPr>
+              <a:t>로그인</a:t>
+            </a:r>
+            <a:endParaRPr lang="ko-KR" altLang="en-US" sz="1400" dirty="0">
+              <a:solidFill>
+                <a:schemeClr val="tx2"/>
+              </a:solidFill>
+            </a:endParaRPr>
+          </a:p>
+        </p:txBody>
+      </p:sp>
+      <p:sp>
+        <p:nvSpPr>
+          <p:cNvPr id="8" name="직사각형 7"/>
+          <p:cNvSpPr/>
+          <p:nvPr/>
+        </p:nvSpPr>
+        <p:spPr>
+          <a:xfrm>
+            <a:off x="6723744" y="2564904"/>
+            <a:ext cx="977419" cy="216024"/>
+          </a:xfrm>
+          <a:prstGeom prst="rect">
+            <a:avLst/>
+          </a:prstGeom>
+          <a:noFill/>
+        </p:spPr>
+        <p:style>
+          <a:lnRef idx="2">
+            <a:schemeClr val="accent1">
+              <a:shade val="50000"/>
+            </a:schemeClr>
+          </a:lnRef>
+          <a:fillRef idx="1">
+            <a:schemeClr val="accent1"/>
+          </a:fillRef>
+          <a:effectRef idx="0">
+            <a:schemeClr val="accent1"/>
+          </a:effectRef>
+          <a:fontRef idx="minor">
+            <a:schemeClr val="lt1"/>
+          </a:fontRef>
+        </p:style>
+        <p:txBody>
+          <a:bodyPr rtlCol="0" anchor="ctr"/>
+          <a:lstStyle/>
+          <a:p>
+            <a:pPr algn="ctr"/>
+            <a:r>
+              <a:rPr lang="ko-KR" altLang="en-US" sz="1400" dirty="0" smtClean="0">
+                <a:solidFill>
+                  <a:schemeClr val="tx2"/>
+                </a:solidFill>
+              </a:rPr>
+              <a:t>회원가</a:t>
+            </a:r>
+            <a:r>
+              <a:rPr lang="ko-KR" altLang="en-US" sz="1400" dirty="0">
+                <a:solidFill>
+                  <a:schemeClr val="tx2"/>
+                </a:solidFill>
+              </a:rPr>
+              <a:t>입</a:t>
+            </a:r>
+            <a:endParaRPr lang="ko-KR" altLang="en-US" dirty="0">
+              <a:solidFill>
+                <a:schemeClr val="tx2"/>
+              </a:solidFill>
+            </a:endParaRPr>
+          </a:p>
+        </p:txBody>
+      </p:sp>
+      <p:sp>
+        <p:nvSpPr>
+          <p:cNvPr id="10" name="직사각형 9"/>
+          <p:cNvSpPr/>
+          <p:nvPr/>
+        </p:nvSpPr>
+        <p:spPr>
+          <a:xfrm>
+            <a:off x="1364459" y="2996952"/>
+            <a:ext cx="6336704" cy="354482"/>
+          </a:xfrm>
+          <a:prstGeom prst="rect">
+            <a:avLst/>
+          </a:prstGeom>
+          <a:solidFill>
+            <a:schemeClr val="tx2">
+              <a:lumMod val="20000"/>
+              <a:lumOff val="80000"/>
+            </a:schemeClr>
+          </a:solidFill>
+        </p:spPr>
+        <p:style>
+          <a:lnRef idx="2">
+            <a:schemeClr val="accent1">
+              <a:shade val="50000"/>
+            </a:schemeClr>
+          </a:lnRef>
+          <a:fillRef idx="1">
+            <a:schemeClr val="accent1"/>
+          </a:fillRef>
+          <a:effectRef idx="0">
+            <a:schemeClr val="accent1"/>
+          </a:effectRef>
+          <a:fontRef idx="minor">
+            <a:schemeClr val="lt1"/>
+          </a:fontRef>
+        </p:style>
+        <p:txBody>
+          <a:bodyPr rtlCol="0" anchor="ctr"/>
+          <a:lstStyle/>
+          <a:p>
+            <a:r>
+              <a:rPr lang="en-US" altLang="ko-KR" dirty="0" smtClean="0">
+                <a:solidFill>
+                  <a:schemeClr val="tx2"/>
+                </a:solidFill>
+              </a:rPr>
+              <a:t>	</a:t>
+            </a:r>
+            <a:r>
+              <a:rPr lang="ko-KR" altLang="en-US" dirty="0" err="1" smtClean="0">
+                <a:solidFill>
+                  <a:schemeClr val="tx2"/>
+                </a:solidFill>
+              </a:rPr>
+              <a:t>네비게이션</a:t>
+            </a:r>
+            <a:r>
+              <a:rPr lang="ko-KR" altLang="en-US" dirty="0" smtClean="0">
+                <a:solidFill>
+                  <a:schemeClr val="tx2"/>
+                </a:solidFill>
+              </a:rPr>
+              <a:t> 바</a:t>
+            </a:r>
+            <a:endParaRPr lang="ko-KR" altLang="en-US" dirty="0">
+              <a:solidFill>
+                <a:schemeClr val="tx2"/>
+              </a:solidFill>
+            </a:endParaRPr>
+          </a:p>
+        </p:txBody>
+      </p:sp>
+      <p:sp>
+        <p:nvSpPr>
+          <p:cNvPr id="11" name="직사각형 10"/>
+          <p:cNvSpPr/>
+          <p:nvPr/>
+        </p:nvSpPr>
+        <p:spPr>
+          <a:xfrm>
+            <a:off x="1364459" y="3351434"/>
+            <a:ext cx="6336704" cy="2885878"/>
+          </a:xfrm>
+          <a:prstGeom prst="rect">
+            <a:avLst/>
+          </a:prstGeom>
+          <a:noFill/>
+        </p:spPr>
+        <p:style>
+          <a:lnRef idx="2">
+            <a:schemeClr val="accent1">
+              <a:shade val="50000"/>
+            </a:schemeClr>
+          </a:lnRef>
+          <a:fillRef idx="1">
+            <a:schemeClr val="accent1"/>
+          </a:fillRef>
+          <a:effectRef idx="0">
+            <a:schemeClr val="accent1"/>
+          </a:effectRef>
+          <a:fontRef idx="minor">
+            <a:schemeClr val="lt1"/>
+          </a:fontRef>
+        </p:style>
+        <p:txBody>
+          <a:bodyPr rtlCol="0" anchor="ctr"/>
+          <a:lstStyle/>
+          <a:p>
+            <a:endParaRPr lang="ko-KR" altLang="en-US" dirty="0">
+              <a:solidFill>
+                <a:schemeClr val="tx2"/>
+              </a:solidFill>
+            </a:endParaRPr>
+          </a:p>
+        </p:txBody>
+      </p:sp>
+      <p:sp>
+        <p:nvSpPr>
+          <p:cNvPr id="12" name="모서리가 둥근 직사각형 11"/>
+          <p:cNvSpPr/>
+          <p:nvPr/>
+        </p:nvSpPr>
+        <p:spPr>
+          <a:xfrm>
+            <a:off x="1619672" y="3714253"/>
+            <a:ext cx="2592288" cy="2160240"/>
+          </a:xfrm>
+          <a:prstGeom prst="roundRect">
+            <a:avLst/>
+          </a:prstGeom>
+          <a:solidFill>
+            <a:schemeClr val="accent1">
+              <a:lumMod val="40000"/>
+              <a:lumOff val="60000"/>
+            </a:schemeClr>
+          </a:solidFill>
+        </p:spPr>
+        <p:style>
+          <a:lnRef idx="2">
+            <a:schemeClr val="accent1">
+              <a:shade val="50000"/>
+            </a:schemeClr>
+          </a:lnRef>
+          <a:fillRef idx="1">
+            <a:schemeClr val="accent1"/>
+          </a:fillRef>
+          <a:effectRef idx="0">
+            <a:schemeClr val="accent1"/>
+          </a:effectRef>
+          <a:fontRef idx="minor">
+            <a:schemeClr val="lt1"/>
+          </a:fontRef>
+        </p:style>
+        <p:txBody>
+          <a:bodyPr rtlCol="0" anchor="ctr"/>
+          <a:lstStyle/>
+          <a:p>
+            <a:pPr algn="ctr"/>
+            <a:r>
+              <a:rPr lang="ko-KR" altLang="en-US" dirty="0" err="1" smtClean="0">
+                <a:solidFill>
+                  <a:schemeClr val="tx2"/>
+                </a:solidFill>
+              </a:rPr>
+              <a:t>타투</a:t>
+            </a:r>
+            <a:r>
+              <a:rPr lang="ko-KR" altLang="en-US" dirty="0" smtClean="0">
+                <a:solidFill>
+                  <a:schemeClr val="tx2"/>
+                </a:solidFill>
+              </a:rPr>
+              <a:t> 이미지</a:t>
+            </a:r>
+            <a:endParaRPr lang="ko-KR" altLang="en-US" dirty="0">
+              <a:solidFill>
+                <a:schemeClr val="tx2"/>
+              </a:solidFill>
+            </a:endParaRPr>
+          </a:p>
+        </p:txBody>
+      </p:sp>
+      <p:sp>
+        <p:nvSpPr>
+          <p:cNvPr id="16" name="타원 15"/>
+          <p:cNvSpPr/>
+          <p:nvPr/>
+        </p:nvSpPr>
+        <p:spPr>
+          <a:xfrm>
+            <a:off x="4644007" y="3823709"/>
+            <a:ext cx="757419" cy="757419"/>
+          </a:xfrm>
+          <a:prstGeom prst="ellipse">
+            <a:avLst/>
+          </a:prstGeom>
+          <a:noFill/>
+        </p:spPr>
+        <p:style>
+          <a:lnRef idx="2">
+            <a:schemeClr val="accent1">
+              <a:shade val="50000"/>
+            </a:schemeClr>
+          </a:lnRef>
+          <a:fillRef idx="1">
+            <a:schemeClr val="accent1"/>
+          </a:fillRef>
+          <a:effectRef idx="0">
+            <a:schemeClr val="accent1"/>
+          </a:effectRef>
+          <a:fontRef idx="minor">
+            <a:schemeClr val="lt1"/>
+          </a:fontRef>
+        </p:style>
+        <p:txBody>
+          <a:bodyPr rtlCol="0" anchor="ctr"/>
+          <a:lstStyle/>
+          <a:p>
+            <a:pPr algn="ctr"/>
+            <a:endParaRPr lang="ko-KR" altLang="en-US"/>
+          </a:p>
+        </p:txBody>
+      </p:sp>
+      <p:sp>
+        <p:nvSpPr>
+          <p:cNvPr id="17" name="타원 16"/>
+          <p:cNvSpPr/>
+          <p:nvPr/>
+        </p:nvSpPr>
+        <p:spPr>
+          <a:xfrm>
+            <a:off x="5652120" y="3823709"/>
+            <a:ext cx="757419" cy="757419"/>
+          </a:xfrm>
+          <a:prstGeom prst="ellipse">
+            <a:avLst/>
+          </a:prstGeom>
+          <a:noFill/>
+        </p:spPr>
+        <p:style>
+          <a:lnRef idx="2">
+            <a:schemeClr val="accent1">
+              <a:shade val="50000"/>
+            </a:schemeClr>
+          </a:lnRef>
+          <a:fillRef idx="1">
+            <a:schemeClr val="accent1"/>
+          </a:fillRef>
+          <a:effectRef idx="0">
+            <a:schemeClr val="accent1"/>
+          </a:effectRef>
+          <a:fontRef idx="minor">
+            <a:schemeClr val="lt1"/>
+          </a:fontRef>
+        </p:style>
+        <p:txBody>
+          <a:bodyPr rtlCol="0" anchor="ctr"/>
+          <a:lstStyle/>
+          <a:p>
+            <a:pPr algn="ctr"/>
+            <a:endParaRPr lang="ko-KR" altLang="en-US"/>
+          </a:p>
+        </p:txBody>
+      </p:sp>
+      <p:sp>
+        <p:nvSpPr>
+          <p:cNvPr id="18" name="타원 17"/>
+          <p:cNvSpPr/>
+          <p:nvPr/>
+        </p:nvSpPr>
+        <p:spPr>
+          <a:xfrm>
+            <a:off x="6680344" y="3823709"/>
+            <a:ext cx="757419" cy="757419"/>
+          </a:xfrm>
+          <a:prstGeom prst="ellipse">
+            <a:avLst/>
+          </a:prstGeom>
+          <a:noFill/>
+        </p:spPr>
+        <p:style>
+          <a:lnRef idx="2">
+            <a:schemeClr val="accent1">
+              <a:shade val="50000"/>
+            </a:schemeClr>
+          </a:lnRef>
+          <a:fillRef idx="1">
+            <a:schemeClr val="accent1"/>
+          </a:fillRef>
+          <a:effectRef idx="0">
+            <a:schemeClr val="accent1"/>
+          </a:effectRef>
+          <a:fontRef idx="minor">
+            <a:schemeClr val="lt1"/>
+          </a:fontRef>
+        </p:style>
+        <p:txBody>
+          <a:bodyPr rtlCol="0" anchor="ctr"/>
+          <a:lstStyle/>
+          <a:p>
+            <a:pPr algn="ctr"/>
+            <a:endParaRPr lang="ko-KR" altLang="en-US"/>
+          </a:p>
+        </p:txBody>
+      </p:sp>
+      <p:sp>
+        <p:nvSpPr>
+          <p:cNvPr id="19" name="타원 18"/>
+          <p:cNvSpPr/>
+          <p:nvPr/>
+        </p:nvSpPr>
+        <p:spPr>
+          <a:xfrm>
+            <a:off x="6680343" y="5013176"/>
+            <a:ext cx="757419" cy="757419"/>
+          </a:xfrm>
+          <a:prstGeom prst="ellipse">
+            <a:avLst/>
+          </a:prstGeom>
+          <a:noFill/>
+        </p:spPr>
+        <p:style>
+          <a:lnRef idx="2">
+            <a:schemeClr val="accent1">
+              <a:shade val="50000"/>
+            </a:schemeClr>
+          </a:lnRef>
+          <a:fillRef idx="1">
+            <a:schemeClr val="accent1"/>
+          </a:fillRef>
+          <a:effectRef idx="0">
+            <a:schemeClr val="accent1"/>
+          </a:effectRef>
+          <a:fontRef idx="minor">
+            <a:schemeClr val="lt1"/>
+          </a:fontRef>
+        </p:style>
+        <p:txBody>
+          <a:bodyPr rtlCol="0" anchor="ctr"/>
+          <a:lstStyle/>
+          <a:p>
+            <a:pPr algn="ctr"/>
+            <a:endParaRPr lang="ko-KR" altLang="en-US"/>
+          </a:p>
+        </p:txBody>
+      </p:sp>
+      <p:sp>
+        <p:nvSpPr>
+          <p:cNvPr id="20" name="타원 19"/>
+          <p:cNvSpPr/>
+          <p:nvPr/>
+        </p:nvSpPr>
+        <p:spPr>
+          <a:xfrm>
+            <a:off x="5652120" y="5013176"/>
+            <a:ext cx="757419" cy="757419"/>
+          </a:xfrm>
+          <a:prstGeom prst="ellipse">
+            <a:avLst/>
+          </a:prstGeom>
+          <a:noFill/>
+        </p:spPr>
+        <p:style>
+          <a:lnRef idx="2">
+            <a:schemeClr val="accent1">
+              <a:shade val="50000"/>
+            </a:schemeClr>
+          </a:lnRef>
+          <a:fillRef idx="1">
+            <a:schemeClr val="accent1"/>
+          </a:fillRef>
+          <a:effectRef idx="0">
+            <a:schemeClr val="accent1"/>
+          </a:effectRef>
+          <a:fontRef idx="minor">
+            <a:schemeClr val="lt1"/>
+          </a:fontRef>
+        </p:style>
+        <p:txBody>
+          <a:bodyPr rtlCol="0" anchor="ctr"/>
+          <a:lstStyle/>
+          <a:p>
+            <a:pPr algn="ctr"/>
+            <a:endParaRPr lang="ko-KR" altLang="en-US"/>
+          </a:p>
+        </p:txBody>
+      </p:sp>
+      <p:sp>
+        <p:nvSpPr>
+          <p:cNvPr id="21" name="타원 20"/>
+          <p:cNvSpPr/>
+          <p:nvPr/>
+        </p:nvSpPr>
+        <p:spPr>
+          <a:xfrm>
+            <a:off x="4644007" y="5013176"/>
+            <a:ext cx="757419" cy="757419"/>
+          </a:xfrm>
+          <a:prstGeom prst="ellipse">
+            <a:avLst/>
+          </a:prstGeom>
+          <a:noFill/>
+        </p:spPr>
+        <p:style>
+          <a:lnRef idx="2">
+            <a:schemeClr val="accent1">
+              <a:shade val="50000"/>
+            </a:schemeClr>
+          </a:lnRef>
+          <a:fillRef idx="1">
+            <a:schemeClr val="accent1"/>
+          </a:fillRef>
+          <a:effectRef idx="0">
+            <a:schemeClr val="accent1"/>
+          </a:effectRef>
+          <a:fontRef idx="minor">
+            <a:schemeClr val="lt1"/>
+          </a:fontRef>
+        </p:style>
+        <p:txBody>
+          <a:bodyPr rtlCol="0" anchor="ctr"/>
+          <a:lstStyle/>
+          <a:p>
+            <a:pPr algn="ctr"/>
+            <a:endParaRPr lang="ko-KR" altLang="en-US"/>
+          </a:p>
+        </p:txBody>
+      </p:sp>
+      <p:sp>
+        <p:nvSpPr>
+          <p:cNvPr id="22" name="직사각형 21"/>
+          <p:cNvSpPr/>
+          <p:nvPr/>
+        </p:nvSpPr>
+        <p:spPr>
+          <a:xfrm>
+            <a:off x="1364459" y="6237312"/>
+            <a:ext cx="6336704" cy="354482"/>
+          </a:xfrm>
+          <a:prstGeom prst="rect">
+            <a:avLst/>
+          </a:prstGeom>
+          <a:solidFill>
+            <a:schemeClr val="tx2">
+              <a:lumMod val="20000"/>
+              <a:lumOff val="80000"/>
+            </a:schemeClr>
+          </a:solidFill>
+        </p:spPr>
+        <p:style>
+          <a:lnRef idx="2">
+            <a:schemeClr val="accent1">
+              <a:shade val="50000"/>
+            </a:schemeClr>
+          </a:lnRef>
+          <a:fillRef idx="1">
+            <a:schemeClr val="accent1"/>
+          </a:fillRef>
+          <a:effectRef idx="0">
+            <a:schemeClr val="accent1"/>
+          </a:effectRef>
+          <a:fontRef idx="minor">
+            <a:schemeClr val="lt1"/>
+          </a:fontRef>
+        </p:style>
+        <p:txBody>
+          <a:bodyPr rtlCol="0" anchor="ctr"/>
+          <a:lstStyle/>
+          <a:p>
+            <a:r>
+              <a:rPr lang="en-US" altLang="ko-KR" dirty="0" smtClean="0">
+                <a:solidFill>
+                  <a:schemeClr val="tx2"/>
+                </a:solidFill>
+              </a:rPr>
+              <a:t>	</a:t>
+            </a:r>
+            <a:endParaRPr lang="ko-KR" altLang="en-US" dirty="0">
+              <a:solidFill>
+                <a:schemeClr val="tx2"/>
+              </a:solidFill>
+            </a:endParaRPr>
+          </a:p>
+        </p:txBody>
+      </p:sp>
+      <p:sp>
+        <p:nvSpPr>
+          <p:cNvPr id="24" name="모서리가 둥근 직사각형 23"/>
+          <p:cNvSpPr/>
+          <p:nvPr/>
+        </p:nvSpPr>
+        <p:spPr>
+          <a:xfrm>
+            <a:off x="1187624" y="2522383"/>
+            <a:ext cx="6696744" cy="851004"/>
+          </a:xfrm>
+          <a:prstGeom prst="roundRect">
+            <a:avLst/>
+          </a:prstGeom>
+          <a:noFill/>
+          <a:ln>
+            <a:solidFill>
+              <a:srgbClr val="FF0000"/>
+            </a:solidFill>
+          </a:ln>
+        </p:spPr>
+        <p:style>
+          <a:lnRef idx="2">
+            <a:schemeClr val="accent1">
+              <a:shade val="50000"/>
+            </a:schemeClr>
+          </a:lnRef>
+          <a:fillRef idx="1">
+            <a:schemeClr val="accent1"/>
+          </a:fillRef>
+          <a:effectRef idx="0">
+            <a:schemeClr val="accent1"/>
+          </a:effectRef>
+          <a:fontRef idx="minor">
+            <a:schemeClr val="lt1"/>
+          </a:fontRef>
+        </p:style>
+        <p:txBody>
+          <a:bodyPr rtlCol="0" anchor="ctr"/>
+          <a:lstStyle/>
+          <a:p>
+            <a:pPr algn="ctr"/>
+            <a:endParaRPr lang="ko-KR" altLang="en-US"/>
+          </a:p>
+        </p:txBody>
+      </p:sp>
+      <p:cxnSp>
+        <p:nvCxnSpPr>
+          <p:cNvPr id="28" name="직선 화살표 연결선 27"/>
+          <p:cNvCxnSpPr>
+            <a:stCxn id="30" idx="1"/>
+            <a:endCxn id="5" idx="0"/>
+          </p:cNvCxnSpPr>
+          <p:nvPr/>
+        </p:nvCxnSpPr>
+        <p:spPr>
+          <a:xfrm flipH="1">
+            <a:off x="4535996" y="1772816"/>
+            <a:ext cx="583321" cy="576064"/>
+          </a:xfrm>
+          <a:prstGeom prst="straightConnector1">
+            <a:avLst/>
+          </a:prstGeom>
+          <a:ln>
+            <a:solidFill>
+              <a:srgbClr val="FF0000"/>
+            </a:solidFill>
+            <a:tailEnd type="arrow"/>
+          </a:ln>
+        </p:spPr>
+        <p:style>
+          <a:lnRef idx="1">
+            <a:schemeClr val="accent1"/>
+          </a:lnRef>
+          <a:fillRef idx="0">
+            <a:schemeClr val="accent1"/>
+          </a:fillRef>
+          <a:effectRef idx="0">
+            <a:schemeClr val="accent1"/>
+          </a:effectRef>
+          <a:fontRef idx="minor">
+            <a:schemeClr val="tx1"/>
+          </a:fontRef>
+        </p:style>
+      </p:cxnSp>
+      <p:sp>
+        <p:nvSpPr>
+          <p:cNvPr id="30" name="TextBox 29"/>
+          <p:cNvSpPr txBox="1"/>
+          <p:nvPr/>
+        </p:nvSpPr>
+        <p:spPr>
+          <a:xfrm>
+            <a:off x="5119317" y="1588150"/>
+            <a:ext cx="1159292" cy="369332"/>
+          </a:xfrm>
+          <a:prstGeom prst="rect">
+            <a:avLst/>
+          </a:prstGeom>
+          <a:noFill/>
+          <a:ln>
+            <a:solidFill>
+              <a:srgbClr val="FF0000"/>
+            </a:solidFill>
+          </a:ln>
+        </p:spPr>
+        <p:txBody>
+          <a:bodyPr wrap="none" rtlCol="0">
+            <a:spAutoFit/>
+          </a:bodyPr>
+          <a:lstStyle/>
+          <a:p>
+            <a:r>
+              <a:rPr lang="en-US" altLang="ko-KR" dirty="0" smtClean="0">
+                <a:solidFill>
+                  <a:srgbClr val="FF0000"/>
+                </a:solidFill>
+              </a:rPr>
+              <a:t>container</a:t>
+            </a:r>
+            <a:endParaRPr lang="ko-KR" altLang="en-US" dirty="0">
+              <a:solidFill>
+                <a:srgbClr val="FF0000"/>
+              </a:solidFill>
+            </a:endParaRPr>
+          </a:p>
+        </p:txBody>
+      </p:sp>
+      <p:cxnSp>
+        <p:nvCxnSpPr>
+          <p:cNvPr id="35" name="직선 화살표 연결선 34"/>
+          <p:cNvCxnSpPr>
+            <a:stCxn id="36" idx="1"/>
+          </p:cNvCxnSpPr>
+          <p:nvPr/>
+        </p:nvCxnSpPr>
+        <p:spPr>
+          <a:xfrm flipH="1">
+            <a:off x="5698963" y="1772816"/>
+            <a:ext cx="1360090" cy="720080"/>
+          </a:xfrm>
+          <a:prstGeom prst="straightConnector1">
+            <a:avLst/>
+          </a:prstGeom>
+          <a:ln>
+            <a:solidFill>
+              <a:srgbClr val="FF0000"/>
+            </a:solidFill>
+            <a:tailEnd type="arrow"/>
+          </a:ln>
+        </p:spPr>
+        <p:style>
+          <a:lnRef idx="1">
+            <a:schemeClr val="accent1"/>
+          </a:lnRef>
+          <a:fillRef idx="0">
+            <a:schemeClr val="accent1"/>
+          </a:fillRef>
+          <a:effectRef idx="0">
+            <a:schemeClr val="accent1"/>
+          </a:effectRef>
+          <a:fontRef idx="minor">
+            <a:schemeClr val="tx1"/>
+          </a:fontRef>
+        </p:style>
+      </p:cxnSp>
+      <p:sp>
+        <p:nvSpPr>
+          <p:cNvPr id="36" name="TextBox 35"/>
+          <p:cNvSpPr txBox="1"/>
+          <p:nvPr/>
+        </p:nvSpPr>
+        <p:spPr>
+          <a:xfrm>
+            <a:off x="7059053" y="1588150"/>
+            <a:ext cx="906017" cy="369332"/>
+          </a:xfrm>
+          <a:prstGeom prst="rect">
+            <a:avLst/>
+          </a:prstGeom>
+          <a:noFill/>
+          <a:ln>
+            <a:solidFill>
+              <a:srgbClr val="FF0000"/>
+            </a:solidFill>
+          </a:ln>
+        </p:spPr>
+        <p:txBody>
+          <a:bodyPr wrap="none" rtlCol="0">
+            <a:spAutoFit/>
+          </a:bodyPr>
+          <a:lstStyle/>
+          <a:p>
+            <a:r>
+              <a:rPr lang="en-US" altLang="ko-KR" dirty="0" smtClean="0">
+                <a:solidFill>
+                  <a:srgbClr val="FF0000"/>
+                </a:solidFill>
+              </a:rPr>
+              <a:t>header</a:t>
+            </a:r>
+            <a:endParaRPr lang="ko-KR" altLang="en-US" dirty="0">
+              <a:solidFill>
+                <a:srgbClr val="FF0000"/>
+              </a:solidFill>
+            </a:endParaRPr>
+          </a:p>
+        </p:txBody>
+      </p:sp>
+      <p:sp>
+        <p:nvSpPr>
+          <p:cNvPr id="38" name="모서리가 둥근 직사각형 37"/>
+          <p:cNvSpPr/>
+          <p:nvPr/>
+        </p:nvSpPr>
+        <p:spPr>
+          <a:xfrm>
+            <a:off x="1187624" y="6171666"/>
+            <a:ext cx="6696744" cy="480369"/>
+          </a:xfrm>
+          <a:prstGeom prst="roundRect">
+            <a:avLst/>
+          </a:prstGeom>
+          <a:noFill/>
+          <a:ln>
+            <a:solidFill>
+              <a:srgbClr val="FF0000"/>
+            </a:solidFill>
+          </a:ln>
+        </p:spPr>
+        <p:style>
+          <a:lnRef idx="2">
+            <a:schemeClr val="accent1">
+              <a:shade val="50000"/>
+            </a:schemeClr>
+          </a:lnRef>
+          <a:fillRef idx="1">
+            <a:schemeClr val="accent1"/>
+          </a:fillRef>
+          <a:effectRef idx="0">
+            <a:schemeClr val="accent1"/>
+          </a:effectRef>
+          <a:fontRef idx="minor">
+            <a:schemeClr val="lt1"/>
+          </a:fontRef>
+        </p:style>
+        <p:txBody>
+          <a:bodyPr rtlCol="0" anchor="ctr"/>
+          <a:lstStyle/>
+          <a:p>
+            <a:pPr algn="ctr"/>
+            <a:endParaRPr lang="ko-KR" altLang="en-US"/>
+          </a:p>
+        </p:txBody>
+      </p:sp>
+      <p:sp>
+        <p:nvSpPr>
+          <p:cNvPr id="41" name="모서리가 둥근 직사각형 40"/>
+          <p:cNvSpPr/>
+          <p:nvPr/>
+        </p:nvSpPr>
+        <p:spPr>
+          <a:xfrm>
+            <a:off x="1187624" y="3430521"/>
+            <a:ext cx="6696744" cy="2670811"/>
+          </a:xfrm>
+          <a:prstGeom prst="roundRect">
+            <a:avLst/>
+          </a:prstGeom>
+          <a:noFill/>
+          <a:ln>
+            <a:solidFill>
+              <a:srgbClr val="FF0000"/>
+            </a:solidFill>
+          </a:ln>
+        </p:spPr>
+        <p:style>
+          <a:lnRef idx="2">
+            <a:schemeClr val="accent1">
+              <a:shade val="50000"/>
+            </a:schemeClr>
+          </a:lnRef>
+          <a:fillRef idx="1">
+            <a:schemeClr val="accent1"/>
+          </a:fillRef>
+          <a:effectRef idx="0">
+            <a:schemeClr val="accent1"/>
+          </a:effectRef>
+          <a:fontRef idx="minor">
+            <a:schemeClr val="lt1"/>
+          </a:fontRef>
+        </p:style>
+        <p:txBody>
+          <a:bodyPr rtlCol="0" anchor="ctr"/>
+          <a:lstStyle/>
+          <a:p>
+            <a:pPr algn="ctr"/>
+            <a:endParaRPr lang="ko-KR" altLang="en-US"/>
+          </a:p>
+        </p:txBody>
+      </p:sp>
+      <p:cxnSp>
+        <p:nvCxnSpPr>
+          <p:cNvPr id="42" name="직선 화살표 연결선 41"/>
+          <p:cNvCxnSpPr>
+            <a:stCxn id="43" idx="1"/>
+            <a:endCxn id="41" idx="0"/>
+          </p:cNvCxnSpPr>
+          <p:nvPr/>
+        </p:nvCxnSpPr>
+        <p:spPr>
+          <a:xfrm flipH="1" flipV="1">
+            <a:off x="4535996" y="3430521"/>
+            <a:ext cx="865430" cy="208522"/>
+          </a:xfrm>
+          <a:prstGeom prst="straightConnector1">
+            <a:avLst/>
+          </a:prstGeom>
+          <a:ln>
+            <a:solidFill>
+              <a:srgbClr val="FF0000"/>
+            </a:solidFill>
+            <a:tailEnd type="arrow"/>
+          </a:ln>
+        </p:spPr>
+        <p:style>
+          <a:lnRef idx="1">
+            <a:schemeClr val="accent1"/>
+          </a:lnRef>
+          <a:fillRef idx="0">
+            <a:schemeClr val="accent1"/>
+          </a:fillRef>
+          <a:effectRef idx="0">
+            <a:schemeClr val="accent1"/>
+          </a:effectRef>
+          <a:fontRef idx="minor">
+            <a:schemeClr val="tx1"/>
+          </a:fontRef>
+        </p:style>
+      </p:cxnSp>
+      <p:sp>
+        <p:nvSpPr>
+          <p:cNvPr id="43" name="TextBox 42"/>
+          <p:cNvSpPr txBox="1"/>
+          <p:nvPr/>
+        </p:nvSpPr>
+        <p:spPr>
+          <a:xfrm>
+            <a:off x="5401426" y="3454377"/>
+            <a:ext cx="979435" cy="369332"/>
+          </a:xfrm>
+          <a:prstGeom prst="rect">
+            <a:avLst/>
+          </a:prstGeom>
+          <a:noFill/>
+          <a:ln>
+            <a:solidFill>
+              <a:srgbClr val="FF0000"/>
+            </a:solidFill>
+          </a:ln>
+        </p:spPr>
+        <p:txBody>
+          <a:bodyPr wrap="none" rtlCol="0">
+            <a:spAutoFit/>
+          </a:bodyPr>
+          <a:lstStyle/>
+          <a:p>
+            <a:r>
+              <a:rPr lang="en-US" altLang="ko-KR" dirty="0" smtClean="0">
+                <a:solidFill>
+                  <a:srgbClr val="FF0000"/>
+                </a:solidFill>
+              </a:rPr>
+              <a:t>content</a:t>
+            </a:r>
+            <a:endParaRPr lang="ko-KR" altLang="en-US" dirty="0">
+              <a:solidFill>
+                <a:srgbClr val="FF0000"/>
+              </a:solidFill>
+            </a:endParaRPr>
+          </a:p>
+        </p:txBody>
+      </p:sp>
+      <p:cxnSp>
+        <p:nvCxnSpPr>
+          <p:cNvPr id="45" name="직선 화살표 연결선 44"/>
+          <p:cNvCxnSpPr>
+            <a:stCxn id="46" idx="1"/>
+            <a:endCxn id="22" idx="0"/>
+          </p:cNvCxnSpPr>
+          <p:nvPr/>
+        </p:nvCxnSpPr>
+        <p:spPr>
+          <a:xfrm flipH="1" flipV="1">
+            <a:off x="4532811" y="6237312"/>
+            <a:ext cx="1047301" cy="174538"/>
+          </a:xfrm>
+          <a:prstGeom prst="straightConnector1">
+            <a:avLst/>
+          </a:prstGeom>
+          <a:ln>
+            <a:solidFill>
+              <a:srgbClr val="FF0000"/>
+            </a:solidFill>
+            <a:tailEnd type="arrow"/>
+          </a:ln>
+        </p:spPr>
+        <p:style>
+          <a:lnRef idx="1">
+            <a:schemeClr val="accent1"/>
+          </a:lnRef>
+          <a:fillRef idx="0">
+            <a:schemeClr val="accent1"/>
+          </a:fillRef>
+          <a:effectRef idx="0">
+            <a:schemeClr val="accent1"/>
+          </a:effectRef>
+          <a:fontRef idx="minor">
+            <a:schemeClr val="tx1"/>
+          </a:fontRef>
+        </p:style>
+      </p:cxnSp>
+      <p:sp>
+        <p:nvSpPr>
+          <p:cNvPr id="46" name="TextBox 45"/>
+          <p:cNvSpPr txBox="1"/>
+          <p:nvPr/>
+        </p:nvSpPr>
+        <p:spPr>
+          <a:xfrm>
+            <a:off x="5580112" y="6227184"/>
+            <a:ext cx="817531" cy="369332"/>
+          </a:xfrm>
+          <a:prstGeom prst="rect">
+            <a:avLst/>
+          </a:prstGeom>
+          <a:noFill/>
+          <a:ln>
+            <a:solidFill>
+              <a:srgbClr val="FF0000"/>
+            </a:solidFill>
+          </a:ln>
+        </p:spPr>
+        <p:txBody>
+          <a:bodyPr wrap="none" rtlCol="0">
+            <a:spAutoFit/>
+          </a:bodyPr>
+          <a:lstStyle/>
+          <a:p>
+            <a:r>
+              <a:rPr lang="en-US" altLang="ko-KR" dirty="0" smtClean="0">
+                <a:solidFill>
+                  <a:srgbClr val="FF0000"/>
+                </a:solidFill>
+              </a:rPr>
+              <a:t>footer</a:t>
+            </a:r>
+            <a:endParaRPr lang="ko-KR" altLang="en-US" dirty="0">
+              <a:solidFill>
+                <a:srgbClr val="FF0000"/>
+              </a:solidFill>
+            </a:endParaRPr>
+          </a:p>
+        </p:txBody>
+      </p:sp>
+    </p:spTree>
+    <p:extLst>
+      <p:ext uri="{BB962C8B-B14F-4D97-AF65-F5344CB8AC3E}">
+        <p14:creationId xmlns:p14="http://schemas.microsoft.com/office/powerpoint/2010/main" val="3786328871"/>
+      </p:ext>
+    </p:extLst>
+  </p:cSld>
+  <p:clrMapOvr>
+    <a:masterClrMapping/>
+  </p:clrMapOvr>
+  <p:timing>
+    <p:tnLst>
+      <p:par>
+        <p:cTn id="1" dur="indefinite" restart="never" nodeType="tmRoot"/>
+      </p:par>
+    </p:tnLst>
+  </p:timing>
+</p:sld>
+</file>
+
+<file path=ppt/slides/slide9.xml><?xml version="1.0" encoding="utf-8"?>
+<p:sld xmlns:a="http://schemas.openxmlformats.org/drawingml/2006/main" xmlns:r="http://schemas.openxmlformats.org/officeDocument/2006/relationships" xmlns:p="http://schemas.openxmlformats.org/presentationml/2006/main">
+  <p:cSld>
+    <p:spTree>
+      <p:nvGrpSpPr>
+        <p:cNvPr id="1" name=""/>
+        <p:cNvGrpSpPr/>
+        <p:nvPr/>
+      </p:nvGrpSpPr>
+      <p:grpSpPr>
+        <a:xfrm>
+          <a:off x="0" y="0"/>
+          <a:ext cx="0" cy="0"/>
+          <a:chOff x="0" y="0"/>
+          <a:chExt cx="0" cy="0"/>
+        </a:xfrm>
+      </p:grpSpPr>
+      <p:sp>
+        <p:nvSpPr>
+          <p:cNvPr id="2" name="제목 1"/>
+          <p:cNvSpPr>
+            <a:spLocks noGrp="1"/>
+          </p:cNvSpPr>
+          <p:nvPr>
+            <p:ph type="title"/>
+          </p:nvPr>
+        </p:nvSpPr>
+        <p:spPr/>
+        <p:txBody>
+          <a:bodyPr/>
+          <a:lstStyle/>
+          <a:p>
+            <a:r>
+              <a:rPr lang="ko-KR" altLang="en-US" dirty="0" smtClean="0"/>
+              <a:t>레이아웃</a:t>
+            </a:r>
+            <a:endParaRPr lang="ko-KR" altLang="en-US" dirty="0"/>
+          </a:p>
+        </p:txBody>
+      </p:sp>
+      <p:sp>
+        <p:nvSpPr>
+          <p:cNvPr id="3" name="내용 개체 틀 2"/>
+          <p:cNvSpPr>
+            <a:spLocks noGrp="1"/>
+          </p:cNvSpPr>
+          <p:nvPr>
+            <p:ph idx="1"/>
+          </p:nvPr>
+        </p:nvSpPr>
+        <p:spPr>
+          <a:xfrm>
+            <a:off x="457200" y="1600200"/>
+            <a:ext cx="4114800" cy="4525963"/>
+          </a:xfrm>
+        </p:spPr>
+        <p:txBody>
+          <a:bodyPr/>
+          <a:lstStyle/>
+          <a:p>
+            <a:r>
+              <a:rPr lang="ko-KR" altLang="en-US" dirty="0" err="1" smtClean="0"/>
+              <a:t>메인화면</a:t>
+            </a:r>
+            <a:r>
+              <a:rPr lang="ko-KR" altLang="en-US" dirty="0" smtClean="0"/>
+              <a:t> </a:t>
+            </a:r>
+            <a:r>
+              <a:rPr lang="en-US" altLang="ko-KR" dirty="0" smtClean="0"/>
+              <a:t>– </a:t>
+            </a:r>
+            <a:r>
+              <a:rPr lang="ko-KR" altLang="en-US" dirty="0" err="1" smtClean="0"/>
+              <a:t>모바일</a:t>
+            </a:r>
+            <a:endParaRPr lang="en-US" altLang="ko-KR" dirty="0" smtClean="0"/>
+          </a:p>
+          <a:p>
+            <a:r>
+              <a:rPr lang="en-US" altLang="ko-KR" dirty="0" smtClean="0"/>
+              <a:t>PC</a:t>
+            </a:r>
+            <a:r>
+              <a:rPr lang="ko-KR" altLang="en-US" dirty="0" smtClean="0"/>
+              <a:t>화면에서 음영처리 된 부분이 안보이게 되고 폭이 줄어든다</a:t>
+            </a:r>
+          </a:p>
+          <a:p>
+            <a:pPr marL="0" indent="0">
+              <a:buNone/>
+            </a:pPr>
+            <a:endParaRPr lang="ko-KR" altLang="en-US" dirty="0"/>
+          </a:p>
+        </p:txBody>
+      </p:sp>
+      <p:sp>
+        <p:nvSpPr>
+          <p:cNvPr id="5" name="직사각형 4"/>
+          <p:cNvSpPr/>
+          <p:nvPr/>
+        </p:nvSpPr>
+        <p:spPr>
+          <a:xfrm>
+            <a:off x="4769935" y="1916832"/>
+            <a:ext cx="3258449" cy="4392488"/>
+          </a:xfrm>
+          <a:prstGeom prst="rect">
+            <a:avLst/>
+          </a:prstGeom>
+          <a:noFill/>
+        </p:spPr>
+        <p:style>
+          <a:lnRef idx="2">
+            <a:schemeClr val="accent1">
+              <a:shade val="50000"/>
+            </a:schemeClr>
+          </a:lnRef>
+          <a:fillRef idx="1">
+            <a:schemeClr val="accent1"/>
+          </a:fillRef>
+          <a:effectRef idx="0">
+            <a:schemeClr val="accent1"/>
+          </a:effectRef>
+          <a:fontRef idx="minor">
+            <a:schemeClr val="lt1"/>
+          </a:fontRef>
+        </p:style>
+        <p:txBody>
+          <a:bodyPr rtlCol="0" anchor="ctr"/>
+          <a:lstStyle/>
+          <a:p>
+            <a:pPr algn="ctr"/>
+            <a:endParaRPr lang="ko-KR" altLang="en-US"/>
+          </a:p>
+        </p:txBody>
+      </p:sp>
+      <p:sp>
+        <p:nvSpPr>
+          <p:cNvPr id="6" name="직사각형 5"/>
+          <p:cNvSpPr/>
+          <p:nvPr/>
+        </p:nvSpPr>
+        <p:spPr>
+          <a:xfrm>
+            <a:off x="4917914" y="2132856"/>
+            <a:ext cx="2956120" cy="432048"/>
+          </a:xfrm>
+          <a:prstGeom prst="rect">
+            <a:avLst/>
+          </a:prstGeom>
+          <a:noFill/>
+        </p:spPr>
+        <p:style>
+          <a:lnRef idx="2">
+            <a:schemeClr val="accent1">
+              <a:shade val="50000"/>
+            </a:schemeClr>
+          </a:lnRef>
+          <a:fillRef idx="1">
+            <a:schemeClr val="accent1"/>
+          </a:fillRef>
+          <a:effectRef idx="0">
+            <a:schemeClr val="accent1"/>
+          </a:effectRef>
+          <a:fontRef idx="minor">
+            <a:schemeClr val="lt1"/>
+          </a:fontRef>
+        </p:style>
+        <p:txBody>
+          <a:bodyPr rtlCol="0" anchor="ctr"/>
+          <a:lstStyle/>
+          <a:p>
+            <a:r>
+              <a:rPr lang="ko-KR" altLang="en-US" dirty="0" smtClean="0">
+                <a:solidFill>
+                  <a:schemeClr val="tx2"/>
+                </a:solidFill>
+              </a:rPr>
+              <a:t>로고</a:t>
+            </a:r>
+            <a:endParaRPr lang="ko-KR" altLang="en-US" dirty="0">
+              <a:solidFill>
+                <a:schemeClr val="tx2"/>
+              </a:solidFill>
+            </a:endParaRPr>
+          </a:p>
+        </p:txBody>
+      </p:sp>
+      <p:sp>
+        <p:nvSpPr>
+          <p:cNvPr id="7" name="직사각형 6"/>
+          <p:cNvSpPr/>
+          <p:nvPr/>
+        </p:nvSpPr>
+        <p:spPr>
+          <a:xfrm>
+            <a:off x="6330336" y="2132856"/>
+            <a:ext cx="735759" cy="216024"/>
+          </a:xfrm>
+          <a:prstGeom prst="rect">
+            <a:avLst/>
+          </a:prstGeom>
+          <a:noFill/>
+        </p:spPr>
+        <p:style>
+          <a:lnRef idx="2">
+            <a:schemeClr val="accent1">
+              <a:shade val="50000"/>
+            </a:schemeClr>
+          </a:lnRef>
+          <a:fillRef idx="1">
+            <a:schemeClr val="accent1"/>
+          </a:fillRef>
+          <a:effectRef idx="0">
+            <a:schemeClr val="accent1"/>
+          </a:effectRef>
+          <a:fontRef idx="minor">
+            <a:schemeClr val="lt1"/>
+          </a:fontRef>
+        </p:style>
+        <p:txBody>
+          <a:bodyPr rtlCol="0" anchor="ctr"/>
+          <a:lstStyle/>
+          <a:p>
+            <a:pPr algn="ctr"/>
+            <a:r>
+              <a:rPr lang="ko-KR" altLang="en-US" sz="1100" dirty="0" smtClean="0">
+                <a:solidFill>
+                  <a:schemeClr val="tx2"/>
+                </a:solidFill>
+              </a:rPr>
+              <a:t>로그인</a:t>
+            </a:r>
+            <a:endParaRPr lang="ko-KR" altLang="en-US" sz="1100" dirty="0">
+              <a:solidFill>
+                <a:schemeClr val="tx2"/>
+              </a:solidFill>
+            </a:endParaRPr>
+          </a:p>
+        </p:txBody>
+      </p:sp>
+      <p:sp>
+        <p:nvSpPr>
+          <p:cNvPr id="8" name="직사각형 7"/>
+          <p:cNvSpPr/>
+          <p:nvPr/>
+        </p:nvSpPr>
+        <p:spPr>
+          <a:xfrm>
+            <a:off x="7067538" y="2132856"/>
+            <a:ext cx="807785" cy="216024"/>
+          </a:xfrm>
+          <a:prstGeom prst="rect">
+            <a:avLst/>
+          </a:prstGeom>
+          <a:noFill/>
+        </p:spPr>
+        <p:style>
+          <a:lnRef idx="2">
+            <a:schemeClr val="accent1">
+              <a:shade val="50000"/>
+            </a:schemeClr>
+          </a:lnRef>
+          <a:fillRef idx="1">
+            <a:schemeClr val="accent1"/>
+          </a:fillRef>
+          <a:effectRef idx="0">
+            <a:schemeClr val="accent1"/>
+          </a:effectRef>
+          <a:fontRef idx="minor">
+            <a:schemeClr val="lt1"/>
+          </a:fontRef>
+        </p:style>
+        <p:txBody>
+          <a:bodyPr rtlCol="0" anchor="ctr"/>
+          <a:lstStyle/>
+          <a:p>
+            <a:pPr algn="ctr"/>
+            <a:r>
+              <a:rPr lang="ko-KR" altLang="en-US" sz="1100" dirty="0" smtClean="0">
+                <a:solidFill>
+                  <a:schemeClr val="tx2"/>
+                </a:solidFill>
+              </a:rPr>
+              <a:t>회원가</a:t>
+            </a:r>
+            <a:r>
+              <a:rPr lang="ko-KR" altLang="en-US" sz="1100" dirty="0">
+                <a:solidFill>
+                  <a:schemeClr val="tx2"/>
+                </a:solidFill>
+              </a:rPr>
+              <a:t>입</a:t>
+            </a:r>
+            <a:endParaRPr lang="ko-KR" altLang="en-US" sz="1400" dirty="0">
+              <a:solidFill>
+                <a:schemeClr val="tx2"/>
+              </a:solidFill>
+            </a:endParaRPr>
+          </a:p>
+        </p:txBody>
+      </p:sp>
+      <p:sp>
+        <p:nvSpPr>
+          <p:cNvPr id="11" name="직사각형 10"/>
+          <p:cNvSpPr/>
+          <p:nvPr/>
+        </p:nvSpPr>
+        <p:spPr>
+          <a:xfrm>
+            <a:off x="4917914" y="2708920"/>
+            <a:ext cx="2956120" cy="3456384"/>
+          </a:xfrm>
+          <a:prstGeom prst="rect">
+            <a:avLst/>
+          </a:prstGeom>
+          <a:noFill/>
+        </p:spPr>
+        <p:style>
+          <a:lnRef idx="2">
+            <a:schemeClr val="accent1">
+              <a:shade val="50000"/>
+            </a:schemeClr>
+          </a:lnRef>
+          <a:fillRef idx="1">
+            <a:schemeClr val="accent1"/>
+          </a:fillRef>
+          <a:effectRef idx="0">
+            <a:schemeClr val="accent1"/>
+          </a:effectRef>
+          <a:fontRef idx="minor">
+            <a:schemeClr val="lt1"/>
+          </a:fontRef>
+        </p:style>
+        <p:txBody>
+          <a:bodyPr rtlCol="0" anchor="ctr"/>
+          <a:lstStyle/>
+          <a:p>
+            <a:endParaRPr lang="ko-KR" altLang="en-US" dirty="0">
+              <a:solidFill>
+                <a:schemeClr val="tx2"/>
+              </a:solidFill>
+            </a:endParaRPr>
+          </a:p>
+        </p:txBody>
+      </p:sp>
+      <p:sp>
+        <p:nvSpPr>
+          <p:cNvPr id="16" name="타원 15"/>
+          <p:cNvSpPr/>
+          <p:nvPr/>
+        </p:nvSpPr>
+        <p:spPr>
+          <a:xfrm>
+            <a:off x="5219797" y="2996951"/>
+            <a:ext cx="864097" cy="864097"/>
+          </a:xfrm>
+          <a:prstGeom prst="ellipse">
+            <a:avLst/>
+          </a:prstGeom>
+          <a:noFill/>
+        </p:spPr>
+        <p:style>
+          <a:lnRef idx="2">
+            <a:schemeClr val="accent1">
+              <a:shade val="50000"/>
+            </a:schemeClr>
+          </a:lnRef>
+          <a:fillRef idx="1">
+            <a:schemeClr val="accent1"/>
+          </a:fillRef>
+          <a:effectRef idx="0">
+            <a:schemeClr val="accent1"/>
+          </a:effectRef>
+          <a:fontRef idx="minor">
+            <a:schemeClr val="lt1"/>
+          </a:fontRef>
+        </p:style>
+        <p:txBody>
+          <a:bodyPr rtlCol="0" anchor="ctr"/>
+          <a:lstStyle/>
+          <a:p>
+            <a:pPr algn="ctr"/>
+            <a:endParaRPr lang="ko-KR" altLang="en-US"/>
+          </a:p>
+        </p:txBody>
+      </p:sp>
+      <p:sp>
+        <p:nvSpPr>
+          <p:cNvPr id="17" name="타원 16"/>
+          <p:cNvSpPr/>
+          <p:nvPr/>
+        </p:nvSpPr>
+        <p:spPr>
+          <a:xfrm>
+            <a:off x="6736258" y="2996952"/>
+            <a:ext cx="864097" cy="864097"/>
+          </a:xfrm>
+          <a:prstGeom prst="ellipse">
+            <a:avLst/>
+          </a:prstGeom>
+          <a:noFill/>
+        </p:spPr>
+        <p:style>
+          <a:lnRef idx="2">
+            <a:schemeClr val="accent1">
+              <a:shade val="50000"/>
+            </a:schemeClr>
+          </a:lnRef>
+          <a:fillRef idx="1">
+            <a:schemeClr val="accent1"/>
+          </a:fillRef>
+          <a:effectRef idx="0">
+            <a:schemeClr val="accent1"/>
+          </a:effectRef>
+          <a:fontRef idx="minor">
+            <a:schemeClr val="lt1"/>
+          </a:fontRef>
+        </p:style>
+        <p:txBody>
+          <a:bodyPr rtlCol="0" anchor="ctr"/>
+          <a:lstStyle/>
+          <a:p>
+            <a:pPr algn="ctr"/>
+            <a:endParaRPr lang="ko-KR" altLang="en-US"/>
+          </a:p>
+        </p:txBody>
+      </p:sp>
+      <p:sp>
+        <p:nvSpPr>
+          <p:cNvPr id="18" name="타원 17"/>
+          <p:cNvSpPr/>
+          <p:nvPr/>
+        </p:nvSpPr>
+        <p:spPr>
+          <a:xfrm>
+            <a:off x="5219797" y="3983614"/>
+            <a:ext cx="864097" cy="864097"/>
+          </a:xfrm>
+          <a:prstGeom prst="ellipse">
+            <a:avLst/>
+          </a:prstGeom>
+          <a:noFill/>
+        </p:spPr>
+        <p:style>
+          <a:lnRef idx="2">
+            <a:schemeClr val="accent1">
+              <a:shade val="50000"/>
+            </a:schemeClr>
+          </a:lnRef>
+          <a:fillRef idx="1">
+            <a:schemeClr val="accent1"/>
+          </a:fillRef>
+          <a:effectRef idx="0">
+            <a:schemeClr val="accent1"/>
+          </a:effectRef>
+          <a:fontRef idx="minor">
+            <a:schemeClr val="lt1"/>
+          </a:fontRef>
+        </p:style>
+        <p:txBody>
+          <a:bodyPr rtlCol="0" anchor="ctr"/>
+          <a:lstStyle/>
+          <a:p>
+            <a:pPr algn="ctr"/>
+            <a:endParaRPr lang="ko-KR" altLang="en-US"/>
+          </a:p>
+        </p:txBody>
+      </p:sp>
+      <p:sp>
+        <p:nvSpPr>
+          <p:cNvPr id="19" name="타원 18"/>
+          <p:cNvSpPr/>
+          <p:nvPr/>
+        </p:nvSpPr>
+        <p:spPr>
+          <a:xfrm>
+            <a:off x="6736257" y="4954230"/>
+            <a:ext cx="864097" cy="864097"/>
+          </a:xfrm>
+          <a:prstGeom prst="ellipse">
+            <a:avLst/>
+          </a:prstGeom>
+          <a:noFill/>
+        </p:spPr>
+        <p:style>
+          <a:lnRef idx="2">
+            <a:schemeClr val="accent1">
+              <a:shade val="50000"/>
+            </a:schemeClr>
+          </a:lnRef>
+          <a:fillRef idx="1">
+            <a:schemeClr val="accent1"/>
+          </a:fillRef>
+          <a:effectRef idx="0">
+            <a:schemeClr val="accent1"/>
+          </a:effectRef>
+          <a:fontRef idx="minor">
+            <a:schemeClr val="lt1"/>
+          </a:fontRef>
+        </p:style>
+        <p:txBody>
+          <a:bodyPr rtlCol="0" anchor="ctr"/>
+          <a:lstStyle/>
+          <a:p>
+            <a:pPr algn="ctr"/>
+            <a:endParaRPr lang="ko-KR" altLang="en-US"/>
+          </a:p>
+        </p:txBody>
+      </p:sp>
+      <p:sp>
+        <p:nvSpPr>
+          <p:cNvPr id="20" name="타원 19"/>
+          <p:cNvSpPr/>
+          <p:nvPr/>
+        </p:nvSpPr>
+        <p:spPr>
+          <a:xfrm>
+            <a:off x="5219796" y="4954230"/>
+            <a:ext cx="864097" cy="864097"/>
+          </a:xfrm>
+          <a:prstGeom prst="ellipse">
+            <a:avLst/>
+          </a:prstGeom>
+          <a:noFill/>
+        </p:spPr>
+        <p:style>
+          <a:lnRef idx="2">
+            <a:schemeClr val="accent1">
+              <a:shade val="50000"/>
+            </a:schemeClr>
+          </a:lnRef>
+          <a:fillRef idx="1">
+            <a:schemeClr val="accent1"/>
+          </a:fillRef>
+          <a:effectRef idx="0">
+            <a:schemeClr val="accent1"/>
+          </a:effectRef>
+          <a:fontRef idx="minor">
+            <a:schemeClr val="lt1"/>
+          </a:fontRef>
+        </p:style>
+        <p:txBody>
+          <a:bodyPr rtlCol="0" anchor="ctr"/>
+          <a:lstStyle/>
+          <a:p>
+            <a:pPr algn="ctr"/>
+            <a:endParaRPr lang="ko-KR" altLang="en-US"/>
+          </a:p>
+        </p:txBody>
+      </p:sp>
+      <p:sp>
+        <p:nvSpPr>
+          <p:cNvPr id="21" name="타원 20"/>
+          <p:cNvSpPr/>
+          <p:nvPr/>
+        </p:nvSpPr>
+        <p:spPr>
+          <a:xfrm>
+            <a:off x="6736258" y="3983615"/>
+            <a:ext cx="864097" cy="864097"/>
+          </a:xfrm>
+          <a:prstGeom prst="ellipse">
+            <a:avLst/>
+          </a:prstGeom>
+          <a:noFill/>
+        </p:spPr>
+        <p:style>
+          <a:lnRef idx="2">
+            <a:schemeClr val="accent1">
+              <a:shade val="50000"/>
+            </a:schemeClr>
+          </a:lnRef>
+          <a:fillRef idx="1">
+            <a:schemeClr val="accent1"/>
+          </a:fillRef>
+          <a:effectRef idx="0">
+            <a:schemeClr val="accent1"/>
+          </a:effectRef>
+          <a:fontRef idx="minor">
+            <a:schemeClr val="lt1"/>
+          </a:fontRef>
+        </p:style>
+        <p:txBody>
+          <a:bodyPr rtlCol="0" anchor="ctr"/>
+          <a:lstStyle/>
+          <a:p>
+            <a:pPr algn="ctr"/>
+            <a:endParaRPr lang="ko-KR" altLang="en-US"/>
+          </a:p>
+        </p:txBody>
+      </p:sp>
+    </p:spTree>
+    <p:extLst>
+      <p:ext uri="{BB962C8B-B14F-4D97-AF65-F5344CB8AC3E}">
+        <p14:creationId xmlns:p14="http://schemas.microsoft.com/office/powerpoint/2010/main" val="2413853852"/>
       </p:ext>
     </p:extLst>
   </p:cSld>

--- a/docs/ttm 기획서 pt.pptx
+++ b/docs/ttm 기획서 pt.pptx
@@ -13,7 +13,8 @@
     <p:sldId id="261" r:id="rId7"/>
     <p:sldId id="264" r:id="rId8"/>
     <p:sldId id="262" r:id="rId9"/>
-    <p:sldId id="263" r:id="rId10"/>
+    <p:sldId id="265" r:id="rId10"/>
+    <p:sldId id="263" r:id="rId11"/>
   </p:sldIdLst>
   <p:sldSz cx="9144000" cy="6858000" type="screen4x3"/>
   <p:notesSz cx="6858000" cy="9144000"/>
@@ -3124,6 +3125,619 @@
 </p:sld>
 </file>
 
+<file path=ppt/slides/slide10.xml><?xml version="1.0" encoding="utf-8"?>
+<p:sld xmlns:a="http://schemas.openxmlformats.org/drawingml/2006/main" xmlns:r="http://schemas.openxmlformats.org/officeDocument/2006/relationships" xmlns:p="http://schemas.openxmlformats.org/presentationml/2006/main">
+  <p:cSld>
+    <p:spTree>
+      <p:nvGrpSpPr>
+        <p:cNvPr id="1" name=""/>
+        <p:cNvGrpSpPr/>
+        <p:nvPr/>
+      </p:nvGrpSpPr>
+      <p:grpSpPr>
+        <a:xfrm>
+          <a:off x="0" y="0"/>
+          <a:ext cx="0" cy="0"/>
+          <a:chOff x="0" y="0"/>
+          <a:chExt cx="0" cy="0"/>
+        </a:xfrm>
+      </p:grpSpPr>
+      <p:sp>
+        <p:nvSpPr>
+          <p:cNvPr id="2" name="제목 1"/>
+          <p:cNvSpPr>
+            <a:spLocks noGrp="1"/>
+          </p:cNvSpPr>
+          <p:nvPr>
+            <p:ph type="title"/>
+          </p:nvPr>
+        </p:nvSpPr>
+        <p:spPr/>
+        <p:txBody>
+          <a:bodyPr/>
+          <a:lstStyle/>
+          <a:p>
+            <a:r>
+              <a:rPr lang="ko-KR" altLang="en-US" dirty="0" smtClean="0"/>
+              <a:t>레이아웃</a:t>
+            </a:r>
+            <a:endParaRPr lang="ko-KR" altLang="en-US" dirty="0"/>
+          </a:p>
+        </p:txBody>
+      </p:sp>
+      <p:sp>
+        <p:nvSpPr>
+          <p:cNvPr id="3" name="내용 개체 틀 2"/>
+          <p:cNvSpPr>
+            <a:spLocks noGrp="1"/>
+          </p:cNvSpPr>
+          <p:nvPr>
+            <p:ph idx="1"/>
+          </p:nvPr>
+        </p:nvSpPr>
+        <p:spPr>
+          <a:xfrm>
+            <a:off x="457200" y="1600200"/>
+            <a:ext cx="4114800" cy="4525963"/>
+          </a:xfrm>
+        </p:spPr>
+        <p:txBody>
+          <a:bodyPr/>
+          <a:lstStyle/>
+          <a:p>
+            <a:r>
+              <a:rPr lang="ko-KR" altLang="en-US" dirty="0" err="1" smtClean="0"/>
+              <a:t>메인화면</a:t>
+            </a:r>
+            <a:r>
+              <a:rPr lang="ko-KR" altLang="en-US" dirty="0" smtClean="0"/>
+              <a:t> </a:t>
+            </a:r>
+            <a:r>
+              <a:rPr lang="en-US" altLang="ko-KR" dirty="0" smtClean="0"/>
+              <a:t>– </a:t>
+            </a:r>
+            <a:r>
+              <a:rPr lang="ko-KR" altLang="en-US" dirty="0" err="1" smtClean="0"/>
+              <a:t>모바일</a:t>
+            </a:r>
+            <a:endParaRPr lang="en-US" altLang="ko-KR" dirty="0" smtClean="0"/>
+          </a:p>
+          <a:p>
+            <a:r>
+              <a:rPr lang="en-US" altLang="ko-KR" dirty="0" smtClean="0"/>
+              <a:t>PC</a:t>
+            </a:r>
+            <a:r>
+              <a:rPr lang="ko-KR" altLang="en-US" dirty="0" smtClean="0"/>
+              <a:t>화면에서 음영처리 된 부분이 안보이게 되고 폭이 줄어든다</a:t>
+            </a:r>
+          </a:p>
+          <a:p>
+            <a:pPr marL="0" indent="0">
+              <a:buNone/>
+            </a:pPr>
+            <a:endParaRPr lang="ko-KR" altLang="en-US" dirty="0"/>
+          </a:p>
+        </p:txBody>
+      </p:sp>
+      <p:sp>
+        <p:nvSpPr>
+          <p:cNvPr id="5" name="직사각형 4"/>
+          <p:cNvSpPr/>
+          <p:nvPr/>
+        </p:nvSpPr>
+        <p:spPr>
+          <a:xfrm>
+            <a:off x="4769935" y="1916832"/>
+            <a:ext cx="3258449" cy="4392488"/>
+          </a:xfrm>
+          <a:prstGeom prst="rect">
+            <a:avLst/>
+          </a:prstGeom>
+          <a:noFill/>
+        </p:spPr>
+        <p:style>
+          <a:lnRef idx="2">
+            <a:schemeClr val="accent1">
+              <a:shade val="50000"/>
+            </a:schemeClr>
+          </a:lnRef>
+          <a:fillRef idx="1">
+            <a:schemeClr val="accent1"/>
+          </a:fillRef>
+          <a:effectRef idx="0">
+            <a:schemeClr val="accent1"/>
+          </a:effectRef>
+          <a:fontRef idx="minor">
+            <a:schemeClr val="lt1"/>
+          </a:fontRef>
+        </p:style>
+        <p:txBody>
+          <a:bodyPr rtlCol="0" anchor="ctr"/>
+          <a:lstStyle/>
+          <a:p>
+            <a:pPr algn="ctr"/>
+            <a:endParaRPr lang="ko-KR" altLang="en-US"/>
+          </a:p>
+        </p:txBody>
+      </p:sp>
+      <p:sp>
+        <p:nvSpPr>
+          <p:cNvPr id="6" name="직사각형 5"/>
+          <p:cNvSpPr/>
+          <p:nvPr/>
+        </p:nvSpPr>
+        <p:spPr>
+          <a:xfrm>
+            <a:off x="4917914" y="2132856"/>
+            <a:ext cx="2956120" cy="432048"/>
+          </a:xfrm>
+          <a:prstGeom prst="rect">
+            <a:avLst/>
+          </a:prstGeom>
+          <a:noFill/>
+        </p:spPr>
+        <p:style>
+          <a:lnRef idx="2">
+            <a:schemeClr val="accent1">
+              <a:shade val="50000"/>
+            </a:schemeClr>
+          </a:lnRef>
+          <a:fillRef idx="1">
+            <a:schemeClr val="accent1"/>
+          </a:fillRef>
+          <a:effectRef idx="0">
+            <a:schemeClr val="accent1"/>
+          </a:effectRef>
+          <a:fontRef idx="minor">
+            <a:schemeClr val="lt1"/>
+          </a:fontRef>
+        </p:style>
+        <p:txBody>
+          <a:bodyPr rtlCol="0" anchor="ctr"/>
+          <a:lstStyle/>
+          <a:p>
+            <a:r>
+              <a:rPr lang="ko-KR" altLang="en-US" dirty="0" smtClean="0">
+                <a:solidFill>
+                  <a:schemeClr val="tx2"/>
+                </a:solidFill>
+              </a:rPr>
+              <a:t>로고</a:t>
+            </a:r>
+            <a:endParaRPr lang="ko-KR" altLang="en-US" dirty="0">
+              <a:solidFill>
+                <a:schemeClr val="tx2"/>
+              </a:solidFill>
+            </a:endParaRPr>
+          </a:p>
+        </p:txBody>
+      </p:sp>
+      <p:sp>
+        <p:nvSpPr>
+          <p:cNvPr id="7" name="직사각형 6"/>
+          <p:cNvSpPr/>
+          <p:nvPr/>
+        </p:nvSpPr>
+        <p:spPr>
+          <a:xfrm>
+            <a:off x="6330336" y="2132856"/>
+            <a:ext cx="735759" cy="216024"/>
+          </a:xfrm>
+          <a:prstGeom prst="rect">
+            <a:avLst/>
+          </a:prstGeom>
+          <a:noFill/>
+        </p:spPr>
+        <p:style>
+          <a:lnRef idx="2">
+            <a:schemeClr val="accent1">
+              <a:shade val="50000"/>
+            </a:schemeClr>
+          </a:lnRef>
+          <a:fillRef idx="1">
+            <a:schemeClr val="accent1"/>
+          </a:fillRef>
+          <a:effectRef idx="0">
+            <a:schemeClr val="accent1"/>
+          </a:effectRef>
+          <a:fontRef idx="minor">
+            <a:schemeClr val="lt1"/>
+          </a:fontRef>
+        </p:style>
+        <p:txBody>
+          <a:bodyPr rtlCol="0" anchor="ctr"/>
+          <a:lstStyle/>
+          <a:p>
+            <a:pPr algn="ctr"/>
+            <a:r>
+              <a:rPr lang="ko-KR" altLang="en-US" sz="1100" dirty="0" smtClean="0">
+                <a:solidFill>
+                  <a:schemeClr val="tx2"/>
+                </a:solidFill>
+              </a:rPr>
+              <a:t>로그인</a:t>
+            </a:r>
+            <a:endParaRPr lang="ko-KR" altLang="en-US" sz="1100" dirty="0">
+              <a:solidFill>
+                <a:schemeClr val="tx2"/>
+              </a:solidFill>
+            </a:endParaRPr>
+          </a:p>
+        </p:txBody>
+      </p:sp>
+      <p:sp>
+        <p:nvSpPr>
+          <p:cNvPr id="8" name="직사각형 7"/>
+          <p:cNvSpPr/>
+          <p:nvPr/>
+        </p:nvSpPr>
+        <p:spPr>
+          <a:xfrm>
+            <a:off x="7067538" y="2132856"/>
+            <a:ext cx="807785" cy="216024"/>
+          </a:xfrm>
+          <a:prstGeom prst="rect">
+            <a:avLst/>
+          </a:prstGeom>
+          <a:noFill/>
+        </p:spPr>
+        <p:style>
+          <a:lnRef idx="2">
+            <a:schemeClr val="accent1">
+              <a:shade val="50000"/>
+            </a:schemeClr>
+          </a:lnRef>
+          <a:fillRef idx="1">
+            <a:schemeClr val="accent1"/>
+          </a:fillRef>
+          <a:effectRef idx="0">
+            <a:schemeClr val="accent1"/>
+          </a:effectRef>
+          <a:fontRef idx="minor">
+            <a:schemeClr val="lt1"/>
+          </a:fontRef>
+        </p:style>
+        <p:txBody>
+          <a:bodyPr rtlCol="0" anchor="ctr"/>
+          <a:lstStyle/>
+          <a:p>
+            <a:pPr algn="ctr"/>
+            <a:r>
+              <a:rPr lang="ko-KR" altLang="en-US" sz="1100" dirty="0" smtClean="0">
+                <a:solidFill>
+                  <a:schemeClr val="tx2"/>
+                </a:solidFill>
+              </a:rPr>
+              <a:t>회원가</a:t>
+            </a:r>
+            <a:r>
+              <a:rPr lang="ko-KR" altLang="en-US" sz="1100" dirty="0">
+                <a:solidFill>
+                  <a:schemeClr val="tx2"/>
+                </a:solidFill>
+              </a:rPr>
+              <a:t>입</a:t>
+            </a:r>
+            <a:endParaRPr lang="ko-KR" altLang="en-US" sz="1400" dirty="0">
+              <a:solidFill>
+                <a:schemeClr val="tx2"/>
+              </a:solidFill>
+            </a:endParaRPr>
+          </a:p>
+        </p:txBody>
+      </p:sp>
+      <p:sp>
+        <p:nvSpPr>
+          <p:cNvPr id="11" name="직사각형 10"/>
+          <p:cNvSpPr/>
+          <p:nvPr/>
+        </p:nvSpPr>
+        <p:spPr>
+          <a:xfrm>
+            <a:off x="4917914" y="2708920"/>
+            <a:ext cx="2956120" cy="3456384"/>
+          </a:xfrm>
+          <a:prstGeom prst="rect">
+            <a:avLst/>
+          </a:prstGeom>
+          <a:noFill/>
+        </p:spPr>
+        <p:style>
+          <a:lnRef idx="2">
+            <a:schemeClr val="accent1">
+              <a:shade val="50000"/>
+            </a:schemeClr>
+          </a:lnRef>
+          <a:fillRef idx="1">
+            <a:schemeClr val="accent1"/>
+          </a:fillRef>
+          <a:effectRef idx="0">
+            <a:schemeClr val="accent1"/>
+          </a:effectRef>
+          <a:fontRef idx="minor">
+            <a:schemeClr val="lt1"/>
+          </a:fontRef>
+        </p:style>
+        <p:txBody>
+          <a:bodyPr rtlCol="0" anchor="ctr"/>
+          <a:lstStyle/>
+          <a:p>
+            <a:endParaRPr lang="ko-KR" altLang="en-US" dirty="0">
+              <a:solidFill>
+                <a:schemeClr val="tx2"/>
+              </a:solidFill>
+            </a:endParaRPr>
+          </a:p>
+        </p:txBody>
+      </p:sp>
+      <p:sp>
+        <p:nvSpPr>
+          <p:cNvPr id="16" name="타원 15"/>
+          <p:cNvSpPr/>
+          <p:nvPr/>
+        </p:nvSpPr>
+        <p:spPr>
+          <a:xfrm>
+            <a:off x="5219797" y="2996951"/>
+            <a:ext cx="864097" cy="864097"/>
+          </a:xfrm>
+          <a:prstGeom prst="ellipse">
+            <a:avLst/>
+          </a:prstGeom>
+          <a:noFill/>
+        </p:spPr>
+        <p:style>
+          <a:lnRef idx="2">
+            <a:schemeClr val="accent1">
+              <a:shade val="50000"/>
+            </a:schemeClr>
+          </a:lnRef>
+          <a:fillRef idx="1">
+            <a:schemeClr val="accent1"/>
+          </a:fillRef>
+          <a:effectRef idx="0">
+            <a:schemeClr val="accent1"/>
+          </a:effectRef>
+          <a:fontRef idx="minor">
+            <a:schemeClr val="lt1"/>
+          </a:fontRef>
+        </p:style>
+        <p:txBody>
+          <a:bodyPr rtlCol="0" anchor="ctr"/>
+          <a:lstStyle/>
+          <a:p>
+            <a:pPr algn="ctr"/>
+            <a:endParaRPr lang="ko-KR" altLang="en-US"/>
+          </a:p>
+        </p:txBody>
+      </p:sp>
+      <p:sp>
+        <p:nvSpPr>
+          <p:cNvPr id="17" name="타원 16"/>
+          <p:cNvSpPr/>
+          <p:nvPr/>
+        </p:nvSpPr>
+        <p:spPr>
+          <a:xfrm>
+            <a:off x="6736258" y="2996952"/>
+            <a:ext cx="864097" cy="864097"/>
+          </a:xfrm>
+          <a:prstGeom prst="ellipse">
+            <a:avLst/>
+          </a:prstGeom>
+          <a:noFill/>
+        </p:spPr>
+        <p:style>
+          <a:lnRef idx="2">
+            <a:schemeClr val="accent1">
+              <a:shade val="50000"/>
+            </a:schemeClr>
+          </a:lnRef>
+          <a:fillRef idx="1">
+            <a:schemeClr val="accent1"/>
+          </a:fillRef>
+          <a:effectRef idx="0">
+            <a:schemeClr val="accent1"/>
+          </a:effectRef>
+          <a:fontRef idx="minor">
+            <a:schemeClr val="lt1"/>
+          </a:fontRef>
+        </p:style>
+        <p:txBody>
+          <a:bodyPr rtlCol="0" anchor="ctr"/>
+          <a:lstStyle/>
+          <a:p>
+            <a:pPr algn="ctr"/>
+            <a:endParaRPr lang="ko-KR" altLang="en-US"/>
+          </a:p>
+        </p:txBody>
+      </p:sp>
+      <p:sp>
+        <p:nvSpPr>
+          <p:cNvPr id="18" name="타원 17"/>
+          <p:cNvSpPr/>
+          <p:nvPr/>
+        </p:nvSpPr>
+        <p:spPr>
+          <a:xfrm>
+            <a:off x="5219797" y="3983614"/>
+            <a:ext cx="864097" cy="864097"/>
+          </a:xfrm>
+          <a:prstGeom prst="ellipse">
+            <a:avLst/>
+          </a:prstGeom>
+          <a:noFill/>
+        </p:spPr>
+        <p:style>
+          <a:lnRef idx="2">
+            <a:schemeClr val="accent1">
+              <a:shade val="50000"/>
+            </a:schemeClr>
+          </a:lnRef>
+          <a:fillRef idx="1">
+            <a:schemeClr val="accent1"/>
+          </a:fillRef>
+          <a:effectRef idx="0">
+            <a:schemeClr val="accent1"/>
+          </a:effectRef>
+          <a:fontRef idx="minor">
+            <a:schemeClr val="lt1"/>
+          </a:fontRef>
+        </p:style>
+        <p:txBody>
+          <a:bodyPr rtlCol="0" anchor="ctr"/>
+          <a:lstStyle/>
+          <a:p>
+            <a:pPr algn="ctr"/>
+            <a:endParaRPr lang="ko-KR" altLang="en-US"/>
+          </a:p>
+        </p:txBody>
+      </p:sp>
+      <p:sp>
+        <p:nvSpPr>
+          <p:cNvPr id="19" name="타원 18"/>
+          <p:cNvSpPr/>
+          <p:nvPr/>
+        </p:nvSpPr>
+        <p:spPr>
+          <a:xfrm>
+            <a:off x="6736257" y="4954230"/>
+            <a:ext cx="864097" cy="864097"/>
+          </a:xfrm>
+          <a:prstGeom prst="ellipse">
+            <a:avLst/>
+          </a:prstGeom>
+          <a:noFill/>
+        </p:spPr>
+        <p:style>
+          <a:lnRef idx="2">
+            <a:schemeClr val="accent1">
+              <a:shade val="50000"/>
+            </a:schemeClr>
+          </a:lnRef>
+          <a:fillRef idx="1">
+            <a:schemeClr val="accent1"/>
+          </a:fillRef>
+          <a:effectRef idx="0">
+            <a:schemeClr val="accent1"/>
+          </a:effectRef>
+          <a:fontRef idx="minor">
+            <a:schemeClr val="lt1"/>
+          </a:fontRef>
+        </p:style>
+        <p:txBody>
+          <a:bodyPr rtlCol="0" anchor="ctr"/>
+          <a:lstStyle/>
+          <a:p>
+            <a:pPr algn="ctr"/>
+            <a:endParaRPr lang="ko-KR" altLang="en-US"/>
+          </a:p>
+        </p:txBody>
+      </p:sp>
+      <p:sp>
+        <p:nvSpPr>
+          <p:cNvPr id="20" name="타원 19"/>
+          <p:cNvSpPr/>
+          <p:nvPr/>
+        </p:nvSpPr>
+        <p:spPr>
+          <a:xfrm>
+            <a:off x="5219796" y="4954230"/>
+            <a:ext cx="864097" cy="864097"/>
+          </a:xfrm>
+          <a:prstGeom prst="ellipse">
+            <a:avLst/>
+          </a:prstGeom>
+          <a:noFill/>
+        </p:spPr>
+        <p:style>
+          <a:lnRef idx="2">
+            <a:schemeClr val="accent1">
+              <a:shade val="50000"/>
+            </a:schemeClr>
+          </a:lnRef>
+          <a:fillRef idx="1">
+            <a:schemeClr val="accent1"/>
+          </a:fillRef>
+          <a:effectRef idx="0">
+            <a:schemeClr val="accent1"/>
+          </a:effectRef>
+          <a:fontRef idx="minor">
+            <a:schemeClr val="lt1"/>
+          </a:fontRef>
+        </p:style>
+        <p:txBody>
+          <a:bodyPr rtlCol="0" anchor="ctr"/>
+          <a:lstStyle/>
+          <a:p>
+            <a:pPr algn="ctr"/>
+            <a:endParaRPr lang="ko-KR" altLang="en-US"/>
+          </a:p>
+        </p:txBody>
+      </p:sp>
+      <p:sp>
+        <p:nvSpPr>
+          <p:cNvPr id="21" name="타원 20"/>
+          <p:cNvSpPr/>
+          <p:nvPr/>
+        </p:nvSpPr>
+        <p:spPr>
+          <a:xfrm>
+            <a:off x="6736258" y="3983615"/>
+            <a:ext cx="864097" cy="864097"/>
+          </a:xfrm>
+          <a:prstGeom prst="ellipse">
+            <a:avLst/>
+          </a:prstGeom>
+          <a:noFill/>
+        </p:spPr>
+        <p:style>
+          <a:lnRef idx="2">
+            <a:schemeClr val="accent1">
+              <a:shade val="50000"/>
+            </a:schemeClr>
+          </a:lnRef>
+          <a:fillRef idx="1">
+            <a:schemeClr val="accent1"/>
+          </a:fillRef>
+          <a:effectRef idx="0">
+            <a:schemeClr val="accent1"/>
+          </a:effectRef>
+          <a:fontRef idx="minor">
+            <a:schemeClr val="lt1"/>
+          </a:fontRef>
+        </p:style>
+        <p:txBody>
+          <a:bodyPr rtlCol="0" anchor="ctr"/>
+          <a:lstStyle/>
+          <a:p>
+            <a:pPr algn="ctr"/>
+            <a:endParaRPr lang="ko-KR" altLang="en-US"/>
+          </a:p>
+        </p:txBody>
+      </p:sp>
+    </p:spTree>
+    <p:extLst>
+      <p:ext uri="{BB962C8B-B14F-4D97-AF65-F5344CB8AC3E}">
+        <p14:creationId xmlns:p14="http://schemas.microsoft.com/office/powerpoint/2010/main" val="2413853852"/>
+      </p:ext>
+    </p:extLst>
+  </p:cSld>
+  <p:clrMapOvr>
+    <a:masterClrMapping/>
+  </p:clrMapOvr>
+  <p:timing>
+    <p:tnLst>
+      <p:par>
+        <p:cTn id="1" dur="indefinite" restart="never" nodeType="tmRoot"/>
+      </p:par>
+    </p:tnLst>
+  </p:timing>
+</p:sld>
+</file>
+
 <file path=ppt/slides/slide2.xml><?xml version="1.0" encoding="utf-8"?>
 <p:sld xmlns:a="http://schemas.openxmlformats.org/drawingml/2006/main" xmlns:r="http://schemas.openxmlformats.org/officeDocument/2006/relationships" xmlns:p="http://schemas.openxmlformats.org/presentationml/2006/main">
   <p:cSld>
@@ -4809,6 +5423,78 @@
               </a:rPr>
               <a:t> 이미지</a:t>
             </a:r>
+            <a:endParaRPr lang="en-US" altLang="ko-KR" dirty="0">
+              <a:solidFill>
+                <a:schemeClr val="tx2"/>
+              </a:solidFill>
+            </a:endParaRPr>
+          </a:p>
+          <a:p>
+            <a:pPr algn="ctr"/>
+            <a:r>
+              <a:rPr lang="en-US" altLang="ko-KR" dirty="0" smtClean="0">
+                <a:solidFill>
+                  <a:schemeClr val="tx2"/>
+                </a:solidFill>
+              </a:rPr>
+              <a:t>(</a:t>
+            </a:r>
+            <a:r>
+              <a:rPr lang="ko-KR" altLang="en-US" dirty="0" err="1" smtClean="0">
+                <a:solidFill>
+                  <a:schemeClr val="tx2"/>
+                </a:solidFill>
+              </a:rPr>
+              <a:t>타투</a:t>
+            </a:r>
+            <a:r>
+              <a:rPr lang="ko-KR" altLang="en-US" dirty="0" smtClean="0">
+                <a:solidFill>
+                  <a:schemeClr val="tx2"/>
+                </a:solidFill>
+              </a:rPr>
+              <a:t> 종류 마우스 </a:t>
+            </a:r>
+            <a:r>
+              <a:rPr lang="ko-KR" altLang="en-US" dirty="0" err="1" smtClean="0">
+                <a:solidFill>
+                  <a:schemeClr val="tx2"/>
+                </a:solidFill>
+              </a:rPr>
+              <a:t>오버시</a:t>
+            </a:r>
+            <a:r>
+              <a:rPr lang="ko-KR" altLang="en-US" dirty="0" smtClean="0">
+                <a:solidFill>
+                  <a:schemeClr val="tx2"/>
+                </a:solidFill>
+              </a:rPr>
+              <a:t> 해당 </a:t>
+            </a:r>
+            <a:r>
+              <a:rPr lang="ko-KR" altLang="en-US" dirty="0" err="1" smtClean="0">
+                <a:solidFill>
+                  <a:schemeClr val="tx2"/>
+                </a:solidFill>
+              </a:rPr>
+              <a:t>타투</a:t>
+            </a:r>
+            <a:r>
+              <a:rPr lang="ko-KR" altLang="en-US" dirty="0" smtClean="0">
+                <a:solidFill>
+                  <a:schemeClr val="tx2"/>
+                </a:solidFill>
+              </a:rPr>
+              <a:t> 이미지가 보인다</a:t>
+            </a:r>
+            <a:r>
+              <a:rPr lang="en-US" altLang="ko-KR" dirty="0" smtClean="0">
+                <a:solidFill>
+                  <a:schemeClr val="tx2"/>
+                </a:solidFill>
+              </a:rPr>
+              <a:t>)</a:t>
+            </a:r>
             <a:endParaRPr lang="ko-KR" altLang="en-US" dirty="0">
               <a:solidFill>
                 <a:schemeClr val="tx2"/>
@@ -5426,14 +6112,14 @@
           <p:cNvPr id="42" name="직선 화살표 연결선 41"/>
           <p:cNvCxnSpPr>
             <a:stCxn id="43" idx="1"/>
-            <a:endCxn id="41" idx="0"/>
+            <a:endCxn id="41" idx="3"/>
           </p:cNvCxnSpPr>
           <p:nvPr/>
         </p:nvCxnSpPr>
         <p:spPr>
-          <a:xfrm flipH="1" flipV="1">
-            <a:off x="4535996" y="3430521"/>
-            <a:ext cx="865430" cy="208522"/>
+          <a:xfrm flipH="1">
+            <a:off x="7884368" y="4484172"/>
+            <a:ext cx="453362" cy="281755"/>
           </a:xfrm>
           <a:prstGeom prst="straightConnector1">
             <a:avLst/>
@@ -5468,7 +6154,7 @@
         </p:nvSpPr>
         <p:spPr>
           <a:xfrm>
-            <a:off x="5401426" y="3454377"/>
+            <a:off x="8337730" y="4299506"/>
             <a:ext cx="979435" cy="369332"/>
           </a:xfrm>
           <a:prstGeom prst="rect">
@@ -5580,6 +6266,139 @@
             <a:endParaRPr lang="ko-KR" altLang="en-US" dirty="0">
               <a:solidFill>
                 <a:srgbClr val="FF0000"/>
+              </a:solidFill>
+            </a:endParaRPr>
+          </a:p>
+        </p:txBody>
+      </p:sp>
+      <p:sp>
+        <p:nvSpPr>
+          <p:cNvPr id="51" name="모서리가 둥근 직사각형 50"/>
+          <p:cNvSpPr/>
+          <p:nvPr/>
+        </p:nvSpPr>
+        <p:spPr>
+          <a:xfrm>
+            <a:off x="4555151" y="3714253"/>
+            <a:ext cx="3012949" cy="2165798"/>
+          </a:xfrm>
+          <a:prstGeom prst="roundRect">
+            <a:avLst/>
+          </a:prstGeom>
+          <a:noFill/>
+          <a:ln>
+            <a:prstDash val="dash"/>
+          </a:ln>
+        </p:spPr>
+        <p:style>
+          <a:lnRef idx="2">
+            <a:schemeClr val="accent1">
+              <a:shade val="50000"/>
+            </a:schemeClr>
+          </a:lnRef>
+          <a:fillRef idx="1">
+            <a:schemeClr val="accent1"/>
+          </a:fillRef>
+          <a:effectRef idx="0">
+            <a:schemeClr val="accent1"/>
+          </a:effectRef>
+          <a:fontRef idx="minor">
+            <a:schemeClr val="lt1"/>
+          </a:fontRef>
+        </p:style>
+        <p:txBody>
+          <a:bodyPr rtlCol="0" anchor="ctr"/>
+          <a:lstStyle/>
+          <a:p>
+            <a:pPr algn="ctr"/>
+            <a:endParaRPr lang="ko-KR" altLang="en-US"/>
+          </a:p>
+        </p:txBody>
+      </p:sp>
+      <p:cxnSp>
+        <p:nvCxnSpPr>
+          <p:cNvPr id="55" name="직선 화살표 연결선 54"/>
+          <p:cNvCxnSpPr>
+            <a:stCxn id="56" idx="1"/>
+          </p:cNvCxnSpPr>
+          <p:nvPr/>
+        </p:nvCxnSpPr>
+        <p:spPr>
+          <a:xfrm flipH="1">
+            <a:off x="7537675" y="3639043"/>
+            <a:ext cx="453362" cy="281755"/>
+          </a:xfrm>
+          <a:prstGeom prst="straightConnector1">
+            <a:avLst/>
+          </a:prstGeom>
+          <a:ln>
+            <a:solidFill>
+              <a:schemeClr val="tx2"/>
+            </a:solidFill>
+            <a:tailEnd type="arrow"/>
+          </a:ln>
+        </p:spPr>
+        <p:style>
+          <a:lnRef idx="1">
+            <a:schemeClr val="accent1"/>
+          </a:lnRef>
+          <a:fillRef idx="0">
+            <a:schemeClr val="accent1"/>
+          </a:fillRef>
+          <a:effectRef idx="0">
+            <a:schemeClr val="accent1"/>
+          </a:effectRef>
+          <a:fontRef idx="minor">
+            <a:schemeClr val="tx1"/>
+          </a:fontRef>
+        </p:style>
+      </p:cxnSp>
+      <p:sp>
+        <p:nvSpPr>
+          <p:cNvPr id="56" name="TextBox 55"/>
+          <p:cNvSpPr txBox="1"/>
+          <p:nvPr/>
+        </p:nvSpPr>
+        <p:spPr>
+          <a:xfrm>
+            <a:off x="7991037" y="3454377"/>
+            <a:ext cx="1189749" cy="369332"/>
+          </a:xfrm>
+          <a:prstGeom prst="rect">
+            <a:avLst/>
+          </a:prstGeom>
+          <a:noFill/>
+          <a:ln>
+            <a:solidFill>
+              <a:schemeClr val="tx2"/>
+            </a:solidFill>
+          </a:ln>
+        </p:spPr>
+        <p:txBody>
+          <a:bodyPr wrap="none" rtlCol="0">
+            <a:spAutoFit/>
+          </a:bodyPr>
+          <a:lstStyle/>
+          <a:p>
+            <a:r>
+              <a:rPr lang="ko-KR" altLang="en-US" dirty="0" err="1" smtClean="0">
+                <a:solidFill>
+                  <a:schemeClr val="tx2"/>
+                </a:solidFill>
+              </a:rPr>
+              <a:t>타투</a:t>
+            </a:r>
+            <a:r>
+              <a:rPr lang="ko-KR" altLang="en-US" dirty="0" smtClean="0">
+                <a:solidFill>
+                  <a:schemeClr val="tx2"/>
+                </a:solidFill>
+              </a:rPr>
+              <a:t> 종류</a:t>
+            </a:r>
+            <a:endParaRPr lang="ko-KR" altLang="en-US" dirty="0">
+              <a:solidFill>
+                <a:schemeClr val="tx2"/>
               </a:solidFill>
             </a:endParaRPr>
           </a:p>
@@ -5655,62 +6474,32 @@
             <p:ph idx="1"/>
           </p:nvPr>
         </p:nvSpPr>
-        <p:spPr>
-          <a:xfrm>
-            <a:off x="457200" y="1600200"/>
-            <a:ext cx="4114800" cy="4525963"/>
-          </a:xfrm>
-        </p:spPr>
+        <p:spPr/>
         <p:txBody>
           <a:bodyPr/>
           <a:lstStyle/>
           <a:p>
             <a:r>
-              <a:rPr lang="ko-KR" altLang="en-US" dirty="0" err="1" smtClean="0"/>
-              <a:t>메인화면</a:t>
-            </a:r>
-            <a:r>
               <a:rPr lang="ko-KR" altLang="en-US" dirty="0" smtClean="0"/>
-              <a:t> </a:t>
-            </a:r>
-            <a:r>
-              <a:rPr lang="en-US" altLang="ko-KR" dirty="0" smtClean="0"/>
-              <a:t>– </a:t>
-            </a:r>
-            <a:r>
-              <a:rPr lang="ko-KR" altLang="en-US" dirty="0" err="1" smtClean="0"/>
-              <a:t>모바일</a:t>
-            </a:r>
-            <a:endParaRPr lang="en-US" altLang="ko-KR" dirty="0" smtClean="0"/>
-          </a:p>
-          <a:p>
-            <a:r>
-              <a:rPr lang="en-US" altLang="ko-KR" dirty="0" smtClean="0"/>
-              <a:t>PC</a:t>
-            </a:r>
-            <a:r>
-              <a:rPr lang="ko-KR" altLang="en-US" dirty="0" smtClean="0"/>
-              <a:t>화면에서 음영처리 된 부분이 안보이게 되고 폭이 줄어든다</a:t>
-            </a:r>
-          </a:p>
-          <a:p>
-            <a:pPr marL="0" indent="0">
-              <a:buNone/>
-            </a:pPr>
-            <a:endParaRPr lang="ko-KR" altLang="en-US" dirty="0"/>
-          </a:p>
-        </p:txBody>
-      </p:sp>
-      <p:sp>
-        <p:nvSpPr>
-          <p:cNvPr id="5" name="직사각형 4"/>
+              <a:t>보관</a:t>
+            </a:r>
+            <a:r>
+              <a:rPr lang="ko-KR" altLang="en-US" dirty="0"/>
+              <a:t>용</a:t>
+            </a:r>
+          </a:p>
+        </p:txBody>
+      </p:sp>
+      <p:sp>
+        <p:nvSpPr>
+          <p:cNvPr id="8" name="직사각형 7"/>
           <p:cNvSpPr/>
           <p:nvPr/>
         </p:nvSpPr>
         <p:spPr>
           <a:xfrm>
-            <a:off x="4769935" y="1916832"/>
-            <a:ext cx="3258449" cy="4392488"/>
+            <a:off x="1043608" y="2348880"/>
+            <a:ext cx="6984776" cy="4392488"/>
           </a:xfrm>
           <a:prstGeom prst="rect">
             <a:avLst/>
@@ -5744,14 +6533,14 @@
       </p:sp>
       <p:sp>
         <p:nvSpPr>
-          <p:cNvPr id="6" name="직사각형 5"/>
+          <p:cNvPr id="9" name="직사각형 8"/>
           <p:cNvSpPr/>
           <p:nvPr/>
         </p:nvSpPr>
         <p:spPr>
           <a:xfrm>
-            <a:off x="4917914" y="2132856"/>
-            <a:ext cx="2956120" cy="432048"/>
+            <a:off x="1364459" y="2564904"/>
+            <a:ext cx="6336704" cy="432048"/>
           </a:xfrm>
           <a:prstGeom prst="rect">
             <a:avLst/>
@@ -5779,6 +6568,14 @@
           <a:lstStyle/>
           <a:p>
             <a:r>
+              <a:rPr lang="en-US" altLang="ko-KR" dirty="0" smtClean="0">
+                <a:solidFill>
+                  <a:schemeClr val="tx2"/>
+                </a:solidFill>
+              </a:rPr>
+              <a:t>	</a:t>
+            </a:r>
+            <a:r>
               <a:rPr lang="ko-KR" altLang="en-US" dirty="0" smtClean="0">
                 <a:solidFill>
                   <a:schemeClr val="tx2"/>
@@ -5796,14 +6593,14 @@
       </p:sp>
       <p:sp>
         <p:nvSpPr>
-          <p:cNvPr id="7" name="직사각형 6"/>
+          <p:cNvPr id="10" name="직사각형 9"/>
           <p:cNvSpPr/>
           <p:nvPr/>
         </p:nvSpPr>
         <p:spPr>
           <a:xfrm>
-            <a:off x="6330336" y="2132856"/>
-            <a:ext cx="735759" cy="216024"/>
+            <a:off x="5833475" y="2564904"/>
+            <a:ext cx="890269" cy="216024"/>
           </a:xfrm>
           <a:prstGeom prst="rect">
             <a:avLst/>
@@ -5832,14 +6629,14 @@
           <a:p>
             <a:pPr algn="ctr"/>
             <a:r>
-              <a:rPr lang="ko-KR" altLang="en-US" sz="1100" dirty="0" smtClean="0">
+              <a:rPr lang="ko-KR" altLang="en-US" sz="1400" dirty="0" smtClean="0">
                 <a:solidFill>
                   <a:schemeClr val="tx2"/>
                 </a:solidFill>
               </a:rPr>
               <a:t>로그인</a:t>
             </a:r>
-            <a:endParaRPr lang="ko-KR" altLang="en-US" sz="1100" dirty="0">
+            <a:endParaRPr lang="ko-KR" altLang="en-US" sz="1400" dirty="0">
               <a:solidFill>
                 <a:schemeClr val="tx2"/>
               </a:solidFill>
@@ -5849,14 +6646,14 @@
       </p:sp>
       <p:sp>
         <p:nvSpPr>
-          <p:cNvPr id="8" name="직사각형 7"/>
+          <p:cNvPr id="11" name="직사각형 10"/>
           <p:cNvSpPr/>
           <p:nvPr/>
         </p:nvSpPr>
         <p:spPr>
           <a:xfrm>
-            <a:off x="7067538" y="2132856"/>
-            <a:ext cx="807785" cy="216024"/>
+            <a:off x="6723744" y="2564904"/>
+            <a:ext cx="977419" cy="216024"/>
           </a:xfrm>
           <a:prstGeom prst="rect">
             <a:avLst/>
@@ -5885,7 +6682,7 @@
           <a:p>
             <a:pPr algn="ctr"/>
             <a:r>
-              <a:rPr lang="ko-KR" altLang="en-US" sz="1100" dirty="0" smtClean="0">
+              <a:rPr lang="ko-KR" altLang="en-US" sz="1400" dirty="0" smtClean="0">
                 <a:solidFill>
                   <a:schemeClr val="tx2"/>
                 </a:solidFill>
@@ -5893,14 +6690,14 @@
               <a:t>회원가</a:t>
             </a:r>
             <a:r>
-              <a:rPr lang="ko-KR" altLang="en-US" sz="1100" dirty="0">
+              <a:rPr lang="ko-KR" altLang="en-US" sz="1400" dirty="0">
                 <a:solidFill>
                   <a:schemeClr val="tx2"/>
                 </a:solidFill>
               </a:rPr>
               <a:t>입</a:t>
             </a:r>
-            <a:endParaRPr lang="ko-KR" altLang="en-US" sz="1400" dirty="0">
+            <a:endParaRPr lang="ko-KR" altLang="en-US" dirty="0">
               <a:solidFill>
                 <a:schemeClr val="tx2"/>
               </a:solidFill>
@@ -5910,19 +6707,24 @@
       </p:sp>
       <p:sp>
         <p:nvSpPr>
-          <p:cNvPr id="11" name="직사각형 10"/>
+          <p:cNvPr id="12" name="직사각형 11"/>
           <p:cNvSpPr/>
           <p:nvPr/>
         </p:nvSpPr>
         <p:spPr>
           <a:xfrm>
-            <a:off x="4917914" y="2708920"/>
-            <a:ext cx="2956120" cy="3456384"/>
+            <a:off x="1364459" y="2996952"/>
+            <a:ext cx="6336704" cy="354482"/>
           </a:xfrm>
           <a:prstGeom prst="rect">
             <a:avLst/>
           </a:prstGeom>
-          <a:noFill/>
+          <a:solidFill>
+            <a:schemeClr val="tx2">
+              <a:lumMod val="20000"/>
+              <a:lumOff val="80000"/>
+            </a:schemeClr>
+          </a:solidFill>
         </p:spPr>
         <p:style>
           <a:lnRef idx="2">
@@ -5944,6 +6746,30 @@
           <a:bodyPr rtlCol="0" anchor="ctr"/>
           <a:lstStyle/>
           <a:p>
+            <a:r>
+              <a:rPr lang="en-US" altLang="ko-KR" dirty="0" smtClean="0">
+                <a:solidFill>
+                  <a:schemeClr val="tx2"/>
+                </a:solidFill>
+              </a:rPr>
+              <a:t>	</a:t>
+            </a:r>
+            <a:r>
+              <a:rPr lang="ko-KR" altLang="en-US" dirty="0" err="1" smtClean="0">
+                <a:solidFill>
+                  <a:schemeClr val="tx2"/>
+                </a:solidFill>
+              </a:rPr>
+              <a:t>네비게이션</a:t>
+            </a:r>
+            <a:r>
+              <a:rPr lang="ko-KR" altLang="en-US" dirty="0" smtClean="0">
+                <a:solidFill>
+                  <a:schemeClr val="tx2"/>
+                </a:solidFill>
+              </a:rPr>
+              <a:t> 바</a:t>
+            </a:r>
             <a:endParaRPr lang="ko-KR" altLang="en-US" dirty="0">
               <a:solidFill>
                 <a:schemeClr val="tx2"/>
@@ -5954,16 +6780,16 @@
       </p:sp>
       <p:sp>
         <p:nvSpPr>
-          <p:cNvPr id="16" name="타원 15"/>
+          <p:cNvPr id="13" name="직사각형 12"/>
           <p:cNvSpPr/>
           <p:nvPr/>
         </p:nvSpPr>
         <p:spPr>
           <a:xfrm>
-            <a:off x="5219797" y="2996951"/>
-            <a:ext cx="864097" cy="864097"/>
-          </a:xfrm>
-          <a:prstGeom prst="ellipse">
+            <a:off x="1364459" y="3351434"/>
+            <a:ext cx="6336704" cy="2885878"/>
+          </a:xfrm>
+          <a:prstGeom prst="rect">
             <a:avLst/>
           </a:prstGeom>
           <a:noFill/>
@@ -5988,26 +6814,34 @@
           <a:bodyPr rtlCol="0" anchor="ctr"/>
           <a:lstStyle/>
           <a:p>
-            <a:pPr algn="ctr"/>
-            <a:endParaRPr lang="ko-KR" altLang="en-US"/>
-          </a:p>
-        </p:txBody>
-      </p:sp>
-      <p:sp>
-        <p:nvSpPr>
-          <p:cNvPr id="17" name="타원 16"/>
+            <a:endParaRPr lang="ko-KR" altLang="en-US" dirty="0">
+              <a:solidFill>
+                <a:schemeClr val="tx2"/>
+              </a:solidFill>
+            </a:endParaRPr>
+          </a:p>
+        </p:txBody>
+      </p:sp>
+      <p:sp>
+        <p:nvSpPr>
+          <p:cNvPr id="14" name="모서리가 둥근 직사각형 13"/>
           <p:cNvSpPr/>
           <p:nvPr/>
         </p:nvSpPr>
         <p:spPr>
           <a:xfrm>
-            <a:off x="6736258" y="2996952"/>
-            <a:ext cx="864097" cy="864097"/>
-          </a:xfrm>
-          <a:prstGeom prst="ellipse">
+            <a:off x="1619672" y="3714253"/>
+            <a:ext cx="2592288" cy="2160240"/>
+          </a:xfrm>
+          <a:prstGeom prst="roundRect">
             <a:avLst/>
           </a:prstGeom>
-          <a:noFill/>
+          <a:solidFill>
+            <a:schemeClr val="accent1">
+              <a:lumMod val="40000"/>
+              <a:lumOff val="60000"/>
+            </a:schemeClr>
+          </a:solidFill>
         </p:spPr>
         <p:style>
           <a:lnRef idx="2">
@@ -6030,20 +6864,40 @@
           <a:lstStyle/>
           <a:p>
             <a:pPr algn="ctr"/>
-            <a:endParaRPr lang="ko-KR" altLang="en-US"/>
-          </a:p>
-        </p:txBody>
-      </p:sp>
-      <p:sp>
-        <p:nvSpPr>
-          <p:cNvPr id="18" name="타원 17"/>
+            <a:r>
+              <a:rPr lang="ko-KR" altLang="en-US" dirty="0" err="1" smtClean="0">
+                <a:solidFill>
+                  <a:schemeClr val="tx2"/>
+                </a:solidFill>
+              </a:rPr>
+              <a:t>타투</a:t>
+            </a:r>
+            <a:r>
+              <a:rPr lang="ko-KR" altLang="en-US" dirty="0" smtClean="0">
+                <a:solidFill>
+                  <a:schemeClr val="tx2"/>
+                </a:solidFill>
+              </a:rPr>
+              <a:t> 이미지</a:t>
+            </a:r>
+            <a:endParaRPr lang="ko-KR" altLang="en-US" dirty="0">
+              <a:solidFill>
+                <a:schemeClr val="tx2"/>
+              </a:solidFill>
+            </a:endParaRPr>
+          </a:p>
+        </p:txBody>
+      </p:sp>
+      <p:sp>
+        <p:nvSpPr>
+          <p:cNvPr id="15" name="타원 14"/>
           <p:cNvSpPr/>
           <p:nvPr/>
         </p:nvSpPr>
         <p:spPr>
           <a:xfrm>
-            <a:off x="5219797" y="3983614"/>
-            <a:ext cx="864097" cy="864097"/>
+            <a:off x="4644007" y="3823709"/>
+            <a:ext cx="757419" cy="757419"/>
           </a:xfrm>
           <a:prstGeom prst="ellipse">
             <a:avLst/>
@@ -6077,14 +6931,14 @@
       </p:sp>
       <p:sp>
         <p:nvSpPr>
-          <p:cNvPr id="19" name="타원 18"/>
+          <p:cNvPr id="16" name="타원 15"/>
           <p:cNvSpPr/>
           <p:nvPr/>
         </p:nvSpPr>
         <p:spPr>
           <a:xfrm>
-            <a:off x="6736257" y="4954230"/>
-            <a:ext cx="864097" cy="864097"/>
+            <a:off x="5652120" y="3823709"/>
+            <a:ext cx="757419" cy="757419"/>
           </a:xfrm>
           <a:prstGeom prst="ellipse">
             <a:avLst/>
@@ -6118,14 +6972,14 @@
       </p:sp>
       <p:sp>
         <p:nvSpPr>
-          <p:cNvPr id="20" name="타원 19"/>
+          <p:cNvPr id="17" name="타원 16"/>
           <p:cNvSpPr/>
           <p:nvPr/>
         </p:nvSpPr>
         <p:spPr>
           <a:xfrm>
-            <a:off x="5219796" y="4954230"/>
-            <a:ext cx="864097" cy="864097"/>
+            <a:off x="6680344" y="3823709"/>
+            <a:ext cx="757419" cy="757419"/>
           </a:xfrm>
           <a:prstGeom prst="ellipse">
             <a:avLst/>
@@ -6159,14 +7013,14 @@
       </p:sp>
       <p:sp>
         <p:nvSpPr>
-          <p:cNvPr id="21" name="타원 20"/>
+          <p:cNvPr id="18" name="타원 17"/>
           <p:cNvSpPr/>
           <p:nvPr/>
         </p:nvSpPr>
         <p:spPr>
           <a:xfrm>
-            <a:off x="6736258" y="3983615"/>
-            <a:ext cx="864097" cy="864097"/>
+            <a:off x="6680343" y="5013176"/>
+            <a:ext cx="757419" cy="757419"/>
           </a:xfrm>
           <a:prstGeom prst="ellipse">
             <a:avLst/>
@@ -6198,10 +7052,193 @@
           </a:p>
         </p:txBody>
       </p:sp>
+      <p:sp>
+        <p:nvSpPr>
+          <p:cNvPr id="19" name="타원 18"/>
+          <p:cNvSpPr/>
+          <p:nvPr/>
+        </p:nvSpPr>
+        <p:spPr>
+          <a:xfrm>
+            <a:off x="5652120" y="5013176"/>
+            <a:ext cx="757419" cy="757419"/>
+          </a:xfrm>
+          <a:prstGeom prst="ellipse">
+            <a:avLst/>
+          </a:prstGeom>
+          <a:noFill/>
+        </p:spPr>
+        <p:style>
+          <a:lnRef idx="2">
+            <a:schemeClr val="accent1">
+              <a:shade val="50000"/>
+            </a:schemeClr>
+          </a:lnRef>
+          <a:fillRef idx="1">
+            <a:schemeClr val="accent1"/>
+          </a:fillRef>
+          <a:effectRef idx="0">
+            <a:schemeClr val="accent1"/>
+          </a:effectRef>
+          <a:fontRef idx="minor">
+            <a:schemeClr val="lt1"/>
+          </a:fontRef>
+        </p:style>
+        <p:txBody>
+          <a:bodyPr rtlCol="0" anchor="ctr"/>
+          <a:lstStyle/>
+          <a:p>
+            <a:pPr algn="ctr"/>
+            <a:endParaRPr lang="ko-KR" altLang="en-US"/>
+          </a:p>
+        </p:txBody>
+      </p:sp>
+      <p:sp>
+        <p:nvSpPr>
+          <p:cNvPr id="20" name="타원 19"/>
+          <p:cNvSpPr/>
+          <p:nvPr/>
+        </p:nvSpPr>
+        <p:spPr>
+          <a:xfrm>
+            <a:off x="4644007" y="5013176"/>
+            <a:ext cx="757419" cy="757419"/>
+          </a:xfrm>
+          <a:prstGeom prst="ellipse">
+            <a:avLst/>
+          </a:prstGeom>
+          <a:noFill/>
+        </p:spPr>
+        <p:style>
+          <a:lnRef idx="2">
+            <a:schemeClr val="accent1">
+              <a:shade val="50000"/>
+            </a:schemeClr>
+          </a:lnRef>
+          <a:fillRef idx="1">
+            <a:schemeClr val="accent1"/>
+          </a:fillRef>
+          <a:effectRef idx="0">
+            <a:schemeClr val="accent1"/>
+          </a:effectRef>
+          <a:fontRef idx="minor">
+            <a:schemeClr val="lt1"/>
+          </a:fontRef>
+        </p:style>
+        <p:txBody>
+          <a:bodyPr rtlCol="0" anchor="ctr"/>
+          <a:lstStyle/>
+          <a:p>
+            <a:pPr algn="ctr"/>
+            <a:endParaRPr lang="ko-KR" altLang="en-US"/>
+          </a:p>
+        </p:txBody>
+      </p:sp>
+      <p:sp>
+        <p:nvSpPr>
+          <p:cNvPr id="21" name="직사각형 20"/>
+          <p:cNvSpPr/>
+          <p:nvPr/>
+        </p:nvSpPr>
+        <p:spPr>
+          <a:xfrm>
+            <a:off x="1364459" y="6237312"/>
+            <a:ext cx="6336704" cy="354482"/>
+          </a:xfrm>
+          <a:prstGeom prst="rect">
+            <a:avLst/>
+          </a:prstGeom>
+          <a:solidFill>
+            <a:schemeClr val="tx2">
+              <a:lumMod val="20000"/>
+              <a:lumOff val="80000"/>
+            </a:schemeClr>
+          </a:solidFill>
+        </p:spPr>
+        <p:style>
+          <a:lnRef idx="2">
+            <a:schemeClr val="accent1">
+              <a:shade val="50000"/>
+            </a:schemeClr>
+          </a:lnRef>
+          <a:fillRef idx="1">
+            <a:schemeClr val="accent1"/>
+          </a:fillRef>
+          <a:effectRef idx="0">
+            <a:schemeClr val="accent1"/>
+          </a:effectRef>
+          <a:fontRef idx="minor">
+            <a:schemeClr val="lt1"/>
+          </a:fontRef>
+        </p:style>
+        <p:txBody>
+          <a:bodyPr rtlCol="0" anchor="ctr"/>
+          <a:lstStyle/>
+          <a:p>
+            <a:r>
+              <a:rPr lang="en-US" altLang="ko-KR" dirty="0" smtClean="0">
+                <a:solidFill>
+                  <a:schemeClr val="tx2"/>
+                </a:solidFill>
+              </a:rPr>
+              <a:t>	</a:t>
+            </a:r>
+            <a:endParaRPr lang="ko-KR" altLang="en-US" dirty="0">
+              <a:solidFill>
+                <a:schemeClr val="tx2"/>
+              </a:solidFill>
+            </a:endParaRPr>
+          </a:p>
+        </p:txBody>
+      </p:sp>
+      <p:sp>
+        <p:nvSpPr>
+          <p:cNvPr id="22" name="모서리가 둥근 직사각형 21"/>
+          <p:cNvSpPr/>
+          <p:nvPr/>
+        </p:nvSpPr>
+        <p:spPr>
+          <a:xfrm>
+            <a:off x="4555151" y="3714253"/>
+            <a:ext cx="3012949" cy="2165798"/>
+          </a:xfrm>
+          <a:prstGeom prst="roundRect">
+            <a:avLst/>
+          </a:prstGeom>
+          <a:noFill/>
+          <a:ln>
+            <a:prstDash val="dash"/>
+          </a:ln>
+        </p:spPr>
+        <p:style>
+          <a:lnRef idx="2">
+            <a:schemeClr val="accent1">
+              <a:shade val="50000"/>
+            </a:schemeClr>
+          </a:lnRef>
+          <a:fillRef idx="1">
+            <a:schemeClr val="accent1"/>
+          </a:fillRef>
+          <a:effectRef idx="0">
+            <a:schemeClr val="accent1"/>
+          </a:effectRef>
+          <a:fontRef idx="minor">
+            <a:schemeClr val="lt1"/>
+          </a:fontRef>
+        </p:style>
+        <p:txBody>
+          <a:bodyPr rtlCol="0" anchor="ctr"/>
+          <a:lstStyle/>
+          <a:p>
+            <a:pPr algn="ctr"/>
+            <a:endParaRPr lang="ko-KR" altLang="en-US"/>
+          </a:p>
+        </p:txBody>
+      </p:sp>
     </p:spTree>
     <p:extLst>
       <p:ext uri="{BB962C8B-B14F-4D97-AF65-F5344CB8AC3E}">
-        <p14:creationId xmlns:p14="http://schemas.microsoft.com/office/powerpoint/2010/main" val="2413853852"/>
+        <p14:creationId xmlns:p14="http://schemas.microsoft.com/office/powerpoint/2010/main" val="1605403180"/>
       </p:ext>
     </p:extLst>
   </p:cSld>

--- a/docs/ttm 기획서 pt.pptx
+++ b/docs/ttm 기획서 pt.pptx
@@ -11,10 +11,12 @@
     <p:sldId id="259" r:id="rId5"/>
     <p:sldId id="260" r:id="rId6"/>
     <p:sldId id="261" r:id="rId7"/>
-    <p:sldId id="264" r:id="rId8"/>
-    <p:sldId id="262" r:id="rId9"/>
-    <p:sldId id="265" r:id="rId10"/>
-    <p:sldId id="263" r:id="rId11"/>
+    <p:sldId id="267" r:id="rId8"/>
+    <p:sldId id="264" r:id="rId9"/>
+    <p:sldId id="262" r:id="rId10"/>
+    <p:sldId id="265" r:id="rId11"/>
+    <p:sldId id="263" r:id="rId12"/>
+    <p:sldId id="266" r:id="rId13"/>
   </p:sldIdLst>
   <p:sldSz cx="9144000" cy="6858000" type="screen4x3"/>
   <p:notesSz cx="6858000" cy="9144000"/>
@@ -3159,7 +3161,19 @@
           <a:p>
             <a:r>
               <a:rPr lang="ko-KR" altLang="en-US" dirty="0" smtClean="0"/>
-              <a:t>레이아웃</a:t>
+              <a:t>레이아웃 </a:t>
+            </a:r>
+            <a:r>
+              <a:rPr lang="en-US" altLang="ko-KR" dirty="0" smtClean="0"/>
+              <a:t>– </a:t>
+            </a:r>
+            <a:r>
+              <a:rPr lang="ko-KR" altLang="en-US" dirty="0" err="1" smtClean="0"/>
+              <a:t>메인화면</a:t>
+            </a:r>
+            <a:r>
+              <a:rPr lang="en-US" altLang="ko-KR" dirty="0" smtClean="0"/>
+              <a:t>(3)</a:t>
             </a:r>
             <a:endParaRPr lang="ko-KR" altLang="en-US" dirty="0"/>
           </a:p>
@@ -3175,62 +3189,32 @@
             <p:ph idx="1"/>
           </p:nvPr>
         </p:nvSpPr>
-        <p:spPr>
-          <a:xfrm>
-            <a:off x="457200" y="1600200"/>
-            <a:ext cx="4114800" cy="4525963"/>
-          </a:xfrm>
-        </p:spPr>
+        <p:spPr/>
         <p:txBody>
           <a:bodyPr/>
           <a:lstStyle/>
           <a:p>
             <a:r>
-              <a:rPr lang="ko-KR" altLang="en-US" dirty="0" err="1" smtClean="0"/>
-              <a:t>메인화면</a:t>
-            </a:r>
-            <a:r>
               <a:rPr lang="ko-KR" altLang="en-US" dirty="0" smtClean="0"/>
-              <a:t> </a:t>
-            </a:r>
-            <a:r>
-              <a:rPr lang="en-US" altLang="ko-KR" dirty="0" smtClean="0"/>
-              <a:t>– </a:t>
-            </a:r>
-            <a:r>
-              <a:rPr lang="ko-KR" altLang="en-US" dirty="0" err="1" smtClean="0"/>
-              <a:t>모바일</a:t>
-            </a:r>
-            <a:endParaRPr lang="en-US" altLang="ko-KR" dirty="0" smtClean="0"/>
-          </a:p>
-          <a:p>
-            <a:r>
-              <a:rPr lang="en-US" altLang="ko-KR" dirty="0" smtClean="0"/>
-              <a:t>PC</a:t>
-            </a:r>
-            <a:r>
-              <a:rPr lang="ko-KR" altLang="en-US" dirty="0" smtClean="0"/>
-              <a:t>화면에서 음영처리 된 부분이 안보이게 되고 폭이 줄어든다</a:t>
-            </a:r>
-          </a:p>
-          <a:p>
-            <a:pPr marL="0" indent="0">
-              <a:buNone/>
-            </a:pPr>
-            <a:endParaRPr lang="ko-KR" altLang="en-US" dirty="0"/>
-          </a:p>
-        </p:txBody>
-      </p:sp>
-      <p:sp>
-        <p:nvSpPr>
-          <p:cNvPr id="5" name="직사각형 4"/>
+              <a:t>보관</a:t>
+            </a:r>
+            <a:r>
+              <a:rPr lang="ko-KR" altLang="en-US" dirty="0"/>
+              <a:t>용</a:t>
+            </a:r>
+          </a:p>
+        </p:txBody>
+      </p:sp>
+      <p:sp>
+        <p:nvSpPr>
+          <p:cNvPr id="8" name="직사각형 7"/>
           <p:cNvSpPr/>
           <p:nvPr/>
         </p:nvSpPr>
         <p:spPr>
           <a:xfrm>
-            <a:off x="4769935" y="1916832"/>
-            <a:ext cx="3258449" cy="4392488"/>
+            <a:off x="1043608" y="2348880"/>
+            <a:ext cx="6984776" cy="4392488"/>
           </a:xfrm>
           <a:prstGeom prst="rect">
             <a:avLst/>
@@ -3264,14 +3248,14 @@
       </p:sp>
       <p:sp>
         <p:nvSpPr>
-          <p:cNvPr id="6" name="직사각형 5"/>
+          <p:cNvPr id="9" name="직사각형 8"/>
           <p:cNvSpPr/>
           <p:nvPr/>
         </p:nvSpPr>
         <p:spPr>
           <a:xfrm>
-            <a:off x="4917914" y="2132856"/>
-            <a:ext cx="2956120" cy="432048"/>
+            <a:off x="1364459" y="2564904"/>
+            <a:ext cx="6336704" cy="432048"/>
           </a:xfrm>
           <a:prstGeom prst="rect">
             <a:avLst/>
@@ -3299,6 +3283,14 @@
           <a:lstStyle/>
           <a:p>
             <a:r>
+              <a:rPr lang="en-US" altLang="ko-KR" dirty="0" smtClean="0">
+                <a:solidFill>
+                  <a:schemeClr val="tx2"/>
+                </a:solidFill>
+              </a:rPr>
+              <a:t>	</a:t>
+            </a:r>
+            <a:r>
               <a:rPr lang="ko-KR" altLang="en-US" dirty="0" smtClean="0">
                 <a:solidFill>
                   <a:schemeClr val="tx2"/>
@@ -3316,14 +3308,14 @@
       </p:sp>
       <p:sp>
         <p:nvSpPr>
-          <p:cNvPr id="7" name="직사각형 6"/>
+          <p:cNvPr id="10" name="직사각형 9"/>
           <p:cNvSpPr/>
           <p:nvPr/>
         </p:nvSpPr>
         <p:spPr>
           <a:xfrm>
-            <a:off x="6330336" y="2132856"/>
-            <a:ext cx="735759" cy="216024"/>
+            <a:off x="5833475" y="2564904"/>
+            <a:ext cx="890269" cy="216024"/>
           </a:xfrm>
           <a:prstGeom prst="rect">
             <a:avLst/>
@@ -3352,14 +3344,14 @@
           <a:p>
             <a:pPr algn="ctr"/>
             <a:r>
-              <a:rPr lang="ko-KR" altLang="en-US" sz="1100" dirty="0" smtClean="0">
+              <a:rPr lang="ko-KR" altLang="en-US" sz="1400" dirty="0" smtClean="0">
                 <a:solidFill>
                   <a:schemeClr val="tx2"/>
                 </a:solidFill>
               </a:rPr>
               <a:t>로그인</a:t>
             </a:r>
-            <a:endParaRPr lang="ko-KR" altLang="en-US" sz="1100" dirty="0">
+            <a:endParaRPr lang="ko-KR" altLang="en-US" sz="1400" dirty="0">
               <a:solidFill>
                 <a:schemeClr val="tx2"/>
               </a:solidFill>
@@ -3369,14 +3361,14 @@
       </p:sp>
       <p:sp>
         <p:nvSpPr>
-          <p:cNvPr id="8" name="직사각형 7"/>
+          <p:cNvPr id="11" name="직사각형 10"/>
           <p:cNvSpPr/>
           <p:nvPr/>
         </p:nvSpPr>
         <p:spPr>
           <a:xfrm>
-            <a:off x="7067538" y="2132856"/>
-            <a:ext cx="807785" cy="216024"/>
+            <a:off x="6723744" y="2564904"/>
+            <a:ext cx="977419" cy="216024"/>
           </a:xfrm>
           <a:prstGeom prst="rect">
             <a:avLst/>
@@ -3405,7 +3397,7 @@
           <a:p>
             <a:pPr algn="ctr"/>
             <a:r>
-              <a:rPr lang="ko-KR" altLang="en-US" sz="1100" dirty="0" smtClean="0">
+              <a:rPr lang="ko-KR" altLang="en-US" sz="1400" dirty="0" smtClean="0">
                 <a:solidFill>
                   <a:schemeClr val="tx2"/>
                 </a:solidFill>
@@ -3413,14 +3405,14 @@
               <a:t>회원가</a:t>
             </a:r>
             <a:r>
-              <a:rPr lang="ko-KR" altLang="en-US" sz="1100" dirty="0">
+              <a:rPr lang="ko-KR" altLang="en-US" sz="1400" dirty="0">
                 <a:solidFill>
                   <a:schemeClr val="tx2"/>
                 </a:solidFill>
               </a:rPr>
               <a:t>입</a:t>
             </a:r>
-            <a:endParaRPr lang="ko-KR" altLang="en-US" sz="1400" dirty="0">
+            <a:endParaRPr lang="ko-KR" altLang="en-US" dirty="0">
               <a:solidFill>
                 <a:schemeClr val="tx2"/>
               </a:solidFill>
@@ -3430,19 +3422,24 @@
       </p:sp>
       <p:sp>
         <p:nvSpPr>
-          <p:cNvPr id="11" name="직사각형 10"/>
+          <p:cNvPr id="12" name="직사각형 11"/>
           <p:cNvSpPr/>
           <p:nvPr/>
         </p:nvSpPr>
         <p:spPr>
           <a:xfrm>
-            <a:off x="4917914" y="2708920"/>
-            <a:ext cx="2956120" cy="3456384"/>
+            <a:off x="1364459" y="2996952"/>
+            <a:ext cx="6336704" cy="354482"/>
           </a:xfrm>
           <a:prstGeom prst="rect">
             <a:avLst/>
           </a:prstGeom>
-          <a:noFill/>
+          <a:solidFill>
+            <a:schemeClr val="tx2">
+              <a:lumMod val="20000"/>
+              <a:lumOff val="80000"/>
+            </a:schemeClr>
+          </a:solidFill>
         </p:spPr>
         <p:style>
           <a:lnRef idx="2">
@@ -3464,6 +3461,30 @@
           <a:bodyPr rtlCol="0" anchor="ctr"/>
           <a:lstStyle/>
           <a:p>
+            <a:r>
+              <a:rPr lang="en-US" altLang="ko-KR" dirty="0" smtClean="0">
+                <a:solidFill>
+                  <a:schemeClr val="tx2"/>
+                </a:solidFill>
+              </a:rPr>
+              <a:t>	</a:t>
+            </a:r>
+            <a:r>
+              <a:rPr lang="ko-KR" altLang="en-US" dirty="0" err="1" smtClean="0">
+                <a:solidFill>
+                  <a:schemeClr val="tx2"/>
+                </a:solidFill>
+              </a:rPr>
+              <a:t>네비게이션</a:t>
+            </a:r>
+            <a:r>
+              <a:rPr lang="ko-KR" altLang="en-US" dirty="0" smtClean="0">
+                <a:solidFill>
+                  <a:schemeClr val="tx2"/>
+                </a:solidFill>
+              </a:rPr>
+              <a:t> 바</a:t>
+            </a:r>
             <a:endParaRPr lang="ko-KR" altLang="en-US" dirty="0">
               <a:solidFill>
                 <a:schemeClr val="tx2"/>
@@ -3474,16 +3495,16 @@
       </p:sp>
       <p:sp>
         <p:nvSpPr>
-          <p:cNvPr id="16" name="타원 15"/>
+          <p:cNvPr id="13" name="직사각형 12"/>
           <p:cNvSpPr/>
           <p:nvPr/>
         </p:nvSpPr>
         <p:spPr>
           <a:xfrm>
-            <a:off x="5219797" y="2996951"/>
-            <a:ext cx="864097" cy="864097"/>
-          </a:xfrm>
-          <a:prstGeom prst="ellipse">
+            <a:off x="1364459" y="3351434"/>
+            <a:ext cx="6336704" cy="2885878"/>
+          </a:xfrm>
+          <a:prstGeom prst="rect">
             <a:avLst/>
           </a:prstGeom>
           <a:noFill/>
@@ -3508,26 +3529,34 @@
           <a:bodyPr rtlCol="0" anchor="ctr"/>
           <a:lstStyle/>
           <a:p>
-            <a:pPr algn="ctr"/>
-            <a:endParaRPr lang="ko-KR" altLang="en-US"/>
-          </a:p>
-        </p:txBody>
-      </p:sp>
-      <p:sp>
-        <p:nvSpPr>
-          <p:cNvPr id="17" name="타원 16"/>
+            <a:endParaRPr lang="ko-KR" altLang="en-US" dirty="0">
+              <a:solidFill>
+                <a:schemeClr val="tx2"/>
+              </a:solidFill>
+            </a:endParaRPr>
+          </a:p>
+        </p:txBody>
+      </p:sp>
+      <p:sp>
+        <p:nvSpPr>
+          <p:cNvPr id="14" name="모서리가 둥근 직사각형 13"/>
           <p:cNvSpPr/>
           <p:nvPr/>
         </p:nvSpPr>
         <p:spPr>
           <a:xfrm>
-            <a:off x="6736258" y="2996952"/>
-            <a:ext cx="864097" cy="864097"/>
-          </a:xfrm>
-          <a:prstGeom prst="ellipse">
+            <a:off x="1619672" y="3714253"/>
+            <a:ext cx="2592288" cy="2160240"/>
+          </a:xfrm>
+          <a:prstGeom prst="roundRect">
             <a:avLst/>
           </a:prstGeom>
-          <a:noFill/>
+          <a:solidFill>
+            <a:schemeClr val="accent1">
+              <a:lumMod val="40000"/>
+              <a:lumOff val="60000"/>
+            </a:schemeClr>
+          </a:solidFill>
         </p:spPr>
         <p:style>
           <a:lnRef idx="2">
@@ -3550,20 +3579,40 @@
           <a:lstStyle/>
           <a:p>
             <a:pPr algn="ctr"/>
-            <a:endParaRPr lang="ko-KR" altLang="en-US"/>
-          </a:p>
-        </p:txBody>
-      </p:sp>
-      <p:sp>
-        <p:nvSpPr>
-          <p:cNvPr id="18" name="타원 17"/>
+            <a:r>
+              <a:rPr lang="ko-KR" altLang="en-US" dirty="0" err="1" smtClean="0">
+                <a:solidFill>
+                  <a:schemeClr val="tx2"/>
+                </a:solidFill>
+              </a:rPr>
+              <a:t>타투</a:t>
+            </a:r>
+            <a:r>
+              <a:rPr lang="ko-KR" altLang="en-US" dirty="0" smtClean="0">
+                <a:solidFill>
+                  <a:schemeClr val="tx2"/>
+                </a:solidFill>
+              </a:rPr>
+              <a:t> 이미지</a:t>
+            </a:r>
+            <a:endParaRPr lang="ko-KR" altLang="en-US" dirty="0">
+              <a:solidFill>
+                <a:schemeClr val="tx2"/>
+              </a:solidFill>
+            </a:endParaRPr>
+          </a:p>
+        </p:txBody>
+      </p:sp>
+      <p:sp>
+        <p:nvSpPr>
+          <p:cNvPr id="15" name="타원 14"/>
           <p:cNvSpPr/>
           <p:nvPr/>
         </p:nvSpPr>
         <p:spPr>
           <a:xfrm>
-            <a:off x="5219797" y="3983614"/>
-            <a:ext cx="864097" cy="864097"/>
+            <a:off x="4644007" y="3823709"/>
+            <a:ext cx="757419" cy="757419"/>
           </a:xfrm>
           <a:prstGeom prst="ellipse">
             <a:avLst/>
@@ -3597,14 +3646,14 @@
       </p:sp>
       <p:sp>
         <p:nvSpPr>
-          <p:cNvPr id="19" name="타원 18"/>
+          <p:cNvPr id="16" name="타원 15"/>
           <p:cNvSpPr/>
           <p:nvPr/>
         </p:nvSpPr>
         <p:spPr>
           <a:xfrm>
-            <a:off x="6736257" y="4954230"/>
-            <a:ext cx="864097" cy="864097"/>
+            <a:off x="5652120" y="3823709"/>
+            <a:ext cx="757419" cy="757419"/>
           </a:xfrm>
           <a:prstGeom prst="ellipse">
             <a:avLst/>
@@ -3638,14 +3687,14 @@
       </p:sp>
       <p:sp>
         <p:nvSpPr>
-          <p:cNvPr id="20" name="타원 19"/>
+          <p:cNvPr id="17" name="타원 16"/>
           <p:cNvSpPr/>
           <p:nvPr/>
         </p:nvSpPr>
         <p:spPr>
           <a:xfrm>
-            <a:off x="5219796" y="4954230"/>
-            <a:ext cx="864097" cy="864097"/>
+            <a:off x="6680344" y="3823709"/>
+            <a:ext cx="757419" cy="757419"/>
           </a:xfrm>
           <a:prstGeom prst="ellipse">
             <a:avLst/>
@@ -3679,14 +3728,14 @@
       </p:sp>
       <p:sp>
         <p:nvSpPr>
-          <p:cNvPr id="21" name="타원 20"/>
+          <p:cNvPr id="18" name="타원 17"/>
           <p:cNvSpPr/>
           <p:nvPr/>
         </p:nvSpPr>
         <p:spPr>
           <a:xfrm>
-            <a:off x="6736258" y="3983615"/>
-            <a:ext cx="864097" cy="864097"/>
+            <a:off x="6680343" y="5013176"/>
+            <a:ext cx="757419" cy="757419"/>
           </a:xfrm>
           <a:prstGeom prst="ellipse">
             <a:avLst/>
@@ -3718,10 +3767,909 @@
           </a:p>
         </p:txBody>
       </p:sp>
+      <p:sp>
+        <p:nvSpPr>
+          <p:cNvPr id="19" name="타원 18"/>
+          <p:cNvSpPr/>
+          <p:nvPr/>
+        </p:nvSpPr>
+        <p:spPr>
+          <a:xfrm>
+            <a:off x="5652120" y="5013176"/>
+            <a:ext cx="757419" cy="757419"/>
+          </a:xfrm>
+          <a:prstGeom prst="ellipse">
+            <a:avLst/>
+          </a:prstGeom>
+          <a:noFill/>
+        </p:spPr>
+        <p:style>
+          <a:lnRef idx="2">
+            <a:schemeClr val="accent1">
+              <a:shade val="50000"/>
+            </a:schemeClr>
+          </a:lnRef>
+          <a:fillRef idx="1">
+            <a:schemeClr val="accent1"/>
+          </a:fillRef>
+          <a:effectRef idx="0">
+            <a:schemeClr val="accent1"/>
+          </a:effectRef>
+          <a:fontRef idx="minor">
+            <a:schemeClr val="lt1"/>
+          </a:fontRef>
+        </p:style>
+        <p:txBody>
+          <a:bodyPr rtlCol="0" anchor="ctr"/>
+          <a:lstStyle/>
+          <a:p>
+            <a:pPr algn="ctr"/>
+            <a:endParaRPr lang="ko-KR" altLang="en-US"/>
+          </a:p>
+        </p:txBody>
+      </p:sp>
+      <p:sp>
+        <p:nvSpPr>
+          <p:cNvPr id="20" name="타원 19"/>
+          <p:cNvSpPr/>
+          <p:nvPr/>
+        </p:nvSpPr>
+        <p:spPr>
+          <a:xfrm>
+            <a:off x="4644007" y="5013176"/>
+            <a:ext cx="757419" cy="757419"/>
+          </a:xfrm>
+          <a:prstGeom prst="ellipse">
+            <a:avLst/>
+          </a:prstGeom>
+          <a:noFill/>
+        </p:spPr>
+        <p:style>
+          <a:lnRef idx="2">
+            <a:schemeClr val="accent1">
+              <a:shade val="50000"/>
+            </a:schemeClr>
+          </a:lnRef>
+          <a:fillRef idx="1">
+            <a:schemeClr val="accent1"/>
+          </a:fillRef>
+          <a:effectRef idx="0">
+            <a:schemeClr val="accent1"/>
+          </a:effectRef>
+          <a:fontRef idx="minor">
+            <a:schemeClr val="lt1"/>
+          </a:fontRef>
+        </p:style>
+        <p:txBody>
+          <a:bodyPr rtlCol="0" anchor="ctr"/>
+          <a:lstStyle/>
+          <a:p>
+            <a:pPr algn="ctr"/>
+            <a:endParaRPr lang="ko-KR" altLang="en-US"/>
+          </a:p>
+        </p:txBody>
+      </p:sp>
+      <p:sp>
+        <p:nvSpPr>
+          <p:cNvPr id="21" name="직사각형 20"/>
+          <p:cNvSpPr/>
+          <p:nvPr/>
+        </p:nvSpPr>
+        <p:spPr>
+          <a:xfrm>
+            <a:off x="1364459" y="6237312"/>
+            <a:ext cx="6336704" cy="354482"/>
+          </a:xfrm>
+          <a:prstGeom prst="rect">
+            <a:avLst/>
+          </a:prstGeom>
+          <a:solidFill>
+            <a:schemeClr val="tx2">
+              <a:lumMod val="20000"/>
+              <a:lumOff val="80000"/>
+            </a:schemeClr>
+          </a:solidFill>
+        </p:spPr>
+        <p:style>
+          <a:lnRef idx="2">
+            <a:schemeClr val="accent1">
+              <a:shade val="50000"/>
+            </a:schemeClr>
+          </a:lnRef>
+          <a:fillRef idx="1">
+            <a:schemeClr val="accent1"/>
+          </a:fillRef>
+          <a:effectRef idx="0">
+            <a:schemeClr val="accent1"/>
+          </a:effectRef>
+          <a:fontRef idx="minor">
+            <a:schemeClr val="lt1"/>
+          </a:fontRef>
+        </p:style>
+        <p:txBody>
+          <a:bodyPr rtlCol="0" anchor="ctr"/>
+          <a:lstStyle/>
+          <a:p>
+            <a:r>
+              <a:rPr lang="en-US" altLang="ko-KR" dirty="0" smtClean="0">
+                <a:solidFill>
+                  <a:schemeClr val="tx2"/>
+                </a:solidFill>
+              </a:rPr>
+              <a:t>	</a:t>
+            </a:r>
+            <a:endParaRPr lang="ko-KR" altLang="en-US" dirty="0">
+              <a:solidFill>
+                <a:schemeClr val="tx2"/>
+              </a:solidFill>
+            </a:endParaRPr>
+          </a:p>
+        </p:txBody>
+      </p:sp>
+      <p:sp>
+        <p:nvSpPr>
+          <p:cNvPr id="22" name="모서리가 둥근 직사각형 21"/>
+          <p:cNvSpPr/>
+          <p:nvPr/>
+        </p:nvSpPr>
+        <p:spPr>
+          <a:xfrm>
+            <a:off x="4555151" y="3714253"/>
+            <a:ext cx="3012949" cy="2165798"/>
+          </a:xfrm>
+          <a:prstGeom prst="roundRect">
+            <a:avLst/>
+          </a:prstGeom>
+          <a:noFill/>
+          <a:ln>
+            <a:prstDash val="dash"/>
+          </a:ln>
+        </p:spPr>
+        <p:style>
+          <a:lnRef idx="2">
+            <a:schemeClr val="accent1">
+              <a:shade val="50000"/>
+            </a:schemeClr>
+          </a:lnRef>
+          <a:fillRef idx="1">
+            <a:schemeClr val="accent1"/>
+          </a:fillRef>
+          <a:effectRef idx="0">
+            <a:schemeClr val="accent1"/>
+          </a:effectRef>
+          <a:fontRef idx="minor">
+            <a:schemeClr val="lt1"/>
+          </a:fontRef>
+        </p:style>
+        <p:txBody>
+          <a:bodyPr rtlCol="0" anchor="ctr"/>
+          <a:lstStyle/>
+          <a:p>
+            <a:pPr algn="ctr"/>
+            <a:endParaRPr lang="ko-KR" altLang="en-US"/>
+          </a:p>
+        </p:txBody>
+      </p:sp>
+    </p:spTree>
+    <p:extLst>
+      <p:ext uri="{BB962C8B-B14F-4D97-AF65-F5344CB8AC3E}">
+        <p14:creationId xmlns:p14="http://schemas.microsoft.com/office/powerpoint/2010/main" val="1605403180"/>
+      </p:ext>
+    </p:extLst>
+  </p:cSld>
+  <p:clrMapOvr>
+    <a:masterClrMapping/>
+  </p:clrMapOvr>
+  <p:timing>
+    <p:tnLst>
+      <p:par>
+        <p:cTn id="1" dur="indefinite" restart="never" nodeType="tmRoot"/>
+      </p:par>
+    </p:tnLst>
+  </p:timing>
+</p:sld>
+</file>
+
+<file path=ppt/slides/slide11.xml><?xml version="1.0" encoding="utf-8"?>
+<p:sld xmlns:a="http://schemas.openxmlformats.org/drawingml/2006/main" xmlns:r="http://schemas.openxmlformats.org/officeDocument/2006/relationships" xmlns:p="http://schemas.openxmlformats.org/presentationml/2006/main">
+  <p:cSld>
+    <p:spTree>
+      <p:nvGrpSpPr>
+        <p:cNvPr id="1" name=""/>
+        <p:cNvGrpSpPr/>
+        <p:nvPr/>
+      </p:nvGrpSpPr>
+      <p:grpSpPr>
+        <a:xfrm>
+          <a:off x="0" y="0"/>
+          <a:ext cx="0" cy="0"/>
+          <a:chOff x="0" y="0"/>
+          <a:chExt cx="0" cy="0"/>
+        </a:xfrm>
+      </p:grpSpPr>
+      <p:sp>
+        <p:nvSpPr>
+          <p:cNvPr id="2" name="제목 1"/>
+          <p:cNvSpPr>
+            <a:spLocks noGrp="1"/>
+          </p:cNvSpPr>
+          <p:nvPr>
+            <p:ph type="title"/>
+          </p:nvPr>
+        </p:nvSpPr>
+        <p:spPr/>
+        <p:txBody>
+          <a:bodyPr/>
+          <a:lstStyle/>
+          <a:p>
+            <a:r>
+              <a:rPr lang="ko-KR" altLang="en-US" dirty="0" smtClean="0"/>
+              <a:t>레이아웃 </a:t>
+            </a:r>
+            <a:r>
+              <a:rPr lang="en-US" altLang="ko-KR" dirty="0" smtClean="0"/>
+              <a:t>– </a:t>
+            </a:r>
+            <a:r>
+              <a:rPr lang="ko-KR" altLang="en-US" dirty="0" err="1" smtClean="0"/>
+              <a:t>메인화면</a:t>
+            </a:r>
+            <a:r>
+              <a:rPr lang="en-US" altLang="ko-KR" dirty="0" smtClean="0"/>
+              <a:t>(4)</a:t>
+            </a:r>
+            <a:endParaRPr lang="ko-KR" altLang="en-US" dirty="0"/>
+          </a:p>
+        </p:txBody>
+      </p:sp>
+      <p:sp>
+        <p:nvSpPr>
+          <p:cNvPr id="3" name="내용 개체 틀 2"/>
+          <p:cNvSpPr>
+            <a:spLocks noGrp="1"/>
+          </p:cNvSpPr>
+          <p:nvPr>
+            <p:ph idx="1"/>
+          </p:nvPr>
+        </p:nvSpPr>
+        <p:spPr>
+          <a:xfrm>
+            <a:off x="457200" y="1600200"/>
+            <a:ext cx="4114800" cy="4525963"/>
+          </a:xfrm>
+        </p:spPr>
+        <p:txBody>
+          <a:bodyPr/>
+          <a:lstStyle/>
+          <a:p>
+            <a:r>
+              <a:rPr lang="ko-KR" altLang="en-US" dirty="0" err="1" smtClean="0"/>
+              <a:t>메인화면</a:t>
+            </a:r>
+            <a:r>
+              <a:rPr lang="ko-KR" altLang="en-US" dirty="0" smtClean="0"/>
+              <a:t> </a:t>
+            </a:r>
+            <a:r>
+              <a:rPr lang="en-US" altLang="ko-KR" dirty="0" smtClean="0"/>
+              <a:t>– </a:t>
+            </a:r>
+            <a:r>
+              <a:rPr lang="ko-KR" altLang="en-US" dirty="0" err="1" smtClean="0"/>
+              <a:t>모바일</a:t>
+            </a:r>
+            <a:endParaRPr lang="en-US" altLang="ko-KR" dirty="0" smtClean="0"/>
+          </a:p>
+          <a:p>
+            <a:r>
+              <a:rPr lang="en-US" altLang="ko-KR" dirty="0" smtClean="0"/>
+              <a:t>PC</a:t>
+            </a:r>
+            <a:r>
+              <a:rPr lang="ko-KR" altLang="en-US" dirty="0" smtClean="0"/>
+              <a:t>화면에서 음영처리 된 부분이 안보이게 되고 폭이 줄어든다</a:t>
+            </a:r>
+          </a:p>
+          <a:p>
+            <a:pPr marL="0" indent="0">
+              <a:buNone/>
+            </a:pPr>
+            <a:endParaRPr lang="ko-KR" altLang="en-US" dirty="0"/>
+          </a:p>
+        </p:txBody>
+      </p:sp>
+      <p:sp>
+        <p:nvSpPr>
+          <p:cNvPr id="5" name="직사각형 4"/>
+          <p:cNvSpPr/>
+          <p:nvPr/>
+        </p:nvSpPr>
+        <p:spPr>
+          <a:xfrm>
+            <a:off x="4769935" y="1916832"/>
+            <a:ext cx="3258449" cy="4392488"/>
+          </a:xfrm>
+          <a:prstGeom prst="rect">
+            <a:avLst/>
+          </a:prstGeom>
+          <a:noFill/>
+        </p:spPr>
+        <p:style>
+          <a:lnRef idx="2">
+            <a:schemeClr val="accent1">
+              <a:shade val="50000"/>
+            </a:schemeClr>
+          </a:lnRef>
+          <a:fillRef idx="1">
+            <a:schemeClr val="accent1"/>
+          </a:fillRef>
+          <a:effectRef idx="0">
+            <a:schemeClr val="accent1"/>
+          </a:effectRef>
+          <a:fontRef idx="minor">
+            <a:schemeClr val="lt1"/>
+          </a:fontRef>
+        </p:style>
+        <p:txBody>
+          <a:bodyPr rtlCol="0" anchor="ctr"/>
+          <a:lstStyle/>
+          <a:p>
+            <a:pPr algn="ctr"/>
+            <a:endParaRPr lang="ko-KR" altLang="en-US"/>
+          </a:p>
+        </p:txBody>
+      </p:sp>
+      <p:sp>
+        <p:nvSpPr>
+          <p:cNvPr id="6" name="직사각형 5"/>
+          <p:cNvSpPr/>
+          <p:nvPr/>
+        </p:nvSpPr>
+        <p:spPr>
+          <a:xfrm>
+            <a:off x="4917914" y="2132856"/>
+            <a:ext cx="2956120" cy="432048"/>
+          </a:xfrm>
+          <a:prstGeom prst="rect">
+            <a:avLst/>
+          </a:prstGeom>
+          <a:noFill/>
+        </p:spPr>
+        <p:style>
+          <a:lnRef idx="2">
+            <a:schemeClr val="accent1">
+              <a:shade val="50000"/>
+            </a:schemeClr>
+          </a:lnRef>
+          <a:fillRef idx="1">
+            <a:schemeClr val="accent1"/>
+          </a:fillRef>
+          <a:effectRef idx="0">
+            <a:schemeClr val="accent1"/>
+          </a:effectRef>
+          <a:fontRef idx="minor">
+            <a:schemeClr val="lt1"/>
+          </a:fontRef>
+        </p:style>
+        <p:txBody>
+          <a:bodyPr rtlCol="0" anchor="ctr"/>
+          <a:lstStyle/>
+          <a:p>
+            <a:r>
+              <a:rPr lang="ko-KR" altLang="en-US" dirty="0" smtClean="0">
+                <a:solidFill>
+                  <a:schemeClr val="tx2"/>
+                </a:solidFill>
+              </a:rPr>
+              <a:t>로고</a:t>
+            </a:r>
+            <a:endParaRPr lang="ko-KR" altLang="en-US" dirty="0">
+              <a:solidFill>
+                <a:schemeClr val="tx2"/>
+              </a:solidFill>
+            </a:endParaRPr>
+          </a:p>
+        </p:txBody>
+      </p:sp>
+      <p:sp>
+        <p:nvSpPr>
+          <p:cNvPr id="7" name="직사각형 6"/>
+          <p:cNvSpPr/>
+          <p:nvPr/>
+        </p:nvSpPr>
+        <p:spPr>
+          <a:xfrm>
+            <a:off x="6330336" y="2132856"/>
+            <a:ext cx="735759" cy="216024"/>
+          </a:xfrm>
+          <a:prstGeom prst="rect">
+            <a:avLst/>
+          </a:prstGeom>
+          <a:noFill/>
+        </p:spPr>
+        <p:style>
+          <a:lnRef idx="2">
+            <a:schemeClr val="accent1">
+              <a:shade val="50000"/>
+            </a:schemeClr>
+          </a:lnRef>
+          <a:fillRef idx="1">
+            <a:schemeClr val="accent1"/>
+          </a:fillRef>
+          <a:effectRef idx="0">
+            <a:schemeClr val="accent1"/>
+          </a:effectRef>
+          <a:fontRef idx="minor">
+            <a:schemeClr val="lt1"/>
+          </a:fontRef>
+        </p:style>
+        <p:txBody>
+          <a:bodyPr rtlCol="0" anchor="ctr"/>
+          <a:lstStyle/>
+          <a:p>
+            <a:pPr algn="ctr"/>
+            <a:r>
+              <a:rPr lang="ko-KR" altLang="en-US" sz="1100" dirty="0" smtClean="0">
+                <a:solidFill>
+                  <a:schemeClr val="tx2"/>
+                </a:solidFill>
+              </a:rPr>
+              <a:t>로그인</a:t>
+            </a:r>
+            <a:endParaRPr lang="ko-KR" altLang="en-US" sz="1100" dirty="0">
+              <a:solidFill>
+                <a:schemeClr val="tx2"/>
+              </a:solidFill>
+            </a:endParaRPr>
+          </a:p>
+        </p:txBody>
+      </p:sp>
+      <p:sp>
+        <p:nvSpPr>
+          <p:cNvPr id="8" name="직사각형 7"/>
+          <p:cNvSpPr/>
+          <p:nvPr/>
+        </p:nvSpPr>
+        <p:spPr>
+          <a:xfrm>
+            <a:off x="7067538" y="2132856"/>
+            <a:ext cx="807785" cy="216024"/>
+          </a:xfrm>
+          <a:prstGeom prst="rect">
+            <a:avLst/>
+          </a:prstGeom>
+          <a:noFill/>
+        </p:spPr>
+        <p:style>
+          <a:lnRef idx="2">
+            <a:schemeClr val="accent1">
+              <a:shade val="50000"/>
+            </a:schemeClr>
+          </a:lnRef>
+          <a:fillRef idx="1">
+            <a:schemeClr val="accent1"/>
+          </a:fillRef>
+          <a:effectRef idx="0">
+            <a:schemeClr val="accent1"/>
+          </a:effectRef>
+          <a:fontRef idx="minor">
+            <a:schemeClr val="lt1"/>
+          </a:fontRef>
+        </p:style>
+        <p:txBody>
+          <a:bodyPr rtlCol="0" anchor="ctr"/>
+          <a:lstStyle/>
+          <a:p>
+            <a:pPr algn="ctr"/>
+            <a:r>
+              <a:rPr lang="ko-KR" altLang="en-US" sz="1100" dirty="0" smtClean="0">
+                <a:solidFill>
+                  <a:schemeClr val="tx2"/>
+                </a:solidFill>
+              </a:rPr>
+              <a:t>회원가</a:t>
+            </a:r>
+            <a:r>
+              <a:rPr lang="ko-KR" altLang="en-US" sz="1100" dirty="0">
+                <a:solidFill>
+                  <a:schemeClr val="tx2"/>
+                </a:solidFill>
+              </a:rPr>
+              <a:t>입</a:t>
+            </a:r>
+            <a:endParaRPr lang="ko-KR" altLang="en-US" sz="1400" dirty="0">
+              <a:solidFill>
+                <a:schemeClr val="tx2"/>
+              </a:solidFill>
+            </a:endParaRPr>
+          </a:p>
+        </p:txBody>
+      </p:sp>
+      <p:sp>
+        <p:nvSpPr>
+          <p:cNvPr id="11" name="직사각형 10"/>
+          <p:cNvSpPr/>
+          <p:nvPr/>
+        </p:nvSpPr>
+        <p:spPr>
+          <a:xfrm>
+            <a:off x="4917914" y="2708920"/>
+            <a:ext cx="2956120" cy="3456384"/>
+          </a:xfrm>
+          <a:prstGeom prst="rect">
+            <a:avLst/>
+          </a:prstGeom>
+          <a:noFill/>
+        </p:spPr>
+        <p:style>
+          <a:lnRef idx="2">
+            <a:schemeClr val="accent1">
+              <a:shade val="50000"/>
+            </a:schemeClr>
+          </a:lnRef>
+          <a:fillRef idx="1">
+            <a:schemeClr val="accent1"/>
+          </a:fillRef>
+          <a:effectRef idx="0">
+            <a:schemeClr val="accent1"/>
+          </a:effectRef>
+          <a:fontRef idx="minor">
+            <a:schemeClr val="lt1"/>
+          </a:fontRef>
+        </p:style>
+        <p:txBody>
+          <a:bodyPr rtlCol="0" anchor="ctr"/>
+          <a:lstStyle/>
+          <a:p>
+            <a:endParaRPr lang="ko-KR" altLang="en-US" dirty="0">
+              <a:solidFill>
+                <a:schemeClr val="tx2"/>
+              </a:solidFill>
+            </a:endParaRPr>
+          </a:p>
+        </p:txBody>
+      </p:sp>
+      <p:sp>
+        <p:nvSpPr>
+          <p:cNvPr id="16" name="타원 15"/>
+          <p:cNvSpPr/>
+          <p:nvPr/>
+        </p:nvSpPr>
+        <p:spPr>
+          <a:xfrm>
+            <a:off x="5219797" y="2996951"/>
+            <a:ext cx="864097" cy="864097"/>
+          </a:xfrm>
+          <a:prstGeom prst="ellipse">
+            <a:avLst/>
+          </a:prstGeom>
+          <a:noFill/>
+        </p:spPr>
+        <p:style>
+          <a:lnRef idx="2">
+            <a:schemeClr val="accent1">
+              <a:shade val="50000"/>
+            </a:schemeClr>
+          </a:lnRef>
+          <a:fillRef idx="1">
+            <a:schemeClr val="accent1"/>
+          </a:fillRef>
+          <a:effectRef idx="0">
+            <a:schemeClr val="accent1"/>
+          </a:effectRef>
+          <a:fontRef idx="minor">
+            <a:schemeClr val="lt1"/>
+          </a:fontRef>
+        </p:style>
+        <p:txBody>
+          <a:bodyPr rtlCol="0" anchor="ctr"/>
+          <a:lstStyle/>
+          <a:p>
+            <a:pPr algn="ctr"/>
+            <a:endParaRPr lang="ko-KR" altLang="en-US"/>
+          </a:p>
+        </p:txBody>
+      </p:sp>
+      <p:sp>
+        <p:nvSpPr>
+          <p:cNvPr id="17" name="타원 16"/>
+          <p:cNvSpPr/>
+          <p:nvPr/>
+        </p:nvSpPr>
+        <p:spPr>
+          <a:xfrm>
+            <a:off x="6736258" y="2996952"/>
+            <a:ext cx="864097" cy="864097"/>
+          </a:xfrm>
+          <a:prstGeom prst="ellipse">
+            <a:avLst/>
+          </a:prstGeom>
+          <a:noFill/>
+        </p:spPr>
+        <p:style>
+          <a:lnRef idx="2">
+            <a:schemeClr val="accent1">
+              <a:shade val="50000"/>
+            </a:schemeClr>
+          </a:lnRef>
+          <a:fillRef idx="1">
+            <a:schemeClr val="accent1"/>
+          </a:fillRef>
+          <a:effectRef idx="0">
+            <a:schemeClr val="accent1"/>
+          </a:effectRef>
+          <a:fontRef idx="minor">
+            <a:schemeClr val="lt1"/>
+          </a:fontRef>
+        </p:style>
+        <p:txBody>
+          <a:bodyPr rtlCol="0" anchor="ctr"/>
+          <a:lstStyle/>
+          <a:p>
+            <a:pPr algn="ctr"/>
+            <a:endParaRPr lang="ko-KR" altLang="en-US"/>
+          </a:p>
+        </p:txBody>
+      </p:sp>
+      <p:sp>
+        <p:nvSpPr>
+          <p:cNvPr id="18" name="타원 17"/>
+          <p:cNvSpPr/>
+          <p:nvPr/>
+        </p:nvSpPr>
+        <p:spPr>
+          <a:xfrm>
+            <a:off x="5219797" y="3983614"/>
+            <a:ext cx="864097" cy="864097"/>
+          </a:xfrm>
+          <a:prstGeom prst="ellipse">
+            <a:avLst/>
+          </a:prstGeom>
+          <a:noFill/>
+        </p:spPr>
+        <p:style>
+          <a:lnRef idx="2">
+            <a:schemeClr val="accent1">
+              <a:shade val="50000"/>
+            </a:schemeClr>
+          </a:lnRef>
+          <a:fillRef idx="1">
+            <a:schemeClr val="accent1"/>
+          </a:fillRef>
+          <a:effectRef idx="0">
+            <a:schemeClr val="accent1"/>
+          </a:effectRef>
+          <a:fontRef idx="minor">
+            <a:schemeClr val="lt1"/>
+          </a:fontRef>
+        </p:style>
+        <p:txBody>
+          <a:bodyPr rtlCol="0" anchor="ctr"/>
+          <a:lstStyle/>
+          <a:p>
+            <a:pPr algn="ctr"/>
+            <a:endParaRPr lang="ko-KR" altLang="en-US"/>
+          </a:p>
+        </p:txBody>
+      </p:sp>
+      <p:sp>
+        <p:nvSpPr>
+          <p:cNvPr id="19" name="타원 18"/>
+          <p:cNvSpPr/>
+          <p:nvPr/>
+        </p:nvSpPr>
+        <p:spPr>
+          <a:xfrm>
+            <a:off x="6736257" y="4954230"/>
+            <a:ext cx="864097" cy="864097"/>
+          </a:xfrm>
+          <a:prstGeom prst="ellipse">
+            <a:avLst/>
+          </a:prstGeom>
+          <a:noFill/>
+        </p:spPr>
+        <p:style>
+          <a:lnRef idx="2">
+            <a:schemeClr val="accent1">
+              <a:shade val="50000"/>
+            </a:schemeClr>
+          </a:lnRef>
+          <a:fillRef idx="1">
+            <a:schemeClr val="accent1"/>
+          </a:fillRef>
+          <a:effectRef idx="0">
+            <a:schemeClr val="accent1"/>
+          </a:effectRef>
+          <a:fontRef idx="minor">
+            <a:schemeClr val="lt1"/>
+          </a:fontRef>
+        </p:style>
+        <p:txBody>
+          <a:bodyPr rtlCol="0" anchor="ctr"/>
+          <a:lstStyle/>
+          <a:p>
+            <a:pPr algn="ctr"/>
+            <a:endParaRPr lang="ko-KR" altLang="en-US"/>
+          </a:p>
+        </p:txBody>
+      </p:sp>
+      <p:sp>
+        <p:nvSpPr>
+          <p:cNvPr id="20" name="타원 19"/>
+          <p:cNvSpPr/>
+          <p:nvPr/>
+        </p:nvSpPr>
+        <p:spPr>
+          <a:xfrm>
+            <a:off x="5219796" y="4954230"/>
+            <a:ext cx="864097" cy="864097"/>
+          </a:xfrm>
+          <a:prstGeom prst="ellipse">
+            <a:avLst/>
+          </a:prstGeom>
+          <a:noFill/>
+        </p:spPr>
+        <p:style>
+          <a:lnRef idx="2">
+            <a:schemeClr val="accent1">
+              <a:shade val="50000"/>
+            </a:schemeClr>
+          </a:lnRef>
+          <a:fillRef idx="1">
+            <a:schemeClr val="accent1"/>
+          </a:fillRef>
+          <a:effectRef idx="0">
+            <a:schemeClr val="accent1"/>
+          </a:effectRef>
+          <a:fontRef idx="minor">
+            <a:schemeClr val="lt1"/>
+          </a:fontRef>
+        </p:style>
+        <p:txBody>
+          <a:bodyPr rtlCol="0" anchor="ctr"/>
+          <a:lstStyle/>
+          <a:p>
+            <a:pPr algn="ctr"/>
+            <a:endParaRPr lang="ko-KR" altLang="en-US"/>
+          </a:p>
+        </p:txBody>
+      </p:sp>
+      <p:sp>
+        <p:nvSpPr>
+          <p:cNvPr id="21" name="타원 20"/>
+          <p:cNvSpPr/>
+          <p:nvPr/>
+        </p:nvSpPr>
+        <p:spPr>
+          <a:xfrm>
+            <a:off x="6736258" y="3983615"/>
+            <a:ext cx="864097" cy="864097"/>
+          </a:xfrm>
+          <a:prstGeom prst="ellipse">
+            <a:avLst/>
+          </a:prstGeom>
+          <a:noFill/>
+        </p:spPr>
+        <p:style>
+          <a:lnRef idx="2">
+            <a:schemeClr val="accent1">
+              <a:shade val="50000"/>
+            </a:schemeClr>
+          </a:lnRef>
+          <a:fillRef idx="1">
+            <a:schemeClr val="accent1"/>
+          </a:fillRef>
+          <a:effectRef idx="0">
+            <a:schemeClr val="accent1"/>
+          </a:effectRef>
+          <a:fontRef idx="minor">
+            <a:schemeClr val="lt1"/>
+          </a:fontRef>
+        </p:style>
+        <p:txBody>
+          <a:bodyPr rtlCol="0" anchor="ctr"/>
+          <a:lstStyle/>
+          <a:p>
+            <a:pPr algn="ctr"/>
+            <a:endParaRPr lang="ko-KR" altLang="en-US"/>
+          </a:p>
+        </p:txBody>
+      </p:sp>
     </p:spTree>
     <p:extLst>
       <p:ext uri="{BB962C8B-B14F-4D97-AF65-F5344CB8AC3E}">
         <p14:creationId xmlns:p14="http://schemas.microsoft.com/office/powerpoint/2010/main" val="2413853852"/>
+      </p:ext>
+    </p:extLst>
+  </p:cSld>
+  <p:clrMapOvr>
+    <a:masterClrMapping/>
+  </p:clrMapOvr>
+  <p:timing>
+    <p:tnLst>
+      <p:par>
+        <p:cTn id="1" dur="indefinite" restart="never" nodeType="tmRoot"/>
+      </p:par>
+    </p:tnLst>
+  </p:timing>
+</p:sld>
+</file>
+
+<file path=ppt/slides/slide12.xml><?xml version="1.0" encoding="utf-8"?>
+<p:sld xmlns:a="http://schemas.openxmlformats.org/drawingml/2006/main" xmlns:r="http://schemas.openxmlformats.org/officeDocument/2006/relationships" xmlns:p="http://schemas.openxmlformats.org/presentationml/2006/main">
+  <p:cSld>
+    <p:spTree>
+      <p:nvGrpSpPr>
+        <p:cNvPr id="1" name=""/>
+        <p:cNvGrpSpPr/>
+        <p:nvPr/>
+      </p:nvGrpSpPr>
+      <p:grpSpPr>
+        <a:xfrm>
+          <a:off x="0" y="0"/>
+          <a:ext cx="0" cy="0"/>
+          <a:chOff x="0" y="0"/>
+          <a:chExt cx="0" cy="0"/>
+        </a:xfrm>
+      </p:grpSpPr>
+      <p:sp>
+        <p:nvSpPr>
+          <p:cNvPr id="2" name="제목 1"/>
+          <p:cNvSpPr>
+            <a:spLocks noGrp="1"/>
+          </p:cNvSpPr>
+          <p:nvPr>
+            <p:ph type="title"/>
+          </p:nvPr>
+        </p:nvSpPr>
+        <p:spPr/>
+        <p:txBody>
+          <a:bodyPr/>
+          <a:lstStyle/>
+          <a:p>
+            <a:r>
+              <a:rPr lang="ko-KR" altLang="en-US" dirty="0" smtClean="0"/>
+              <a:t>레이아웃 </a:t>
+            </a:r>
+            <a:r>
+              <a:rPr lang="en-US" altLang="ko-KR" dirty="0" smtClean="0"/>
+              <a:t>– </a:t>
+            </a:r>
+            <a:r>
+              <a:rPr lang="ko-KR" altLang="en-US" dirty="0" err="1" smtClean="0"/>
+              <a:t>샵</a:t>
+            </a:r>
+            <a:r>
+              <a:rPr lang="ko-KR" altLang="en-US" dirty="0" smtClean="0"/>
+              <a:t> 리스트</a:t>
+            </a:r>
+            <a:endParaRPr lang="ko-KR" altLang="en-US" dirty="0"/>
+          </a:p>
+        </p:txBody>
+      </p:sp>
+      <p:sp>
+        <p:nvSpPr>
+          <p:cNvPr id="3" name="내용 개체 틀 2"/>
+          <p:cNvSpPr>
+            <a:spLocks noGrp="1"/>
+          </p:cNvSpPr>
+          <p:nvPr>
+            <p:ph idx="1"/>
+          </p:nvPr>
+        </p:nvSpPr>
+        <p:spPr/>
+        <p:txBody>
+          <a:bodyPr/>
+          <a:lstStyle/>
+          <a:p>
+            <a:endParaRPr lang="ko-KR" altLang="en-US"/>
+          </a:p>
+        </p:txBody>
+      </p:sp>
+    </p:spTree>
+    <p:extLst>
+      <p:ext uri="{BB962C8B-B14F-4D97-AF65-F5344CB8AC3E}">
+        <p14:creationId xmlns:p14="http://schemas.microsoft.com/office/powerpoint/2010/main" val="554485599"/>
       </p:ext>
     </p:extLst>
   </p:cSld>
@@ -4618,12 +5566,906 @@
           <a:p>
             <a:r>
               <a:rPr lang="ko-KR" altLang="en-US" dirty="0" smtClean="0"/>
-              <a:t>레이아</a:t>
-            </a:r>
-            <a:r>
-              <a:rPr lang="ko-KR" altLang="en-US" dirty="0"/>
-              <a:t>웃</a:t>
-            </a:r>
+              <a:t>사이트 구조</a:t>
+            </a:r>
+            <a:r>
+              <a:rPr lang="en-US" altLang="ko-KR" dirty="0" smtClean="0"/>
+              <a:t>(</a:t>
+            </a:r>
+            <a:r>
+              <a:rPr lang="ko-KR" altLang="en-US" dirty="0" smtClean="0"/>
+              <a:t>임시</a:t>
+            </a:r>
+            <a:r>
+              <a:rPr lang="en-US" altLang="ko-KR" dirty="0" smtClean="0"/>
+              <a:t>)</a:t>
+            </a:r>
+            <a:endParaRPr lang="ko-KR" altLang="en-US" dirty="0"/>
+          </a:p>
+        </p:txBody>
+      </p:sp>
+      <p:sp>
+        <p:nvSpPr>
+          <p:cNvPr id="4" name="직사각형 3"/>
+          <p:cNvSpPr/>
+          <p:nvPr/>
+        </p:nvSpPr>
+        <p:spPr>
+          <a:xfrm>
+            <a:off x="3851920" y="1556792"/>
+            <a:ext cx="1440160" cy="504056"/>
+          </a:xfrm>
+          <a:prstGeom prst="rect">
+            <a:avLst/>
+          </a:prstGeom>
+          <a:noFill/>
+        </p:spPr>
+        <p:style>
+          <a:lnRef idx="2">
+            <a:schemeClr val="accent1">
+              <a:shade val="50000"/>
+            </a:schemeClr>
+          </a:lnRef>
+          <a:fillRef idx="1">
+            <a:schemeClr val="accent1"/>
+          </a:fillRef>
+          <a:effectRef idx="0">
+            <a:schemeClr val="accent1"/>
+          </a:effectRef>
+          <a:fontRef idx="minor">
+            <a:schemeClr val="lt1"/>
+          </a:fontRef>
+        </p:style>
+        <p:txBody>
+          <a:bodyPr rtlCol="0" anchor="ctr"/>
+          <a:lstStyle/>
+          <a:p>
+            <a:pPr algn="ctr"/>
+            <a:r>
+              <a:rPr lang="ko-KR" altLang="en-US" dirty="0" err="1" smtClean="0">
+                <a:solidFill>
+                  <a:schemeClr val="tx2"/>
+                </a:solidFill>
+              </a:rPr>
+              <a:t>메인화면</a:t>
+            </a:r>
+            <a:endParaRPr lang="ko-KR" altLang="en-US" dirty="0">
+              <a:solidFill>
+                <a:schemeClr val="tx2"/>
+              </a:solidFill>
+            </a:endParaRPr>
+          </a:p>
+        </p:txBody>
+      </p:sp>
+      <p:sp>
+        <p:nvSpPr>
+          <p:cNvPr id="5" name="직사각형 4"/>
+          <p:cNvSpPr/>
+          <p:nvPr/>
+        </p:nvSpPr>
+        <p:spPr>
+          <a:xfrm>
+            <a:off x="3851920" y="2996952"/>
+            <a:ext cx="1440160" cy="504056"/>
+          </a:xfrm>
+          <a:prstGeom prst="rect">
+            <a:avLst/>
+          </a:prstGeom>
+          <a:noFill/>
+        </p:spPr>
+        <p:style>
+          <a:lnRef idx="2">
+            <a:schemeClr val="accent1">
+              <a:shade val="50000"/>
+            </a:schemeClr>
+          </a:lnRef>
+          <a:fillRef idx="1">
+            <a:schemeClr val="accent1"/>
+          </a:fillRef>
+          <a:effectRef idx="0">
+            <a:schemeClr val="accent1"/>
+          </a:effectRef>
+          <a:fontRef idx="minor">
+            <a:schemeClr val="lt1"/>
+          </a:fontRef>
+        </p:style>
+        <p:txBody>
+          <a:bodyPr rtlCol="0" anchor="ctr"/>
+          <a:lstStyle/>
+          <a:p>
+            <a:pPr algn="ctr"/>
+            <a:r>
+              <a:rPr lang="ko-KR" altLang="en-US" dirty="0" err="1" smtClean="0">
+                <a:solidFill>
+                  <a:schemeClr val="tx2"/>
+                </a:solidFill>
+              </a:rPr>
+              <a:t>샵</a:t>
+            </a:r>
+            <a:r>
+              <a:rPr lang="ko-KR" altLang="en-US" dirty="0" smtClean="0">
+                <a:solidFill>
+                  <a:schemeClr val="tx2"/>
+                </a:solidFill>
+              </a:rPr>
+              <a:t> 리스트</a:t>
+            </a:r>
+            <a:endParaRPr lang="ko-KR" altLang="en-US" dirty="0">
+              <a:solidFill>
+                <a:schemeClr val="tx2"/>
+              </a:solidFill>
+            </a:endParaRPr>
+          </a:p>
+        </p:txBody>
+      </p:sp>
+      <p:cxnSp>
+        <p:nvCxnSpPr>
+          <p:cNvPr id="7" name="직선 화살표 연결선 6"/>
+          <p:cNvCxnSpPr>
+            <a:stCxn id="4" idx="2"/>
+            <a:endCxn id="5" idx="0"/>
+          </p:cNvCxnSpPr>
+          <p:nvPr/>
+        </p:nvCxnSpPr>
+        <p:spPr>
+          <a:xfrm>
+            <a:off x="4572000" y="2060848"/>
+            <a:ext cx="0" cy="936104"/>
+          </a:xfrm>
+          <a:prstGeom prst="straightConnector1">
+            <a:avLst/>
+          </a:prstGeom>
+          <a:ln>
+            <a:tailEnd type="arrow"/>
+          </a:ln>
+        </p:spPr>
+        <p:style>
+          <a:lnRef idx="1">
+            <a:schemeClr val="accent1"/>
+          </a:lnRef>
+          <a:fillRef idx="0">
+            <a:schemeClr val="accent1"/>
+          </a:fillRef>
+          <a:effectRef idx="0">
+            <a:schemeClr val="accent1"/>
+          </a:effectRef>
+          <a:fontRef idx="minor">
+            <a:schemeClr val="tx1"/>
+          </a:fontRef>
+        </p:style>
+      </p:cxnSp>
+      <p:sp>
+        <p:nvSpPr>
+          <p:cNvPr id="8" name="TextBox 7"/>
+          <p:cNvSpPr txBox="1"/>
+          <p:nvPr/>
+        </p:nvSpPr>
+        <p:spPr>
+          <a:xfrm>
+            <a:off x="4788024" y="2217638"/>
+            <a:ext cx="3456384" cy="646331"/>
+          </a:xfrm>
+          <a:prstGeom prst="rect">
+            <a:avLst/>
+          </a:prstGeom>
+          <a:noFill/>
+        </p:spPr>
+        <p:txBody>
+          <a:bodyPr wrap="square" rtlCol="0">
+            <a:spAutoFit/>
+          </a:bodyPr>
+          <a:lstStyle/>
+          <a:p>
+            <a:r>
+              <a:rPr lang="ko-KR" altLang="en-US" dirty="0" err="1" smtClean="0"/>
+              <a:t>이레즈미</a:t>
+            </a:r>
+            <a:r>
+              <a:rPr lang="en-US" altLang="ko-KR" dirty="0" smtClean="0"/>
+              <a:t>, </a:t>
+            </a:r>
+            <a:r>
+              <a:rPr lang="ko-KR" altLang="en-US" dirty="0" err="1" smtClean="0"/>
+              <a:t>뉴</a:t>
+            </a:r>
+            <a:r>
+              <a:rPr lang="ko-KR" altLang="en-US" dirty="0" smtClean="0"/>
+              <a:t> </a:t>
+            </a:r>
+            <a:r>
+              <a:rPr lang="ko-KR" altLang="en-US" dirty="0" err="1" smtClean="0"/>
+              <a:t>올드스쿨</a:t>
+            </a:r>
+            <a:r>
+              <a:rPr lang="en-US" altLang="ko-KR" dirty="0" smtClean="0"/>
+              <a:t>, </a:t>
+            </a:r>
+            <a:r>
+              <a:rPr lang="ko-KR" altLang="en-US" dirty="0" smtClean="0"/>
+              <a:t>블랙 앤 </a:t>
+            </a:r>
+            <a:r>
+              <a:rPr lang="ko-KR" altLang="en-US" dirty="0" err="1" smtClean="0"/>
+              <a:t>그레이</a:t>
+            </a:r>
+            <a:r>
+              <a:rPr lang="en-US" altLang="ko-KR" dirty="0" smtClean="0"/>
+              <a:t>, </a:t>
+            </a:r>
+            <a:r>
+              <a:rPr lang="ko-KR" altLang="en-US" dirty="0" err="1" smtClean="0"/>
+              <a:t>리얼</a:t>
+            </a:r>
+            <a:r>
+              <a:rPr lang="en-US" altLang="ko-KR" dirty="0" smtClean="0"/>
+              <a:t>, </a:t>
+            </a:r>
+            <a:r>
+              <a:rPr lang="ko-KR" altLang="en-US" dirty="0" smtClean="0"/>
+              <a:t>포인트 중 </a:t>
+            </a:r>
+            <a:r>
+              <a:rPr lang="en-US" altLang="ko-KR" dirty="0" smtClean="0"/>
+              <a:t>1 </a:t>
+            </a:r>
+            <a:r>
+              <a:rPr lang="ko-KR" altLang="en-US" dirty="0" smtClean="0"/>
+              <a:t>선택</a:t>
+            </a:r>
+            <a:endParaRPr lang="ko-KR" altLang="en-US" dirty="0"/>
+          </a:p>
+        </p:txBody>
+      </p:sp>
+      <p:sp>
+        <p:nvSpPr>
+          <p:cNvPr id="10" name="직사각형 9"/>
+          <p:cNvSpPr/>
+          <p:nvPr/>
+        </p:nvSpPr>
+        <p:spPr>
+          <a:xfrm>
+            <a:off x="3846270" y="4461994"/>
+            <a:ext cx="1440160" cy="504056"/>
+          </a:xfrm>
+          <a:prstGeom prst="rect">
+            <a:avLst/>
+          </a:prstGeom>
+          <a:noFill/>
+        </p:spPr>
+        <p:style>
+          <a:lnRef idx="2">
+            <a:schemeClr val="accent1">
+              <a:shade val="50000"/>
+            </a:schemeClr>
+          </a:lnRef>
+          <a:fillRef idx="1">
+            <a:schemeClr val="accent1"/>
+          </a:fillRef>
+          <a:effectRef idx="0">
+            <a:schemeClr val="accent1"/>
+          </a:effectRef>
+          <a:fontRef idx="minor">
+            <a:schemeClr val="lt1"/>
+          </a:fontRef>
+        </p:style>
+        <p:txBody>
+          <a:bodyPr rtlCol="0" anchor="ctr"/>
+          <a:lstStyle/>
+          <a:p>
+            <a:pPr algn="ctr"/>
+            <a:r>
+              <a:rPr lang="ko-KR" altLang="en-US" dirty="0" err="1" smtClean="0">
+                <a:solidFill>
+                  <a:schemeClr val="tx2"/>
+                </a:solidFill>
+              </a:rPr>
+              <a:t>샵</a:t>
+            </a:r>
+            <a:r>
+              <a:rPr lang="ko-KR" altLang="en-US" dirty="0" smtClean="0">
+                <a:solidFill>
+                  <a:schemeClr val="tx2"/>
+                </a:solidFill>
+              </a:rPr>
+              <a:t> 정보</a:t>
+            </a:r>
+            <a:endParaRPr lang="ko-KR" altLang="en-US" dirty="0">
+              <a:solidFill>
+                <a:schemeClr val="tx2"/>
+              </a:solidFill>
+            </a:endParaRPr>
+          </a:p>
+        </p:txBody>
+      </p:sp>
+      <p:cxnSp>
+        <p:nvCxnSpPr>
+          <p:cNvPr id="11" name="직선 화살표 연결선 10"/>
+          <p:cNvCxnSpPr>
+            <a:stCxn id="5" idx="2"/>
+            <a:endCxn id="10" idx="0"/>
+          </p:cNvCxnSpPr>
+          <p:nvPr/>
+        </p:nvCxnSpPr>
+        <p:spPr>
+          <a:xfrm flipH="1">
+            <a:off x="4566350" y="3501008"/>
+            <a:ext cx="5650" cy="960986"/>
+          </a:xfrm>
+          <a:prstGeom prst="straightConnector1">
+            <a:avLst/>
+          </a:prstGeom>
+          <a:ln>
+            <a:tailEnd type="arrow"/>
+          </a:ln>
+        </p:spPr>
+        <p:style>
+          <a:lnRef idx="1">
+            <a:schemeClr val="accent1"/>
+          </a:lnRef>
+          <a:fillRef idx="0">
+            <a:schemeClr val="accent1"/>
+          </a:fillRef>
+          <a:effectRef idx="0">
+            <a:schemeClr val="accent1"/>
+          </a:effectRef>
+          <a:fontRef idx="minor">
+            <a:schemeClr val="tx1"/>
+          </a:fontRef>
+        </p:style>
+      </p:cxnSp>
+      <p:grpSp>
+        <p:nvGrpSpPr>
+          <p:cNvPr id="27" name="그룹 26"/>
+          <p:cNvGrpSpPr/>
+          <p:nvPr/>
+        </p:nvGrpSpPr>
+        <p:grpSpPr>
+          <a:xfrm>
+            <a:off x="1688947" y="6021288"/>
+            <a:ext cx="5048765" cy="504056"/>
+            <a:chOff x="1691680" y="5904410"/>
+            <a:chExt cx="5048765" cy="504056"/>
+          </a:xfrm>
+        </p:grpSpPr>
+        <p:sp>
+          <p:nvSpPr>
+            <p:cNvPr id="20" name="직사각형 19"/>
+            <p:cNvSpPr/>
+            <p:nvPr/>
+          </p:nvSpPr>
+          <p:spPr>
+            <a:xfrm>
+              <a:off x="3851920" y="5904410"/>
+              <a:ext cx="1440160" cy="504056"/>
+            </a:xfrm>
+            <a:prstGeom prst="rect">
+              <a:avLst/>
+            </a:prstGeom>
+            <a:noFill/>
+          </p:spPr>
+          <p:style>
+            <a:lnRef idx="2">
+              <a:schemeClr val="accent1">
+                <a:shade val="50000"/>
+              </a:schemeClr>
+            </a:lnRef>
+            <a:fillRef idx="1">
+              <a:schemeClr val="accent1"/>
+            </a:fillRef>
+            <a:effectRef idx="0">
+              <a:schemeClr val="accent1"/>
+            </a:effectRef>
+            <a:fontRef idx="minor">
+              <a:schemeClr val="lt1"/>
+            </a:fontRef>
+          </p:style>
+          <p:txBody>
+            <a:bodyPr rtlCol="0" anchor="ctr"/>
+            <a:lstStyle/>
+            <a:p>
+              <a:pPr algn="ctr"/>
+              <a:r>
+                <a:rPr lang="ko-KR" altLang="en-US" dirty="0" smtClean="0">
+                  <a:solidFill>
+                    <a:schemeClr val="tx2"/>
+                  </a:solidFill>
+                </a:rPr>
+                <a:t>작품 사진</a:t>
+              </a:r>
+              <a:endParaRPr lang="ko-KR" altLang="en-US" dirty="0">
+                <a:solidFill>
+                  <a:schemeClr val="tx2"/>
+                </a:solidFill>
+              </a:endParaRPr>
+            </a:p>
+          </p:txBody>
+        </p:sp>
+        <p:sp>
+          <p:nvSpPr>
+            <p:cNvPr id="21" name="직사각형 20"/>
+            <p:cNvSpPr/>
+            <p:nvPr/>
+          </p:nvSpPr>
+          <p:spPr>
+            <a:xfrm>
+              <a:off x="1691680" y="5904410"/>
+              <a:ext cx="2160240" cy="504056"/>
+            </a:xfrm>
+            <a:prstGeom prst="rect">
+              <a:avLst/>
+            </a:prstGeom>
+            <a:noFill/>
+          </p:spPr>
+          <p:style>
+            <a:lnRef idx="2">
+              <a:schemeClr val="accent1">
+                <a:shade val="50000"/>
+              </a:schemeClr>
+            </a:lnRef>
+            <a:fillRef idx="1">
+              <a:schemeClr val="accent1"/>
+            </a:fillRef>
+            <a:effectRef idx="0">
+              <a:schemeClr val="accent1"/>
+            </a:effectRef>
+            <a:fontRef idx="minor">
+              <a:schemeClr val="lt1"/>
+            </a:fontRef>
+          </p:style>
+          <p:txBody>
+            <a:bodyPr rtlCol="0" anchor="ctr"/>
+            <a:lstStyle/>
+            <a:p>
+              <a:pPr algn="ctr"/>
+              <a:r>
+                <a:rPr lang="ko-KR" altLang="en-US" dirty="0" err="1" smtClean="0">
+                  <a:solidFill>
+                    <a:schemeClr val="tx2"/>
+                  </a:solidFill>
+                </a:rPr>
+                <a:t>샵</a:t>
+              </a:r>
+              <a:r>
+                <a:rPr lang="en-US" altLang="ko-KR" dirty="0" smtClean="0">
+                  <a:solidFill>
+                    <a:schemeClr val="tx2"/>
+                  </a:solidFill>
+                </a:rPr>
+                <a:t>, </a:t>
+              </a:r>
+              <a:r>
+                <a:rPr lang="ko-KR" altLang="en-US" dirty="0" smtClean="0">
+                  <a:solidFill>
+                    <a:schemeClr val="tx2"/>
+                  </a:solidFill>
+                </a:rPr>
+                <a:t>아티스트 소개</a:t>
+              </a:r>
+              <a:endParaRPr lang="ko-KR" altLang="en-US" dirty="0">
+                <a:solidFill>
+                  <a:schemeClr val="tx2"/>
+                </a:solidFill>
+              </a:endParaRPr>
+            </a:p>
+          </p:txBody>
+        </p:sp>
+        <p:sp>
+          <p:nvSpPr>
+            <p:cNvPr id="22" name="직사각형 21"/>
+            <p:cNvSpPr/>
+            <p:nvPr/>
+          </p:nvSpPr>
+          <p:spPr>
+            <a:xfrm>
+              <a:off x="5300285" y="5904410"/>
+              <a:ext cx="1440160" cy="504056"/>
+            </a:xfrm>
+            <a:prstGeom prst="rect">
+              <a:avLst/>
+            </a:prstGeom>
+            <a:noFill/>
+          </p:spPr>
+          <p:style>
+            <a:lnRef idx="2">
+              <a:schemeClr val="accent1">
+                <a:shade val="50000"/>
+              </a:schemeClr>
+            </a:lnRef>
+            <a:fillRef idx="1">
+              <a:schemeClr val="accent1"/>
+            </a:fillRef>
+            <a:effectRef idx="0">
+              <a:schemeClr val="accent1"/>
+            </a:effectRef>
+            <a:fontRef idx="minor">
+              <a:schemeClr val="lt1"/>
+            </a:fontRef>
+          </p:style>
+          <p:txBody>
+            <a:bodyPr rtlCol="0" anchor="ctr"/>
+            <a:lstStyle/>
+            <a:p>
+              <a:pPr algn="ctr"/>
+              <a:r>
+                <a:rPr lang="ko-KR" altLang="en-US" dirty="0" smtClean="0">
+                  <a:solidFill>
+                    <a:schemeClr val="tx2"/>
+                  </a:solidFill>
+                </a:rPr>
+                <a:t>리</a:t>
+              </a:r>
+              <a:r>
+                <a:rPr lang="ko-KR" altLang="en-US" dirty="0">
+                  <a:solidFill>
+                    <a:schemeClr val="tx2"/>
+                  </a:solidFill>
+                </a:rPr>
+                <a:t>뷰</a:t>
+              </a:r>
+            </a:p>
+          </p:txBody>
+        </p:sp>
+      </p:grpSp>
+      <p:sp>
+        <p:nvSpPr>
+          <p:cNvPr id="29" name="TextBox 28"/>
+          <p:cNvSpPr txBox="1"/>
+          <p:nvPr/>
+        </p:nvSpPr>
+        <p:spPr>
+          <a:xfrm>
+            <a:off x="4927937" y="3645024"/>
+            <a:ext cx="958917" cy="369332"/>
+          </a:xfrm>
+          <a:prstGeom prst="rect">
+            <a:avLst/>
+          </a:prstGeom>
+          <a:noFill/>
+        </p:spPr>
+        <p:txBody>
+          <a:bodyPr wrap="none" rtlCol="0">
+            <a:spAutoFit/>
+          </a:bodyPr>
+          <a:lstStyle/>
+          <a:p>
+            <a:r>
+              <a:rPr lang="ko-KR" altLang="en-US" dirty="0" err="1" smtClean="0"/>
+              <a:t>샵</a:t>
+            </a:r>
+            <a:r>
+              <a:rPr lang="ko-KR" altLang="en-US" dirty="0" smtClean="0"/>
+              <a:t> 선택</a:t>
+            </a:r>
+            <a:endParaRPr lang="ko-KR" altLang="en-US" dirty="0"/>
+          </a:p>
+        </p:txBody>
+      </p:sp>
+      <p:sp>
+        <p:nvSpPr>
+          <p:cNvPr id="30" name="TextBox 29"/>
+          <p:cNvSpPr txBox="1"/>
+          <p:nvPr/>
+        </p:nvSpPr>
+        <p:spPr>
+          <a:xfrm>
+            <a:off x="5364088" y="4797152"/>
+            <a:ext cx="3221588" cy="646331"/>
+          </a:xfrm>
+          <a:prstGeom prst="rect">
+            <a:avLst/>
+          </a:prstGeom>
+          <a:noFill/>
+        </p:spPr>
+        <p:txBody>
+          <a:bodyPr wrap="none" rtlCol="0">
+            <a:spAutoFit/>
+          </a:bodyPr>
+          <a:lstStyle/>
+          <a:p>
+            <a:r>
+              <a:rPr lang="en-US" altLang="ko-KR" dirty="0" err="1" smtClean="0"/>
+              <a:t>Slidertabs</a:t>
+            </a:r>
+            <a:r>
+              <a:rPr lang="ko-KR" altLang="en-US" dirty="0" smtClean="0"/>
+              <a:t>를 사용해서 아래의</a:t>
+            </a:r>
+            <a:endParaRPr lang="en-US" altLang="ko-KR" dirty="0" smtClean="0"/>
+          </a:p>
+          <a:p>
+            <a:r>
+              <a:rPr lang="ko-KR" altLang="en-US" dirty="0" smtClean="0"/>
+              <a:t>세 가지 화면을 보여준다</a:t>
+            </a:r>
+            <a:endParaRPr lang="ko-KR" altLang="en-US" dirty="0"/>
+          </a:p>
+        </p:txBody>
+      </p:sp>
+      <p:cxnSp>
+        <p:nvCxnSpPr>
+          <p:cNvPr id="32" name="꺾인 연결선 31"/>
+          <p:cNvCxnSpPr>
+            <a:stCxn id="10" idx="2"/>
+            <a:endCxn id="21" idx="0"/>
+          </p:cNvCxnSpPr>
+          <p:nvPr/>
+        </p:nvCxnSpPr>
+        <p:spPr>
+          <a:xfrm rot="5400000">
+            <a:off x="3140090" y="4595028"/>
+            <a:ext cx="1055238" cy="1797283"/>
+          </a:xfrm>
+          <a:prstGeom prst="bentConnector3">
+            <a:avLst/>
+          </a:prstGeom>
+        </p:spPr>
+        <p:style>
+          <a:lnRef idx="1">
+            <a:schemeClr val="accent1"/>
+          </a:lnRef>
+          <a:fillRef idx="0">
+            <a:schemeClr val="accent1"/>
+          </a:fillRef>
+          <a:effectRef idx="0">
+            <a:schemeClr val="accent1"/>
+          </a:effectRef>
+          <a:fontRef idx="minor">
+            <a:schemeClr val="tx1"/>
+          </a:fontRef>
+        </p:style>
+      </p:cxnSp>
+      <p:cxnSp>
+        <p:nvCxnSpPr>
+          <p:cNvPr id="34" name="꺾인 연결선 33"/>
+          <p:cNvCxnSpPr>
+            <a:stCxn id="10" idx="2"/>
+            <a:endCxn id="20" idx="0"/>
+          </p:cNvCxnSpPr>
+          <p:nvPr/>
+        </p:nvCxnSpPr>
+        <p:spPr>
+          <a:xfrm rot="16200000" flipH="1">
+            <a:off x="4040189" y="5492210"/>
+            <a:ext cx="1055238" cy="2917"/>
+          </a:xfrm>
+          <a:prstGeom prst="bentConnector3">
+            <a:avLst/>
+          </a:prstGeom>
+        </p:spPr>
+        <p:style>
+          <a:lnRef idx="1">
+            <a:schemeClr val="accent1"/>
+          </a:lnRef>
+          <a:fillRef idx="0">
+            <a:schemeClr val="accent1"/>
+          </a:fillRef>
+          <a:effectRef idx="0">
+            <a:schemeClr val="accent1"/>
+          </a:effectRef>
+          <a:fontRef idx="minor">
+            <a:schemeClr val="tx1"/>
+          </a:fontRef>
+        </p:style>
+      </p:cxnSp>
+      <p:cxnSp>
+        <p:nvCxnSpPr>
+          <p:cNvPr id="36" name="꺾인 연결선 35"/>
+          <p:cNvCxnSpPr>
+            <a:stCxn id="10" idx="2"/>
+            <a:endCxn id="22" idx="0"/>
+          </p:cNvCxnSpPr>
+          <p:nvPr/>
+        </p:nvCxnSpPr>
+        <p:spPr>
+          <a:xfrm rot="16200000" flipH="1">
+            <a:off x="4764372" y="4768028"/>
+            <a:ext cx="1055238" cy="1451282"/>
+          </a:xfrm>
+          <a:prstGeom prst="bentConnector3">
+            <a:avLst/>
+          </a:prstGeom>
+        </p:spPr>
+        <p:style>
+          <a:lnRef idx="1">
+            <a:schemeClr val="accent1"/>
+          </a:lnRef>
+          <a:fillRef idx="0">
+            <a:schemeClr val="accent1"/>
+          </a:fillRef>
+          <a:effectRef idx="0">
+            <a:schemeClr val="accent1"/>
+          </a:effectRef>
+          <a:fontRef idx="minor">
+            <a:schemeClr val="tx1"/>
+          </a:fontRef>
+        </p:style>
+      </p:cxnSp>
+      <p:sp>
+        <p:nvSpPr>
+          <p:cNvPr id="39" name="직사각형 38"/>
+          <p:cNvSpPr/>
+          <p:nvPr/>
+        </p:nvSpPr>
+        <p:spPr>
+          <a:xfrm>
+            <a:off x="1328907" y="2996952"/>
+            <a:ext cx="1440160" cy="504056"/>
+          </a:xfrm>
+          <a:prstGeom prst="rect">
+            <a:avLst/>
+          </a:prstGeom>
+          <a:noFill/>
+        </p:spPr>
+        <p:style>
+          <a:lnRef idx="2">
+            <a:schemeClr val="accent1">
+              <a:shade val="50000"/>
+            </a:schemeClr>
+          </a:lnRef>
+          <a:fillRef idx="1">
+            <a:schemeClr val="accent1"/>
+          </a:fillRef>
+          <a:effectRef idx="0">
+            <a:schemeClr val="accent1"/>
+          </a:effectRef>
+          <a:fontRef idx="minor">
+            <a:schemeClr val="lt1"/>
+          </a:fontRef>
+        </p:style>
+        <p:txBody>
+          <a:bodyPr rtlCol="0" anchor="ctr"/>
+          <a:lstStyle/>
+          <a:p>
+            <a:pPr algn="ctr"/>
+            <a:r>
+              <a:rPr lang="ko-KR" altLang="en-US" dirty="0" smtClean="0">
+                <a:solidFill>
+                  <a:schemeClr val="tx2"/>
+                </a:solidFill>
+              </a:rPr>
+              <a:t>커뮤니티</a:t>
+            </a:r>
+            <a:endParaRPr lang="en-US" altLang="ko-KR" dirty="0" smtClean="0">
+              <a:solidFill>
+                <a:schemeClr val="tx2"/>
+              </a:solidFill>
+            </a:endParaRPr>
+          </a:p>
+          <a:p>
+            <a:pPr algn="ctr"/>
+            <a:r>
+              <a:rPr lang="en-US" altLang="ko-KR" dirty="0" smtClean="0">
+                <a:solidFill>
+                  <a:schemeClr val="tx2"/>
+                </a:solidFill>
+              </a:rPr>
+              <a:t>(</a:t>
+            </a:r>
+            <a:r>
+              <a:rPr lang="ko-KR" altLang="en-US" dirty="0" smtClean="0">
+                <a:solidFill>
+                  <a:schemeClr val="tx2"/>
+                </a:solidFill>
+              </a:rPr>
+              <a:t>추가 예정</a:t>
+            </a:r>
+            <a:r>
+              <a:rPr lang="en-US" altLang="ko-KR" dirty="0" smtClean="0">
+                <a:solidFill>
+                  <a:schemeClr val="tx2"/>
+                </a:solidFill>
+              </a:rPr>
+              <a:t>)</a:t>
+            </a:r>
+            <a:endParaRPr lang="ko-KR" altLang="en-US" dirty="0">
+              <a:solidFill>
+                <a:schemeClr val="tx2"/>
+              </a:solidFill>
+            </a:endParaRPr>
+          </a:p>
+        </p:txBody>
+      </p:sp>
+      <p:cxnSp>
+        <p:nvCxnSpPr>
+          <p:cNvPr id="41" name="꺾인 연결선 40"/>
+          <p:cNvCxnSpPr>
+            <a:stCxn id="4" idx="2"/>
+            <a:endCxn id="39" idx="0"/>
+          </p:cNvCxnSpPr>
+          <p:nvPr/>
+        </p:nvCxnSpPr>
+        <p:spPr>
+          <a:xfrm rot="5400000">
+            <a:off x="2842442" y="1267394"/>
+            <a:ext cx="936104" cy="2523013"/>
+          </a:xfrm>
+          <a:prstGeom prst="bentConnector3">
+            <a:avLst/>
+          </a:prstGeom>
+          <a:ln>
+            <a:tailEnd type="arrow"/>
+          </a:ln>
+        </p:spPr>
+        <p:style>
+          <a:lnRef idx="1">
+            <a:schemeClr val="accent1"/>
+          </a:lnRef>
+          <a:fillRef idx="0">
+            <a:schemeClr val="accent1"/>
+          </a:fillRef>
+          <a:effectRef idx="0">
+            <a:schemeClr val="accent1"/>
+          </a:effectRef>
+          <a:fontRef idx="minor">
+            <a:schemeClr val="tx1"/>
+          </a:fontRef>
+        </p:style>
+      </p:cxnSp>
+    </p:spTree>
+    <p:extLst>
+      <p:ext uri="{BB962C8B-B14F-4D97-AF65-F5344CB8AC3E}">
+        <p14:creationId xmlns:p14="http://schemas.microsoft.com/office/powerpoint/2010/main" val="4036436780"/>
+      </p:ext>
+    </p:extLst>
+  </p:cSld>
+  <p:clrMapOvr>
+    <a:masterClrMapping/>
+  </p:clrMapOvr>
+  <p:timing>
+    <p:tnLst>
+      <p:par>
+        <p:cTn id="1" dur="indefinite" restart="never" nodeType="tmRoot"/>
+      </p:par>
+    </p:tnLst>
+  </p:timing>
+</p:sld>
+</file>
+
+<file path=ppt/slides/slide8.xml><?xml version="1.0" encoding="utf-8"?>
+<p:sld xmlns:a="http://schemas.openxmlformats.org/drawingml/2006/main" xmlns:r="http://schemas.openxmlformats.org/officeDocument/2006/relationships" xmlns:p="http://schemas.openxmlformats.org/presentationml/2006/main">
+  <p:cSld>
+    <p:spTree>
+      <p:nvGrpSpPr>
+        <p:cNvPr id="1" name=""/>
+        <p:cNvGrpSpPr/>
+        <p:nvPr/>
+      </p:nvGrpSpPr>
+      <p:grpSpPr>
+        <a:xfrm>
+          <a:off x="0" y="0"/>
+          <a:ext cx="0" cy="0"/>
+          <a:chOff x="0" y="0"/>
+          <a:chExt cx="0" cy="0"/>
+        </a:xfrm>
+      </p:grpSpPr>
+      <p:sp>
+        <p:nvSpPr>
+          <p:cNvPr id="2" name="제목 1"/>
+          <p:cNvSpPr>
+            <a:spLocks noGrp="1"/>
+          </p:cNvSpPr>
+          <p:nvPr>
+            <p:ph type="title"/>
+          </p:nvPr>
+        </p:nvSpPr>
+        <p:spPr/>
+        <p:txBody>
+          <a:bodyPr/>
+          <a:lstStyle/>
+          <a:p>
+            <a:r>
+              <a:rPr lang="ko-KR" altLang="en-US" dirty="0" smtClean="0"/>
+              <a:t>레이아웃 </a:t>
+            </a:r>
+            <a:r>
+              <a:rPr lang="en-US" altLang="ko-KR" dirty="0" smtClean="0"/>
+              <a:t>- </a:t>
+            </a:r>
+            <a:r>
+              <a:rPr lang="ko-KR" altLang="en-US" dirty="0" err="1" smtClean="0"/>
+              <a:t>메인화면</a:t>
+            </a:r>
+            <a:endParaRPr lang="ko-KR" altLang="en-US" dirty="0"/>
           </a:p>
         </p:txBody>
       </p:sp>
@@ -4876,17 +6718,10 @@
           </a:lstStyle>
           <a:p>
             <a:r>
-              <a:rPr lang="ko-KR" altLang="en-US" dirty="0" err="1" smtClean="0"/>
-              <a:t>메인화면</a:t>
-            </a:r>
-            <a:r>
               <a:rPr lang="ko-KR" altLang="en-US" dirty="0" smtClean="0"/>
-              <a:t> 비</a:t>
-            </a:r>
-            <a:r>
-              <a:rPr lang="ko-KR" altLang="en-US" dirty="0"/>
-              <a:t>교</a:t>
-            </a:r>
+              <a:t>비교</a:t>
+            </a:r>
+            <a:endParaRPr lang="ko-KR" altLang="en-US" dirty="0"/>
           </a:p>
         </p:txBody>
       </p:sp>
@@ -4954,1460 +6789,6 @@
     <p:extLst>
       <p:ext uri="{BB962C8B-B14F-4D97-AF65-F5344CB8AC3E}">
         <p14:creationId xmlns:p14="http://schemas.microsoft.com/office/powerpoint/2010/main" val="2406876945"/>
-      </p:ext>
-    </p:extLst>
-  </p:cSld>
-  <p:clrMapOvr>
-    <a:masterClrMapping/>
-  </p:clrMapOvr>
-  <p:timing>
-    <p:tnLst>
-      <p:par>
-        <p:cTn id="1" dur="indefinite" restart="never" nodeType="tmRoot"/>
-      </p:par>
-    </p:tnLst>
-  </p:timing>
-</p:sld>
-</file>
-
-<file path=ppt/slides/slide8.xml><?xml version="1.0" encoding="utf-8"?>
-<p:sld xmlns:a="http://schemas.openxmlformats.org/drawingml/2006/main" xmlns:r="http://schemas.openxmlformats.org/officeDocument/2006/relationships" xmlns:p="http://schemas.openxmlformats.org/presentationml/2006/main">
-  <p:cSld>
-    <p:spTree>
-      <p:nvGrpSpPr>
-        <p:cNvPr id="1" name=""/>
-        <p:cNvGrpSpPr/>
-        <p:nvPr/>
-      </p:nvGrpSpPr>
-      <p:grpSpPr>
-        <a:xfrm>
-          <a:off x="0" y="0"/>
-          <a:ext cx="0" cy="0"/>
-          <a:chOff x="0" y="0"/>
-          <a:chExt cx="0" cy="0"/>
-        </a:xfrm>
-      </p:grpSpPr>
-      <p:sp>
-        <p:nvSpPr>
-          <p:cNvPr id="2" name="제목 1"/>
-          <p:cNvSpPr>
-            <a:spLocks noGrp="1"/>
-          </p:cNvSpPr>
-          <p:nvPr>
-            <p:ph type="title"/>
-          </p:nvPr>
-        </p:nvSpPr>
-        <p:spPr/>
-        <p:txBody>
-          <a:bodyPr/>
-          <a:lstStyle/>
-          <a:p>
-            <a:r>
-              <a:rPr lang="ko-KR" altLang="en-US" dirty="0" smtClean="0"/>
-              <a:t>레이아웃</a:t>
-            </a:r>
-            <a:endParaRPr lang="ko-KR" altLang="en-US" dirty="0"/>
-          </a:p>
-        </p:txBody>
-      </p:sp>
-      <p:sp>
-        <p:nvSpPr>
-          <p:cNvPr id="3" name="내용 개체 틀 2"/>
-          <p:cNvSpPr>
-            <a:spLocks noGrp="1"/>
-          </p:cNvSpPr>
-          <p:nvPr>
-            <p:ph idx="1"/>
-          </p:nvPr>
-        </p:nvSpPr>
-        <p:spPr/>
-        <p:txBody>
-          <a:bodyPr/>
-          <a:lstStyle/>
-          <a:p>
-            <a:r>
-              <a:rPr lang="en-US" altLang="ko-KR" dirty="0" smtClean="0"/>
-              <a:t>PC</a:t>
-            </a:r>
-            <a:endParaRPr lang="ko-KR" altLang="en-US" dirty="0"/>
-          </a:p>
-        </p:txBody>
-      </p:sp>
-      <p:sp>
-        <p:nvSpPr>
-          <p:cNvPr id="5" name="직사각형 4"/>
-          <p:cNvSpPr/>
-          <p:nvPr/>
-        </p:nvSpPr>
-        <p:spPr>
-          <a:xfrm>
-            <a:off x="1043608" y="2348880"/>
-            <a:ext cx="6984776" cy="4392488"/>
-          </a:xfrm>
-          <a:prstGeom prst="rect">
-            <a:avLst/>
-          </a:prstGeom>
-          <a:noFill/>
-        </p:spPr>
-        <p:style>
-          <a:lnRef idx="2">
-            <a:schemeClr val="accent1">
-              <a:shade val="50000"/>
-            </a:schemeClr>
-          </a:lnRef>
-          <a:fillRef idx="1">
-            <a:schemeClr val="accent1"/>
-          </a:fillRef>
-          <a:effectRef idx="0">
-            <a:schemeClr val="accent1"/>
-          </a:effectRef>
-          <a:fontRef idx="minor">
-            <a:schemeClr val="lt1"/>
-          </a:fontRef>
-        </p:style>
-        <p:txBody>
-          <a:bodyPr rtlCol="0" anchor="ctr"/>
-          <a:lstStyle/>
-          <a:p>
-            <a:pPr algn="ctr"/>
-            <a:endParaRPr lang="ko-KR" altLang="en-US"/>
-          </a:p>
-        </p:txBody>
-      </p:sp>
-      <p:sp>
-        <p:nvSpPr>
-          <p:cNvPr id="6" name="직사각형 5"/>
-          <p:cNvSpPr/>
-          <p:nvPr/>
-        </p:nvSpPr>
-        <p:spPr>
-          <a:xfrm>
-            <a:off x="1364459" y="2564904"/>
-            <a:ext cx="6336704" cy="432048"/>
-          </a:xfrm>
-          <a:prstGeom prst="rect">
-            <a:avLst/>
-          </a:prstGeom>
-          <a:noFill/>
-        </p:spPr>
-        <p:style>
-          <a:lnRef idx="2">
-            <a:schemeClr val="accent1">
-              <a:shade val="50000"/>
-            </a:schemeClr>
-          </a:lnRef>
-          <a:fillRef idx="1">
-            <a:schemeClr val="accent1"/>
-          </a:fillRef>
-          <a:effectRef idx="0">
-            <a:schemeClr val="accent1"/>
-          </a:effectRef>
-          <a:fontRef idx="minor">
-            <a:schemeClr val="lt1"/>
-          </a:fontRef>
-        </p:style>
-        <p:txBody>
-          <a:bodyPr rtlCol="0" anchor="ctr"/>
-          <a:lstStyle/>
-          <a:p>
-            <a:r>
-              <a:rPr lang="en-US" altLang="ko-KR" dirty="0" smtClean="0">
-                <a:solidFill>
-                  <a:schemeClr val="tx2"/>
-                </a:solidFill>
-              </a:rPr>
-              <a:t>	</a:t>
-            </a:r>
-            <a:r>
-              <a:rPr lang="ko-KR" altLang="en-US" dirty="0" smtClean="0">
-                <a:solidFill>
-                  <a:schemeClr val="tx2"/>
-                </a:solidFill>
-              </a:rPr>
-              <a:t>로고</a:t>
-            </a:r>
-            <a:endParaRPr lang="ko-KR" altLang="en-US" dirty="0">
-              <a:solidFill>
-                <a:schemeClr val="tx2"/>
-              </a:solidFill>
-            </a:endParaRPr>
-          </a:p>
-        </p:txBody>
-      </p:sp>
-      <p:sp>
-        <p:nvSpPr>
-          <p:cNvPr id="7" name="직사각형 6"/>
-          <p:cNvSpPr/>
-          <p:nvPr/>
-        </p:nvSpPr>
-        <p:spPr>
-          <a:xfrm>
-            <a:off x="5833475" y="2564904"/>
-            <a:ext cx="890269" cy="216024"/>
-          </a:xfrm>
-          <a:prstGeom prst="rect">
-            <a:avLst/>
-          </a:prstGeom>
-          <a:noFill/>
-        </p:spPr>
-        <p:style>
-          <a:lnRef idx="2">
-            <a:schemeClr val="accent1">
-              <a:shade val="50000"/>
-            </a:schemeClr>
-          </a:lnRef>
-          <a:fillRef idx="1">
-            <a:schemeClr val="accent1"/>
-          </a:fillRef>
-          <a:effectRef idx="0">
-            <a:schemeClr val="accent1"/>
-          </a:effectRef>
-          <a:fontRef idx="minor">
-            <a:schemeClr val="lt1"/>
-          </a:fontRef>
-        </p:style>
-        <p:txBody>
-          <a:bodyPr rtlCol="0" anchor="ctr"/>
-          <a:lstStyle/>
-          <a:p>
-            <a:pPr algn="ctr"/>
-            <a:r>
-              <a:rPr lang="ko-KR" altLang="en-US" sz="1400" dirty="0" smtClean="0">
-                <a:solidFill>
-                  <a:schemeClr val="tx2"/>
-                </a:solidFill>
-              </a:rPr>
-              <a:t>로그인</a:t>
-            </a:r>
-            <a:endParaRPr lang="ko-KR" altLang="en-US" sz="1400" dirty="0">
-              <a:solidFill>
-                <a:schemeClr val="tx2"/>
-              </a:solidFill>
-            </a:endParaRPr>
-          </a:p>
-        </p:txBody>
-      </p:sp>
-      <p:sp>
-        <p:nvSpPr>
-          <p:cNvPr id="8" name="직사각형 7"/>
-          <p:cNvSpPr/>
-          <p:nvPr/>
-        </p:nvSpPr>
-        <p:spPr>
-          <a:xfrm>
-            <a:off x="6723744" y="2564904"/>
-            <a:ext cx="977419" cy="216024"/>
-          </a:xfrm>
-          <a:prstGeom prst="rect">
-            <a:avLst/>
-          </a:prstGeom>
-          <a:noFill/>
-        </p:spPr>
-        <p:style>
-          <a:lnRef idx="2">
-            <a:schemeClr val="accent1">
-              <a:shade val="50000"/>
-            </a:schemeClr>
-          </a:lnRef>
-          <a:fillRef idx="1">
-            <a:schemeClr val="accent1"/>
-          </a:fillRef>
-          <a:effectRef idx="0">
-            <a:schemeClr val="accent1"/>
-          </a:effectRef>
-          <a:fontRef idx="minor">
-            <a:schemeClr val="lt1"/>
-          </a:fontRef>
-        </p:style>
-        <p:txBody>
-          <a:bodyPr rtlCol="0" anchor="ctr"/>
-          <a:lstStyle/>
-          <a:p>
-            <a:pPr algn="ctr"/>
-            <a:r>
-              <a:rPr lang="ko-KR" altLang="en-US" sz="1400" dirty="0" smtClean="0">
-                <a:solidFill>
-                  <a:schemeClr val="tx2"/>
-                </a:solidFill>
-              </a:rPr>
-              <a:t>회원가</a:t>
-            </a:r>
-            <a:r>
-              <a:rPr lang="ko-KR" altLang="en-US" sz="1400" dirty="0">
-                <a:solidFill>
-                  <a:schemeClr val="tx2"/>
-                </a:solidFill>
-              </a:rPr>
-              <a:t>입</a:t>
-            </a:r>
-            <a:endParaRPr lang="ko-KR" altLang="en-US" dirty="0">
-              <a:solidFill>
-                <a:schemeClr val="tx2"/>
-              </a:solidFill>
-            </a:endParaRPr>
-          </a:p>
-        </p:txBody>
-      </p:sp>
-      <p:sp>
-        <p:nvSpPr>
-          <p:cNvPr id="10" name="직사각형 9"/>
-          <p:cNvSpPr/>
-          <p:nvPr/>
-        </p:nvSpPr>
-        <p:spPr>
-          <a:xfrm>
-            <a:off x="1364459" y="2996952"/>
-            <a:ext cx="6336704" cy="354482"/>
-          </a:xfrm>
-          <a:prstGeom prst="rect">
-            <a:avLst/>
-          </a:prstGeom>
-          <a:solidFill>
-            <a:schemeClr val="tx2">
-              <a:lumMod val="20000"/>
-              <a:lumOff val="80000"/>
-            </a:schemeClr>
-          </a:solidFill>
-        </p:spPr>
-        <p:style>
-          <a:lnRef idx="2">
-            <a:schemeClr val="accent1">
-              <a:shade val="50000"/>
-            </a:schemeClr>
-          </a:lnRef>
-          <a:fillRef idx="1">
-            <a:schemeClr val="accent1"/>
-          </a:fillRef>
-          <a:effectRef idx="0">
-            <a:schemeClr val="accent1"/>
-          </a:effectRef>
-          <a:fontRef idx="minor">
-            <a:schemeClr val="lt1"/>
-          </a:fontRef>
-        </p:style>
-        <p:txBody>
-          <a:bodyPr rtlCol="0" anchor="ctr"/>
-          <a:lstStyle/>
-          <a:p>
-            <a:r>
-              <a:rPr lang="en-US" altLang="ko-KR" dirty="0" smtClean="0">
-                <a:solidFill>
-                  <a:schemeClr val="tx2"/>
-                </a:solidFill>
-              </a:rPr>
-              <a:t>	</a:t>
-            </a:r>
-            <a:r>
-              <a:rPr lang="ko-KR" altLang="en-US" dirty="0" err="1" smtClean="0">
-                <a:solidFill>
-                  <a:schemeClr val="tx2"/>
-                </a:solidFill>
-              </a:rPr>
-              <a:t>네비게이션</a:t>
-            </a:r>
-            <a:r>
-              <a:rPr lang="ko-KR" altLang="en-US" dirty="0" smtClean="0">
-                <a:solidFill>
-                  <a:schemeClr val="tx2"/>
-                </a:solidFill>
-              </a:rPr>
-              <a:t> 바</a:t>
-            </a:r>
-            <a:endParaRPr lang="ko-KR" altLang="en-US" dirty="0">
-              <a:solidFill>
-                <a:schemeClr val="tx2"/>
-              </a:solidFill>
-            </a:endParaRPr>
-          </a:p>
-        </p:txBody>
-      </p:sp>
-      <p:sp>
-        <p:nvSpPr>
-          <p:cNvPr id="11" name="직사각형 10"/>
-          <p:cNvSpPr/>
-          <p:nvPr/>
-        </p:nvSpPr>
-        <p:spPr>
-          <a:xfrm>
-            <a:off x="1364459" y="3351434"/>
-            <a:ext cx="6336704" cy="2885878"/>
-          </a:xfrm>
-          <a:prstGeom prst="rect">
-            <a:avLst/>
-          </a:prstGeom>
-          <a:noFill/>
-        </p:spPr>
-        <p:style>
-          <a:lnRef idx="2">
-            <a:schemeClr val="accent1">
-              <a:shade val="50000"/>
-            </a:schemeClr>
-          </a:lnRef>
-          <a:fillRef idx="1">
-            <a:schemeClr val="accent1"/>
-          </a:fillRef>
-          <a:effectRef idx="0">
-            <a:schemeClr val="accent1"/>
-          </a:effectRef>
-          <a:fontRef idx="minor">
-            <a:schemeClr val="lt1"/>
-          </a:fontRef>
-        </p:style>
-        <p:txBody>
-          <a:bodyPr rtlCol="0" anchor="ctr"/>
-          <a:lstStyle/>
-          <a:p>
-            <a:endParaRPr lang="ko-KR" altLang="en-US" dirty="0">
-              <a:solidFill>
-                <a:schemeClr val="tx2"/>
-              </a:solidFill>
-            </a:endParaRPr>
-          </a:p>
-        </p:txBody>
-      </p:sp>
-      <p:sp>
-        <p:nvSpPr>
-          <p:cNvPr id="12" name="모서리가 둥근 직사각형 11"/>
-          <p:cNvSpPr/>
-          <p:nvPr/>
-        </p:nvSpPr>
-        <p:spPr>
-          <a:xfrm>
-            <a:off x="1619672" y="3714253"/>
-            <a:ext cx="2592288" cy="2160240"/>
-          </a:xfrm>
-          <a:prstGeom prst="roundRect">
-            <a:avLst/>
-          </a:prstGeom>
-          <a:solidFill>
-            <a:schemeClr val="accent1">
-              <a:lumMod val="40000"/>
-              <a:lumOff val="60000"/>
-            </a:schemeClr>
-          </a:solidFill>
-        </p:spPr>
-        <p:style>
-          <a:lnRef idx="2">
-            <a:schemeClr val="accent1">
-              <a:shade val="50000"/>
-            </a:schemeClr>
-          </a:lnRef>
-          <a:fillRef idx="1">
-            <a:schemeClr val="accent1"/>
-          </a:fillRef>
-          <a:effectRef idx="0">
-            <a:schemeClr val="accent1"/>
-          </a:effectRef>
-          <a:fontRef idx="minor">
-            <a:schemeClr val="lt1"/>
-          </a:fontRef>
-        </p:style>
-        <p:txBody>
-          <a:bodyPr rtlCol="0" anchor="ctr"/>
-          <a:lstStyle/>
-          <a:p>
-            <a:pPr algn="ctr"/>
-            <a:r>
-              <a:rPr lang="ko-KR" altLang="en-US" dirty="0" err="1" smtClean="0">
-                <a:solidFill>
-                  <a:schemeClr val="tx2"/>
-                </a:solidFill>
-              </a:rPr>
-              <a:t>타투</a:t>
-            </a:r>
-            <a:r>
-              <a:rPr lang="ko-KR" altLang="en-US" dirty="0" smtClean="0">
-                <a:solidFill>
-                  <a:schemeClr val="tx2"/>
-                </a:solidFill>
-              </a:rPr>
-              <a:t> 이미지</a:t>
-            </a:r>
-            <a:endParaRPr lang="en-US" altLang="ko-KR" dirty="0">
-              <a:solidFill>
-                <a:schemeClr val="tx2"/>
-              </a:solidFill>
-            </a:endParaRPr>
-          </a:p>
-          <a:p>
-            <a:pPr algn="ctr"/>
-            <a:r>
-              <a:rPr lang="en-US" altLang="ko-KR" dirty="0" smtClean="0">
-                <a:solidFill>
-                  <a:schemeClr val="tx2"/>
-                </a:solidFill>
-              </a:rPr>
-              <a:t>(</a:t>
-            </a:r>
-            <a:r>
-              <a:rPr lang="ko-KR" altLang="en-US" dirty="0" err="1" smtClean="0">
-                <a:solidFill>
-                  <a:schemeClr val="tx2"/>
-                </a:solidFill>
-              </a:rPr>
-              <a:t>타투</a:t>
-            </a:r>
-            <a:r>
-              <a:rPr lang="ko-KR" altLang="en-US" dirty="0" smtClean="0">
-                <a:solidFill>
-                  <a:schemeClr val="tx2"/>
-                </a:solidFill>
-              </a:rPr>
-              <a:t> 종류 마우스 </a:t>
-            </a:r>
-            <a:r>
-              <a:rPr lang="ko-KR" altLang="en-US" dirty="0" err="1" smtClean="0">
-                <a:solidFill>
-                  <a:schemeClr val="tx2"/>
-                </a:solidFill>
-              </a:rPr>
-              <a:t>오버시</a:t>
-            </a:r>
-            <a:r>
-              <a:rPr lang="ko-KR" altLang="en-US" dirty="0" smtClean="0">
-                <a:solidFill>
-                  <a:schemeClr val="tx2"/>
-                </a:solidFill>
-              </a:rPr>
-              <a:t> 해당 </a:t>
-            </a:r>
-            <a:r>
-              <a:rPr lang="ko-KR" altLang="en-US" dirty="0" err="1" smtClean="0">
-                <a:solidFill>
-                  <a:schemeClr val="tx2"/>
-                </a:solidFill>
-              </a:rPr>
-              <a:t>타투</a:t>
-            </a:r>
-            <a:r>
-              <a:rPr lang="ko-KR" altLang="en-US" dirty="0" smtClean="0">
-                <a:solidFill>
-                  <a:schemeClr val="tx2"/>
-                </a:solidFill>
-              </a:rPr>
-              <a:t> 이미지가 보인다</a:t>
-            </a:r>
-            <a:r>
-              <a:rPr lang="en-US" altLang="ko-KR" dirty="0" smtClean="0">
-                <a:solidFill>
-                  <a:schemeClr val="tx2"/>
-                </a:solidFill>
-              </a:rPr>
-              <a:t>)</a:t>
-            </a:r>
-            <a:endParaRPr lang="ko-KR" altLang="en-US" dirty="0">
-              <a:solidFill>
-                <a:schemeClr val="tx2"/>
-              </a:solidFill>
-            </a:endParaRPr>
-          </a:p>
-        </p:txBody>
-      </p:sp>
-      <p:sp>
-        <p:nvSpPr>
-          <p:cNvPr id="16" name="타원 15"/>
-          <p:cNvSpPr/>
-          <p:nvPr/>
-        </p:nvSpPr>
-        <p:spPr>
-          <a:xfrm>
-            <a:off x="4644007" y="3823709"/>
-            <a:ext cx="757419" cy="757419"/>
-          </a:xfrm>
-          <a:prstGeom prst="ellipse">
-            <a:avLst/>
-          </a:prstGeom>
-          <a:noFill/>
-        </p:spPr>
-        <p:style>
-          <a:lnRef idx="2">
-            <a:schemeClr val="accent1">
-              <a:shade val="50000"/>
-            </a:schemeClr>
-          </a:lnRef>
-          <a:fillRef idx="1">
-            <a:schemeClr val="accent1"/>
-          </a:fillRef>
-          <a:effectRef idx="0">
-            <a:schemeClr val="accent1"/>
-          </a:effectRef>
-          <a:fontRef idx="minor">
-            <a:schemeClr val="lt1"/>
-          </a:fontRef>
-        </p:style>
-        <p:txBody>
-          <a:bodyPr rtlCol="0" anchor="ctr"/>
-          <a:lstStyle/>
-          <a:p>
-            <a:pPr algn="ctr"/>
-            <a:endParaRPr lang="ko-KR" altLang="en-US"/>
-          </a:p>
-        </p:txBody>
-      </p:sp>
-      <p:sp>
-        <p:nvSpPr>
-          <p:cNvPr id="17" name="타원 16"/>
-          <p:cNvSpPr/>
-          <p:nvPr/>
-        </p:nvSpPr>
-        <p:spPr>
-          <a:xfrm>
-            <a:off x="5652120" y="3823709"/>
-            <a:ext cx="757419" cy="757419"/>
-          </a:xfrm>
-          <a:prstGeom prst="ellipse">
-            <a:avLst/>
-          </a:prstGeom>
-          <a:noFill/>
-        </p:spPr>
-        <p:style>
-          <a:lnRef idx="2">
-            <a:schemeClr val="accent1">
-              <a:shade val="50000"/>
-            </a:schemeClr>
-          </a:lnRef>
-          <a:fillRef idx="1">
-            <a:schemeClr val="accent1"/>
-          </a:fillRef>
-          <a:effectRef idx="0">
-            <a:schemeClr val="accent1"/>
-          </a:effectRef>
-          <a:fontRef idx="minor">
-            <a:schemeClr val="lt1"/>
-          </a:fontRef>
-        </p:style>
-        <p:txBody>
-          <a:bodyPr rtlCol="0" anchor="ctr"/>
-          <a:lstStyle/>
-          <a:p>
-            <a:pPr algn="ctr"/>
-            <a:endParaRPr lang="ko-KR" altLang="en-US"/>
-          </a:p>
-        </p:txBody>
-      </p:sp>
-      <p:sp>
-        <p:nvSpPr>
-          <p:cNvPr id="18" name="타원 17"/>
-          <p:cNvSpPr/>
-          <p:nvPr/>
-        </p:nvSpPr>
-        <p:spPr>
-          <a:xfrm>
-            <a:off x="6680344" y="3823709"/>
-            <a:ext cx="757419" cy="757419"/>
-          </a:xfrm>
-          <a:prstGeom prst="ellipse">
-            <a:avLst/>
-          </a:prstGeom>
-          <a:noFill/>
-        </p:spPr>
-        <p:style>
-          <a:lnRef idx="2">
-            <a:schemeClr val="accent1">
-              <a:shade val="50000"/>
-            </a:schemeClr>
-          </a:lnRef>
-          <a:fillRef idx="1">
-            <a:schemeClr val="accent1"/>
-          </a:fillRef>
-          <a:effectRef idx="0">
-            <a:schemeClr val="accent1"/>
-          </a:effectRef>
-          <a:fontRef idx="minor">
-            <a:schemeClr val="lt1"/>
-          </a:fontRef>
-        </p:style>
-        <p:txBody>
-          <a:bodyPr rtlCol="0" anchor="ctr"/>
-          <a:lstStyle/>
-          <a:p>
-            <a:pPr algn="ctr"/>
-            <a:endParaRPr lang="ko-KR" altLang="en-US"/>
-          </a:p>
-        </p:txBody>
-      </p:sp>
-      <p:sp>
-        <p:nvSpPr>
-          <p:cNvPr id="19" name="타원 18"/>
-          <p:cNvSpPr/>
-          <p:nvPr/>
-        </p:nvSpPr>
-        <p:spPr>
-          <a:xfrm>
-            <a:off x="6680343" y="5013176"/>
-            <a:ext cx="757419" cy="757419"/>
-          </a:xfrm>
-          <a:prstGeom prst="ellipse">
-            <a:avLst/>
-          </a:prstGeom>
-          <a:noFill/>
-        </p:spPr>
-        <p:style>
-          <a:lnRef idx="2">
-            <a:schemeClr val="accent1">
-              <a:shade val="50000"/>
-            </a:schemeClr>
-          </a:lnRef>
-          <a:fillRef idx="1">
-            <a:schemeClr val="accent1"/>
-          </a:fillRef>
-          <a:effectRef idx="0">
-            <a:schemeClr val="accent1"/>
-          </a:effectRef>
-          <a:fontRef idx="minor">
-            <a:schemeClr val="lt1"/>
-          </a:fontRef>
-        </p:style>
-        <p:txBody>
-          <a:bodyPr rtlCol="0" anchor="ctr"/>
-          <a:lstStyle/>
-          <a:p>
-            <a:pPr algn="ctr"/>
-            <a:endParaRPr lang="ko-KR" altLang="en-US"/>
-          </a:p>
-        </p:txBody>
-      </p:sp>
-      <p:sp>
-        <p:nvSpPr>
-          <p:cNvPr id="20" name="타원 19"/>
-          <p:cNvSpPr/>
-          <p:nvPr/>
-        </p:nvSpPr>
-        <p:spPr>
-          <a:xfrm>
-            <a:off x="5652120" y="5013176"/>
-            <a:ext cx="757419" cy="757419"/>
-          </a:xfrm>
-          <a:prstGeom prst="ellipse">
-            <a:avLst/>
-          </a:prstGeom>
-          <a:noFill/>
-        </p:spPr>
-        <p:style>
-          <a:lnRef idx="2">
-            <a:schemeClr val="accent1">
-              <a:shade val="50000"/>
-            </a:schemeClr>
-          </a:lnRef>
-          <a:fillRef idx="1">
-            <a:schemeClr val="accent1"/>
-          </a:fillRef>
-          <a:effectRef idx="0">
-            <a:schemeClr val="accent1"/>
-          </a:effectRef>
-          <a:fontRef idx="minor">
-            <a:schemeClr val="lt1"/>
-          </a:fontRef>
-        </p:style>
-        <p:txBody>
-          <a:bodyPr rtlCol="0" anchor="ctr"/>
-          <a:lstStyle/>
-          <a:p>
-            <a:pPr algn="ctr"/>
-            <a:endParaRPr lang="ko-KR" altLang="en-US"/>
-          </a:p>
-        </p:txBody>
-      </p:sp>
-      <p:sp>
-        <p:nvSpPr>
-          <p:cNvPr id="21" name="타원 20"/>
-          <p:cNvSpPr/>
-          <p:nvPr/>
-        </p:nvSpPr>
-        <p:spPr>
-          <a:xfrm>
-            <a:off x="4644007" y="5013176"/>
-            <a:ext cx="757419" cy="757419"/>
-          </a:xfrm>
-          <a:prstGeom prst="ellipse">
-            <a:avLst/>
-          </a:prstGeom>
-          <a:noFill/>
-        </p:spPr>
-        <p:style>
-          <a:lnRef idx="2">
-            <a:schemeClr val="accent1">
-              <a:shade val="50000"/>
-            </a:schemeClr>
-          </a:lnRef>
-          <a:fillRef idx="1">
-            <a:schemeClr val="accent1"/>
-          </a:fillRef>
-          <a:effectRef idx="0">
-            <a:schemeClr val="accent1"/>
-          </a:effectRef>
-          <a:fontRef idx="minor">
-            <a:schemeClr val="lt1"/>
-          </a:fontRef>
-        </p:style>
-        <p:txBody>
-          <a:bodyPr rtlCol="0" anchor="ctr"/>
-          <a:lstStyle/>
-          <a:p>
-            <a:pPr algn="ctr"/>
-            <a:endParaRPr lang="ko-KR" altLang="en-US"/>
-          </a:p>
-        </p:txBody>
-      </p:sp>
-      <p:sp>
-        <p:nvSpPr>
-          <p:cNvPr id="22" name="직사각형 21"/>
-          <p:cNvSpPr/>
-          <p:nvPr/>
-        </p:nvSpPr>
-        <p:spPr>
-          <a:xfrm>
-            <a:off x="1364459" y="6237312"/>
-            <a:ext cx="6336704" cy="354482"/>
-          </a:xfrm>
-          <a:prstGeom prst="rect">
-            <a:avLst/>
-          </a:prstGeom>
-          <a:solidFill>
-            <a:schemeClr val="tx2">
-              <a:lumMod val="20000"/>
-              <a:lumOff val="80000"/>
-            </a:schemeClr>
-          </a:solidFill>
-        </p:spPr>
-        <p:style>
-          <a:lnRef idx="2">
-            <a:schemeClr val="accent1">
-              <a:shade val="50000"/>
-            </a:schemeClr>
-          </a:lnRef>
-          <a:fillRef idx="1">
-            <a:schemeClr val="accent1"/>
-          </a:fillRef>
-          <a:effectRef idx="0">
-            <a:schemeClr val="accent1"/>
-          </a:effectRef>
-          <a:fontRef idx="minor">
-            <a:schemeClr val="lt1"/>
-          </a:fontRef>
-        </p:style>
-        <p:txBody>
-          <a:bodyPr rtlCol="0" anchor="ctr"/>
-          <a:lstStyle/>
-          <a:p>
-            <a:r>
-              <a:rPr lang="en-US" altLang="ko-KR" dirty="0" smtClean="0">
-                <a:solidFill>
-                  <a:schemeClr val="tx2"/>
-                </a:solidFill>
-              </a:rPr>
-              <a:t>	</a:t>
-            </a:r>
-            <a:endParaRPr lang="ko-KR" altLang="en-US" dirty="0">
-              <a:solidFill>
-                <a:schemeClr val="tx2"/>
-              </a:solidFill>
-            </a:endParaRPr>
-          </a:p>
-        </p:txBody>
-      </p:sp>
-      <p:sp>
-        <p:nvSpPr>
-          <p:cNvPr id="24" name="모서리가 둥근 직사각형 23"/>
-          <p:cNvSpPr/>
-          <p:nvPr/>
-        </p:nvSpPr>
-        <p:spPr>
-          <a:xfrm>
-            <a:off x="1187624" y="2522383"/>
-            <a:ext cx="6696744" cy="851004"/>
-          </a:xfrm>
-          <a:prstGeom prst="roundRect">
-            <a:avLst/>
-          </a:prstGeom>
-          <a:noFill/>
-          <a:ln>
-            <a:solidFill>
-              <a:srgbClr val="FF0000"/>
-            </a:solidFill>
-          </a:ln>
-        </p:spPr>
-        <p:style>
-          <a:lnRef idx="2">
-            <a:schemeClr val="accent1">
-              <a:shade val="50000"/>
-            </a:schemeClr>
-          </a:lnRef>
-          <a:fillRef idx="1">
-            <a:schemeClr val="accent1"/>
-          </a:fillRef>
-          <a:effectRef idx="0">
-            <a:schemeClr val="accent1"/>
-          </a:effectRef>
-          <a:fontRef idx="minor">
-            <a:schemeClr val="lt1"/>
-          </a:fontRef>
-        </p:style>
-        <p:txBody>
-          <a:bodyPr rtlCol="0" anchor="ctr"/>
-          <a:lstStyle/>
-          <a:p>
-            <a:pPr algn="ctr"/>
-            <a:endParaRPr lang="ko-KR" altLang="en-US"/>
-          </a:p>
-        </p:txBody>
-      </p:sp>
-      <p:cxnSp>
-        <p:nvCxnSpPr>
-          <p:cNvPr id="28" name="직선 화살표 연결선 27"/>
-          <p:cNvCxnSpPr>
-            <a:stCxn id="30" idx="1"/>
-            <a:endCxn id="5" idx="0"/>
-          </p:cNvCxnSpPr>
-          <p:nvPr/>
-        </p:nvCxnSpPr>
-        <p:spPr>
-          <a:xfrm flipH="1">
-            <a:off x="4535996" y="1772816"/>
-            <a:ext cx="583321" cy="576064"/>
-          </a:xfrm>
-          <a:prstGeom prst="straightConnector1">
-            <a:avLst/>
-          </a:prstGeom>
-          <a:ln>
-            <a:solidFill>
-              <a:srgbClr val="FF0000"/>
-            </a:solidFill>
-            <a:tailEnd type="arrow"/>
-          </a:ln>
-        </p:spPr>
-        <p:style>
-          <a:lnRef idx="1">
-            <a:schemeClr val="accent1"/>
-          </a:lnRef>
-          <a:fillRef idx="0">
-            <a:schemeClr val="accent1"/>
-          </a:fillRef>
-          <a:effectRef idx="0">
-            <a:schemeClr val="accent1"/>
-          </a:effectRef>
-          <a:fontRef idx="minor">
-            <a:schemeClr val="tx1"/>
-          </a:fontRef>
-        </p:style>
-      </p:cxnSp>
-      <p:sp>
-        <p:nvSpPr>
-          <p:cNvPr id="30" name="TextBox 29"/>
-          <p:cNvSpPr txBox="1"/>
-          <p:nvPr/>
-        </p:nvSpPr>
-        <p:spPr>
-          <a:xfrm>
-            <a:off x="5119317" y="1588150"/>
-            <a:ext cx="1159292" cy="369332"/>
-          </a:xfrm>
-          <a:prstGeom prst="rect">
-            <a:avLst/>
-          </a:prstGeom>
-          <a:noFill/>
-          <a:ln>
-            <a:solidFill>
-              <a:srgbClr val="FF0000"/>
-            </a:solidFill>
-          </a:ln>
-        </p:spPr>
-        <p:txBody>
-          <a:bodyPr wrap="none" rtlCol="0">
-            <a:spAutoFit/>
-          </a:bodyPr>
-          <a:lstStyle/>
-          <a:p>
-            <a:r>
-              <a:rPr lang="en-US" altLang="ko-KR" dirty="0" smtClean="0">
-                <a:solidFill>
-                  <a:srgbClr val="FF0000"/>
-                </a:solidFill>
-              </a:rPr>
-              <a:t>container</a:t>
-            </a:r>
-            <a:endParaRPr lang="ko-KR" altLang="en-US" dirty="0">
-              <a:solidFill>
-                <a:srgbClr val="FF0000"/>
-              </a:solidFill>
-            </a:endParaRPr>
-          </a:p>
-        </p:txBody>
-      </p:sp>
-      <p:cxnSp>
-        <p:nvCxnSpPr>
-          <p:cNvPr id="35" name="직선 화살표 연결선 34"/>
-          <p:cNvCxnSpPr>
-            <a:stCxn id="36" idx="1"/>
-          </p:cNvCxnSpPr>
-          <p:nvPr/>
-        </p:nvCxnSpPr>
-        <p:spPr>
-          <a:xfrm flipH="1">
-            <a:off x="5698963" y="1772816"/>
-            <a:ext cx="1360090" cy="720080"/>
-          </a:xfrm>
-          <a:prstGeom prst="straightConnector1">
-            <a:avLst/>
-          </a:prstGeom>
-          <a:ln>
-            <a:solidFill>
-              <a:srgbClr val="FF0000"/>
-            </a:solidFill>
-            <a:tailEnd type="arrow"/>
-          </a:ln>
-        </p:spPr>
-        <p:style>
-          <a:lnRef idx="1">
-            <a:schemeClr val="accent1"/>
-          </a:lnRef>
-          <a:fillRef idx="0">
-            <a:schemeClr val="accent1"/>
-          </a:fillRef>
-          <a:effectRef idx="0">
-            <a:schemeClr val="accent1"/>
-          </a:effectRef>
-          <a:fontRef idx="minor">
-            <a:schemeClr val="tx1"/>
-          </a:fontRef>
-        </p:style>
-      </p:cxnSp>
-      <p:sp>
-        <p:nvSpPr>
-          <p:cNvPr id="36" name="TextBox 35"/>
-          <p:cNvSpPr txBox="1"/>
-          <p:nvPr/>
-        </p:nvSpPr>
-        <p:spPr>
-          <a:xfrm>
-            <a:off x="7059053" y="1588150"/>
-            <a:ext cx="906017" cy="369332"/>
-          </a:xfrm>
-          <a:prstGeom prst="rect">
-            <a:avLst/>
-          </a:prstGeom>
-          <a:noFill/>
-          <a:ln>
-            <a:solidFill>
-              <a:srgbClr val="FF0000"/>
-            </a:solidFill>
-          </a:ln>
-        </p:spPr>
-        <p:txBody>
-          <a:bodyPr wrap="none" rtlCol="0">
-            <a:spAutoFit/>
-          </a:bodyPr>
-          <a:lstStyle/>
-          <a:p>
-            <a:r>
-              <a:rPr lang="en-US" altLang="ko-KR" dirty="0" smtClean="0">
-                <a:solidFill>
-                  <a:srgbClr val="FF0000"/>
-                </a:solidFill>
-              </a:rPr>
-              <a:t>header</a:t>
-            </a:r>
-            <a:endParaRPr lang="ko-KR" altLang="en-US" dirty="0">
-              <a:solidFill>
-                <a:srgbClr val="FF0000"/>
-              </a:solidFill>
-            </a:endParaRPr>
-          </a:p>
-        </p:txBody>
-      </p:sp>
-      <p:sp>
-        <p:nvSpPr>
-          <p:cNvPr id="38" name="모서리가 둥근 직사각형 37"/>
-          <p:cNvSpPr/>
-          <p:nvPr/>
-        </p:nvSpPr>
-        <p:spPr>
-          <a:xfrm>
-            <a:off x="1187624" y="6171666"/>
-            <a:ext cx="6696744" cy="480369"/>
-          </a:xfrm>
-          <a:prstGeom prst="roundRect">
-            <a:avLst/>
-          </a:prstGeom>
-          <a:noFill/>
-          <a:ln>
-            <a:solidFill>
-              <a:srgbClr val="FF0000"/>
-            </a:solidFill>
-          </a:ln>
-        </p:spPr>
-        <p:style>
-          <a:lnRef idx="2">
-            <a:schemeClr val="accent1">
-              <a:shade val="50000"/>
-            </a:schemeClr>
-          </a:lnRef>
-          <a:fillRef idx="1">
-            <a:schemeClr val="accent1"/>
-          </a:fillRef>
-          <a:effectRef idx="0">
-            <a:schemeClr val="accent1"/>
-          </a:effectRef>
-          <a:fontRef idx="minor">
-            <a:schemeClr val="lt1"/>
-          </a:fontRef>
-        </p:style>
-        <p:txBody>
-          <a:bodyPr rtlCol="0" anchor="ctr"/>
-          <a:lstStyle/>
-          <a:p>
-            <a:pPr algn="ctr"/>
-            <a:endParaRPr lang="ko-KR" altLang="en-US"/>
-          </a:p>
-        </p:txBody>
-      </p:sp>
-      <p:sp>
-        <p:nvSpPr>
-          <p:cNvPr id="41" name="모서리가 둥근 직사각형 40"/>
-          <p:cNvSpPr/>
-          <p:nvPr/>
-        </p:nvSpPr>
-        <p:spPr>
-          <a:xfrm>
-            <a:off x="1187624" y="3430521"/>
-            <a:ext cx="6696744" cy="2670811"/>
-          </a:xfrm>
-          <a:prstGeom prst="roundRect">
-            <a:avLst/>
-          </a:prstGeom>
-          <a:noFill/>
-          <a:ln>
-            <a:solidFill>
-              <a:srgbClr val="FF0000"/>
-            </a:solidFill>
-          </a:ln>
-        </p:spPr>
-        <p:style>
-          <a:lnRef idx="2">
-            <a:schemeClr val="accent1">
-              <a:shade val="50000"/>
-            </a:schemeClr>
-          </a:lnRef>
-          <a:fillRef idx="1">
-            <a:schemeClr val="accent1"/>
-          </a:fillRef>
-          <a:effectRef idx="0">
-            <a:schemeClr val="accent1"/>
-          </a:effectRef>
-          <a:fontRef idx="minor">
-            <a:schemeClr val="lt1"/>
-          </a:fontRef>
-        </p:style>
-        <p:txBody>
-          <a:bodyPr rtlCol="0" anchor="ctr"/>
-          <a:lstStyle/>
-          <a:p>
-            <a:pPr algn="ctr"/>
-            <a:endParaRPr lang="ko-KR" altLang="en-US"/>
-          </a:p>
-        </p:txBody>
-      </p:sp>
-      <p:cxnSp>
-        <p:nvCxnSpPr>
-          <p:cNvPr id="42" name="직선 화살표 연결선 41"/>
-          <p:cNvCxnSpPr>
-            <a:stCxn id="43" idx="1"/>
-            <a:endCxn id="41" idx="3"/>
-          </p:cNvCxnSpPr>
-          <p:nvPr/>
-        </p:nvCxnSpPr>
-        <p:spPr>
-          <a:xfrm flipH="1">
-            <a:off x="7884368" y="4484172"/>
-            <a:ext cx="453362" cy="281755"/>
-          </a:xfrm>
-          <a:prstGeom prst="straightConnector1">
-            <a:avLst/>
-          </a:prstGeom>
-          <a:ln>
-            <a:solidFill>
-              <a:srgbClr val="FF0000"/>
-            </a:solidFill>
-            <a:tailEnd type="arrow"/>
-          </a:ln>
-        </p:spPr>
-        <p:style>
-          <a:lnRef idx="1">
-            <a:schemeClr val="accent1"/>
-          </a:lnRef>
-          <a:fillRef idx="0">
-            <a:schemeClr val="accent1"/>
-          </a:fillRef>
-          <a:effectRef idx="0">
-            <a:schemeClr val="accent1"/>
-          </a:effectRef>
-          <a:fontRef idx="minor">
-            <a:schemeClr val="tx1"/>
-          </a:fontRef>
-        </p:style>
-      </p:cxnSp>
-      <p:sp>
-        <p:nvSpPr>
-          <p:cNvPr id="43" name="TextBox 42"/>
-          <p:cNvSpPr txBox="1"/>
-          <p:nvPr/>
-        </p:nvSpPr>
-        <p:spPr>
-          <a:xfrm>
-            <a:off x="8337730" y="4299506"/>
-            <a:ext cx="979435" cy="369332"/>
-          </a:xfrm>
-          <a:prstGeom prst="rect">
-            <a:avLst/>
-          </a:prstGeom>
-          <a:noFill/>
-          <a:ln>
-            <a:solidFill>
-              <a:srgbClr val="FF0000"/>
-            </a:solidFill>
-          </a:ln>
-        </p:spPr>
-        <p:txBody>
-          <a:bodyPr wrap="none" rtlCol="0">
-            <a:spAutoFit/>
-          </a:bodyPr>
-          <a:lstStyle/>
-          <a:p>
-            <a:r>
-              <a:rPr lang="en-US" altLang="ko-KR" dirty="0" smtClean="0">
-                <a:solidFill>
-                  <a:srgbClr val="FF0000"/>
-                </a:solidFill>
-              </a:rPr>
-              <a:t>content</a:t>
-            </a:r>
-            <a:endParaRPr lang="ko-KR" altLang="en-US" dirty="0">
-              <a:solidFill>
-                <a:srgbClr val="FF0000"/>
-              </a:solidFill>
-            </a:endParaRPr>
-          </a:p>
-        </p:txBody>
-      </p:sp>
-      <p:cxnSp>
-        <p:nvCxnSpPr>
-          <p:cNvPr id="45" name="직선 화살표 연결선 44"/>
-          <p:cNvCxnSpPr>
-            <a:stCxn id="46" idx="1"/>
-            <a:endCxn id="22" idx="0"/>
-          </p:cNvCxnSpPr>
-          <p:nvPr/>
-        </p:nvCxnSpPr>
-        <p:spPr>
-          <a:xfrm flipH="1" flipV="1">
-            <a:off x="4532811" y="6237312"/>
-            <a:ext cx="1047301" cy="174538"/>
-          </a:xfrm>
-          <a:prstGeom prst="straightConnector1">
-            <a:avLst/>
-          </a:prstGeom>
-          <a:ln>
-            <a:solidFill>
-              <a:srgbClr val="FF0000"/>
-            </a:solidFill>
-            <a:tailEnd type="arrow"/>
-          </a:ln>
-        </p:spPr>
-        <p:style>
-          <a:lnRef idx="1">
-            <a:schemeClr val="accent1"/>
-          </a:lnRef>
-          <a:fillRef idx="0">
-            <a:schemeClr val="accent1"/>
-          </a:fillRef>
-          <a:effectRef idx="0">
-            <a:schemeClr val="accent1"/>
-          </a:effectRef>
-          <a:fontRef idx="minor">
-            <a:schemeClr val="tx1"/>
-          </a:fontRef>
-        </p:style>
-      </p:cxnSp>
-      <p:sp>
-        <p:nvSpPr>
-          <p:cNvPr id="46" name="TextBox 45"/>
-          <p:cNvSpPr txBox="1"/>
-          <p:nvPr/>
-        </p:nvSpPr>
-        <p:spPr>
-          <a:xfrm>
-            <a:off x="5580112" y="6227184"/>
-            <a:ext cx="817531" cy="369332"/>
-          </a:xfrm>
-          <a:prstGeom prst="rect">
-            <a:avLst/>
-          </a:prstGeom>
-          <a:noFill/>
-          <a:ln>
-            <a:solidFill>
-              <a:srgbClr val="FF0000"/>
-            </a:solidFill>
-          </a:ln>
-        </p:spPr>
-        <p:txBody>
-          <a:bodyPr wrap="none" rtlCol="0">
-            <a:spAutoFit/>
-          </a:bodyPr>
-          <a:lstStyle/>
-          <a:p>
-            <a:r>
-              <a:rPr lang="en-US" altLang="ko-KR" dirty="0" smtClean="0">
-                <a:solidFill>
-                  <a:srgbClr val="FF0000"/>
-                </a:solidFill>
-              </a:rPr>
-              <a:t>footer</a:t>
-            </a:r>
-            <a:endParaRPr lang="ko-KR" altLang="en-US" dirty="0">
-              <a:solidFill>
-                <a:srgbClr val="FF0000"/>
-              </a:solidFill>
-            </a:endParaRPr>
-          </a:p>
-        </p:txBody>
-      </p:sp>
-      <p:sp>
-        <p:nvSpPr>
-          <p:cNvPr id="51" name="모서리가 둥근 직사각형 50"/>
-          <p:cNvSpPr/>
-          <p:nvPr/>
-        </p:nvSpPr>
-        <p:spPr>
-          <a:xfrm>
-            <a:off x="4555151" y="3714253"/>
-            <a:ext cx="3012949" cy="2165798"/>
-          </a:xfrm>
-          <a:prstGeom prst="roundRect">
-            <a:avLst/>
-          </a:prstGeom>
-          <a:noFill/>
-          <a:ln>
-            <a:prstDash val="dash"/>
-          </a:ln>
-        </p:spPr>
-        <p:style>
-          <a:lnRef idx="2">
-            <a:schemeClr val="accent1">
-              <a:shade val="50000"/>
-            </a:schemeClr>
-          </a:lnRef>
-          <a:fillRef idx="1">
-            <a:schemeClr val="accent1"/>
-          </a:fillRef>
-          <a:effectRef idx="0">
-            <a:schemeClr val="accent1"/>
-          </a:effectRef>
-          <a:fontRef idx="minor">
-            <a:schemeClr val="lt1"/>
-          </a:fontRef>
-        </p:style>
-        <p:txBody>
-          <a:bodyPr rtlCol="0" anchor="ctr"/>
-          <a:lstStyle/>
-          <a:p>
-            <a:pPr algn="ctr"/>
-            <a:endParaRPr lang="ko-KR" altLang="en-US"/>
-          </a:p>
-        </p:txBody>
-      </p:sp>
-      <p:cxnSp>
-        <p:nvCxnSpPr>
-          <p:cNvPr id="55" name="직선 화살표 연결선 54"/>
-          <p:cNvCxnSpPr>
-            <a:stCxn id="56" idx="1"/>
-          </p:cNvCxnSpPr>
-          <p:nvPr/>
-        </p:nvCxnSpPr>
-        <p:spPr>
-          <a:xfrm flipH="1">
-            <a:off x="7537675" y="3639043"/>
-            <a:ext cx="453362" cy="281755"/>
-          </a:xfrm>
-          <a:prstGeom prst="straightConnector1">
-            <a:avLst/>
-          </a:prstGeom>
-          <a:ln>
-            <a:solidFill>
-              <a:schemeClr val="tx2"/>
-            </a:solidFill>
-            <a:tailEnd type="arrow"/>
-          </a:ln>
-        </p:spPr>
-        <p:style>
-          <a:lnRef idx="1">
-            <a:schemeClr val="accent1"/>
-          </a:lnRef>
-          <a:fillRef idx="0">
-            <a:schemeClr val="accent1"/>
-          </a:fillRef>
-          <a:effectRef idx="0">
-            <a:schemeClr val="accent1"/>
-          </a:effectRef>
-          <a:fontRef idx="minor">
-            <a:schemeClr val="tx1"/>
-          </a:fontRef>
-        </p:style>
-      </p:cxnSp>
-      <p:sp>
-        <p:nvSpPr>
-          <p:cNvPr id="56" name="TextBox 55"/>
-          <p:cNvSpPr txBox="1"/>
-          <p:nvPr/>
-        </p:nvSpPr>
-        <p:spPr>
-          <a:xfrm>
-            <a:off x="7991037" y="3454377"/>
-            <a:ext cx="1189749" cy="369332"/>
-          </a:xfrm>
-          <a:prstGeom prst="rect">
-            <a:avLst/>
-          </a:prstGeom>
-          <a:noFill/>
-          <a:ln>
-            <a:solidFill>
-              <a:schemeClr val="tx2"/>
-            </a:solidFill>
-          </a:ln>
-        </p:spPr>
-        <p:txBody>
-          <a:bodyPr wrap="none" rtlCol="0">
-            <a:spAutoFit/>
-          </a:bodyPr>
-          <a:lstStyle/>
-          <a:p>
-            <a:r>
-              <a:rPr lang="ko-KR" altLang="en-US" dirty="0" err="1" smtClean="0">
-                <a:solidFill>
-                  <a:schemeClr val="tx2"/>
-                </a:solidFill>
-              </a:rPr>
-              <a:t>타투</a:t>
-            </a:r>
-            <a:r>
-              <a:rPr lang="ko-KR" altLang="en-US" dirty="0" smtClean="0">
-                <a:solidFill>
-                  <a:schemeClr val="tx2"/>
-                </a:solidFill>
-              </a:rPr>
-              <a:t> 종류</a:t>
-            </a:r>
-            <a:endParaRPr lang="ko-KR" altLang="en-US" dirty="0">
-              <a:solidFill>
-                <a:schemeClr val="tx2"/>
-              </a:solidFill>
-            </a:endParaRPr>
-          </a:p>
-        </p:txBody>
-      </p:sp>
-    </p:spTree>
-    <p:extLst>
-      <p:ext uri="{BB962C8B-B14F-4D97-AF65-F5344CB8AC3E}">
-        <p14:creationId xmlns:p14="http://schemas.microsoft.com/office/powerpoint/2010/main" val="3786328871"/>
       </p:ext>
     </p:extLst>
   </p:cSld>
@@ -6460,6 +6841,22 @@
               <a:rPr lang="ko-KR" altLang="en-US" dirty="0" smtClean="0"/>
               <a:t>레이아웃</a:t>
             </a:r>
+            <a:r>
+              <a:rPr lang="en-US" altLang="ko-KR" dirty="0"/>
+              <a:t> </a:t>
+            </a:r>
+            <a:r>
+              <a:rPr lang="en-US" altLang="ko-KR" dirty="0" smtClean="0"/>
+              <a:t>– </a:t>
+            </a:r>
+            <a:r>
+              <a:rPr lang="ko-KR" altLang="en-US" dirty="0" err="1" smtClean="0"/>
+              <a:t>메인화면</a:t>
+            </a:r>
+            <a:r>
+              <a:rPr lang="en-US" altLang="ko-KR" dirty="0" smtClean="0"/>
+              <a:t>(2)</a:t>
+            </a:r>
             <a:endParaRPr lang="ko-KR" altLang="en-US" dirty="0"/>
           </a:p>
         </p:txBody>
@@ -6480,19 +6877,16 @@
           <a:lstStyle/>
           <a:p>
             <a:r>
-              <a:rPr lang="ko-KR" altLang="en-US" dirty="0" smtClean="0"/>
-              <a:t>보관</a:t>
-            </a:r>
-            <a:r>
-              <a:rPr lang="ko-KR" altLang="en-US" dirty="0"/>
-              <a:t>용</a:t>
-            </a:r>
-          </a:p>
-        </p:txBody>
-      </p:sp>
-      <p:sp>
-        <p:nvSpPr>
-          <p:cNvPr id="8" name="직사각형 7"/>
+              <a:rPr lang="en-US" altLang="ko-KR" dirty="0" smtClean="0"/>
+              <a:t>PC</a:t>
+            </a:r>
+            <a:endParaRPr lang="ko-KR" altLang="en-US" dirty="0"/>
+          </a:p>
+        </p:txBody>
+      </p:sp>
+      <p:sp>
+        <p:nvSpPr>
+          <p:cNvPr id="5" name="직사각형 4"/>
           <p:cNvSpPr/>
           <p:nvPr/>
         </p:nvSpPr>
@@ -6533,7 +6927,7 @@
       </p:sp>
       <p:sp>
         <p:nvSpPr>
-          <p:cNvPr id="9" name="직사각형 8"/>
+          <p:cNvPr id="6" name="직사각형 5"/>
           <p:cNvSpPr/>
           <p:nvPr/>
         </p:nvSpPr>
@@ -6593,7 +6987,7 @@
       </p:sp>
       <p:sp>
         <p:nvSpPr>
-          <p:cNvPr id="10" name="직사각형 9"/>
+          <p:cNvPr id="7" name="직사각형 6"/>
           <p:cNvSpPr/>
           <p:nvPr/>
         </p:nvSpPr>
@@ -6646,7 +7040,7 @@
       </p:sp>
       <p:sp>
         <p:nvSpPr>
-          <p:cNvPr id="11" name="직사각형 10"/>
+          <p:cNvPr id="8" name="직사각형 7"/>
           <p:cNvSpPr/>
           <p:nvPr/>
         </p:nvSpPr>
@@ -6707,7 +7101,7 @@
       </p:sp>
       <p:sp>
         <p:nvSpPr>
-          <p:cNvPr id="12" name="직사각형 11"/>
+          <p:cNvPr id="10" name="직사각형 9"/>
           <p:cNvSpPr/>
           <p:nvPr/>
         </p:nvSpPr>
@@ -6780,7 +7174,7 @@
       </p:sp>
       <p:sp>
         <p:nvSpPr>
-          <p:cNvPr id="13" name="직사각형 12"/>
+          <p:cNvPr id="11" name="직사각형 10"/>
           <p:cNvSpPr/>
           <p:nvPr/>
         </p:nvSpPr>
@@ -6824,7 +7218,7 @@
       </p:sp>
       <p:sp>
         <p:nvSpPr>
-          <p:cNvPr id="14" name="모서리가 둥근 직사각형 13"/>
+          <p:cNvPr id="12" name="모서리가 둥근 직사각형 11"/>
           <p:cNvSpPr/>
           <p:nvPr/>
         </p:nvSpPr>
@@ -6880,6 +7274,78 @@
               </a:rPr>
               <a:t> 이미지</a:t>
             </a:r>
+            <a:endParaRPr lang="en-US" altLang="ko-KR" dirty="0">
+              <a:solidFill>
+                <a:schemeClr val="tx2"/>
+              </a:solidFill>
+            </a:endParaRPr>
+          </a:p>
+          <a:p>
+            <a:pPr algn="ctr"/>
+            <a:r>
+              <a:rPr lang="en-US" altLang="ko-KR" dirty="0" smtClean="0">
+                <a:solidFill>
+                  <a:schemeClr val="tx2"/>
+                </a:solidFill>
+              </a:rPr>
+              <a:t>(</a:t>
+            </a:r>
+            <a:r>
+              <a:rPr lang="ko-KR" altLang="en-US" dirty="0" err="1" smtClean="0">
+                <a:solidFill>
+                  <a:schemeClr val="tx2"/>
+                </a:solidFill>
+              </a:rPr>
+              <a:t>타투</a:t>
+            </a:r>
+            <a:r>
+              <a:rPr lang="ko-KR" altLang="en-US" dirty="0" smtClean="0">
+                <a:solidFill>
+                  <a:schemeClr val="tx2"/>
+                </a:solidFill>
+              </a:rPr>
+              <a:t> 종류 마우스 </a:t>
+            </a:r>
+            <a:r>
+              <a:rPr lang="ko-KR" altLang="en-US" dirty="0" err="1" smtClean="0">
+                <a:solidFill>
+                  <a:schemeClr val="tx2"/>
+                </a:solidFill>
+              </a:rPr>
+              <a:t>오버시</a:t>
+            </a:r>
+            <a:r>
+              <a:rPr lang="ko-KR" altLang="en-US" dirty="0" smtClean="0">
+                <a:solidFill>
+                  <a:schemeClr val="tx2"/>
+                </a:solidFill>
+              </a:rPr>
+              <a:t> 해당 </a:t>
+            </a:r>
+            <a:r>
+              <a:rPr lang="ko-KR" altLang="en-US" dirty="0" err="1" smtClean="0">
+                <a:solidFill>
+                  <a:schemeClr val="tx2"/>
+                </a:solidFill>
+              </a:rPr>
+              <a:t>타투</a:t>
+            </a:r>
+            <a:r>
+              <a:rPr lang="ko-KR" altLang="en-US" dirty="0" smtClean="0">
+                <a:solidFill>
+                  <a:schemeClr val="tx2"/>
+                </a:solidFill>
+              </a:rPr>
+              <a:t> 이미지가 보인다</a:t>
+            </a:r>
+            <a:r>
+              <a:rPr lang="en-US" altLang="ko-KR" dirty="0" smtClean="0">
+                <a:solidFill>
+                  <a:schemeClr val="tx2"/>
+                </a:solidFill>
+              </a:rPr>
+              <a:t>)</a:t>
+            </a:r>
             <a:endParaRPr lang="ko-KR" altLang="en-US" dirty="0">
               <a:solidFill>
                 <a:schemeClr val="tx2"/>
@@ -6890,7 +7356,7 @@
       </p:sp>
       <p:sp>
         <p:nvSpPr>
-          <p:cNvPr id="15" name="타원 14"/>
+          <p:cNvPr id="16" name="타원 15"/>
           <p:cNvSpPr/>
           <p:nvPr/>
         </p:nvSpPr>
@@ -6931,7 +7397,7 @@
       </p:sp>
       <p:sp>
         <p:nvSpPr>
-          <p:cNvPr id="16" name="타원 15"/>
+          <p:cNvPr id="17" name="타원 16"/>
           <p:cNvSpPr/>
           <p:nvPr/>
         </p:nvSpPr>
@@ -6972,7 +7438,7 @@
       </p:sp>
       <p:sp>
         <p:nvSpPr>
-          <p:cNvPr id="17" name="타원 16"/>
+          <p:cNvPr id="18" name="타원 17"/>
           <p:cNvSpPr/>
           <p:nvPr/>
         </p:nvSpPr>
@@ -7013,7 +7479,7 @@
       </p:sp>
       <p:sp>
         <p:nvSpPr>
-          <p:cNvPr id="18" name="타원 17"/>
+          <p:cNvPr id="19" name="타원 18"/>
           <p:cNvSpPr/>
           <p:nvPr/>
         </p:nvSpPr>
@@ -7054,7 +7520,7 @@
       </p:sp>
       <p:sp>
         <p:nvSpPr>
-          <p:cNvPr id="19" name="타원 18"/>
+          <p:cNvPr id="20" name="타원 19"/>
           <p:cNvSpPr/>
           <p:nvPr/>
         </p:nvSpPr>
@@ -7095,7 +7561,7 @@
       </p:sp>
       <p:sp>
         <p:nvSpPr>
-          <p:cNvPr id="20" name="타원 19"/>
+          <p:cNvPr id="21" name="타원 20"/>
           <p:cNvSpPr/>
           <p:nvPr/>
         </p:nvSpPr>
@@ -7136,7 +7602,7 @@
       </p:sp>
       <p:sp>
         <p:nvSpPr>
-          <p:cNvPr id="21" name="직사각형 20"/>
+          <p:cNvPr id="22" name="직사각형 21"/>
           <p:cNvSpPr/>
           <p:nvPr/>
         </p:nvSpPr>
@@ -7193,7 +7659,472 @@
       </p:sp>
       <p:sp>
         <p:nvSpPr>
-          <p:cNvPr id="22" name="모서리가 둥근 직사각형 21"/>
+          <p:cNvPr id="24" name="모서리가 둥근 직사각형 23"/>
+          <p:cNvSpPr/>
+          <p:nvPr/>
+        </p:nvSpPr>
+        <p:spPr>
+          <a:xfrm>
+            <a:off x="1187624" y="2522383"/>
+            <a:ext cx="6696744" cy="851004"/>
+          </a:xfrm>
+          <a:prstGeom prst="roundRect">
+            <a:avLst/>
+          </a:prstGeom>
+          <a:noFill/>
+          <a:ln>
+            <a:solidFill>
+              <a:srgbClr val="FF0000"/>
+            </a:solidFill>
+          </a:ln>
+        </p:spPr>
+        <p:style>
+          <a:lnRef idx="2">
+            <a:schemeClr val="accent1">
+              <a:shade val="50000"/>
+            </a:schemeClr>
+          </a:lnRef>
+          <a:fillRef idx="1">
+            <a:schemeClr val="accent1"/>
+          </a:fillRef>
+          <a:effectRef idx="0">
+            <a:schemeClr val="accent1"/>
+          </a:effectRef>
+          <a:fontRef idx="minor">
+            <a:schemeClr val="lt1"/>
+          </a:fontRef>
+        </p:style>
+        <p:txBody>
+          <a:bodyPr rtlCol="0" anchor="ctr"/>
+          <a:lstStyle/>
+          <a:p>
+            <a:pPr algn="ctr"/>
+            <a:endParaRPr lang="ko-KR" altLang="en-US"/>
+          </a:p>
+        </p:txBody>
+      </p:sp>
+      <p:cxnSp>
+        <p:nvCxnSpPr>
+          <p:cNvPr id="28" name="직선 화살표 연결선 27"/>
+          <p:cNvCxnSpPr>
+            <a:stCxn id="30" idx="1"/>
+            <a:endCxn id="5" idx="0"/>
+          </p:cNvCxnSpPr>
+          <p:nvPr/>
+        </p:nvCxnSpPr>
+        <p:spPr>
+          <a:xfrm flipH="1">
+            <a:off x="4535996" y="1772816"/>
+            <a:ext cx="583321" cy="576064"/>
+          </a:xfrm>
+          <a:prstGeom prst="straightConnector1">
+            <a:avLst/>
+          </a:prstGeom>
+          <a:ln>
+            <a:solidFill>
+              <a:srgbClr val="FF0000"/>
+            </a:solidFill>
+            <a:tailEnd type="arrow"/>
+          </a:ln>
+        </p:spPr>
+        <p:style>
+          <a:lnRef idx="1">
+            <a:schemeClr val="accent1"/>
+          </a:lnRef>
+          <a:fillRef idx="0">
+            <a:schemeClr val="accent1"/>
+          </a:fillRef>
+          <a:effectRef idx="0">
+            <a:schemeClr val="accent1"/>
+          </a:effectRef>
+          <a:fontRef idx="minor">
+            <a:schemeClr val="tx1"/>
+          </a:fontRef>
+        </p:style>
+      </p:cxnSp>
+      <p:sp>
+        <p:nvSpPr>
+          <p:cNvPr id="30" name="TextBox 29"/>
+          <p:cNvSpPr txBox="1"/>
+          <p:nvPr/>
+        </p:nvSpPr>
+        <p:spPr>
+          <a:xfrm>
+            <a:off x="5119317" y="1588150"/>
+            <a:ext cx="1159292" cy="369332"/>
+          </a:xfrm>
+          <a:prstGeom prst="rect">
+            <a:avLst/>
+          </a:prstGeom>
+          <a:noFill/>
+          <a:ln>
+            <a:solidFill>
+              <a:srgbClr val="FF0000"/>
+            </a:solidFill>
+          </a:ln>
+        </p:spPr>
+        <p:txBody>
+          <a:bodyPr wrap="none" rtlCol="0">
+            <a:spAutoFit/>
+          </a:bodyPr>
+          <a:lstStyle/>
+          <a:p>
+            <a:r>
+              <a:rPr lang="en-US" altLang="ko-KR" dirty="0" smtClean="0">
+                <a:solidFill>
+                  <a:srgbClr val="FF0000"/>
+                </a:solidFill>
+              </a:rPr>
+              <a:t>container</a:t>
+            </a:r>
+            <a:endParaRPr lang="ko-KR" altLang="en-US" dirty="0">
+              <a:solidFill>
+                <a:srgbClr val="FF0000"/>
+              </a:solidFill>
+            </a:endParaRPr>
+          </a:p>
+        </p:txBody>
+      </p:sp>
+      <p:cxnSp>
+        <p:nvCxnSpPr>
+          <p:cNvPr id="35" name="직선 화살표 연결선 34"/>
+          <p:cNvCxnSpPr>
+            <a:stCxn id="36" idx="1"/>
+          </p:cNvCxnSpPr>
+          <p:nvPr/>
+        </p:nvCxnSpPr>
+        <p:spPr>
+          <a:xfrm flipH="1">
+            <a:off x="5698963" y="1772816"/>
+            <a:ext cx="1360090" cy="720080"/>
+          </a:xfrm>
+          <a:prstGeom prst="straightConnector1">
+            <a:avLst/>
+          </a:prstGeom>
+          <a:ln>
+            <a:solidFill>
+              <a:srgbClr val="FF0000"/>
+            </a:solidFill>
+            <a:tailEnd type="arrow"/>
+          </a:ln>
+        </p:spPr>
+        <p:style>
+          <a:lnRef idx="1">
+            <a:schemeClr val="accent1"/>
+          </a:lnRef>
+          <a:fillRef idx="0">
+            <a:schemeClr val="accent1"/>
+          </a:fillRef>
+          <a:effectRef idx="0">
+            <a:schemeClr val="accent1"/>
+          </a:effectRef>
+          <a:fontRef idx="minor">
+            <a:schemeClr val="tx1"/>
+          </a:fontRef>
+        </p:style>
+      </p:cxnSp>
+      <p:sp>
+        <p:nvSpPr>
+          <p:cNvPr id="36" name="TextBox 35"/>
+          <p:cNvSpPr txBox="1"/>
+          <p:nvPr/>
+        </p:nvSpPr>
+        <p:spPr>
+          <a:xfrm>
+            <a:off x="7059053" y="1588150"/>
+            <a:ext cx="906017" cy="369332"/>
+          </a:xfrm>
+          <a:prstGeom prst="rect">
+            <a:avLst/>
+          </a:prstGeom>
+          <a:noFill/>
+          <a:ln>
+            <a:solidFill>
+              <a:srgbClr val="FF0000"/>
+            </a:solidFill>
+          </a:ln>
+        </p:spPr>
+        <p:txBody>
+          <a:bodyPr wrap="none" rtlCol="0">
+            <a:spAutoFit/>
+          </a:bodyPr>
+          <a:lstStyle/>
+          <a:p>
+            <a:r>
+              <a:rPr lang="en-US" altLang="ko-KR" dirty="0" smtClean="0">
+                <a:solidFill>
+                  <a:srgbClr val="FF0000"/>
+                </a:solidFill>
+              </a:rPr>
+              <a:t>header</a:t>
+            </a:r>
+            <a:endParaRPr lang="ko-KR" altLang="en-US" dirty="0">
+              <a:solidFill>
+                <a:srgbClr val="FF0000"/>
+              </a:solidFill>
+            </a:endParaRPr>
+          </a:p>
+        </p:txBody>
+      </p:sp>
+      <p:sp>
+        <p:nvSpPr>
+          <p:cNvPr id="38" name="모서리가 둥근 직사각형 37"/>
+          <p:cNvSpPr/>
+          <p:nvPr/>
+        </p:nvSpPr>
+        <p:spPr>
+          <a:xfrm>
+            <a:off x="1187624" y="6171666"/>
+            <a:ext cx="6696744" cy="480369"/>
+          </a:xfrm>
+          <a:prstGeom prst="roundRect">
+            <a:avLst/>
+          </a:prstGeom>
+          <a:noFill/>
+          <a:ln>
+            <a:solidFill>
+              <a:srgbClr val="FF0000"/>
+            </a:solidFill>
+          </a:ln>
+        </p:spPr>
+        <p:style>
+          <a:lnRef idx="2">
+            <a:schemeClr val="accent1">
+              <a:shade val="50000"/>
+            </a:schemeClr>
+          </a:lnRef>
+          <a:fillRef idx="1">
+            <a:schemeClr val="accent1"/>
+          </a:fillRef>
+          <a:effectRef idx="0">
+            <a:schemeClr val="accent1"/>
+          </a:effectRef>
+          <a:fontRef idx="minor">
+            <a:schemeClr val="lt1"/>
+          </a:fontRef>
+        </p:style>
+        <p:txBody>
+          <a:bodyPr rtlCol="0" anchor="ctr"/>
+          <a:lstStyle/>
+          <a:p>
+            <a:pPr algn="ctr"/>
+            <a:endParaRPr lang="ko-KR" altLang="en-US"/>
+          </a:p>
+        </p:txBody>
+      </p:sp>
+      <p:sp>
+        <p:nvSpPr>
+          <p:cNvPr id="41" name="모서리가 둥근 직사각형 40"/>
+          <p:cNvSpPr/>
+          <p:nvPr/>
+        </p:nvSpPr>
+        <p:spPr>
+          <a:xfrm>
+            <a:off x="1187624" y="3430521"/>
+            <a:ext cx="6696744" cy="2670811"/>
+          </a:xfrm>
+          <a:prstGeom prst="roundRect">
+            <a:avLst/>
+          </a:prstGeom>
+          <a:noFill/>
+          <a:ln>
+            <a:solidFill>
+              <a:srgbClr val="FF0000"/>
+            </a:solidFill>
+          </a:ln>
+        </p:spPr>
+        <p:style>
+          <a:lnRef idx="2">
+            <a:schemeClr val="accent1">
+              <a:shade val="50000"/>
+            </a:schemeClr>
+          </a:lnRef>
+          <a:fillRef idx="1">
+            <a:schemeClr val="accent1"/>
+          </a:fillRef>
+          <a:effectRef idx="0">
+            <a:schemeClr val="accent1"/>
+          </a:effectRef>
+          <a:fontRef idx="minor">
+            <a:schemeClr val="lt1"/>
+          </a:fontRef>
+        </p:style>
+        <p:txBody>
+          <a:bodyPr rtlCol="0" anchor="ctr"/>
+          <a:lstStyle/>
+          <a:p>
+            <a:pPr algn="ctr"/>
+            <a:endParaRPr lang="ko-KR" altLang="en-US"/>
+          </a:p>
+        </p:txBody>
+      </p:sp>
+      <p:cxnSp>
+        <p:nvCxnSpPr>
+          <p:cNvPr id="42" name="직선 화살표 연결선 41"/>
+          <p:cNvCxnSpPr>
+            <a:stCxn id="43" idx="1"/>
+            <a:endCxn id="41" idx="3"/>
+          </p:cNvCxnSpPr>
+          <p:nvPr/>
+        </p:nvCxnSpPr>
+        <p:spPr>
+          <a:xfrm flipH="1">
+            <a:off x="7884368" y="4484172"/>
+            <a:ext cx="453362" cy="281755"/>
+          </a:xfrm>
+          <a:prstGeom prst="straightConnector1">
+            <a:avLst/>
+          </a:prstGeom>
+          <a:ln>
+            <a:solidFill>
+              <a:srgbClr val="FF0000"/>
+            </a:solidFill>
+            <a:tailEnd type="arrow"/>
+          </a:ln>
+        </p:spPr>
+        <p:style>
+          <a:lnRef idx="1">
+            <a:schemeClr val="accent1"/>
+          </a:lnRef>
+          <a:fillRef idx="0">
+            <a:schemeClr val="accent1"/>
+          </a:fillRef>
+          <a:effectRef idx="0">
+            <a:schemeClr val="accent1"/>
+          </a:effectRef>
+          <a:fontRef idx="minor">
+            <a:schemeClr val="tx1"/>
+          </a:fontRef>
+        </p:style>
+      </p:cxnSp>
+      <p:sp>
+        <p:nvSpPr>
+          <p:cNvPr id="43" name="TextBox 42"/>
+          <p:cNvSpPr txBox="1"/>
+          <p:nvPr/>
+        </p:nvSpPr>
+        <p:spPr>
+          <a:xfrm>
+            <a:off x="8337730" y="4299506"/>
+            <a:ext cx="979435" cy="369332"/>
+          </a:xfrm>
+          <a:prstGeom prst="rect">
+            <a:avLst/>
+          </a:prstGeom>
+          <a:noFill/>
+          <a:ln>
+            <a:solidFill>
+              <a:srgbClr val="FF0000"/>
+            </a:solidFill>
+          </a:ln>
+        </p:spPr>
+        <p:txBody>
+          <a:bodyPr wrap="none" rtlCol="0">
+            <a:spAutoFit/>
+          </a:bodyPr>
+          <a:lstStyle/>
+          <a:p>
+            <a:r>
+              <a:rPr lang="en-US" altLang="ko-KR" dirty="0" smtClean="0">
+                <a:solidFill>
+                  <a:srgbClr val="FF0000"/>
+                </a:solidFill>
+              </a:rPr>
+              <a:t>content</a:t>
+            </a:r>
+            <a:endParaRPr lang="ko-KR" altLang="en-US" dirty="0">
+              <a:solidFill>
+                <a:srgbClr val="FF0000"/>
+              </a:solidFill>
+            </a:endParaRPr>
+          </a:p>
+        </p:txBody>
+      </p:sp>
+      <p:cxnSp>
+        <p:nvCxnSpPr>
+          <p:cNvPr id="45" name="직선 화살표 연결선 44"/>
+          <p:cNvCxnSpPr>
+            <a:stCxn id="46" idx="1"/>
+            <a:endCxn id="22" idx="0"/>
+          </p:cNvCxnSpPr>
+          <p:nvPr/>
+        </p:nvCxnSpPr>
+        <p:spPr>
+          <a:xfrm flipH="1" flipV="1">
+            <a:off x="4532811" y="6237312"/>
+            <a:ext cx="1047301" cy="174538"/>
+          </a:xfrm>
+          <a:prstGeom prst="straightConnector1">
+            <a:avLst/>
+          </a:prstGeom>
+          <a:ln>
+            <a:solidFill>
+              <a:srgbClr val="FF0000"/>
+            </a:solidFill>
+            <a:tailEnd type="arrow"/>
+          </a:ln>
+        </p:spPr>
+        <p:style>
+          <a:lnRef idx="1">
+            <a:schemeClr val="accent1"/>
+          </a:lnRef>
+          <a:fillRef idx="0">
+            <a:schemeClr val="accent1"/>
+          </a:fillRef>
+          <a:effectRef idx="0">
+            <a:schemeClr val="accent1"/>
+          </a:effectRef>
+          <a:fontRef idx="minor">
+            <a:schemeClr val="tx1"/>
+          </a:fontRef>
+        </p:style>
+      </p:cxnSp>
+      <p:sp>
+        <p:nvSpPr>
+          <p:cNvPr id="46" name="TextBox 45"/>
+          <p:cNvSpPr txBox="1"/>
+          <p:nvPr/>
+        </p:nvSpPr>
+        <p:spPr>
+          <a:xfrm>
+            <a:off x="5580112" y="6227184"/>
+            <a:ext cx="817531" cy="369332"/>
+          </a:xfrm>
+          <a:prstGeom prst="rect">
+            <a:avLst/>
+          </a:prstGeom>
+          <a:noFill/>
+          <a:ln>
+            <a:solidFill>
+              <a:srgbClr val="FF0000"/>
+            </a:solidFill>
+          </a:ln>
+        </p:spPr>
+        <p:txBody>
+          <a:bodyPr wrap="none" rtlCol="0">
+            <a:spAutoFit/>
+          </a:bodyPr>
+          <a:lstStyle/>
+          <a:p>
+            <a:r>
+              <a:rPr lang="en-US" altLang="ko-KR" dirty="0" smtClean="0">
+                <a:solidFill>
+                  <a:srgbClr val="FF0000"/>
+                </a:solidFill>
+              </a:rPr>
+              <a:t>footer</a:t>
+            </a:r>
+            <a:endParaRPr lang="ko-KR" altLang="en-US" dirty="0">
+              <a:solidFill>
+                <a:srgbClr val="FF0000"/>
+              </a:solidFill>
+            </a:endParaRPr>
+          </a:p>
+        </p:txBody>
+      </p:sp>
+      <p:sp>
+        <p:nvSpPr>
+          <p:cNvPr id="51" name="모서리가 둥근 직사각형 50"/>
           <p:cNvSpPr/>
           <p:nvPr/>
         </p:nvSpPr>
@@ -7235,10 +8166,99 @@
           </a:p>
         </p:txBody>
       </p:sp>
+      <p:cxnSp>
+        <p:nvCxnSpPr>
+          <p:cNvPr id="55" name="직선 화살표 연결선 54"/>
+          <p:cNvCxnSpPr>
+            <a:stCxn id="56" idx="1"/>
+          </p:cNvCxnSpPr>
+          <p:nvPr/>
+        </p:nvCxnSpPr>
+        <p:spPr>
+          <a:xfrm flipH="1">
+            <a:off x="7537675" y="3639043"/>
+            <a:ext cx="453362" cy="281755"/>
+          </a:xfrm>
+          <a:prstGeom prst="straightConnector1">
+            <a:avLst/>
+          </a:prstGeom>
+          <a:ln>
+            <a:solidFill>
+              <a:schemeClr val="tx2"/>
+            </a:solidFill>
+            <a:tailEnd type="arrow"/>
+          </a:ln>
+        </p:spPr>
+        <p:style>
+          <a:lnRef idx="1">
+            <a:schemeClr val="accent1"/>
+          </a:lnRef>
+          <a:fillRef idx="0">
+            <a:schemeClr val="accent1"/>
+          </a:fillRef>
+          <a:effectRef idx="0">
+            <a:schemeClr val="accent1"/>
+          </a:effectRef>
+          <a:fontRef idx="minor">
+            <a:schemeClr val="tx1"/>
+          </a:fontRef>
+        </p:style>
+      </p:cxnSp>
+      <p:sp>
+        <p:nvSpPr>
+          <p:cNvPr id="56" name="TextBox 55"/>
+          <p:cNvSpPr txBox="1"/>
+          <p:nvPr/>
+        </p:nvSpPr>
+        <p:spPr>
+          <a:xfrm>
+            <a:off x="7991037" y="3454377"/>
+            <a:ext cx="1189749" cy="369332"/>
+          </a:xfrm>
+          <a:prstGeom prst="rect">
+            <a:avLst/>
+          </a:prstGeom>
+          <a:noFill/>
+          <a:ln>
+            <a:solidFill>
+              <a:schemeClr val="tx2"/>
+            </a:solidFill>
+          </a:ln>
+        </p:spPr>
+        <p:txBody>
+          <a:bodyPr wrap="none" rtlCol="0">
+            <a:spAutoFit/>
+          </a:bodyPr>
+          <a:lstStyle/>
+          <a:p>
+            <a:r>
+              <a:rPr lang="ko-KR" altLang="en-US" dirty="0" err="1" smtClean="0">
+                <a:solidFill>
+                  <a:schemeClr val="tx2"/>
+                </a:solidFill>
+              </a:rPr>
+              <a:t>타투</a:t>
+            </a:r>
+            <a:r>
+              <a:rPr lang="ko-KR" altLang="en-US" dirty="0" smtClean="0">
+                <a:solidFill>
+                  <a:schemeClr val="tx2"/>
+                </a:solidFill>
+              </a:rPr>
+              <a:t> 종류</a:t>
+            </a:r>
+            <a:endParaRPr lang="ko-KR" altLang="en-US" dirty="0">
+              <a:solidFill>
+                <a:schemeClr val="tx2"/>
+              </a:solidFill>
+            </a:endParaRPr>
+          </a:p>
+        </p:txBody>
+      </p:sp>
     </p:spTree>
     <p:extLst>
       <p:ext uri="{BB962C8B-B14F-4D97-AF65-F5344CB8AC3E}">
-        <p14:creationId xmlns:p14="http://schemas.microsoft.com/office/powerpoint/2010/main" val="1605403180"/>
+        <p14:creationId xmlns:p14="http://schemas.microsoft.com/office/powerpoint/2010/main" val="3786328871"/>
       </p:ext>
     </p:extLst>
   </p:cSld>

--- a/docs/ttm 기획서 pt.pptx
+++ b/docs/ttm 기획서 pt.pptx
@@ -17,6 +17,7 @@
     <p:sldId id="265" r:id="rId11"/>
     <p:sldId id="263" r:id="rId12"/>
     <p:sldId id="266" r:id="rId13"/>
+    <p:sldId id="268" r:id="rId14"/>
   </p:sldIdLst>
   <p:sldSz cx="9144000" cy="6858000" type="screen4x3"/>
   <p:notesSz cx="6858000" cy="9144000"/>
@@ -4662,6 +4663,885 @@
           <a:bodyPr/>
           <a:lstStyle/>
           <a:p>
+            <a:r>
+              <a:rPr lang="en-US" altLang="ko-KR" dirty="0" smtClean="0"/>
+              <a:t>PC</a:t>
+            </a:r>
+            <a:endParaRPr lang="ko-KR" altLang="en-US" dirty="0"/>
+          </a:p>
+        </p:txBody>
+      </p:sp>
+      <p:sp>
+        <p:nvSpPr>
+          <p:cNvPr id="4" name="직사각형 3"/>
+          <p:cNvSpPr/>
+          <p:nvPr/>
+        </p:nvSpPr>
+        <p:spPr>
+          <a:xfrm>
+            <a:off x="1043608" y="2348880"/>
+            <a:ext cx="6984776" cy="4392488"/>
+          </a:xfrm>
+          <a:prstGeom prst="rect">
+            <a:avLst/>
+          </a:prstGeom>
+          <a:noFill/>
+        </p:spPr>
+        <p:style>
+          <a:lnRef idx="2">
+            <a:schemeClr val="accent1">
+              <a:shade val="50000"/>
+            </a:schemeClr>
+          </a:lnRef>
+          <a:fillRef idx="1">
+            <a:schemeClr val="accent1"/>
+          </a:fillRef>
+          <a:effectRef idx="0">
+            <a:schemeClr val="accent1"/>
+          </a:effectRef>
+          <a:fontRef idx="minor">
+            <a:schemeClr val="lt1"/>
+          </a:fontRef>
+        </p:style>
+        <p:txBody>
+          <a:bodyPr rtlCol="0" anchor="ctr"/>
+          <a:lstStyle/>
+          <a:p>
+            <a:pPr algn="ctr"/>
+            <a:endParaRPr lang="ko-KR" altLang="en-US"/>
+          </a:p>
+        </p:txBody>
+      </p:sp>
+      <p:sp>
+        <p:nvSpPr>
+          <p:cNvPr id="5" name="직사각형 4"/>
+          <p:cNvSpPr/>
+          <p:nvPr/>
+        </p:nvSpPr>
+        <p:spPr>
+          <a:xfrm>
+            <a:off x="1364459" y="2564904"/>
+            <a:ext cx="6336704" cy="432048"/>
+          </a:xfrm>
+          <a:prstGeom prst="rect">
+            <a:avLst/>
+          </a:prstGeom>
+          <a:noFill/>
+        </p:spPr>
+        <p:style>
+          <a:lnRef idx="2">
+            <a:schemeClr val="accent1">
+              <a:shade val="50000"/>
+            </a:schemeClr>
+          </a:lnRef>
+          <a:fillRef idx="1">
+            <a:schemeClr val="accent1"/>
+          </a:fillRef>
+          <a:effectRef idx="0">
+            <a:schemeClr val="accent1"/>
+          </a:effectRef>
+          <a:fontRef idx="minor">
+            <a:schemeClr val="lt1"/>
+          </a:fontRef>
+        </p:style>
+        <p:txBody>
+          <a:bodyPr rtlCol="0" anchor="ctr"/>
+          <a:lstStyle/>
+          <a:p>
+            <a:r>
+              <a:rPr lang="en-US" altLang="ko-KR" dirty="0" smtClean="0">
+                <a:solidFill>
+                  <a:schemeClr val="tx2"/>
+                </a:solidFill>
+              </a:rPr>
+              <a:t>	</a:t>
+            </a:r>
+            <a:r>
+              <a:rPr lang="ko-KR" altLang="en-US" dirty="0" smtClean="0">
+                <a:solidFill>
+                  <a:schemeClr val="tx2"/>
+                </a:solidFill>
+              </a:rPr>
+              <a:t>로고</a:t>
+            </a:r>
+            <a:endParaRPr lang="ko-KR" altLang="en-US" dirty="0">
+              <a:solidFill>
+                <a:schemeClr val="tx2"/>
+              </a:solidFill>
+            </a:endParaRPr>
+          </a:p>
+        </p:txBody>
+      </p:sp>
+      <p:sp>
+        <p:nvSpPr>
+          <p:cNvPr id="6" name="직사각형 5"/>
+          <p:cNvSpPr/>
+          <p:nvPr/>
+        </p:nvSpPr>
+        <p:spPr>
+          <a:xfrm>
+            <a:off x="5833475" y="2564904"/>
+            <a:ext cx="890269" cy="216024"/>
+          </a:xfrm>
+          <a:prstGeom prst="rect">
+            <a:avLst/>
+          </a:prstGeom>
+          <a:noFill/>
+        </p:spPr>
+        <p:style>
+          <a:lnRef idx="2">
+            <a:schemeClr val="accent1">
+              <a:shade val="50000"/>
+            </a:schemeClr>
+          </a:lnRef>
+          <a:fillRef idx="1">
+            <a:schemeClr val="accent1"/>
+          </a:fillRef>
+          <a:effectRef idx="0">
+            <a:schemeClr val="accent1"/>
+          </a:effectRef>
+          <a:fontRef idx="minor">
+            <a:schemeClr val="lt1"/>
+          </a:fontRef>
+        </p:style>
+        <p:txBody>
+          <a:bodyPr rtlCol="0" anchor="ctr"/>
+          <a:lstStyle/>
+          <a:p>
+            <a:pPr algn="ctr"/>
+            <a:r>
+              <a:rPr lang="ko-KR" altLang="en-US" sz="1400" dirty="0" smtClean="0">
+                <a:solidFill>
+                  <a:schemeClr val="tx2"/>
+                </a:solidFill>
+              </a:rPr>
+              <a:t>로그인</a:t>
+            </a:r>
+            <a:endParaRPr lang="ko-KR" altLang="en-US" sz="1400" dirty="0">
+              <a:solidFill>
+                <a:schemeClr val="tx2"/>
+              </a:solidFill>
+            </a:endParaRPr>
+          </a:p>
+        </p:txBody>
+      </p:sp>
+      <p:sp>
+        <p:nvSpPr>
+          <p:cNvPr id="7" name="직사각형 6"/>
+          <p:cNvSpPr/>
+          <p:nvPr/>
+        </p:nvSpPr>
+        <p:spPr>
+          <a:xfrm>
+            <a:off x="6723744" y="2564904"/>
+            <a:ext cx="977419" cy="216024"/>
+          </a:xfrm>
+          <a:prstGeom prst="rect">
+            <a:avLst/>
+          </a:prstGeom>
+          <a:noFill/>
+        </p:spPr>
+        <p:style>
+          <a:lnRef idx="2">
+            <a:schemeClr val="accent1">
+              <a:shade val="50000"/>
+            </a:schemeClr>
+          </a:lnRef>
+          <a:fillRef idx="1">
+            <a:schemeClr val="accent1"/>
+          </a:fillRef>
+          <a:effectRef idx="0">
+            <a:schemeClr val="accent1"/>
+          </a:effectRef>
+          <a:fontRef idx="minor">
+            <a:schemeClr val="lt1"/>
+          </a:fontRef>
+        </p:style>
+        <p:txBody>
+          <a:bodyPr rtlCol="0" anchor="ctr"/>
+          <a:lstStyle/>
+          <a:p>
+            <a:pPr algn="ctr"/>
+            <a:r>
+              <a:rPr lang="ko-KR" altLang="en-US" sz="1400" dirty="0" smtClean="0">
+                <a:solidFill>
+                  <a:schemeClr val="tx2"/>
+                </a:solidFill>
+              </a:rPr>
+              <a:t>회원가</a:t>
+            </a:r>
+            <a:r>
+              <a:rPr lang="ko-KR" altLang="en-US" sz="1400" dirty="0">
+                <a:solidFill>
+                  <a:schemeClr val="tx2"/>
+                </a:solidFill>
+              </a:rPr>
+              <a:t>입</a:t>
+            </a:r>
+            <a:endParaRPr lang="ko-KR" altLang="en-US" dirty="0">
+              <a:solidFill>
+                <a:schemeClr val="tx2"/>
+              </a:solidFill>
+            </a:endParaRPr>
+          </a:p>
+        </p:txBody>
+      </p:sp>
+      <p:sp>
+        <p:nvSpPr>
+          <p:cNvPr id="8" name="직사각형 7"/>
+          <p:cNvSpPr/>
+          <p:nvPr/>
+        </p:nvSpPr>
+        <p:spPr>
+          <a:xfrm>
+            <a:off x="1364459" y="2996952"/>
+            <a:ext cx="6336704" cy="354482"/>
+          </a:xfrm>
+          <a:prstGeom prst="rect">
+            <a:avLst/>
+          </a:prstGeom>
+          <a:solidFill>
+            <a:schemeClr val="tx2">
+              <a:lumMod val="20000"/>
+              <a:lumOff val="80000"/>
+            </a:schemeClr>
+          </a:solidFill>
+        </p:spPr>
+        <p:style>
+          <a:lnRef idx="2">
+            <a:schemeClr val="accent1">
+              <a:shade val="50000"/>
+            </a:schemeClr>
+          </a:lnRef>
+          <a:fillRef idx="1">
+            <a:schemeClr val="accent1"/>
+          </a:fillRef>
+          <a:effectRef idx="0">
+            <a:schemeClr val="accent1"/>
+          </a:effectRef>
+          <a:fontRef idx="minor">
+            <a:schemeClr val="lt1"/>
+          </a:fontRef>
+        </p:style>
+        <p:txBody>
+          <a:bodyPr rtlCol="0" anchor="ctr"/>
+          <a:lstStyle/>
+          <a:p>
+            <a:r>
+              <a:rPr lang="en-US" altLang="ko-KR" dirty="0" smtClean="0">
+                <a:solidFill>
+                  <a:schemeClr val="tx2"/>
+                </a:solidFill>
+              </a:rPr>
+              <a:t>	</a:t>
+            </a:r>
+            <a:r>
+              <a:rPr lang="ko-KR" altLang="en-US" dirty="0" err="1" smtClean="0">
+                <a:solidFill>
+                  <a:schemeClr val="tx2"/>
+                </a:solidFill>
+              </a:rPr>
+              <a:t>네비게이션</a:t>
+            </a:r>
+            <a:r>
+              <a:rPr lang="ko-KR" altLang="en-US" dirty="0" smtClean="0">
+                <a:solidFill>
+                  <a:schemeClr val="tx2"/>
+                </a:solidFill>
+              </a:rPr>
+              <a:t> 바</a:t>
+            </a:r>
+            <a:endParaRPr lang="ko-KR" altLang="en-US" dirty="0">
+              <a:solidFill>
+                <a:schemeClr val="tx2"/>
+              </a:solidFill>
+            </a:endParaRPr>
+          </a:p>
+        </p:txBody>
+      </p:sp>
+      <p:sp>
+        <p:nvSpPr>
+          <p:cNvPr id="9" name="직사각형 8"/>
+          <p:cNvSpPr/>
+          <p:nvPr/>
+        </p:nvSpPr>
+        <p:spPr>
+          <a:xfrm>
+            <a:off x="1364459" y="3351434"/>
+            <a:ext cx="6336704" cy="2885878"/>
+          </a:xfrm>
+          <a:prstGeom prst="rect">
+            <a:avLst/>
+          </a:prstGeom>
+          <a:noFill/>
+        </p:spPr>
+        <p:style>
+          <a:lnRef idx="2">
+            <a:schemeClr val="accent1">
+              <a:shade val="50000"/>
+            </a:schemeClr>
+          </a:lnRef>
+          <a:fillRef idx="1">
+            <a:schemeClr val="accent1"/>
+          </a:fillRef>
+          <a:effectRef idx="0">
+            <a:schemeClr val="accent1"/>
+          </a:effectRef>
+          <a:fontRef idx="minor">
+            <a:schemeClr val="lt1"/>
+          </a:fontRef>
+        </p:style>
+        <p:txBody>
+          <a:bodyPr rtlCol="0" anchor="ctr"/>
+          <a:lstStyle/>
+          <a:p>
+            <a:endParaRPr lang="ko-KR" altLang="en-US" dirty="0">
+              <a:solidFill>
+                <a:schemeClr val="tx2"/>
+              </a:solidFill>
+            </a:endParaRPr>
+          </a:p>
+        </p:txBody>
+      </p:sp>
+      <p:sp>
+        <p:nvSpPr>
+          <p:cNvPr id="17" name="직사각형 16"/>
+          <p:cNvSpPr/>
+          <p:nvPr/>
+        </p:nvSpPr>
+        <p:spPr>
+          <a:xfrm>
+            <a:off x="1364459" y="6237312"/>
+            <a:ext cx="6336704" cy="354482"/>
+          </a:xfrm>
+          <a:prstGeom prst="rect">
+            <a:avLst/>
+          </a:prstGeom>
+          <a:solidFill>
+            <a:schemeClr val="tx2">
+              <a:lumMod val="20000"/>
+              <a:lumOff val="80000"/>
+            </a:schemeClr>
+          </a:solidFill>
+        </p:spPr>
+        <p:style>
+          <a:lnRef idx="2">
+            <a:schemeClr val="accent1">
+              <a:shade val="50000"/>
+            </a:schemeClr>
+          </a:lnRef>
+          <a:fillRef idx="1">
+            <a:schemeClr val="accent1"/>
+          </a:fillRef>
+          <a:effectRef idx="0">
+            <a:schemeClr val="accent1"/>
+          </a:effectRef>
+          <a:fontRef idx="minor">
+            <a:schemeClr val="lt1"/>
+          </a:fontRef>
+        </p:style>
+        <p:txBody>
+          <a:bodyPr rtlCol="0" anchor="ctr"/>
+          <a:lstStyle/>
+          <a:p>
+            <a:r>
+              <a:rPr lang="en-US" altLang="ko-KR" dirty="0" smtClean="0">
+                <a:solidFill>
+                  <a:schemeClr val="tx2"/>
+                </a:solidFill>
+              </a:rPr>
+              <a:t>	</a:t>
+            </a:r>
+            <a:endParaRPr lang="ko-KR" altLang="en-US" dirty="0">
+              <a:solidFill>
+                <a:schemeClr val="tx2"/>
+              </a:solidFill>
+            </a:endParaRPr>
+          </a:p>
+        </p:txBody>
+      </p:sp>
+      <p:sp>
+        <p:nvSpPr>
+          <p:cNvPr id="19" name="직사각형 18"/>
+          <p:cNvSpPr/>
+          <p:nvPr/>
+        </p:nvSpPr>
+        <p:spPr>
+          <a:xfrm>
+            <a:off x="1763688" y="3717032"/>
+            <a:ext cx="1440160" cy="828092"/>
+          </a:xfrm>
+          <a:prstGeom prst="rect">
+            <a:avLst/>
+          </a:prstGeom>
+          <a:noFill/>
+        </p:spPr>
+        <p:style>
+          <a:lnRef idx="2">
+            <a:schemeClr val="accent1">
+              <a:shade val="50000"/>
+            </a:schemeClr>
+          </a:lnRef>
+          <a:fillRef idx="1">
+            <a:schemeClr val="accent1"/>
+          </a:fillRef>
+          <a:effectRef idx="0">
+            <a:schemeClr val="accent1"/>
+          </a:effectRef>
+          <a:fontRef idx="minor">
+            <a:schemeClr val="lt1"/>
+          </a:fontRef>
+        </p:style>
+        <p:txBody>
+          <a:bodyPr rtlCol="0" anchor="ctr"/>
+          <a:lstStyle/>
+          <a:p>
+            <a:pPr algn="ctr"/>
+            <a:r>
+              <a:rPr lang="ko-KR" altLang="en-US" dirty="0" err="1" smtClean="0">
+                <a:solidFill>
+                  <a:schemeClr val="tx2"/>
+                </a:solidFill>
+              </a:rPr>
+              <a:t>샵</a:t>
+            </a:r>
+            <a:r>
+              <a:rPr lang="en-US" altLang="ko-KR" dirty="0" smtClean="0">
+                <a:solidFill>
+                  <a:schemeClr val="tx2"/>
+                </a:solidFill>
+              </a:rPr>
+              <a:t>#1</a:t>
+            </a:r>
+            <a:endParaRPr lang="ko-KR" altLang="en-US" dirty="0">
+              <a:solidFill>
+                <a:schemeClr val="tx2"/>
+              </a:solidFill>
+            </a:endParaRPr>
+          </a:p>
+        </p:txBody>
+      </p:sp>
+      <p:sp>
+        <p:nvSpPr>
+          <p:cNvPr id="20" name="직사각형 19"/>
+          <p:cNvSpPr/>
+          <p:nvPr/>
+        </p:nvSpPr>
+        <p:spPr>
+          <a:xfrm>
+            <a:off x="3812731" y="3717032"/>
+            <a:ext cx="1440160" cy="828092"/>
+          </a:xfrm>
+          <a:prstGeom prst="rect">
+            <a:avLst/>
+          </a:prstGeom>
+          <a:noFill/>
+        </p:spPr>
+        <p:style>
+          <a:lnRef idx="2">
+            <a:schemeClr val="accent1">
+              <a:shade val="50000"/>
+            </a:schemeClr>
+          </a:lnRef>
+          <a:fillRef idx="1">
+            <a:schemeClr val="accent1"/>
+          </a:fillRef>
+          <a:effectRef idx="0">
+            <a:schemeClr val="accent1"/>
+          </a:effectRef>
+          <a:fontRef idx="minor">
+            <a:schemeClr val="lt1"/>
+          </a:fontRef>
+        </p:style>
+        <p:txBody>
+          <a:bodyPr rtlCol="0" anchor="ctr"/>
+          <a:lstStyle/>
+          <a:p>
+            <a:pPr algn="ctr"/>
+            <a:r>
+              <a:rPr lang="ko-KR" altLang="en-US" dirty="0" err="1" smtClean="0">
+                <a:solidFill>
+                  <a:schemeClr val="tx2"/>
+                </a:solidFill>
+              </a:rPr>
+              <a:t>샵</a:t>
+            </a:r>
+            <a:r>
+              <a:rPr lang="en-US" altLang="ko-KR" dirty="0" smtClean="0">
+                <a:solidFill>
+                  <a:schemeClr val="tx2"/>
+                </a:solidFill>
+              </a:rPr>
+              <a:t>#2</a:t>
+            </a:r>
+            <a:endParaRPr lang="ko-KR" altLang="en-US" dirty="0">
+              <a:solidFill>
+                <a:schemeClr val="tx2"/>
+              </a:solidFill>
+            </a:endParaRPr>
+          </a:p>
+        </p:txBody>
+      </p:sp>
+      <p:sp>
+        <p:nvSpPr>
+          <p:cNvPr id="21" name="직사각형 20"/>
+          <p:cNvSpPr/>
+          <p:nvPr/>
+        </p:nvSpPr>
+        <p:spPr>
+          <a:xfrm>
+            <a:off x="5833475" y="3717032"/>
+            <a:ext cx="1440160" cy="828092"/>
+          </a:xfrm>
+          <a:prstGeom prst="rect">
+            <a:avLst/>
+          </a:prstGeom>
+          <a:noFill/>
+        </p:spPr>
+        <p:style>
+          <a:lnRef idx="2">
+            <a:schemeClr val="accent1">
+              <a:shade val="50000"/>
+            </a:schemeClr>
+          </a:lnRef>
+          <a:fillRef idx="1">
+            <a:schemeClr val="accent1"/>
+          </a:fillRef>
+          <a:effectRef idx="0">
+            <a:schemeClr val="accent1"/>
+          </a:effectRef>
+          <a:fontRef idx="minor">
+            <a:schemeClr val="lt1"/>
+          </a:fontRef>
+        </p:style>
+        <p:txBody>
+          <a:bodyPr rtlCol="0" anchor="ctr"/>
+          <a:lstStyle/>
+          <a:p>
+            <a:pPr algn="ctr"/>
+            <a:r>
+              <a:rPr lang="ko-KR" altLang="en-US" dirty="0" err="1" smtClean="0">
+                <a:solidFill>
+                  <a:schemeClr val="tx2"/>
+                </a:solidFill>
+              </a:rPr>
+              <a:t>샵</a:t>
+            </a:r>
+            <a:r>
+              <a:rPr lang="en-US" altLang="ko-KR" dirty="0" smtClean="0">
+                <a:solidFill>
+                  <a:schemeClr val="tx2"/>
+                </a:solidFill>
+              </a:rPr>
+              <a:t>#3</a:t>
+            </a:r>
+            <a:endParaRPr lang="ko-KR" altLang="en-US" dirty="0">
+              <a:solidFill>
+                <a:schemeClr val="tx2"/>
+              </a:solidFill>
+            </a:endParaRPr>
+          </a:p>
+        </p:txBody>
+      </p:sp>
+      <p:sp>
+        <p:nvSpPr>
+          <p:cNvPr id="22" name="직사각형 21"/>
+          <p:cNvSpPr/>
+          <p:nvPr/>
+        </p:nvSpPr>
+        <p:spPr>
+          <a:xfrm>
+            <a:off x="1763688" y="4809061"/>
+            <a:ext cx="1440160" cy="828092"/>
+          </a:xfrm>
+          <a:prstGeom prst="rect">
+            <a:avLst/>
+          </a:prstGeom>
+          <a:noFill/>
+        </p:spPr>
+        <p:style>
+          <a:lnRef idx="2">
+            <a:schemeClr val="accent1">
+              <a:shade val="50000"/>
+            </a:schemeClr>
+          </a:lnRef>
+          <a:fillRef idx="1">
+            <a:schemeClr val="accent1"/>
+          </a:fillRef>
+          <a:effectRef idx="0">
+            <a:schemeClr val="accent1"/>
+          </a:effectRef>
+          <a:fontRef idx="minor">
+            <a:schemeClr val="lt1"/>
+          </a:fontRef>
+        </p:style>
+        <p:txBody>
+          <a:bodyPr rtlCol="0" anchor="ctr"/>
+          <a:lstStyle/>
+          <a:p>
+            <a:pPr algn="ctr"/>
+            <a:r>
+              <a:rPr lang="ko-KR" altLang="en-US" dirty="0" err="1" smtClean="0">
+                <a:solidFill>
+                  <a:schemeClr val="tx2"/>
+                </a:solidFill>
+              </a:rPr>
+              <a:t>샵</a:t>
+            </a:r>
+            <a:r>
+              <a:rPr lang="en-US" altLang="ko-KR" dirty="0" smtClean="0">
+                <a:solidFill>
+                  <a:schemeClr val="tx2"/>
+                </a:solidFill>
+              </a:rPr>
+              <a:t>#4</a:t>
+            </a:r>
+            <a:endParaRPr lang="ko-KR" altLang="en-US" dirty="0">
+              <a:solidFill>
+                <a:schemeClr val="tx2"/>
+              </a:solidFill>
+            </a:endParaRPr>
+          </a:p>
+        </p:txBody>
+      </p:sp>
+      <p:sp>
+        <p:nvSpPr>
+          <p:cNvPr id="23" name="직사각형 22"/>
+          <p:cNvSpPr/>
+          <p:nvPr/>
+        </p:nvSpPr>
+        <p:spPr>
+          <a:xfrm>
+            <a:off x="3812731" y="4809061"/>
+            <a:ext cx="1440160" cy="828092"/>
+          </a:xfrm>
+          <a:prstGeom prst="rect">
+            <a:avLst/>
+          </a:prstGeom>
+          <a:noFill/>
+        </p:spPr>
+        <p:style>
+          <a:lnRef idx="2">
+            <a:schemeClr val="accent1">
+              <a:shade val="50000"/>
+            </a:schemeClr>
+          </a:lnRef>
+          <a:fillRef idx="1">
+            <a:schemeClr val="accent1"/>
+          </a:fillRef>
+          <a:effectRef idx="0">
+            <a:schemeClr val="accent1"/>
+          </a:effectRef>
+          <a:fontRef idx="minor">
+            <a:schemeClr val="lt1"/>
+          </a:fontRef>
+        </p:style>
+        <p:txBody>
+          <a:bodyPr rtlCol="0" anchor="ctr"/>
+          <a:lstStyle/>
+          <a:p>
+            <a:pPr algn="ctr"/>
+            <a:r>
+              <a:rPr lang="ko-KR" altLang="en-US" dirty="0" err="1" smtClean="0">
+                <a:solidFill>
+                  <a:schemeClr val="tx2"/>
+                </a:solidFill>
+              </a:rPr>
+              <a:t>샵</a:t>
+            </a:r>
+            <a:r>
+              <a:rPr lang="en-US" altLang="ko-KR" dirty="0" smtClean="0">
+                <a:solidFill>
+                  <a:schemeClr val="tx2"/>
+                </a:solidFill>
+              </a:rPr>
+              <a:t>#5</a:t>
+            </a:r>
+            <a:endParaRPr lang="ko-KR" altLang="en-US" dirty="0">
+              <a:solidFill>
+                <a:schemeClr val="tx2"/>
+              </a:solidFill>
+            </a:endParaRPr>
+          </a:p>
+        </p:txBody>
+      </p:sp>
+      <p:sp>
+        <p:nvSpPr>
+          <p:cNvPr id="24" name="직사각형 23"/>
+          <p:cNvSpPr/>
+          <p:nvPr/>
+        </p:nvSpPr>
+        <p:spPr>
+          <a:xfrm>
+            <a:off x="5833475" y="4809061"/>
+            <a:ext cx="1440160" cy="828092"/>
+          </a:xfrm>
+          <a:prstGeom prst="rect">
+            <a:avLst/>
+          </a:prstGeom>
+          <a:noFill/>
+        </p:spPr>
+        <p:style>
+          <a:lnRef idx="2">
+            <a:schemeClr val="accent1">
+              <a:shade val="50000"/>
+            </a:schemeClr>
+          </a:lnRef>
+          <a:fillRef idx="1">
+            <a:schemeClr val="accent1"/>
+          </a:fillRef>
+          <a:effectRef idx="0">
+            <a:schemeClr val="accent1"/>
+          </a:effectRef>
+          <a:fontRef idx="minor">
+            <a:schemeClr val="lt1"/>
+          </a:fontRef>
+        </p:style>
+        <p:txBody>
+          <a:bodyPr rtlCol="0" anchor="ctr"/>
+          <a:lstStyle/>
+          <a:p>
+            <a:pPr algn="ctr"/>
+            <a:r>
+              <a:rPr lang="ko-KR" altLang="en-US" dirty="0" err="1" smtClean="0">
+                <a:solidFill>
+                  <a:schemeClr val="tx2"/>
+                </a:solidFill>
+              </a:rPr>
+              <a:t>샵</a:t>
+            </a:r>
+            <a:r>
+              <a:rPr lang="en-US" altLang="ko-KR" dirty="0" smtClean="0">
+                <a:solidFill>
+                  <a:schemeClr val="tx2"/>
+                </a:solidFill>
+              </a:rPr>
+              <a:t>#6</a:t>
+            </a:r>
+            <a:endParaRPr lang="ko-KR" altLang="en-US" dirty="0">
+              <a:solidFill>
+                <a:schemeClr val="tx2"/>
+              </a:solidFill>
+            </a:endParaRPr>
+          </a:p>
+        </p:txBody>
+      </p:sp>
+      <p:sp>
+        <p:nvSpPr>
+          <p:cNvPr id="25" name="타원 24"/>
+          <p:cNvSpPr/>
+          <p:nvPr/>
+        </p:nvSpPr>
+        <p:spPr>
+          <a:xfrm>
+            <a:off x="4490079" y="5713430"/>
+            <a:ext cx="91834" cy="91834"/>
+          </a:xfrm>
+          <a:prstGeom prst="ellipse">
+            <a:avLst/>
+          </a:prstGeom>
+        </p:spPr>
+        <p:style>
+          <a:lnRef idx="2">
+            <a:schemeClr val="accent1">
+              <a:shade val="50000"/>
+            </a:schemeClr>
+          </a:lnRef>
+          <a:fillRef idx="1">
+            <a:schemeClr val="accent1"/>
+          </a:fillRef>
+          <a:effectRef idx="0">
+            <a:schemeClr val="accent1"/>
+          </a:effectRef>
+          <a:fontRef idx="minor">
+            <a:schemeClr val="lt1"/>
+          </a:fontRef>
+        </p:style>
+        <p:txBody>
+          <a:bodyPr rtlCol="0" anchor="ctr"/>
+          <a:lstStyle/>
+          <a:p>
+            <a:pPr algn="ctr"/>
+            <a:endParaRPr lang="ko-KR" altLang="en-US"/>
+          </a:p>
+        </p:txBody>
+      </p:sp>
+      <p:sp>
+        <p:nvSpPr>
+          <p:cNvPr id="26" name="타원 25"/>
+          <p:cNvSpPr/>
+          <p:nvPr/>
+        </p:nvSpPr>
+        <p:spPr>
+          <a:xfrm>
+            <a:off x="4490079" y="5891127"/>
+            <a:ext cx="91834" cy="91834"/>
+          </a:xfrm>
+          <a:prstGeom prst="ellipse">
+            <a:avLst/>
+          </a:prstGeom>
+        </p:spPr>
+        <p:style>
+          <a:lnRef idx="2">
+            <a:schemeClr val="accent1">
+              <a:shade val="50000"/>
+            </a:schemeClr>
+          </a:lnRef>
+          <a:fillRef idx="1">
+            <a:schemeClr val="accent1"/>
+          </a:fillRef>
+          <a:effectRef idx="0">
+            <a:schemeClr val="accent1"/>
+          </a:effectRef>
+          <a:fontRef idx="minor">
+            <a:schemeClr val="lt1"/>
+          </a:fontRef>
+        </p:style>
+        <p:txBody>
+          <a:bodyPr rtlCol="0" anchor="ctr"/>
+          <a:lstStyle/>
+          <a:p>
+            <a:pPr algn="ctr"/>
+            <a:endParaRPr lang="ko-KR" altLang="en-US"/>
+          </a:p>
+        </p:txBody>
+      </p:sp>
+      <p:sp>
+        <p:nvSpPr>
+          <p:cNvPr id="27" name="타원 26"/>
+          <p:cNvSpPr/>
+          <p:nvPr/>
+        </p:nvSpPr>
+        <p:spPr>
+          <a:xfrm>
+            <a:off x="4490079" y="6070688"/>
+            <a:ext cx="91834" cy="94616"/>
+          </a:xfrm>
+          <a:prstGeom prst="ellipse">
+            <a:avLst/>
+          </a:prstGeom>
+        </p:spPr>
+        <p:style>
+          <a:lnRef idx="2">
+            <a:schemeClr val="accent1">
+              <a:shade val="50000"/>
+            </a:schemeClr>
+          </a:lnRef>
+          <a:fillRef idx="1">
+            <a:schemeClr val="accent1"/>
+          </a:fillRef>
+          <a:effectRef idx="0">
+            <a:schemeClr val="accent1"/>
+          </a:effectRef>
+          <a:fontRef idx="minor">
+            <a:schemeClr val="lt1"/>
+          </a:fontRef>
+        </p:style>
+        <p:txBody>
+          <a:bodyPr rtlCol="0" anchor="ctr"/>
+          <a:lstStyle/>
+          <a:p>
+            <a:pPr algn="ctr"/>
             <a:endParaRPr lang="ko-KR" altLang="en-US"/>
           </a:p>
         </p:txBody>
@@ -4670,6 +5550,724 @@
     <p:extLst>
       <p:ext uri="{BB962C8B-B14F-4D97-AF65-F5344CB8AC3E}">
         <p14:creationId xmlns:p14="http://schemas.microsoft.com/office/powerpoint/2010/main" val="554485599"/>
+      </p:ext>
+    </p:extLst>
+  </p:cSld>
+  <p:clrMapOvr>
+    <a:masterClrMapping/>
+  </p:clrMapOvr>
+  <p:timing>
+    <p:tnLst>
+      <p:par>
+        <p:cTn id="1" dur="indefinite" restart="never" nodeType="tmRoot"/>
+      </p:par>
+    </p:tnLst>
+  </p:timing>
+</p:sld>
+</file>
+
+<file path=ppt/slides/slide13.xml><?xml version="1.0" encoding="utf-8"?>
+<p:sld xmlns:a="http://schemas.openxmlformats.org/drawingml/2006/main" xmlns:r="http://schemas.openxmlformats.org/officeDocument/2006/relationships" xmlns:p="http://schemas.openxmlformats.org/presentationml/2006/main">
+  <p:cSld>
+    <p:spTree>
+      <p:nvGrpSpPr>
+        <p:cNvPr id="1" name=""/>
+        <p:cNvGrpSpPr/>
+        <p:nvPr/>
+      </p:nvGrpSpPr>
+      <p:grpSpPr>
+        <a:xfrm>
+          <a:off x="0" y="0"/>
+          <a:ext cx="0" cy="0"/>
+          <a:chOff x="0" y="0"/>
+          <a:chExt cx="0" cy="0"/>
+        </a:xfrm>
+      </p:grpSpPr>
+      <p:sp>
+        <p:nvSpPr>
+          <p:cNvPr id="2" name="제목 1"/>
+          <p:cNvSpPr>
+            <a:spLocks noGrp="1"/>
+          </p:cNvSpPr>
+          <p:nvPr>
+            <p:ph type="title"/>
+          </p:nvPr>
+        </p:nvSpPr>
+        <p:spPr/>
+        <p:txBody>
+          <a:bodyPr/>
+          <a:lstStyle/>
+          <a:p>
+            <a:r>
+              <a:rPr lang="ko-KR" altLang="en-US" dirty="0" smtClean="0"/>
+              <a:t>레이아웃 </a:t>
+            </a:r>
+            <a:r>
+              <a:rPr lang="en-US" altLang="ko-KR" dirty="0" smtClean="0"/>
+              <a:t>– </a:t>
+            </a:r>
+            <a:r>
+              <a:rPr lang="ko-KR" altLang="en-US" dirty="0" err="1" smtClean="0"/>
+              <a:t>샵</a:t>
+            </a:r>
+            <a:r>
+              <a:rPr lang="ko-KR" altLang="en-US" dirty="0" smtClean="0"/>
+              <a:t> 리스트</a:t>
+            </a:r>
+            <a:r>
+              <a:rPr lang="en-US" altLang="ko-KR" dirty="0" smtClean="0"/>
+              <a:t>(2)</a:t>
+            </a:r>
+            <a:endParaRPr lang="ko-KR" altLang="en-US" dirty="0"/>
+          </a:p>
+        </p:txBody>
+      </p:sp>
+      <p:sp>
+        <p:nvSpPr>
+          <p:cNvPr id="3" name="내용 개체 틀 2"/>
+          <p:cNvSpPr>
+            <a:spLocks noGrp="1"/>
+          </p:cNvSpPr>
+          <p:nvPr>
+            <p:ph idx="1"/>
+          </p:nvPr>
+        </p:nvSpPr>
+        <p:spPr/>
+        <p:txBody>
+          <a:bodyPr/>
+          <a:lstStyle/>
+          <a:p>
+            <a:r>
+              <a:rPr lang="ko-KR" altLang="en-US" dirty="0" err="1" smtClean="0"/>
+              <a:t>모바</a:t>
+            </a:r>
+            <a:r>
+              <a:rPr lang="ko-KR" altLang="en-US" dirty="0" err="1"/>
+              <a:t>일</a:t>
+            </a:r>
+            <a:endParaRPr lang="ko-KR" altLang="en-US" dirty="0"/>
+          </a:p>
+        </p:txBody>
+      </p:sp>
+      <p:sp>
+        <p:nvSpPr>
+          <p:cNvPr id="4" name="직사각형 3"/>
+          <p:cNvSpPr/>
+          <p:nvPr/>
+        </p:nvSpPr>
+        <p:spPr>
+          <a:xfrm>
+            <a:off x="2825444" y="1916832"/>
+            <a:ext cx="3258449" cy="4392488"/>
+          </a:xfrm>
+          <a:prstGeom prst="rect">
+            <a:avLst/>
+          </a:prstGeom>
+          <a:noFill/>
+        </p:spPr>
+        <p:style>
+          <a:lnRef idx="2">
+            <a:schemeClr val="accent1">
+              <a:shade val="50000"/>
+            </a:schemeClr>
+          </a:lnRef>
+          <a:fillRef idx="1">
+            <a:schemeClr val="accent1"/>
+          </a:fillRef>
+          <a:effectRef idx="0">
+            <a:schemeClr val="accent1"/>
+          </a:effectRef>
+          <a:fontRef idx="minor">
+            <a:schemeClr val="lt1"/>
+          </a:fontRef>
+        </p:style>
+        <p:txBody>
+          <a:bodyPr rtlCol="0" anchor="ctr"/>
+          <a:lstStyle/>
+          <a:p>
+            <a:pPr algn="ctr"/>
+            <a:endParaRPr lang="ko-KR" altLang="en-US"/>
+          </a:p>
+        </p:txBody>
+      </p:sp>
+      <p:sp>
+        <p:nvSpPr>
+          <p:cNvPr id="5" name="직사각형 4"/>
+          <p:cNvSpPr/>
+          <p:nvPr/>
+        </p:nvSpPr>
+        <p:spPr>
+          <a:xfrm>
+            <a:off x="2973423" y="2132856"/>
+            <a:ext cx="2956120" cy="432048"/>
+          </a:xfrm>
+          <a:prstGeom prst="rect">
+            <a:avLst/>
+          </a:prstGeom>
+          <a:noFill/>
+        </p:spPr>
+        <p:style>
+          <a:lnRef idx="2">
+            <a:schemeClr val="accent1">
+              <a:shade val="50000"/>
+            </a:schemeClr>
+          </a:lnRef>
+          <a:fillRef idx="1">
+            <a:schemeClr val="accent1"/>
+          </a:fillRef>
+          <a:effectRef idx="0">
+            <a:schemeClr val="accent1"/>
+          </a:effectRef>
+          <a:fontRef idx="minor">
+            <a:schemeClr val="lt1"/>
+          </a:fontRef>
+        </p:style>
+        <p:txBody>
+          <a:bodyPr rtlCol="0" anchor="ctr"/>
+          <a:lstStyle/>
+          <a:p>
+            <a:r>
+              <a:rPr lang="ko-KR" altLang="en-US" dirty="0" smtClean="0">
+                <a:solidFill>
+                  <a:schemeClr val="tx2"/>
+                </a:solidFill>
+              </a:rPr>
+              <a:t>로고</a:t>
+            </a:r>
+            <a:endParaRPr lang="ko-KR" altLang="en-US" dirty="0">
+              <a:solidFill>
+                <a:schemeClr val="tx2"/>
+              </a:solidFill>
+            </a:endParaRPr>
+          </a:p>
+        </p:txBody>
+      </p:sp>
+      <p:sp>
+        <p:nvSpPr>
+          <p:cNvPr id="6" name="직사각형 5"/>
+          <p:cNvSpPr/>
+          <p:nvPr/>
+        </p:nvSpPr>
+        <p:spPr>
+          <a:xfrm>
+            <a:off x="4385845" y="2132856"/>
+            <a:ext cx="735759" cy="216024"/>
+          </a:xfrm>
+          <a:prstGeom prst="rect">
+            <a:avLst/>
+          </a:prstGeom>
+          <a:noFill/>
+        </p:spPr>
+        <p:style>
+          <a:lnRef idx="2">
+            <a:schemeClr val="accent1">
+              <a:shade val="50000"/>
+            </a:schemeClr>
+          </a:lnRef>
+          <a:fillRef idx="1">
+            <a:schemeClr val="accent1"/>
+          </a:fillRef>
+          <a:effectRef idx="0">
+            <a:schemeClr val="accent1"/>
+          </a:effectRef>
+          <a:fontRef idx="minor">
+            <a:schemeClr val="lt1"/>
+          </a:fontRef>
+        </p:style>
+        <p:txBody>
+          <a:bodyPr rtlCol="0" anchor="ctr"/>
+          <a:lstStyle/>
+          <a:p>
+            <a:pPr algn="ctr"/>
+            <a:r>
+              <a:rPr lang="ko-KR" altLang="en-US" sz="1100" dirty="0" smtClean="0">
+                <a:solidFill>
+                  <a:schemeClr val="tx2"/>
+                </a:solidFill>
+              </a:rPr>
+              <a:t>로그인</a:t>
+            </a:r>
+            <a:endParaRPr lang="ko-KR" altLang="en-US" sz="1100" dirty="0">
+              <a:solidFill>
+                <a:schemeClr val="tx2"/>
+              </a:solidFill>
+            </a:endParaRPr>
+          </a:p>
+        </p:txBody>
+      </p:sp>
+      <p:sp>
+        <p:nvSpPr>
+          <p:cNvPr id="7" name="직사각형 6"/>
+          <p:cNvSpPr/>
+          <p:nvPr/>
+        </p:nvSpPr>
+        <p:spPr>
+          <a:xfrm>
+            <a:off x="5123047" y="2132856"/>
+            <a:ext cx="807785" cy="216024"/>
+          </a:xfrm>
+          <a:prstGeom prst="rect">
+            <a:avLst/>
+          </a:prstGeom>
+          <a:noFill/>
+        </p:spPr>
+        <p:style>
+          <a:lnRef idx="2">
+            <a:schemeClr val="accent1">
+              <a:shade val="50000"/>
+            </a:schemeClr>
+          </a:lnRef>
+          <a:fillRef idx="1">
+            <a:schemeClr val="accent1"/>
+          </a:fillRef>
+          <a:effectRef idx="0">
+            <a:schemeClr val="accent1"/>
+          </a:effectRef>
+          <a:fontRef idx="minor">
+            <a:schemeClr val="lt1"/>
+          </a:fontRef>
+        </p:style>
+        <p:txBody>
+          <a:bodyPr rtlCol="0" anchor="ctr"/>
+          <a:lstStyle/>
+          <a:p>
+            <a:pPr algn="ctr"/>
+            <a:r>
+              <a:rPr lang="ko-KR" altLang="en-US" sz="1100" dirty="0" smtClean="0">
+                <a:solidFill>
+                  <a:schemeClr val="tx2"/>
+                </a:solidFill>
+              </a:rPr>
+              <a:t>회원가</a:t>
+            </a:r>
+            <a:r>
+              <a:rPr lang="ko-KR" altLang="en-US" sz="1100" dirty="0">
+                <a:solidFill>
+                  <a:schemeClr val="tx2"/>
+                </a:solidFill>
+              </a:rPr>
+              <a:t>입</a:t>
+            </a:r>
+            <a:endParaRPr lang="ko-KR" altLang="en-US" sz="1400" dirty="0">
+              <a:solidFill>
+                <a:schemeClr val="tx2"/>
+              </a:solidFill>
+            </a:endParaRPr>
+          </a:p>
+        </p:txBody>
+      </p:sp>
+      <p:sp>
+        <p:nvSpPr>
+          <p:cNvPr id="8" name="직사각형 7"/>
+          <p:cNvSpPr/>
+          <p:nvPr/>
+        </p:nvSpPr>
+        <p:spPr>
+          <a:xfrm>
+            <a:off x="2973423" y="2708920"/>
+            <a:ext cx="2956120" cy="3456384"/>
+          </a:xfrm>
+          <a:prstGeom prst="rect">
+            <a:avLst/>
+          </a:prstGeom>
+          <a:noFill/>
+        </p:spPr>
+        <p:style>
+          <a:lnRef idx="2">
+            <a:schemeClr val="accent1">
+              <a:shade val="50000"/>
+            </a:schemeClr>
+          </a:lnRef>
+          <a:fillRef idx="1">
+            <a:schemeClr val="accent1"/>
+          </a:fillRef>
+          <a:effectRef idx="0">
+            <a:schemeClr val="accent1"/>
+          </a:effectRef>
+          <a:fontRef idx="minor">
+            <a:schemeClr val="lt1"/>
+          </a:fontRef>
+        </p:style>
+        <p:txBody>
+          <a:bodyPr rtlCol="0" anchor="ctr"/>
+          <a:lstStyle/>
+          <a:p>
+            <a:endParaRPr lang="ko-KR" altLang="en-US" dirty="0">
+              <a:solidFill>
+                <a:schemeClr val="tx2"/>
+              </a:solidFill>
+            </a:endParaRPr>
+          </a:p>
+        </p:txBody>
+      </p:sp>
+      <p:sp>
+        <p:nvSpPr>
+          <p:cNvPr id="15" name="직사각형 14"/>
+          <p:cNvSpPr/>
+          <p:nvPr/>
+        </p:nvSpPr>
+        <p:spPr>
+          <a:xfrm>
+            <a:off x="3119495" y="2887566"/>
+            <a:ext cx="2663976" cy="648072"/>
+          </a:xfrm>
+          <a:prstGeom prst="rect">
+            <a:avLst/>
+          </a:prstGeom>
+          <a:noFill/>
+        </p:spPr>
+        <p:style>
+          <a:lnRef idx="2">
+            <a:schemeClr val="accent1">
+              <a:shade val="50000"/>
+            </a:schemeClr>
+          </a:lnRef>
+          <a:fillRef idx="1">
+            <a:schemeClr val="accent1"/>
+          </a:fillRef>
+          <a:effectRef idx="0">
+            <a:schemeClr val="accent1"/>
+          </a:effectRef>
+          <a:fontRef idx="minor">
+            <a:schemeClr val="lt1"/>
+          </a:fontRef>
+        </p:style>
+        <p:txBody>
+          <a:bodyPr rtlCol="0" anchor="ctr"/>
+          <a:lstStyle/>
+          <a:p>
+            <a:pPr algn="ctr"/>
+            <a:r>
+              <a:rPr lang="ko-KR" altLang="en-US" dirty="0" err="1" smtClean="0">
+                <a:solidFill>
+                  <a:schemeClr val="tx2"/>
+                </a:solidFill>
+              </a:rPr>
+              <a:t>샵</a:t>
+            </a:r>
+            <a:r>
+              <a:rPr lang="en-US" altLang="ko-KR" dirty="0" smtClean="0">
+                <a:solidFill>
+                  <a:schemeClr val="tx2"/>
+                </a:solidFill>
+              </a:rPr>
+              <a:t>#1</a:t>
+            </a:r>
+            <a:endParaRPr lang="ko-KR" altLang="en-US" dirty="0">
+              <a:solidFill>
+                <a:schemeClr val="tx2"/>
+              </a:solidFill>
+            </a:endParaRPr>
+          </a:p>
+        </p:txBody>
+      </p:sp>
+      <p:sp>
+        <p:nvSpPr>
+          <p:cNvPr id="16" name="직사각형 15"/>
+          <p:cNvSpPr/>
+          <p:nvPr/>
+        </p:nvSpPr>
+        <p:spPr>
+          <a:xfrm>
+            <a:off x="3119495" y="3527603"/>
+            <a:ext cx="2663976" cy="648072"/>
+          </a:xfrm>
+          <a:prstGeom prst="rect">
+            <a:avLst/>
+          </a:prstGeom>
+          <a:noFill/>
+        </p:spPr>
+        <p:style>
+          <a:lnRef idx="2">
+            <a:schemeClr val="accent1">
+              <a:shade val="50000"/>
+            </a:schemeClr>
+          </a:lnRef>
+          <a:fillRef idx="1">
+            <a:schemeClr val="accent1"/>
+          </a:fillRef>
+          <a:effectRef idx="0">
+            <a:schemeClr val="accent1"/>
+          </a:effectRef>
+          <a:fontRef idx="minor">
+            <a:schemeClr val="lt1"/>
+          </a:fontRef>
+        </p:style>
+        <p:txBody>
+          <a:bodyPr rtlCol="0" anchor="ctr"/>
+          <a:lstStyle/>
+          <a:p>
+            <a:pPr algn="ctr"/>
+            <a:r>
+              <a:rPr lang="ko-KR" altLang="en-US" dirty="0" err="1" smtClean="0">
+                <a:solidFill>
+                  <a:schemeClr val="tx2"/>
+                </a:solidFill>
+              </a:rPr>
+              <a:t>샵</a:t>
+            </a:r>
+            <a:r>
+              <a:rPr lang="en-US" altLang="ko-KR" dirty="0" smtClean="0">
+                <a:solidFill>
+                  <a:schemeClr val="tx2"/>
+                </a:solidFill>
+              </a:rPr>
+              <a:t>#2</a:t>
+            </a:r>
+            <a:endParaRPr lang="ko-KR" altLang="en-US" dirty="0">
+              <a:solidFill>
+                <a:schemeClr val="tx2"/>
+              </a:solidFill>
+            </a:endParaRPr>
+          </a:p>
+        </p:txBody>
+      </p:sp>
+      <p:sp>
+        <p:nvSpPr>
+          <p:cNvPr id="17" name="직사각형 16"/>
+          <p:cNvSpPr/>
+          <p:nvPr/>
+        </p:nvSpPr>
+        <p:spPr>
+          <a:xfrm>
+            <a:off x="3119495" y="4168496"/>
+            <a:ext cx="2663976" cy="648072"/>
+          </a:xfrm>
+          <a:prstGeom prst="rect">
+            <a:avLst/>
+          </a:prstGeom>
+          <a:noFill/>
+        </p:spPr>
+        <p:style>
+          <a:lnRef idx="2">
+            <a:schemeClr val="accent1">
+              <a:shade val="50000"/>
+            </a:schemeClr>
+          </a:lnRef>
+          <a:fillRef idx="1">
+            <a:schemeClr val="accent1"/>
+          </a:fillRef>
+          <a:effectRef idx="0">
+            <a:schemeClr val="accent1"/>
+          </a:effectRef>
+          <a:fontRef idx="minor">
+            <a:schemeClr val="lt1"/>
+          </a:fontRef>
+        </p:style>
+        <p:txBody>
+          <a:bodyPr rtlCol="0" anchor="ctr"/>
+          <a:lstStyle/>
+          <a:p>
+            <a:pPr algn="ctr"/>
+            <a:r>
+              <a:rPr lang="ko-KR" altLang="en-US" dirty="0" err="1" smtClean="0">
+                <a:solidFill>
+                  <a:schemeClr val="tx2"/>
+                </a:solidFill>
+              </a:rPr>
+              <a:t>샵</a:t>
+            </a:r>
+            <a:r>
+              <a:rPr lang="en-US" altLang="ko-KR" dirty="0" smtClean="0">
+                <a:solidFill>
+                  <a:schemeClr val="tx2"/>
+                </a:solidFill>
+              </a:rPr>
+              <a:t>#3</a:t>
+            </a:r>
+            <a:endParaRPr lang="ko-KR" altLang="en-US" dirty="0">
+              <a:solidFill>
+                <a:schemeClr val="tx2"/>
+              </a:solidFill>
+            </a:endParaRPr>
+          </a:p>
+        </p:txBody>
+      </p:sp>
+      <p:sp>
+        <p:nvSpPr>
+          <p:cNvPr id="18" name="직사각형 17"/>
+          <p:cNvSpPr/>
+          <p:nvPr/>
+        </p:nvSpPr>
+        <p:spPr>
+          <a:xfrm>
+            <a:off x="3119495" y="4816568"/>
+            <a:ext cx="2663976" cy="648072"/>
+          </a:xfrm>
+          <a:prstGeom prst="rect">
+            <a:avLst/>
+          </a:prstGeom>
+          <a:noFill/>
+        </p:spPr>
+        <p:style>
+          <a:lnRef idx="2">
+            <a:schemeClr val="accent1">
+              <a:shade val="50000"/>
+            </a:schemeClr>
+          </a:lnRef>
+          <a:fillRef idx="1">
+            <a:schemeClr val="accent1"/>
+          </a:fillRef>
+          <a:effectRef idx="0">
+            <a:schemeClr val="accent1"/>
+          </a:effectRef>
+          <a:fontRef idx="minor">
+            <a:schemeClr val="lt1"/>
+          </a:fontRef>
+        </p:style>
+        <p:txBody>
+          <a:bodyPr rtlCol="0" anchor="ctr"/>
+          <a:lstStyle/>
+          <a:p>
+            <a:pPr algn="ctr"/>
+            <a:r>
+              <a:rPr lang="ko-KR" altLang="en-US" dirty="0" err="1" smtClean="0">
+                <a:solidFill>
+                  <a:schemeClr val="tx2"/>
+                </a:solidFill>
+              </a:rPr>
+              <a:t>샵</a:t>
+            </a:r>
+            <a:r>
+              <a:rPr lang="en-US" altLang="ko-KR" dirty="0" smtClean="0">
+                <a:solidFill>
+                  <a:schemeClr val="tx2"/>
+                </a:solidFill>
+              </a:rPr>
+              <a:t>#4</a:t>
+            </a:r>
+            <a:endParaRPr lang="ko-KR" altLang="en-US" dirty="0">
+              <a:solidFill>
+                <a:schemeClr val="tx2"/>
+              </a:solidFill>
+            </a:endParaRPr>
+          </a:p>
+        </p:txBody>
+      </p:sp>
+      <p:sp>
+        <p:nvSpPr>
+          <p:cNvPr id="19" name="타원 18"/>
+          <p:cNvSpPr/>
+          <p:nvPr/>
+        </p:nvSpPr>
+        <p:spPr>
+          <a:xfrm>
+            <a:off x="4427984" y="5589240"/>
+            <a:ext cx="91834" cy="91834"/>
+          </a:xfrm>
+          <a:prstGeom prst="ellipse">
+            <a:avLst/>
+          </a:prstGeom>
+        </p:spPr>
+        <p:style>
+          <a:lnRef idx="2">
+            <a:schemeClr val="accent1">
+              <a:shade val="50000"/>
+            </a:schemeClr>
+          </a:lnRef>
+          <a:fillRef idx="1">
+            <a:schemeClr val="accent1"/>
+          </a:fillRef>
+          <a:effectRef idx="0">
+            <a:schemeClr val="accent1"/>
+          </a:effectRef>
+          <a:fontRef idx="minor">
+            <a:schemeClr val="lt1"/>
+          </a:fontRef>
+        </p:style>
+        <p:txBody>
+          <a:bodyPr rtlCol="0" anchor="ctr"/>
+          <a:lstStyle/>
+          <a:p>
+            <a:pPr algn="ctr"/>
+            <a:endParaRPr lang="ko-KR" altLang="en-US"/>
+          </a:p>
+        </p:txBody>
+      </p:sp>
+      <p:sp>
+        <p:nvSpPr>
+          <p:cNvPr id="20" name="타원 19"/>
+          <p:cNvSpPr/>
+          <p:nvPr/>
+        </p:nvSpPr>
+        <p:spPr>
+          <a:xfrm>
+            <a:off x="4427984" y="5766937"/>
+            <a:ext cx="91834" cy="91834"/>
+          </a:xfrm>
+          <a:prstGeom prst="ellipse">
+            <a:avLst/>
+          </a:prstGeom>
+        </p:spPr>
+        <p:style>
+          <a:lnRef idx="2">
+            <a:schemeClr val="accent1">
+              <a:shade val="50000"/>
+            </a:schemeClr>
+          </a:lnRef>
+          <a:fillRef idx="1">
+            <a:schemeClr val="accent1"/>
+          </a:fillRef>
+          <a:effectRef idx="0">
+            <a:schemeClr val="accent1"/>
+          </a:effectRef>
+          <a:fontRef idx="minor">
+            <a:schemeClr val="lt1"/>
+          </a:fontRef>
+        </p:style>
+        <p:txBody>
+          <a:bodyPr rtlCol="0" anchor="ctr"/>
+          <a:lstStyle/>
+          <a:p>
+            <a:pPr algn="ctr"/>
+            <a:endParaRPr lang="ko-KR" altLang="en-US"/>
+          </a:p>
+        </p:txBody>
+      </p:sp>
+      <p:sp>
+        <p:nvSpPr>
+          <p:cNvPr id="21" name="타원 20"/>
+          <p:cNvSpPr/>
+          <p:nvPr/>
+        </p:nvSpPr>
+        <p:spPr>
+          <a:xfrm>
+            <a:off x="4427984" y="5946498"/>
+            <a:ext cx="91834" cy="94616"/>
+          </a:xfrm>
+          <a:prstGeom prst="ellipse">
+            <a:avLst/>
+          </a:prstGeom>
+        </p:spPr>
+        <p:style>
+          <a:lnRef idx="2">
+            <a:schemeClr val="accent1">
+              <a:shade val="50000"/>
+            </a:schemeClr>
+          </a:lnRef>
+          <a:fillRef idx="1">
+            <a:schemeClr val="accent1"/>
+          </a:fillRef>
+          <a:effectRef idx="0">
+            <a:schemeClr val="accent1"/>
+          </a:effectRef>
+          <a:fontRef idx="minor">
+            <a:schemeClr val="lt1"/>
+          </a:fontRef>
+        </p:style>
+        <p:txBody>
+          <a:bodyPr rtlCol="0" anchor="ctr"/>
+          <a:lstStyle/>
+          <a:p>
+            <a:pPr algn="ctr"/>
+            <a:endParaRPr lang="ko-KR" altLang="en-US"/>
+          </a:p>
+        </p:txBody>
+      </p:sp>
+    </p:spTree>
+    <p:extLst>
+      <p:ext uri="{BB962C8B-B14F-4D97-AF65-F5344CB8AC3E}">
+        <p14:creationId xmlns:p14="http://schemas.microsoft.com/office/powerpoint/2010/main" val="1387297586"/>
       </p:ext>
     </p:extLst>
   </p:cSld>

--- a/docs/ttm 기획서 pt.pptx
+++ b/docs/ttm 기획서 pt.pptx
@@ -18,6 +18,7 @@
     <p:sldId id="263" r:id="rId12"/>
     <p:sldId id="266" r:id="rId13"/>
     <p:sldId id="268" r:id="rId14"/>
+    <p:sldId id="269" r:id="rId15"/>
   </p:sldIdLst>
   <p:sldSz cx="9144000" cy="6858000" type="screen4x3"/>
   <p:notesSz cx="6858000" cy="9144000"/>
@@ -6268,6 +6269,573 @@
     <p:extLst>
       <p:ext uri="{BB962C8B-B14F-4D97-AF65-F5344CB8AC3E}">
         <p14:creationId xmlns:p14="http://schemas.microsoft.com/office/powerpoint/2010/main" val="1387297586"/>
+      </p:ext>
+    </p:extLst>
+  </p:cSld>
+  <p:clrMapOvr>
+    <a:masterClrMapping/>
+  </p:clrMapOvr>
+  <p:timing>
+    <p:tnLst>
+      <p:par>
+        <p:cTn id="1" dur="indefinite" restart="never" nodeType="tmRoot"/>
+      </p:par>
+    </p:tnLst>
+  </p:timing>
+</p:sld>
+</file>
+
+<file path=ppt/slides/slide14.xml><?xml version="1.0" encoding="utf-8"?>
+<p:sld xmlns:a="http://schemas.openxmlformats.org/drawingml/2006/main" xmlns:r="http://schemas.openxmlformats.org/officeDocument/2006/relationships" xmlns:p="http://schemas.openxmlformats.org/presentationml/2006/main">
+  <p:cSld>
+    <p:spTree>
+      <p:nvGrpSpPr>
+        <p:cNvPr id="1" name=""/>
+        <p:cNvGrpSpPr/>
+        <p:nvPr/>
+      </p:nvGrpSpPr>
+      <p:grpSpPr>
+        <a:xfrm>
+          <a:off x="0" y="0"/>
+          <a:ext cx="0" cy="0"/>
+          <a:chOff x="0" y="0"/>
+          <a:chExt cx="0" cy="0"/>
+        </a:xfrm>
+      </p:grpSpPr>
+      <p:sp>
+        <p:nvSpPr>
+          <p:cNvPr id="2" name="제목 1"/>
+          <p:cNvSpPr>
+            <a:spLocks noGrp="1"/>
+          </p:cNvSpPr>
+          <p:nvPr>
+            <p:ph type="title"/>
+          </p:nvPr>
+        </p:nvSpPr>
+        <p:spPr/>
+        <p:txBody>
+          <a:bodyPr/>
+          <a:lstStyle/>
+          <a:p>
+            <a:r>
+              <a:rPr lang="ko-KR" altLang="en-US" dirty="0" smtClean="0"/>
+              <a:t>레이아웃 </a:t>
+            </a:r>
+            <a:r>
+              <a:rPr lang="en-US" altLang="ko-KR" dirty="0" smtClean="0"/>
+              <a:t>– </a:t>
+            </a:r>
+            <a:r>
+              <a:rPr lang="ko-KR" altLang="en-US" dirty="0" err="1" smtClean="0"/>
+              <a:t>샵</a:t>
+            </a:r>
+            <a:r>
+              <a:rPr lang="ko-KR" altLang="en-US" dirty="0" smtClean="0"/>
+              <a:t> 리스트</a:t>
+            </a:r>
+            <a:r>
+              <a:rPr lang="en-US" altLang="ko-KR" dirty="0" smtClean="0"/>
+              <a:t>(3)</a:t>
+            </a:r>
+            <a:endParaRPr lang="ko-KR" altLang="en-US" dirty="0"/>
+          </a:p>
+        </p:txBody>
+      </p:sp>
+      <p:sp>
+        <p:nvSpPr>
+          <p:cNvPr id="3" name="내용 개체 틀 2"/>
+          <p:cNvSpPr>
+            <a:spLocks noGrp="1"/>
+          </p:cNvSpPr>
+          <p:nvPr>
+            <p:ph idx="1"/>
+          </p:nvPr>
+        </p:nvSpPr>
+        <p:spPr/>
+        <p:txBody>
+          <a:bodyPr/>
+          <a:lstStyle/>
+          <a:p>
+            <a:r>
+              <a:rPr lang="ko-KR" altLang="en-US" dirty="0" err="1"/>
+              <a:t>샵</a:t>
+            </a:r>
+            <a:endParaRPr lang="ko-KR" altLang="en-US" dirty="0"/>
+          </a:p>
+        </p:txBody>
+      </p:sp>
+      <p:sp>
+        <p:nvSpPr>
+          <p:cNvPr id="22" name="직사각형 21"/>
+          <p:cNvSpPr/>
+          <p:nvPr/>
+        </p:nvSpPr>
+        <p:spPr>
+          <a:xfrm>
+            <a:off x="2555776" y="2348880"/>
+            <a:ext cx="4464496" cy="2448272"/>
+          </a:xfrm>
+          <a:prstGeom prst="rect">
+            <a:avLst/>
+          </a:prstGeom>
+          <a:noFill/>
+        </p:spPr>
+        <p:style>
+          <a:lnRef idx="2">
+            <a:schemeClr val="accent1">
+              <a:shade val="50000"/>
+            </a:schemeClr>
+          </a:lnRef>
+          <a:fillRef idx="1">
+            <a:schemeClr val="accent1"/>
+          </a:fillRef>
+          <a:effectRef idx="0">
+            <a:schemeClr val="accent1"/>
+          </a:effectRef>
+          <a:fontRef idx="minor">
+            <a:schemeClr val="lt1"/>
+          </a:fontRef>
+        </p:style>
+        <p:txBody>
+          <a:bodyPr rtlCol="0" anchor="ctr"/>
+          <a:lstStyle/>
+          <a:p>
+            <a:pPr algn="ctr"/>
+            <a:endParaRPr lang="ko-KR" altLang="en-US" dirty="0">
+              <a:solidFill>
+                <a:schemeClr val="tx2"/>
+              </a:solidFill>
+            </a:endParaRPr>
+          </a:p>
+        </p:txBody>
+      </p:sp>
+      <p:sp>
+        <p:nvSpPr>
+          <p:cNvPr id="9" name="직사각형 8"/>
+          <p:cNvSpPr/>
+          <p:nvPr/>
+        </p:nvSpPr>
+        <p:spPr>
+          <a:xfrm>
+            <a:off x="2672082" y="2481774"/>
+            <a:ext cx="1440160" cy="1440160"/>
+          </a:xfrm>
+          <a:prstGeom prst="rect">
+            <a:avLst/>
+          </a:prstGeom>
+          <a:noFill/>
+        </p:spPr>
+        <p:style>
+          <a:lnRef idx="2">
+            <a:schemeClr val="accent1">
+              <a:shade val="50000"/>
+            </a:schemeClr>
+          </a:lnRef>
+          <a:fillRef idx="1">
+            <a:schemeClr val="accent1"/>
+          </a:fillRef>
+          <a:effectRef idx="0">
+            <a:schemeClr val="accent1"/>
+          </a:effectRef>
+          <a:fontRef idx="minor">
+            <a:schemeClr val="lt1"/>
+          </a:fontRef>
+        </p:style>
+        <p:txBody>
+          <a:bodyPr rtlCol="0" anchor="ctr"/>
+          <a:lstStyle/>
+          <a:p>
+            <a:pPr algn="ctr"/>
+            <a:r>
+              <a:rPr lang="ko-KR" altLang="en-US" smtClean="0">
+                <a:solidFill>
+                  <a:schemeClr val="tx2"/>
+                </a:solidFill>
+              </a:rPr>
+              <a:t>샵</a:t>
+            </a:r>
+            <a:r>
+              <a:rPr lang="ko-KR" altLang="en-US" dirty="0" smtClean="0">
+                <a:solidFill>
+                  <a:schemeClr val="tx2"/>
+                </a:solidFill>
+              </a:rPr>
+              <a:t> 이미지</a:t>
+            </a:r>
+            <a:endParaRPr lang="ko-KR" altLang="en-US" dirty="0">
+              <a:solidFill>
+                <a:schemeClr val="tx2"/>
+              </a:solidFill>
+            </a:endParaRPr>
+          </a:p>
+        </p:txBody>
+      </p:sp>
+      <p:sp>
+        <p:nvSpPr>
+          <p:cNvPr id="10" name="TextBox 9"/>
+          <p:cNvSpPr txBox="1"/>
+          <p:nvPr/>
+        </p:nvSpPr>
+        <p:spPr>
+          <a:xfrm>
+            <a:off x="4797818" y="2462453"/>
+            <a:ext cx="958917" cy="369332"/>
+          </a:xfrm>
+          <a:prstGeom prst="rect">
+            <a:avLst/>
+          </a:prstGeom>
+          <a:noFill/>
+        </p:spPr>
+        <p:txBody>
+          <a:bodyPr wrap="none" rtlCol="0">
+            <a:spAutoFit/>
+          </a:bodyPr>
+          <a:lstStyle/>
+          <a:p>
+            <a:r>
+              <a:rPr lang="ko-KR" altLang="en-US" dirty="0" err="1" smtClean="0"/>
+              <a:t>샵</a:t>
+            </a:r>
+            <a:r>
+              <a:rPr lang="ko-KR" altLang="en-US" dirty="0" smtClean="0"/>
+              <a:t> 이름</a:t>
+            </a:r>
+            <a:endParaRPr lang="en-US" altLang="ko-KR" dirty="0" smtClean="0"/>
+          </a:p>
+        </p:txBody>
+      </p:sp>
+      <p:grpSp>
+        <p:nvGrpSpPr>
+          <p:cNvPr id="13" name="그룹 12"/>
+          <p:cNvGrpSpPr/>
+          <p:nvPr/>
+        </p:nvGrpSpPr>
+        <p:grpSpPr>
+          <a:xfrm>
+            <a:off x="4923082" y="2922017"/>
+            <a:ext cx="1174941" cy="216024"/>
+            <a:chOff x="4549187" y="3068960"/>
+            <a:chExt cx="1174941" cy="216024"/>
+          </a:xfrm>
+        </p:grpSpPr>
+        <p:sp>
+          <p:nvSpPr>
+            <p:cNvPr id="11" name="포인트가 5개인 별 10"/>
+            <p:cNvSpPr/>
+            <p:nvPr/>
+          </p:nvSpPr>
+          <p:spPr>
+            <a:xfrm>
+              <a:off x="4549187" y="3068960"/>
+              <a:ext cx="216024" cy="216024"/>
+            </a:xfrm>
+            <a:prstGeom prst="star5">
+              <a:avLst/>
+            </a:prstGeom>
+          </p:spPr>
+          <p:style>
+            <a:lnRef idx="2">
+              <a:schemeClr val="accent1">
+                <a:shade val="50000"/>
+              </a:schemeClr>
+            </a:lnRef>
+            <a:fillRef idx="1">
+              <a:schemeClr val="accent1"/>
+            </a:fillRef>
+            <a:effectRef idx="0">
+              <a:schemeClr val="accent1"/>
+            </a:effectRef>
+            <a:fontRef idx="minor">
+              <a:schemeClr val="lt1"/>
+            </a:fontRef>
+          </p:style>
+          <p:txBody>
+            <a:bodyPr rtlCol="0" anchor="ctr"/>
+            <a:lstStyle/>
+            <a:p>
+              <a:pPr algn="ctr"/>
+              <a:endParaRPr lang="ko-KR" altLang="en-US"/>
+            </a:p>
+          </p:txBody>
+        </p:sp>
+        <p:sp>
+          <p:nvSpPr>
+            <p:cNvPr id="23" name="포인트가 5개인 별 22"/>
+            <p:cNvSpPr/>
+            <p:nvPr/>
+          </p:nvSpPr>
+          <p:spPr>
+            <a:xfrm>
+              <a:off x="4812621" y="3068960"/>
+              <a:ext cx="216024" cy="216024"/>
+            </a:xfrm>
+            <a:prstGeom prst="star5">
+              <a:avLst/>
+            </a:prstGeom>
+          </p:spPr>
+          <p:style>
+            <a:lnRef idx="2">
+              <a:schemeClr val="accent1">
+                <a:shade val="50000"/>
+              </a:schemeClr>
+            </a:lnRef>
+            <a:fillRef idx="1">
+              <a:schemeClr val="accent1"/>
+            </a:fillRef>
+            <a:effectRef idx="0">
+              <a:schemeClr val="accent1"/>
+            </a:effectRef>
+            <a:fontRef idx="minor">
+              <a:schemeClr val="lt1"/>
+            </a:fontRef>
+          </p:style>
+          <p:txBody>
+            <a:bodyPr rtlCol="0" anchor="ctr"/>
+            <a:lstStyle/>
+            <a:p>
+              <a:pPr algn="ctr"/>
+              <a:endParaRPr lang="ko-KR" altLang="en-US"/>
+            </a:p>
+          </p:txBody>
+        </p:sp>
+        <p:sp>
+          <p:nvSpPr>
+            <p:cNvPr id="24" name="포인트가 5개인 별 23"/>
+            <p:cNvSpPr/>
+            <p:nvPr/>
+          </p:nvSpPr>
+          <p:spPr>
+            <a:xfrm>
+              <a:off x="5050992" y="3068960"/>
+              <a:ext cx="216024" cy="216024"/>
+            </a:xfrm>
+            <a:prstGeom prst="star5">
+              <a:avLst/>
+            </a:prstGeom>
+          </p:spPr>
+          <p:style>
+            <a:lnRef idx="2">
+              <a:schemeClr val="accent1">
+                <a:shade val="50000"/>
+              </a:schemeClr>
+            </a:lnRef>
+            <a:fillRef idx="1">
+              <a:schemeClr val="accent1"/>
+            </a:fillRef>
+            <a:effectRef idx="0">
+              <a:schemeClr val="accent1"/>
+            </a:effectRef>
+            <a:fontRef idx="minor">
+              <a:schemeClr val="lt1"/>
+            </a:fontRef>
+          </p:style>
+          <p:txBody>
+            <a:bodyPr rtlCol="0" anchor="ctr"/>
+            <a:lstStyle/>
+            <a:p>
+              <a:pPr algn="ctr"/>
+              <a:endParaRPr lang="ko-KR" altLang="en-US"/>
+            </a:p>
+          </p:txBody>
+        </p:sp>
+        <p:sp>
+          <p:nvSpPr>
+            <p:cNvPr id="25" name="포인트가 5개인 별 24"/>
+            <p:cNvSpPr/>
+            <p:nvPr/>
+          </p:nvSpPr>
+          <p:spPr>
+            <a:xfrm>
+              <a:off x="5292080" y="3068960"/>
+              <a:ext cx="216024" cy="216024"/>
+            </a:xfrm>
+            <a:prstGeom prst="star5">
+              <a:avLst/>
+            </a:prstGeom>
+          </p:spPr>
+          <p:style>
+            <a:lnRef idx="2">
+              <a:schemeClr val="accent1">
+                <a:shade val="50000"/>
+              </a:schemeClr>
+            </a:lnRef>
+            <a:fillRef idx="1">
+              <a:schemeClr val="accent1"/>
+            </a:fillRef>
+            <a:effectRef idx="0">
+              <a:schemeClr val="accent1"/>
+            </a:effectRef>
+            <a:fontRef idx="minor">
+              <a:schemeClr val="lt1"/>
+            </a:fontRef>
+          </p:style>
+          <p:txBody>
+            <a:bodyPr rtlCol="0" anchor="ctr"/>
+            <a:lstStyle/>
+            <a:p>
+              <a:pPr algn="ctr"/>
+              <a:endParaRPr lang="ko-KR" altLang="en-US"/>
+            </a:p>
+          </p:txBody>
+        </p:sp>
+        <p:sp>
+          <p:nvSpPr>
+            <p:cNvPr id="26" name="포인트가 5개인 별 25"/>
+            <p:cNvSpPr/>
+            <p:nvPr/>
+          </p:nvSpPr>
+          <p:spPr>
+            <a:xfrm>
+              <a:off x="5508104" y="3068960"/>
+              <a:ext cx="216024" cy="216024"/>
+            </a:xfrm>
+            <a:prstGeom prst="star5">
+              <a:avLst/>
+            </a:prstGeom>
+          </p:spPr>
+          <p:style>
+            <a:lnRef idx="2">
+              <a:schemeClr val="accent1">
+                <a:shade val="50000"/>
+              </a:schemeClr>
+            </a:lnRef>
+            <a:fillRef idx="1">
+              <a:schemeClr val="accent1"/>
+            </a:fillRef>
+            <a:effectRef idx="0">
+              <a:schemeClr val="accent1"/>
+            </a:effectRef>
+            <a:fontRef idx="minor">
+              <a:schemeClr val="lt1"/>
+            </a:fontRef>
+          </p:style>
+          <p:txBody>
+            <a:bodyPr rtlCol="0" anchor="ctr"/>
+            <a:lstStyle/>
+            <a:p>
+              <a:pPr algn="ctr"/>
+              <a:endParaRPr lang="ko-KR" altLang="en-US"/>
+            </a:p>
+          </p:txBody>
+        </p:sp>
+      </p:grpSp>
+      <p:sp>
+        <p:nvSpPr>
+          <p:cNvPr id="12" name="TextBox 11"/>
+          <p:cNvSpPr txBox="1"/>
+          <p:nvPr/>
+        </p:nvSpPr>
+        <p:spPr>
+          <a:xfrm>
+            <a:off x="4841004" y="3247245"/>
+            <a:ext cx="646331" cy="369332"/>
+          </a:xfrm>
+          <a:prstGeom prst="rect">
+            <a:avLst/>
+          </a:prstGeom>
+          <a:noFill/>
+        </p:spPr>
+        <p:txBody>
+          <a:bodyPr wrap="none" rtlCol="0">
+            <a:spAutoFit/>
+          </a:bodyPr>
+          <a:lstStyle/>
+          <a:p>
+            <a:r>
+              <a:rPr lang="ko-KR" altLang="en-US" dirty="0" smtClean="0"/>
+              <a:t>지역</a:t>
+            </a:r>
+            <a:endParaRPr lang="ko-KR" altLang="en-US" dirty="0"/>
+          </a:p>
+        </p:txBody>
+      </p:sp>
+      <p:sp>
+        <p:nvSpPr>
+          <p:cNvPr id="27" name="TextBox 26"/>
+          <p:cNvSpPr txBox="1"/>
+          <p:nvPr/>
+        </p:nvSpPr>
+        <p:spPr>
+          <a:xfrm>
+            <a:off x="4841004" y="3614581"/>
+            <a:ext cx="958917" cy="369332"/>
+          </a:xfrm>
+          <a:prstGeom prst="rect">
+            <a:avLst/>
+          </a:prstGeom>
+          <a:noFill/>
+        </p:spPr>
+        <p:txBody>
+          <a:bodyPr wrap="none" rtlCol="0">
+            <a:spAutoFit/>
+          </a:bodyPr>
+          <a:lstStyle/>
+          <a:p>
+            <a:r>
+              <a:rPr lang="ko-KR" altLang="en-US" dirty="0" smtClean="0"/>
+              <a:t>리뷰 수</a:t>
+            </a:r>
+            <a:endParaRPr lang="ko-KR" altLang="en-US" dirty="0"/>
+          </a:p>
+        </p:txBody>
+      </p:sp>
+      <p:sp>
+        <p:nvSpPr>
+          <p:cNvPr id="14" name="직사각형 13"/>
+          <p:cNvSpPr/>
+          <p:nvPr/>
+        </p:nvSpPr>
+        <p:spPr>
+          <a:xfrm>
+            <a:off x="3707904" y="4221088"/>
+            <a:ext cx="2174095" cy="360040"/>
+          </a:xfrm>
+          <a:prstGeom prst="rect">
+            <a:avLst/>
+          </a:prstGeom>
+          <a:noFill/>
+        </p:spPr>
+        <p:style>
+          <a:lnRef idx="2">
+            <a:schemeClr val="accent1">
+              <a:shade val="50000"/>
+            </a:schemeClr>
+          </a:lnRef>
+          <a:fillRef idx="1">
+            <a:schemeClr val="accent1"/>
+          </a:fillRef>
+          <a:effectRef idx="0">
+            <a:schemeClr val="accent1"/>
+          </a:effectRef>
+          <a:fontRef idx="minor">
+            <a:schemeClr val="lt1"/>
+          </a:fontRef>
+        </p:style>
+        <p:txBody>
+          <a:bodyPr rtlCol="0" anchor="ctr"/>
+          <a:lstStyle/>
+          <a:p>
+            <a:pPr algn="ctr"/>
+            <a:r>
+              <a:rPr lang="ko-KR" altLang="en-US" dirty="0" smtClean="0">
+                <a:solidFill>
+                  <a:schemeClr val="tx2"/>
+                </a:solidFill>
+              </a:rPr>
+              <a:t>연락하기</a:t>
+            </a:r>
+            <a:endParaRPr lang="ko-KR" altLang="en-US" dirty="0">
+              <a:solidFill>
+                <a:schemeClr val="tx2"/>
+              </a:solidFill>
+            </a:endParaRPr>
+          </a:p>
+        </p:txBody>
+      </p:sp>
+    </p:spTree>
+    <p:extLst>
+      <p:ext uri="{BB962C8B-B14F-4D97-AF65-F5344CB8AC3E}">
+        <p14:creationId xmlns:p14="http://schemas.microsoft.com/office/powerpoint/2010/main" val="1444779495"/>
       </p:ext>
     </p:extLst>
   </p:cSld>

--- a/docs/ttm 기획서 pt.pptx
+++ b/docs/ttm 기획서 pt.pptx
@@ -19,6 +19,8 @@
     <p:sldId id="266" r:id="rId13"/>
     <p:sldId id="268" r:id="rId14"/>
     <p:sldId id="269" r:id="rId15"/>
+    <p:sldId id="270" r:id="rId16"/>
+    <p:sldId id="271" r:id="rId17"/>
   </p:sldIdLst>
   <p:sldSz cx="9144000" cy="6858000" type="screen4x3"/>
   <p:notesSz cx="6858000" cy="9144000"/>
@@ -301,7 +303,7 @@
           <a:p>
             <a:fld id="{FB30EDBD-1C2D-4C1E-B459-B60219FAB484}" type="datetimeFigureOut">
               <a:rPr lang="ko-KR" altLang="en-US" smtClean="0"/>
-              <a:t>2015-04-21</a:t>
+              <a:t>2015-04-22</a:t>
             </a:fld>
             <a:endParaRPr lang="ko-KR" altLang="en-US"/>
           </a:p>
@@ -466,7 +468,7 @@
           <a:p>
             <a:fld id="{FB30EDBD-1C2D-4C1E-B459-B60219FAB484}" type="datetimeFigureOut">
               <a:rPr lang="ko-KR" altLang="en-US" smtClean="0"/>
-              <a:t>2015-04-21</a:t>
+              <a:t>2015-04-22</a:t>
             </a:fld>
             <a:endParaRPr lang="ko-KR" altLang="en-US"/>
           </a:p>
@@ -641,7 +643,7 @@
           <a:p>
             <a:fld id="{FB30EDBD-1C2D-4C1E-B459-B60219FAB484}" type="datetimeFigureOut">
               <a:rPr lang="ko-KR" altLang="en-US" smtClean="0"/>
-              <a:t>2015-04-21</a:t>
+              <a:t>2015-04-22</a:t>
             </a:fld>
             <a:endParaRPr lang="ko-KR" altLang="en-US"/>
           </a:p>
@@ -806,7 +808,7 @@
           <a:p>
             <a:fld id="{FB30EDBD-1C2D-4C1E-B459-B60219FAB484}" type="datetimeFigureOut">
               <a:rPr lang="ko-KR" altLang="en-US" smtClean="0"/>
-              <a:t>2015-04-21</a:t>
+              <a:t>2015-04-22</a:t>
             </a:fld>
             <a:endParaRPr lang="ko-KR" altLang="en-US"/>
           </a:p>
@@ -1047,7 +1049,7 @@
           <a:p>
             <a:fld id="{FB30EDBD-1C2D-4C1E-B459-B60219FAB484}" type="datetimeFigureOut">
               <a:rPr lang="ko-KR" altLang="en-US" smtClean="0"/>
-              <a:t>2015-04-21</a:t>
+              <a:t>2015-04-22</a:t>
             </a:fld>
             <a:endParaRPr lang="ko-KR" altLang="en-US"/>
           </a:p>
@@ -1330,7 +1332,7 @@
           <a:p>
             <a:fld id="{FB30EDBD-1C2D-4C1E-B459-B60219FAB484}" type="datetimeFigureOut">
               <a:rPr lang="ko-KR" altLang="en-US" smtClean="0"/>
-              <a:t>2015-04-21</a:t>
+              <a:t>2015-04-22</a:t>
             </a:fld>
             <a:endParaRPr lang="ko-KR" altLang="en-US"/>
           </a:p>
@@ -1747,7 +1749,7 @@
           <a:p>
             <a:fld id="{FB30EDBD-1C2D-4C1E-B459-B60219FAB484}" type="datetimeFigureOut">
               <a:rPr lang="ko-KR" altLang="en-US" smtClean="0"/>
-              <a:t>2015-04-21</a:t>
+              <a:t>2015-04-22</a:t>
             </a:fld>
             <a:endParaRPr lang="ko-KR" altLang="en-US"/>
           </a:p>
@@ -1860,7 +1862,7 @@
           <a:p>
             <a:fld id="{FB30EDBD-1C2D-4C1E-B459-B60219FAB484}" type="datetimeFigureOut">
               <a:rPr lang="ko-KR" altLang="en-US" smtClean="0"/>
-              <a:t>2015-04-21</a:t>
+              <a:t>2015-04-22</a:t>
             </a:fld>
             <a:endParaRPr lang="ko-KR" altLang="en-US"/>
           </a:p>
@@ -1950,7 +1952,7 @@
           <a:p>
             <a:fld id="{FB30EDBD-1C2D-4C1E-B459-B60219FAB484}" type="datetimeFigureOut">
               <a:rPr lang="ko-KR" altLang="en-US" smtClean="0"/>
-              <a:t>2015-04-21</a:t>
+              <a:t>2015-04-22</a:t>
             </a:fld>
             <a:endParaRPr lang="ko-KR" altLang="en-US"/>
           </a:p>
@@ -2222,7 +2224,7 @@
           <a:p>
             <a:fld id="{FB30EDBD-1C2D-4C1E-B459-B60219FAB484}" type="datetimeFigureOut">
               <a:rPr lang="ko-KR" altLang="en-US" smtClean="0"/>
-              <a:t>2015-04-21</a:t>
+              <a:t>2015-04-22</a:t>
             </a:fld>
             <a:endParaRPr lang="ko-KR" altLang="en-US"/>
           </a:p>
@@ -2470,7 +2472,7 @@
           <a:p>
             <a:fld id="{FB30EDBD-1C2D-4C1E-B459-B60219FAB484}" type="datetimeFigureOut">
               <a:rPr lang="ko-KR" altLang="en-US" smtClean="0"/>
-              <a:t>2015-04-21</a:t>
+              <a:t>2015-04-22</a:t>
             </a:fld>
             <a:endParaRPr lang="ko-KR" altLang="en-US"/>
           </a:p>
@@ -2678,7 +2680,7 @@
           <a:p>
             <a:fld id="{FB30EDBD-1C2D-4C1E-B459-B60219FAB484}" type="datetimeFigureOut">
               <a:rPr lang="ko-KR" altLang="en-US" smtClean="0"/>
-              <a:t>2015-04-21</a:t>
+              <a:t>2015-04-22</a:t>
             </a:fld>
             <a:endParaRPr lang="ko-KR" altLang="en-US"/>
           </a:p>
@@ -6852,6 +6854,1190 @@
 </p:sld>
 </file>
 
+<file path=ppt/slides/slide15.xml><?xml version="1.0" encoding="utf-8"?>
+<p:sld xmlns:a="http://schemas.openxmlformats.org/drawingml/2006/main" xmlns:r="http://schemas.openxmlformats.org/officeDocument/2006/relationships" xmlns:p="http://schemas.openxmlformats.org/presentationml/2006/main">
+  <p:cSld>
+    <p:spTree>
+      <p:nvGrpSpPr>
+        <p:cNvPr id="1" name=""/>
+        <p:cNvGrpSpPr/>
+        <p:nvPr/>
+      </p:nvGrpSpPr>
+      <p:grpSpPr>
+        <a:xfrm>
+          <a:off x="0" y="0"/>
+          <a:ext cx="0" cy="0"/>
+          <a:chOff x="0" y="0"/>
+          <a:chExt cx="0" cy="0"/>
+        </a:xfrm>
+      </p:grpSpPr>
+      <p:sp>
+        <p:nvSpPr>
+          <p:cNvPr id="2" name="제목 1"/>
+          <p:cNvSpPr>
+            <a:spLocks noGrp="1"/>
+          </p:cNvSpPr>
+          <p:nvPr>
+            <p:ph type="title"/>
+          </p:nvPr>
+        </p:nvSpPr>
+        <p:spPr/>
+        <p:txBody>
+          <a:bodyPr/>
+          <a:lstStyle/>
+          <a:p>
+            <a:r>
+              <a:rPr lang="ko-KR" altLang="en-US" dirty="0" smtClean="0"/>
+              <a:t>레이아웃 </a:t>
+            </a:r>
+            <a:r>
+              <a:rPr lang="en-US" altLang="ko-KR" dirty="0" smtClean="0"/>
+              <a:t>– </a:t>
+            </a:r>
+            <a:r>
+              <a:rPr lang="ko-KR" altLang="en-US" dirty="0" err="1" smtClean="0"/>
+              <a:t>샵</a:t>
+            </a:r>
+            <a:r>
+              <a:rPr lang="ko-KR" altLang="en-US" dirty="0" smtClean="0"/>
+              <a:t> 정보</a:t>
+            </a:r>
+            <a:endParaRPr lang="ko-KR" altLang="en-US" dirty="0"/>
+          </a:p>
+        </p:txBody>
+      </p:sp>
+      <p:sp>
+        <p:nvSpPr>
+          <p:cNvPr id="3" name="내용 개체 틀 2"/>
+          <p:cNvSpPr>
+            <a:spLocks noGrp="1"/>
+          </p:cNvSpPr>
+          <p:nvPr>
+            <p:ph idx="1"/>
+          </p:nvPr>
+        </p:nvSpPr>
+        <p:spPr/>
+        <p:txBody>
+          <a:bodyPr/>
+          <a:lstStyle/>
+          <a:p>
+            <a:r>
+              <a:rPr lang="en-US" altLang="ko-KR" dirty="0" smtClean="0"/>
+              <a:t>PC</a:t>
+            </a:r>
+            <a:endParaRPr lang="ko-KR" altLang="en-US" dirty="0"/>
+          </a:p>
+        </p:txBody>
+      </p:sp>
+      <p:sp>
+        <p:nvSpPr>
+          <p:cNvPr id="4" name="직사각형 3"/>
+          <p:cNvSpPr/>
+          <p:nvPr/>
+        </p:nvSpPr>
+        <p:spPr>
+          <a:xfrm>
+            <a:off x="1043608" y="2348880"/>
+            <a:ext cx="6984776" cy="4392488"/>
+          </a:xfrm>
+          <a:prstGeom prst="rect">
+            <a:avLst/>
+          </a:prstGeom>
+          <a:noFill/>
+        </p:spPr>
+        <p:style>
+          <a:lnRef idx="2">
+            <a:schemeClr val="accent1">
+              <a:shade val="50000"/>
+            </a:schemeClr>
+          </a:lnRef>
+          <a:fillRef idx="1">
+            <a:schemeClr val="accent1"/>
+          </a:fillRef>
+          <a:effectRef idx="0">
+            <a:schemeClr val="accent1"/>
+          </a:effectRef>
+          <a:fontRef idx="minor">
+            <a:schemeClr val="lt1"/>
+          </a:fontRef>
+        </p:style>
+        <p:txBody>
+          <a:bodyPr rtlCol="0" anchor="ctr"/>
+          <a:lstStyle/>
+          <a:p>
+            <a:pPr algn="ctr"/>
+            <a:endParaRPr lang="ko-KR" altLang="en-US"/>
+          </a:p>
+        </p:txBody>
+      </p:sp>
+      <p:sp>
+        <p:nvSpPr>
+          <p:cNvPr id="5" name="직사각형 4"/>
+          <p:cNvSpPr/>
+          <p:nvPr/>
+        </p:nvSpPr>
+        <p:spPr>
+          <a:xfrm>
+            <a:off x="1364459" y="2564904"/>
+            <a:ext cx="6336704" cy="432048"/>
+          </a:xfrm>
+          <a:prstGeom prst="rect">
+            <a:avLst/>
+          </a:prstGeom>
+          <a:noFill/>
+        </p:spPr>
+        <p:style>
+          <a:lnRef idx="2">
+            <a:schemeClr val="accent1">
+              <a:shade val="50000"/>
+            </a:schemeClr>
+          </a:lnRef>
+          <a:fillRef idx="1">
+            <a:schemeClr val="accent1"/>
+          </a:fillRef>
+          <a:effectRef idx="0">
+            <a:schemeClr val="accent1"/>
+          </a:effectRef>
+          <a:fontRef idx="minor">
+            <a:schemeClr val="lt1"/>
+          </a:fontRef>
+        </p:style>
+        <p:txBody>
+          <a:bodyPr rtlCol="0" anchor="ctr"/>
+          <a:lstStyle/>
+          <a:p>
+            <a:r>
+              <a:rPr lang="en-US" altLang="ko-KR" dirty="0" smtClean="0">
+                <a:solidFill>
+                  <a:schemeClr val="tx2"/>
+                </a:solidFill>
+              </a:rPr>
+              <a:t>	</a:t>
+            </a:r>
+            <a:r>
+              <a:rPr lang="ko-KR" altLang="en-US" dirty="0" smtClean="0">
+                <a:solidFill>
+                  <a:schemeClr val="tx2"/>
+                </a:solidFill>
+              </a:rPr>
+              <a:t>로고</a:t>
+            </a:r>
+            <a:endParaRPr lang="ko-KR" altLang="en-US" dirty="0">
+              <a:solidFill>
+                <a:schemeClr val="tx2"/>
+              </a:solidFill>
+            </a:endParaRPr>
+          </a:p>
+        </p:txBody>
+      </p:sp>
+      <p:sp>
+        <p:nvSpPr>
+          <p:cNvPr id="6" name="직사각형 5"/>
+          <p:cNvSpPr/>
+          <p:nvPr/>
+        </p:nvSpPr>
+        <p:spPr>
+          <a:xfrm>
+            <a:off x="5833475" y="2564904"/>
+            <a:ext cx="890269" cy="216024"/>
+          </a:xfrm>
+          <a:prstGeom prst="rect">
+            <a:avLst/>
+          </a:prstGeom>
+          <a:noFill/>
+        </p:spPr>
+        <p:style>
+          <a:lnRef idx="2">
+            <a:schemeClr val="accent1">
+              <a:shade val="50000"/>
+            </a:schemeClr>
+          </a:lnRef>
+          <a:fillRef idx="1">
+            <a:schemeClr val="accent1"/>
+          </a:fillRef>
+          <a:effectRef idx="0">
+            <a:schemeClr val="accent1"/>
+          </a:effectRef>
+          <a:fontRef idx="minor">
+            <a:schemeClr val="lt1"/>
+          </a:fontRef>
+        </p:style>
+        <p:txBody>
+          <a:bodyPr rtlCol="0" anchor="ctr"/>
+          <a:lstStyle/>
+          <a:p>
+            <a:pPr algn="ctr"/>
+            <a:r>
+              <a:rPr lang="ko-KR" altLang="en-US" sz="1400" dirty="0" smtClean="0">
+                <a:solidFill>
+                  <a:schemeClr val="tx2"/>
+                </a:solidFill>
+              </a:rPr>
+              <a:t>로그인</a:t>
+            </a:r>
+            <a:endParaRPr lang="ko-KR" altLang="en-US" sz="1400" dirty="0">
+              <a:solidFill>
+                <a:schemeClr val="tx2"/>
+              </a:solidFill>
+            </a:endParaRPr>
+          </a:p>
+        </p:txBody>
+      </p:sp>
+      <p:sp>
+        <p:nvSpPr>
+          <p:cNvPr id="7" name="직사각형 6"/>
+          <p:cNvSpPr/>
+          <p:nvPr/>
+        </p:nvSpPr>
+        <p:spPr>
+          <a:xfrm>
+            <a:off x="6723744" y="2564904"/>
+            <a:ext cx="977419" cy="216024"/>
+          </a:xfrm>
+          <a:prstGeom prst="rect">
+            <a:avLst/>
+          </a:prstGeom>
+          <a:noFill/>
+        </p:spPr>
+        <p:style>
+          <a:lnRef idx="2">
+            <a:schemeClr val="accent1">
+              <a:shade val="50000"/>
+            </a:schemeClr>
+          </a:lnRef>
+          <a:fillRef idx="1">
+            <a:schemeClr val="accent1"/>
+          </a:fillRef>
+          <a:effectRef idx="0">
+            <a:schemeClr val="accent1"/>
+          </a:effectRef>
+          <a:fontRef idx="minor">
+            <a:schemeClr val="lt1"/>
+          </a:fontRef>
+        </p:style>
+        <p:txBody>
+          <a:bodyPr rtlCol="0" anchor="ctr"/>
+          <a:lstStyle/>
+          <a:p>
+            <a:pPr algn="ctr"/>
+            <a:r>
+              <a:rPr lang="ko-KR" altLang="en-US" sz="1400" dirty="0" smtClean="0">
+                <a:solidFill>
+                  <a:schemeClr val="tx2"/>
+                </a:solidFill>
+              </a:rPr>
+              <a:t>회원가</a:t>
+            </a:r>
+            <a:r>
+              <a:rPr lang="ko-KR" altLang="en-US" sz="1400" dirty="0">
+                <a:solidFill>
+                  <a:schemeClr val="tx2"/>
+                </a:solidFill>
+              </a:rPr>
+              <a:t>입</a:t>
+            </a:r>
+            <a:endParaRPr lang="ko-KR" altLang="en-US" dirty="0">
+              <a:solidFill>
+                <a:schemeClr val="tx2"/>
+              </a:solidFill>
+            </a:endParaRPr>
+          </a:p>
+        </p:txBody>
+      </p:sp>
+      <p:sp>
+        <p:nvSpPr>
+          <p:cNvPr id="8" name="직사각형 7"/>
+          <p:cNvSpPr/>
+          <p:nvPr/>
+        </p:nvSpPr>
+        <p:spPr>
+          <a:xfrm>
+            <a:off x="1364459" y="2996952"/>
+            <a:ext cx="6336704" cy="354482"/>
+          </a:xfrm>
+          <a:prstGeom prst="rect">
+            <a:avLst/>
+          </a:prstGeom>
+          <a:solidFill>
+            <a:schemeClr val="tx2">
+              <a:lumMod val="20000"/>
+              <a:lumOff val="80000"/>
+            </a:schemeClr>
+          </a:solidFill>
+        </p:spPr>
+        <p:style>
+          <a:lnRef idx="2">
+            <a:schemeClr val="accent1">
+              <a:shade val="50000"/>
+            </a:schemeClr>
+          </a:lnRef>
+          <a:fillRef idx="1">
+            <a:schemeClr val="accent1"/>
+          </a:fillRef>
+          <a:effectRef idx="0">
+            <a:schemeClr val="accent1"/>
+          </a:effectRef>
+          <a:fontRef idx="minor">
+            <a:schemeClr val="lt1"/>
+          </a:fontRef>
+        </p:style>
+        <p:txBody>
+          <a:bodyPr rtlCol="0" anchor="ctr"/>
+          <a:lstStyle/>
+          <a:p>
+            <a:r>
+              <a:rPr lang="en-US" altLang="ko-KR" dirty="0" smtClean="0">
+                <a:solidFill>
+                  <a:schemeClr val="tx2"/>
+                </a:solidFill>
+              </a:rPr>
+              <a:t>	</a:t>
+            </a:r>
+            <a:r>
+              <a:rPr lang="ko-KR" altLang="en-US" dirty="0" err="1" smtClean="0">
+                <a:solidFill>
+                  <a:schemeClr val="tx2"/>
+                </a:solidFill>
+              </a:rPr>
+              <a:t>네비게이션</a:t>
+            </a:r>
+            <a:r>
+              <a:rPr lang="ko-KR" altLang="en-US" dirty="0" smtClean="0">
+                <a:solidFill>
+                  <a:schemeClr val="tx2"/>
+                </a:solidFill>
+              </a:rPr>
+              <a:t> 바</a:t>
+            </a:r>
+            <a:endParaRPr lang="ko-KR" altLang="en-US" dirty="0">
+              <a:solidFill>
+                <a:schemeClr val="tx2"/>
+              </a:solidFill>
+            </a:endParaRPr>
+          </a:p>
+        </p:txBody>
+      </p:sp>
+      <p:sp>
+        <p:nvSpPr>
+          <p:cNvPr id="9" name="직사각형 8"/>
+          <p:cNvSpPr/>
+          <p:nvPr/>
+        </p:nvSpPr>
+        <p:spPr>
+          <a:xfrm>
+            <a:off x="1364459" y="3351434"/>
+            <a:ext cx="6336704" cy="2885878"/>
+          </a:xfrm>
+          <a:prstGeom prst="rect">
+            <a:avLst/>
+          </a:prstGeom>
+          <a:noFill/>
+        </p:spPr>
+        <p:style>
+          <a:lnRef idx="2">
+            <a:schemeClr val="accent1">
+              <a:shade val="50000"/>
+            </a:schemeClr>
+          </a:lnRef>
+          <a:fillRef idx="1">
+            <a:schemeClr val="accent1"/>
+          </a:fillRef>
+          <a:effectRef idx="0">
+            <a:schemeClr val="accent1"/>
+          </a:effectRef>
+          <a:fontRef idx="minor">
+            <a:schemeClr val="lt1"/>
+          </a:fontRef>
+        </p:style>
+        <p:txBody>
+          <a:bodyPr rtlCol="0" anchor="ctr"/>
+          <a:lstStyle/>
+          <a:p>
+            <a:endParaRPr lang="ko-KR" altLang="en-US" dirty="0">
+              <a:solidFill>
+                <a:schemeClr val="tx2"/>
+              </a:solidFill>
+            </a:endParaRPr>
+          </a:p>
+        </p:txBody>
+      </p:sp>
+      <p:sp>
+        <p:nvSpPr>
+          <p:cNvPr id="10" name="직사각형 9"/>
+          <p:cNvSpPr/>
+          <p:nvPr/>
+        </p:nvSpPr>
+        <p:spPr>
+          <a:xfrm>
+            <a:off x="1364459" y="6237312"/>
+            <a:ext cx="6336704" cy="354482"/>
+          </a:xfrm>
+          <a:prstGeom prst="rect">
+            <a:avLst/>
+          </a:prstGeom>
+          <a:solidFill>
+            <a:schemeClr val="tx2">
+              <a:lumMod val="20000"/>
+              <a:lumOff val="80000"/>
+            </a:schemeClr>
+          </a:solidFill>
+        </p:spPr>
+        <p:style>
+          <a:lnRef idx="2">
+            <a:schemeClr val="accent1">
+              <a:shade val="50000"/>
+            </a:schemeClr>
+          </a:lnRef>
+          <a:fillRef idx="1">
+            <a:schemeClr val="accent1"/>
+          </a:fillRef>
+          <a:effectRef idx="0">
+            <a:schemeClr val="accent1"/>
+          </a:effectRef>
+          <a:fontRef idx="minor">
+            <a:schemeClr val="lt1"/>
+          </a:fontRef>
+        </p:style>
+        <p:txBody>
+          <a:bodyPr rtlCol="0" anchor="ctr"/>
+          <a:lstStyle/>
+          <a:p>
+            <a:r>
+              <a:rPr lang="en-US" altLang="ko-KR" dirty="0" smtClean="0">
+                <a:solidFill>
+                  <a:schemeClr val="tx2"/>
+                </a:solidFill>
+              </a:rPr>
+              <a:t>	</a:t>
+            </a:r>
+            <a:endParaRPr lang="ko-KR" altLang="en-US" dirty="0">
+              <a:solidFill>
+                <a:schemeClr val="tx2"/>
+              </a:solidFill>
+            </a:endParaRPr>
+          </a:p>
+        </p:txBody>
+      </p:sp>
+      <p:sp>
+        <p:nvSpPr>
+          <p:cNvPr id="21" name="직사각형 20"/>
+          <p:cNvSpPr/>
+          <p:nvPr/>
+        </p:nvSpPr>
+        <p:spPr>
+          <a:xfrm>
+            <a:off x="3519590" y="3356992"/>
+            <a:ext cx="2171178" cy="504056"/>
+          </a:xfrm>
+          <a:prstGeom prst="rect">
+            <a:avLst/>
+          </a:prstGeom>
+          <a:noFill/>
+        </p:spPr>
+        <p:style>
+          <a:lnRef idx="2">
+            <a:schemeClr val="accent1">
+              <a:shade val="50000"/>
+            </a:schemeClr>
+          </a:lnRef>
+          <a:fillRef idx="1">
+            <a:schemeClr val="accent1"/>
+          </a:fillRef>
+          <a:effectRef idx="0">
+            <a:schemeClr val="accent1"/>
+          </a:effectRef>
+          <a:fontRef idx="minor">
+            <a:schemeClr val="lt1"/>
+          </a:fontRef>
+        </p:style>
+        <p:txBody>
+          <a:bodyPr rtlCol="0" anchor="ctr"/>
+          <a:lstStyle/>
+          <a:p>
+            <a:pPr algn="ctr"/>
+            <a:r>
+              <a:rPr lang="ko-KR" altLang="en-US" dirty="0" smtClean="0">
+                <a:solidFill>
+                  <a:schemeClr val="tx2"/>
+                </a:solidFill>
+              </a:rPr>
+              <a:t>작품 사진</a:t>
+            </a:r>
+            <a:endParaRPr lang="ko-KR" altLang="en-US" dirty="0">
+              <a:solidFill>
+                <a:schemeClr val="tx2"/>
+              </a:solidFill>
+            </a:endParaRPr>
+          </a:p>
+        </p:txBody>
+      </p:sp>
+      <p:sp>
+        <p:nvSpPr>
+          <p:cNvPr id="22" name="직사각형 21"/>
+          <p:cNvSpPr/>
+          <p:nvPr/>
+        </p:nvSpPr>
+        <p:spPr>
+          <a:xfrm>
+            <a:off x="1359350" y="3356992"/>
+            <a:ext cx="2160240" cy="504056"/>
+          </a:xfrm>
+          <a:prstGeom prst="rect">
+            <a:avLst/>
+          </a:prstGeom>
+          <a:solidFill>
+            <a:schemeClr val="tx2">
+              <a:lumMod val="60000"/>
+              <a:lumOff val="40000"/>
+            </a:schemeClr>
+          </a:solidFill>
+        </p:spPr>
+        <p:style>
+          <a:lnRef idx="2">
+            <a:schemeClr val="accent1">
+              <a:shade val="50000"/>
+            </a:schemeClr>
+          </a:lnRef>
+          <a:fillRef idx="1">
+            <a:schemeClr val="accent1"/>
+          </a:fillRef>
+          <a:effectRef idx="0">
+            <a:schemeClr val="accent1"/>
+          </a:effectRef>
+          <a:fontRef idx="minor">
+            <a:schemeClr val="lt1"/>
+          </a:fontRef>
+        </p:style>
+        <p:txBody>
+          <a:bodyPr rtlCol="0" anchor="ctr"/>
+          <a:lstStyle/>
+          <a:p>
+            <a:pPr algn="ctr"/>
+            <a:r>
+              <a:rPr lang="ko-KR" altLang="en-US" dirty="0" err="1" smtClean="0">
+                <a:solidFill>
+                  <a:schemeClr val="tx2"/>
+                </a:solidFill>
+              </a:rPr>
+              <a:t>샵</a:t>
+            </a:r>
+            <a:r>
+              <a:rPr lang="en-US" altLang="ko-KR" dirty="0" smtClean="0">
+                <a:solidFill>
+                  <a:schemeClr val="tx2"/>
+                </a:solidFill>
+              </a:rPr>
+              <a:t>, </a:t>
+            </a:r>
+            <a:r>
+              <a:rPr lang="ko-KR" altLang="en-US" dirty="0" smtClean="0">
+                <a:solidFill>
+                  <a:schemeClr val="tx2"/>
+                </a:solidFill>
+              </a:rPr>
+              <a:t>아티스트 소개</a:t>
+            </a:r>
+            <a:endParaRPr lang="ko-KR" altLang="en-US" dirty="0">
+              <a:solidFill>
+                <a:schemeClr val="tx2"/>
+              </a:solidFill>
+            </a:endParaRPr>
+          </a:p>
+        </p:txBody>
+      </p:sp>
+      <p:sp>
+        <p:nvSpPr>
+          <p:cNvPr id="23" name="직사각형 22"/>
+          <p:cNvSpPr/>
+          <p:nvPr/>
+        </p:nvSpPr>
+        <p:spPr>
+          <a:xfrm>
+            <a:off x="5690768" y="3356992"/>
+            <a:ext cx="2008019" cy="504056"/>
+          </a:xfrm>
+          <a:prstGeom prst="rect">
+            <a:avLst/>
+          </a:prstGeom>
+          <a:noFill/>
+        </p:spPr>
+        <p:style>
+          <a:lnRef idx="2">
+            <a:schemeClr val="accent1">
+              <a:shade val="50000"/>
+            </a:schemeClr>
+          </a:lnRef>
+          <a:fillRef idx="1">
+            <a:schemeClr val="accent1"/>
+          </a:fillRef>
+          <a:effectRef idx="0">
+            <a:schemeClr val="accent1"/>
+          </a:effectRef>
+          <a:fontRef idx="minor">
+            <a:schemeClr val="lt1"/>
+          </a:fontRef>
+        </p:style>
+        <p:txBody>
+          <a:bodyPr rtlCol="0" anchor="ctr"/>
+          <a:lstStyle/>
+          <a:p>
+            <a:pPr algn="ctr"/>
+            <a:r>
+              <a:rPr lang="ko-KR" altLang="en-US" dirty="0" smtClean="0">
+                <a:solidFill>
+                  <a:schemeClr val="tx2"/>
+                </a:solidFill>
+              </a:rPr>
+              <a:t>리</a:t>
+            </a:r>
+            <a:r>
+              <a:rPr lang="ko-KR" altLang="en-US" dirty="0">
+                <a:solidFill>
+                  <a:schemeClr val="tx2"/>
+                </a:solidFill>
+              </a:rPr>
+              <a:t>뷰</a:t>
+            </a:r>
+          </a:p>
+        </p:txBody>
+      </p:sp>
+    </p:spTree>
+    <p:extLst>
+      <p:ext uri="{BB962C8B-B14F-4D97-AF65-F5344CB8AC3E}">
+        <p14:creationId xmlns:p14="http://schemas.microsoft.com/office/powerpoint/2010/main" val="1293889877"/>
+      </p:ext>
+    </p:extLst>
+  </p:cSld>
+  <p:clrMapOvr>
+    <a:masterClrMapping/>
+  </p:clrMapOvr>
+  <p:timing>
+    <p:tnLst>
+      <p:par>
+        <p:cTn id="1" dur="indefinite" restart="never" nodeType="tmRoot"/>
+      </p:par>
+    </p:tnLst>
+  </p:timing>
+</p:sld>
+</file>
+
+<file path=ppt/slides/slide16.xml><?xml version="1.0" encoding="utf-8"?>
+<p:sld xmlns:a="http://schemas.openxmlformats.org/drawingml/2006/main" xmlns:r="http://schemas.openxmlformats.org/officeDocument/2006/relationships" xmlns:p="http://schemas.openxmlformats.org/presentationml/2006/main">
+  <p:cSld>
+    <p:spTree>
+      <p:nvGrpSpPr>
+        <p:cNvPr id="1" name=""/>
+        <p:cNvGrpSpPr/>
+        <p:nvPr/>
+      </p:nvGrpSpPr>
+      <p:grpSpPr>
+        <a:xfrm>
+          <a:off x="0" y="0"/>
+          <a:ext cx="0" cy="0"/>
+          <a:chOff x="0" y="0"/>
+          <a:chExt cx="0" cy="0"/>
+        </a:xfrm>
+      </p:grpSpPr>
+      <p:sp>
+        <p:nvSpPr>
+          <p:cNvPr id="2" name="제목 1"/>
+          <p:cNvSpPr>
+            <a:spLocks noGrp="1"/>
+          </p:cNvSpPr>
+          <p:nvPr>
+            <p:ph type="title"/>
+          </p:nvPr>
+        </p:nvSpPr>
+        <p:spPr/>
+        <p:txBody>
+          <a:bodyPr/>
+          <a:lstStyle/>
+          <a:p>
+            <a:r>
+              <a:rPr lang="ko-KR" altLang="en-US" dirty="0" smtClean="0"/>
+              <a:t>레이아웃 </a:t>
+            </a:r>
+            <a:r>
+              <a:rPr lang="en-US" altLang="ko-KR" dirty="0" smtClean="0"/>
+              <a:t>– </a:t>
+            </a:r>
+            <a:r>
+              <a:rPr lang="ko-KR" altLang="en-US" dirty="0" err="1" smtClean="0"/>
+              <a:t>샵</a:t>
+            </a:r>
+            <a:r>
+              <a:rPr lang="ko-KR" altLang="en-US" dirty="0" smtClean="0"/>
+              <a:t> 정보</a:t>
+            </a:r>
+            <a:endParaRPr lang="ko-KR" altLang="en-US" dirty="0"/>
+          </a:p>
+        </p:txBody>
+      </p:sp>
+      <p:sp>
+        <p:nvSpPr>
+          <p:cNvPr id="3" name="내용 개체 틀 2"/>
+          <p:cNvSpPr>
+            <a:spLocks noGrp="1"/>
+          </p:cNvSpPr>
+          <p:nvPr>
+            <p:ph idx="1"/>
+          </p:nvPr>
+        </p:nvSpPr>
+        <p:spPr/>
+        <p:txBody>
+          <a:bodyPr/>
+          <a:lstStyle/>
+          <a:p>
+            <a:r>
+              <a:rPr lang="ko-KR" altLang="en-US" dirty="0" err="1" smtClean="0"/>
+              <a:t>모바</a:t>
+            </a:r>
+            <a:r>
+              <a:rPr lang="ko-KR" altLang="en-US" dirty="0" err="1"/>
+              <a:t>일</a:t>
+            </a:r>
+            <a:endParaRPr lang="ko-KR" altLang="en-US" dirty="0"/>
+          </a:p>
+        </p:txBody>
+      </p:sp>
+      <p:sp>
+        <p:nvSpPr>
+          <p:cNvPr id="14" name="직사각형 13"/>
+          <p:cNvSpPr/>
+          <p:nvPr/>
+        </p:nvSpPr>
+        <p:spPr>
+          <a:xfrm>
+            <a:off x="2825444" y="1916832"/>
+            <a:ext cx="3258449" cy="4392488"/>
+          </a:xfrm>
+          <a:prstGeom prst="rect">
+            <a:avLst/>
+          </a:prstGeom>
+          <a:noFill/>
+        </p:spPr>
+        <p:style>
+          <a:lnRef idx="2">
+            <a:schemeClr val="accent1">
+              <a:shade val="50000"/>
+            </a:schemeClr>
+          </a:lnRef>
+          <a:fillRef idx="1">
+            <a:schemeClr val="accent1"/>
+          </a:fillRef>
+          <a:effectRef idx="0">
+            <a:schemeClr val="accent1"/>
+          </a:effectRef>
+          <a:fontRef idx="minor">
+            <a:schemeClr val="lt1"/>
+          </a:fontRef>
+        </p:style>
+        <p:txBody>
+          <a:bodyPr rtlCol="0" anchor="ctr"/>
+          <a:lstStyle/>
+          <a:p>
+            <a:pPr algn="ctr"/>
+            <a:endParaRPr lang="ko-KR" altLang="en-US"/>
+          </a:p>
+        </p:txBody>
+      </p:sp>
+      <p:sp>
+        <p:nvSpPr>
+          <p:cNvPr id="15" name="직사각형 14"/>
+          <p:cNvSpPr/>
+          <p:nvPr/>
+        </p:nvSpPr>
+        <p:spPr>
+          <a:xfrm>
+            <a:off x="2973423" y="2132856"/>
+            <a:ext cx="2956120" cy="432048"/>
+          </a:xfrm>
+          <a:prstGeom prst="rect">
+            <a:avLst/>
+          </a:prstGeom>
+          <a:noFill/>
+        </p:spPr>
+        <p:style>
+          <a:lnRef idx="2">
+            <a:schemeClr val="accent1">
+              <a:shade val="50000"/>
+            </a:schemeClr>
+          </a:lnRef>
+          <a:fillRef idx="1">
+            <a:schemeClr val="accent1"/>
+          </a:fillRef>
+          <a:effectRef idx="0">
+            <a:schemeClr val="accent1"/>
+          </a:effectRef>
+          <a:fontRef idx="minor">
+            <a:schemeClr val="lt1"/>
+          </a:fontRef>
+        </p:style>
+        <p:txBody>
+          <a:bodyPr rtlCol="0" anchor="ctr"/>
+          <a:lstStyle/>
+          <a:p>
+            <a:r>
+              <a:rPr lang="ko-KR" altLang="en-US" dirty="0" smtClean="0">
+                <a:solidFill>
+                  <a:schemeClr val="tx2"/>
+                </a:solidFill>
+              </a:rPr>
+              <a:t>로고</a:t>
+            </a:r>
+            <a:endParaRPr lang="ko-KR" altLang="en-US" dirty="0">
+              <a:solidFill>
+                <a:schemeClr val="tx2"/>
+              </a:solidFill>
+            </a:endParaRPr>
+          </a:p>
+        </p:txBody>
+      </p:sp>
+      <p:sp>
+        <p:nvSpPr>
+          <p:cNvPr id="16" name="직사각형 15"/>
+          <p:cNvSpPr/>
+          <p:nvPr/>
+        </p:nvSpPr>
+        <p:spPr>
+          <a:xfrm>
+            <a:off x="4385845" y="2132856"/>
+            <a:ext cx="735759" cy="216024"/>
+          </a:xfrm>
+          <a:prstGeom prst="rect">
+            <a:avLst/>
+          </a:prstGeom>
+          <a:noFill/>
+        </p:spPr>
+        <p:style>
+          <a:lnRef idx="2">
+            <a:schemeClr val="accent1">
+              <a:shade val="50000"/>
+            </a:schemeClr>
+          </a:lnRef>
+          <a:fillRef idx="1">
+            <a:schemeClr val="accent1"/>
+          </a:fillRef>
+          <a:effectRef idx="0">
+            <a:schemeClr val="accent1"/>
+          </a:effectRef>
+          <a:fontRef idx="minor">
+            <a:schemeClr val="lt1"/>
+          </a:fontRef>
+        </p:style>
+        <p:txBody>
+          <a:bodyPr rtlCol="0" anchor="ctr"/>
+          <a:lstStyle/>
+          <a:p>
+            <a:pPr algn="ctr"/>
+            <a:r>
+              <a:rPr lang="ko-KR" altLang="en-US" sz="1100" dirty="0" smtClean="0">
+                <a:solidFill>
+                  <a:schemeClr val="tx2"/>
+                </a:solidFill>
+              </a:rPr>
+              <a:t>로그인</a:t>
+            </a:r>
+            <a:endParaRPr lang="ko-KR" altLang="en-US" sz="1100" dirty="0">
+              <a:solidFill>
+                <a:schemeClr val="tx2"/>
+              </a:solidFill>
+            </a:endParaRPr>
+          </a:p>
+        </p:txBody>
+      </p:sp>
+      <p:sp>
+        <p:nvSpPr>
+          <p:cNvPr id="17" name="직사각형 16"/>
+          <p:cNvSpPr/>
+          <p:nvPr/>
+        </p:nvSpPr>
+        <p:spPr>
+          <a:xfrm>
+            <a:off x="5123047" y="2132856"/>
+            <a:ext cx="807785" cy="216024"/>
+          </a:xfrm>
+          <a:prstGeom prst="rect">
+            <a:avLst/>
+          </a:prstGeom>
+          <a:noFill/>
+        </p:spPr>
+        <p:style>
+          <a:lnRef idx="2">
+            <a:schemeClr val="accent1">
+              <a:shade val="50000"/>
+            </a:schemeClr>
+          </a:lnRef>
+          <a:fillRef idx="1">
+            <a:schemeClr val="accent1"/>
+          </a:fillRef>
+          <a:effectRef idx="0">
+            <a:schemeClr val="accent1"/>
+          </a:effectRef>
+          <a:fontRef idx="minor">
+            <a:schemeClr val="lt1"/>
+          </a:fontRef>
+        </p:style>
+        <p:txBody>
+          <a:bodyPr rtlCol="0" anchor="ctr"/>
+          <a:lstStyle/>
+          <a:p>
+            <a:pPr algn="ctr"/>
+            <a:r>
+              <a:rPr lang="ko-KR" altLang="en-US" sz="1100" dirty="0" smtClean="0">
+                <a:solidFill>
+                  <a:schemeClr val="tx2"/>
+                </a:solidFill>
+              </a:rPr>
+              <a:t>회원가</a:t>
+            </a:r>
+            <a:r>
+              <a:rPr lang="ko-KR" altLang="en-US" sz="1100" dirty="0">
+                <a:solidFill>
+                  <a:schemeClr val="tx2"/>
+                </a:solidFill>
+              </a:rPr>
+              <a:t>입</a:t>
+            </a:r>
+            <a:endParaRPr lang="ko-KR" altLang="en-US" sz="1400" dirty="0">
+              <a:solidFill>
+                <a:schemeClr val="tx2"/>
+              </a:solidFill>
+            </a:endParaRPr>
+          </a:p>
+        </p:txBody>
+      </p:sp>
+      <p:sp>
+        <p:nvSpPr>
+          <p:cNvPr id="18" name="직사각형 17"/>
+          <p:cNvSpPr/>
+          <p:nvPr/>
+        </p:nvSpPr>
+        <p:spPr>
+          <a:xfrm>
+            <a:off x="2973423" y="2708920"/>
+            <a:ext cx="2956120" cy="3456384"/>
+          </a:xfrm>
+          <a:prstGeom prst="rect">
+            <a:avLst/>
+          </a:prstGeom>
+          <a:noFill/>
+        </p:spPr>
+        <p:style>
+          <a:lnRef idx="2">
+            <a:schemeClr val="accent1">
+              <a:shade val="50000"/>
+            </a:schemeClr>
+          </a:lnRef>
+          <a:fillRef idx="1">
+            <a:schemeClr val="accent1"/>
+          </a:fillRef>
+          <a:effectRef idx="0">
+            <a:schemeClr val="accent1"/>
+          </a:effectRef>
+          <a:fontRef idx="minor">
+            <a:schemeClr val="lt1"/>
+          </a:fontRef>
+        </p:style>
+        <p:txBody>
+          <a:bodyPr rtlCol="0" anchor="ctr"/>
+          <a:lstStyle/>
+          <a:p>
+            <a:endParaRPr lang="ko-KR" altLang="en-US" dirty="0">
+              <a:solidFill>
+                <a:schemeClr val="tx2"/>
+              </a:solidFill>
+            </a:endParaRPr>
+          </a:p>
+        </p:txBody>
+      </p:sp>
+      <p:sp>
+        <p:nvSpPr>
+          <p:cNvPr id="29" name="직사각형 28"/>
+          <p:cNvSpPr/>
+          <p:nvPr/>
+        </p:nvSpPr>
+        <p:spPr>
+          <a:xfrm>
+            <a:off x="3851920" y="2718977"/>
+            <a:ext cx="1207076" cy="371431"/>
+          </a:xfrm>
+          <a:prstGeom prst="rect">
+            <a:avLst/>
+          </a:prstGeom>
+          <a:noFill/>
+        </p:spPr>
+        <p:style>
+          <a:lnRef idx="2">
+            <a:schemeClr val="accent1">
+              <a:shade val="50000"/>
+            </a:schemeClr>
+          </a:lnRef>
+          <a:fillRef idx="1">
+            <a:schemeClr val="accent1"/>
+          </a:fillRef>
+          <a:effectRef idx="0">
+            <a:schemeClr val="accent1"/>
+          </a:effectRef>
+          <a:fontRef idx="minor">
+            <a:schemeClr val="lt1"/>
+          </a:fontRef>
+        </p:style>
+        <p:txBody>
+          <a:bodyPr rtlCol="0" anchor="ctr"/>
+          <a:lstStyle/>
+          <a:p>
+            <a:pPr algn="ctr"/>
+            <a:r>
+              <a:rPr lang="ko-KR" altLang="en-US" dirty="0" smtClean="0">
+                <a:solidFill>
+                  <a:schemeClr val="tx2"/>
+                </a:solidFill>
+              </a:rPr>
+              <a:t>작품 사진</a:t>
+            </a:r>
+            <a:endParaRPr lang="ko-KR" altLang="en-US" dirty="0">
+              <a:solidFill>
+                <a:schemeClr val="tx2"/>
+              </a:solidFill>
+            </a:endParaRPr>
+          </a:p>
+        </p:txBody>
+      </p:sp>
+      <p:sp>
+        <p:nvSpPr>
+          <p:cNvPr id="30" name="직사각형 29"/>
+          <p:cNvSpPr/>
+          <p:nvPr/>
+        </p:nvSpPr>
+        <p:spPr>
+          <a:xfrm>
+            <a:off x="2973423" y="2708920"/>
+            <a:ext cx="878497" cy="381488"/>
+          </a:xfrm>
+          <a:prstGeom prst="rect">
+            <a:avLst/>
+          </a:prstGeom>
+          <a:solidFill>
+            <a:schemeClr val="tx2">
+              <a:lumMod val="60000"/>
+              <a:lumOff val="40000"/>
+            </a:schemeClr>
+          </a:solidFill>
+        </p:spPr>
+        <p:style>
+          <a:lnRef idx="2">
+            <a:schemeClr val="accent1">
+              <a:shade val="50000"/>
+            </a:schemeClr>
+          </a:lnRef>
+          <a:fillRef idx="1">
+            <a:schemeClr val="accent1"/>
+          </a:fillRef>
+          <a:effectRef idx="0">
+            <a:schemeClr val="accent1"/>
+          </a:effectRef>
+          <a:fontRef idx="minor">
+            <a:schemeClr val="lt1"/>
+          </a:fontRef>
+        </p:style>
+        <p:txBody>
+          <a:bodyPr rtlCol="0" anchor="ctr"/>
+          <a:lstStyle/>
+          <a:p>
+            <a:pPr algn="ctr"/>
+            <a:r>
+              <a:rPr lang="ko-KR" altLang="en-US" dirty="0" smtClean="0">
+                <a:solidFill>
+                  <a:schemeClr val="tx2"/>
+                </a:solidFill>
+              </a:rPr>
+              <a:t>소개</a:t>
+            </a:r>
+            <a:endParaRPr lang="ko-KR" altLang="en-US" dirty="0">
+              <a:solidFill>
+                <a:schemeClr val="tx2"/>
+              </a:solidFill>
+            </a:endParaRPr>
+          </a:p>
+        </p:txBody>
+      </p:sp>
+      <p:sp>
+        <p:nvSpPr>
+          <p:cNvPr id="31" name="직사각형 30"/>
+          <p:cNvSpPr/>
+          <p:nvPr/>
+        </p:nvSpPr>
+        <p:spPr>
+          <a:xfrm>
+            <a:off x="5053665" y="2718977"/>
+            <a:ext cx="875878" cy="371431"/>
+          </a:xfrm>
+          <a:prstGeom prst="rect">
+            <a:avLst/>
+          </a:prstGeom>
+          <a:noFill/>
+        </p:spPr>
+        <p:style>
+          <a:lnRef idx="2">
+            <a:schemeClr val="accent1">
+              <a:shade val="50000"/>
+            </a:schemeClr>
+          </a:lnRef>
+          <a:fillRef idx="1">
+            <a:schemeClr val="accent1"/>
+          </a:fillRef>
+          <a:effectRef idx="0">
+            <a:schemeClr val="accent1"/>
+          </a:effectRef>
+          <a:fontRef idx="minor">
+            <a:schemeClr val="lt1"/>
+          </a:fontRef>
+        </p:style>
+        <p:txBody>
+          <a:bodyPr rtlCol="0" anchor="ctr"/>
+          <a:lstStyle/>
+          <a:p>
+            <a:pPr algn="ctr"/>
+            <a:r>
+              <a:rPr lang="ko-KR" altLang="en-US" dirty="0" smtClean="0">
+                <a:solidFill>
+                  <a:schemeClr val="tx2"/>
+                </a:solidFill>
+              </a:rPr>
+              <a:t>리</a:t>
+            </a:r>
+            <a:r>
+              <a:rPr lang="ko-KR" altLang="en-US" dirty="0">
+                <a:solidFill>
+                  <a:schemeClr val="tx2"/>
+                </a:solidFill>
+              </a:rPr>
+              <a:t>뷰</a:t>
+            </a:r>
+          </a:p>
+        </p:txBody>
+      </p:sp>
+    </p:spTree>
+    <p:extLst>
+      <p:ext uri="{BB962C8B-B14F-4D97-AF65-F5344CB8AC3E}">
+        <p14:creationId xmlns:p14="http://schemas.microsoft.com/office/powerpoint/2010/main" val="1779057598"/>
+      </p:ext>
+    </p:extLst>
+  </p:cSld>
+  <p:clrMapOvr>
+    <a:masterClrMapping/>
+  </p:clrMapOvr>
+  <p:timing>
+    <p:tnLst>
+      <p:par>
+        <p:cTn id="1" dur="indefinite" restart="never" nodeType="tmRoot"/>
+      </p:par>
+    </p:tnLst>
+  </p:timing>
+</p:sld>
+</file>
+
 <file path=ppt/slides/slide2.xml><?xml version="1.0" encoding="utf-8"?>
 <p:sld xmlns:a="http://schemas.openxmlformats.org/drawingml/2006/main" xmlns:r="http://schemas.openxmlformats.org/officeDocument/2006/relationships" xmlns:p="http://schemas.openxmlformats.org/presentationml/2006/main">
   <p:cSld>
@@ -6930,11 +8116,7 @@
             </a:r>
             <a:r>
               <a:rPr lang="ko-KR" altLang="en-US" dirty="0" smtClean="0"/>
-              <a:t> 찾는데 도움을 주기 </a:t>
-            </a:r>
-            <a:r>
-              <a:rPr lang="ko-KR" altLang="en-US" dirty="0" smtClean="0"/>
-              <a:t>위함</a:t>
+              <a:t> 찾는데 도움을 주기 위함</a:t>
             </a:r>
             <a:endParaRPr lang="en-US" altLang="ko-KR" dirty="0" smtClean="0"/>
           </a:p>
@@ -6958,11 +8140,7 @@
             </a:r>
             <a:r>
               <a:rPr lang="ko-KR" altLang="en-US" dirty="0" smtClean="0"/>
-              <a:t> 홍보 효과를 </a:t>
-            </a:r>
-            <a:r>
-              <a:rPr lang="ko-KR" altLang="en-US" dirty="0" smtClean="0"/>
-              <a:t>제공</a:t>
+              <a:t> 홍보 효과를 제공</a:t>
             </a:r>
             <a:endParaRPr lang="en-US" altLang="ko-KR" dirty="0" smtClean="0"/>
           </a:p>
